--- a/doc/MWVC.pptx
+++ b/doc/MWVC.pptx
@@ -5,7 +5,7 @@
     <p:sldMasterId id="2147483648" r:id="rId2"/>
     <p:sldMasterId id="2147483650" r:id="rId3"/>
     <p:sldMasterId id="2147483652" r:id="rId4"/>
-    <p:sldMasterId id="2147483655" r:id="rId5"/>
+    <p:sldMasterId id="2147483654" r:id="rId5"/>
     <p:sldMasterId id="2147483657" r:id="rId6"/>
     <p:sldMasterId id="2147483659" r:id="rId7"/>
     <p:sldMasterId id="2147483661" r:id="rId8"/>
@@ -13,33 +13,34 @@
     <p:sldMasterId id="2147483665" r:id="rId10"/>
     <p:sldMasterId id="2147483667" r:id="rId11"/>
     <p:sldMasterId id="2147483669" r:id="rId12"/>
+    <p:sldMasterId id="2147483671" r:id="rId13"/>
   </p:sldMasterIdLst>
   <p:sldIdLst>
-    <p:sldId id="256" r:id="rId13"/>
-    <p:sldId id="257" r:id="rId14"/>
-    <p:sldId id="258" r:id="rId15"/>
-    <p:sldId id="259" r:id="rId16"/>
-    <p:sldId id="260" r:id="rId17"/>
-    <p:sldId id="261" r:id="rId18"/>
-    <p:sldId id="262" r:id="rId19"/>
-    <p:sldId id="263" r:id="rId20"/>
-    <p:sldId id="264" r:id="rId21"/>
-    <p:sldId id="265" r:id="rId22"/>
-    <p:sldId id="266" r:id="rId23"/>
-    <p:sldId id="267" r:id="rId24"/>
-    <p:sldId id="268" r:id="rId25"/>
-    <p:sldId id="269" r:id="rId26"/>
-    <p:sldId id="270" r:id="rId27"/>
-    <p:sldId id="271" r:id="rId28"/>
-    <p:sldId id="272" r:id="rId29"/>
-    <p:sldId id="273" r:id="rId30"/>
-    <p:sldId id="274" r:id="rId31"/>
-    <p:sldId id="275" r:id="rId32"/>
-    <p:sldId id="276" r:id="rId33"/>
-    <p:sldId id="277" r:id="rId34"/>
+    <p:sldId id="256" r:id="rId14"/>
+    <p:sldId id="257" r:id="rId15"/>
+    <p:sldId id="258" r:id="rId16"/>
+    <p:sldId id="259" r:id="rId17"/>
+    <p:sldId id="260" r:id="rId18"/>
+    <p:sldId id="261" r:id="rId19"/>
+    <p:sldId id="262" r:id="rId20"/>
+    <p:sldId id="263" r:id="rId21"/>
+    <p:sldId id="264" r:id="rId22"/>
+    <p:sldId id="265" r:id="rId23"/>
+    <p:sldId id="266" r:id="rId24"/>
+    <p:sldId id="267" r:id="rId25"/>
+    <p:sldId id="268" r:id="rId26"/>
+    <p:sldId id="269" r:id="rId27"/>
+    <p:sldId id="270" r:id="rId28"/>
+    <p:sldId id="271" r:id="rId29"/>
+    <p:sldId id="272" r:id="rId30"/>
+    <p:sldId id="273" r:id="rId31"/>
+    <p:sldId id="274" r:id="rId32"/>
+    <p:sldId id="275" r:id="rId33"/>
+    <p:sldId id="276" r:id="rId34"/>
+    <p:sldId id="277" r:id="rId35"/>
   </p:sldIdLst>
   <p:sldSz cx="9144000" cy="5143500"/>
-  <p:notesSz cx="6858000" cy="9144000"/>
+  <p:notesSz cx="7559675" cy="10691813"/>
 </p:presentation>
 </file>
 
@@ -88,12 +89,12 @@
             <a:noAutofit/>
           </a:bodyPr>
           <a:p>
-            <a:pPr indent="0">
+            <a:pPr indent="0" algn="ctr">
               <a:buNone/>
             </a:pPr>
-            <a:endParaRPr b="0" lang="en-US" sz="1400" strike="noStrike" u="none">
-              <a:solidFill>
-                <a:srgbClr val="000000"/>
+            <a:endParaRPr b="0" lang="en-US" sz="4400" strike="noStrike" u="none">
+              <a:solidFill>
+                <a:srgbClr val="ffffff"/>
               </a:solidFill>
               <a:uFillTx/>
               <a:latin typeface="Arial"/>
@@ -156,7 +157,7 @@
         <p:txBody>
           <a:bodyPr/>
           <a:p>
-            <a:fld id="{0C417F87-6063-43CE-A697-4197727EB322}" type="slidenum">
+            <a:fld id="{09779BB5-D576-4143-AD52-EC7573E9FDC5}" type="slidenum">
               <a:t>&lt;#&gt;</a:t>
             </a:fld>
           </a:p>
@@ -168,6 +169,48 @@
 </file>
 
 <file path=ppt/slideLayouts/slideLayout10.xml><?xml version="1.0" encoding="utf-8"?>
+<p:sldLayout xmlns:a="http://schemas.openxmlformats.org/drawingml/2006/main" xmlns:p="http://schemas.openxmlformats.org/presentationml/2006/main" xmlns:r="http://schemas.openxmlformats.org/officeDocument/2006/relationships" xmlns:p14="http://schemas.microsoft.com/office/powerpoint/2010/main" xmlns:p15="http://schemas.microsoft.com/office/powerpoint/2012/main" xmlns:mc="http://schemas.openxmlformats.org/markup-compatibility/2006" type="blank" preserve="1">
+  <p:cSld name="ONE_COLUMN_TEXT">
+    <p:spTree>
+      <p:nvGrpSpPr>
+        <p:cNvPr id="1" name=""/>
+        <p:cNvGrpSpPr/>
+        <p:nvPr/>
+      </p:nvGrpSpPr>
+      <p:grpSpPr>
+        <a:xfrm>
+          <a:off x="0" y="0"/>
+          <a:ext cx="0" cy="0"/>
+          <a:chOff x="0" y="0"/>
+          <a:chExt cx="0" cy="0"/>
+        </a:xfrm>
+      </p:grpSpPr>
+      <p:sp>
+        <p:nvSpPr>
+          <p:cNvPr id="2" name="PlaceHolder 1"/>
+          <p:cNvSpPr>
+            <a:spLocks noGrp="1"/>
+          </p:cNvSpPr>
+          <p:nvPr>
+            <p:ph type="sldNum" idx="9"/>
+          </p:nvPr>
+        </p:nvSpPr>
+        <p:spPr/>
+        <p:txBody>
+          <a:bodyPr/>
+          <a:p>
+            <a:fld id="{C9DD9634-65E6-49A2-92C5-965DA1E43AE5}" type="slidenum">
+              <a:t>&lt;#&gt;</a:t>
+            </a:fld>
+          </a:p>
+        </p:txBody>
+      </p:sp>
+    </p:spTree>
+  </p:cSld>
+</p:sldLayout>
+</file>
+
+<file path=ppt/slideLayouts/slideLayout11.xml><?xml version="1.0" encoding="utf-8"?>
 <p:sldLayout xmlns:a="http://schemas.openxmlformats.org/drawingml/2006/main" xmlns:p="http://schemas.openxmlformats.org/presentationml/2006/main" xmlns:r="http://schemas.openxmlformats.org/officeDocument/2006/relationships" xmlns:p14="http://schemas.microsoft.com/office/powerpoint/2010/main" xmlns:p15="http://schemas.microsoft.com/office/powerpoint/2012/main" xmlns:mc="http://schemas.openxmlformats.org/markup-compatibility/2006" type="blank" preserve="1">
   <p:cSld name="MAIN_POINT">
     <p:spTree>
@@ -191,14 +234,14 @@
             <a:spLocks noGrp="1"/>
           </p:cNvSpPr>
           <p:nvPr>
-            <p:ph type="sldNum" idx="9"/>
+            <p:ph type="sldNum" idx="10"/>
           </p:nvPr>
         </p:nvSpPr>
         <p:spPr/>
         <p:txBody>
           <a:bodyPr/>
           <a:p>
-            <a:fld id="{E512CB75-01BD-4325-AE91-5310A26D6C91}" type="slidenum">
+            <a:fld id="{C94E457D-563B-43D0-B6A6-B7B90BDB32C3}" type="slidenum">
               <a:t>&lt;#&gt;</a:t>
             </a:fld>
           </a:p>
@@ -209,7 +252,7 @@
 </p:sldLayout>
 </file>
 
-<file path=ppt/slideLayouts/slideLayout11.xml><?xml version="1.0" encoding="utf-8"?>
+<file path=ppt/slideLayouts/slideLayout12.xml><?xml version="1.0" encoding="utf-8"?>
 <p:sldLayout xmlns:a="http://schemas.openxmlformats.org/drawingml/2006/main" xmlns:p="http://schemas.openxmlformats.org/presentationml/2006/main" xmlns:r="http://schemas.openxmlformats.org/officeDocument/2006/relationships" xmlns:p14="http://schemas.microsoft.com/office/powerpoint/2010/main" xmlns:p15="http://schemas.microsoft.com/office/powerpoint/2012/main" xmlns:mc="http://schemas.openxmlformats.org/markup-compatibility/2006" type="blank" preserve="1">
   <p:cSld name="SECTION_TITLE_AND_DESCRIPTION">
     <p:spTree>
@@ -233,14 +276,14 @@
             <a:spLocks noGrp="1"/>
           </p:cNvSpPr>
           <p:nvPr>
-            <p:ph type="sldNum" idx="10"/>
+            <p:ph type="sldNum" idx="11"/>
           </p:nvPr>
         </p:nvSpPr>
         <p:spPr/>
         <p:txBody>
           <a:bodyPr/>
           <a:p>
-            <a:fld id="{E0689A9E-A0AC-4FD1-BEB6-1333845A56D4}" type="slidenum">
+            <a:fld id="{1BCCA29C-5DE1-4011-BEDB-1650985418F3}" type="slidenum">
               <a:t>&lt;#&gt;</a:t>
             </a:fld>
           </a:p>
@@ -251,7 +294,7 @@
 </p:sldLayout>
 </file>
 
-<file path=ppt/slideLayouts/slideLayout12.xml><?xml version="1.0" encoding="utf-8"?>
+<file path=ppt/slideLayouts/slideLayout13.xml><?xml version="1.0" encoding="utf-8"?>
 <p:sldLayout xmlns:a="http://schemas.openxmlformats.org/drawingml/2006/main" xmlns:p="http://schemas.openxmlformats.org/presentationml/2006/main" xmlns:r="http://schemas.openxmlformats.org/officeDocument/2006/relationships" xmlns:p14="http://schemas.microsoft.com/office/powerpoint/2010/main" xmlns:p15="http://schemas.microsoft.com/office/powerpoint/2012/main" xmlns:mc="http://schemas.openxmlformats.org/markup-compatibility/2006" type="blank" preserve="1">
   <p:cSld name="CAPTION_ONLY">
     <p:spTree>
@@ -275,14 +318,14 @@
             <a:spLocks noGrp="1"/>
           </p:cNvSpPr>
           <p:nvPr>
-            <p:ph type="sldNum" idx="11"/>
+            <p:ph type="sldNum" idx="12"/>
           </p:nvPr>
         </p:nvSpPr>
         <p:spPr/>
         <p:txBody>
           <a:bodyPr/>
           <a:p>
-            <a:fld id="{C32906B2-25C3-4D92-AD53-D5F5A6D00CD3}" type="slidenum">
+            <a:fld id="{88A1B7C7-A2BF-4BE0-9D60-136A255F009B}" type="slidenum">
               <a:t>&lt;#&gt;</a:t>
             </a:fld>
           </a:p>
@@ -324,7 +367,7 @@
         <p:txBody>
           <a:bodyPr/>
           <a:p>
-            <a:fld id="{6A47ECCC-2425-4B5E-B9DE-273C58B94C2C}" type="slidenum">
+            <a:fld id="{CD795494-D442-41E5-9FD9-CC92AEC956BD}" type="slidenum">
               <a:t>&lt;#&gt;</a:t>
             </a:fld>
           </a:p>
@@ -354,7 +397,7 @@
       </p:grpSpPr>
       <p:sp>
         <p:nvSpPr>
-          <p:cNvPr id="16" name="PlaceHolder 1"/>
+          <p:cNvPr id="13" name="PlaceHolder 1"/>
           <p:cNvSpPr>
             <a:spLocks noGrp="1"/>
           </p:cNvSpPr>
@@ -380,22 +423,22 @@
             <a:noAutofit/>
           </a:bodyPr>
           <a:p>
-            <a:pPr indent="0">
+            <a:pPr indent="0" algn="ctr">
               <a:buNone/>
             </a:pPr>
-            <a:endParaRPr b="0" lang="en-US" sz="1400" strike="noStrike" u="none">
-              <a:solidFill>
-                <a:srgbClr val="000000"/>
-              </a:solidFill>
-              <a:uFillTx/>
-              <a:latin typeface="Arial"/>
-            </a:endParaRPr>
-          </a:p>
-        </p:txBody>
-      </p:sp>
-      <p:sp>
-        <p:nvSpPr>
-          <p:cNvPr id="17" name="PlaceHolder 2"/>
+            <a:endParaRPr b="0" lang="en-US" sz="4400" strike="noStrike" u="none">
+              <a:solidFill>
+                <a:srgbClr val="000000"/>
+              </a:solidFill>
+              <a:uFillTx/>
+              <a:latin typeface="Arial"/>
+            </a:endParaRPr>
+          </a:p>
+        </p:txBody>
+      </p:sp>
+      <p:sp>
+        <p:nvSpPr>
+          <p:cNvPr id="14" name="PlaceHolder 2"/>
           <p:cNvSpPr>
             <a:spLocks noGrp="1"/>
           </p:cNvSpPr>
@@ -448,7 +491,7 @@
         <p:txBody>
           <a:bodyPr/>
           <a:p>
-            <a:fld id="{D308861D-71FB-4993-9CEF-381F31EE6E08}" type="slidenum">
+            <a:fld id="{9619AA1A-8C75-4712-9604-164EBD405A81}" type="slidenum">
               <a:t>&lt;#&gt;</a:t>
             </a:fld>
           </a:p>
@@ -460,8 +503,8 @@
 </file>
 
 <file path=ppt/slideLayouts/slideLayout4.xml><?xml version="1.0" encoding="utf-8"?>
-<p:sldLayout xmlns:a="http://schemas.openxmlformats.org/drawingml/2006/main" xmlns:p="http://schemas.openxmlformats.org/presentationml/2006/main" xmlns:r="http://schemas.openxmlformats.org/officeDocument/2006/relationships" xmlns:p14="http://schemas.microsoft.com/office/powerpoint/2010/main" xmlns:p15="http://schemas.microsoft.com/office/powerpoint/2012/main" xmlns:mc="http://schemas.openxmlformats.org/markup-compatibility/2006" type="blank" preserve="1">
-  <p:cSld name="BLANK">
+<p:sldLayout xmlns:a="http://schemas.openxmlformats.org/drawingml/2006/main" xmlns:p="http://schemas.openxmlformats.org/presentationml/2006/main" xmlns:r="http://schemas.openxmlformats.org/officeDocument/2006/relationships" xmlns:p14="http://schemas.microsoft.com/office/powerpoint/2010/main" xmlns:p15="http://schemas.microsoft.com/office/powerpoint/2012/main" xmlns:mc="http://schemas.openxmlformats.org/markup-compatibility/2006" type="title" preserve="1">
+  <p:cSld name="Default">
     <p:spTree>
       <p:nvGrpSpPr>
         <p:cNvPr id="1" name=""/>
@@ -478,19 +521,101 @@
       </p:grpSpPr>
       <p:sp>
         <p:nvSpPr>
-          <p:cNvPr id="2" name="PlaceHolder 1"/>
+          <p:cNvPr id="18" name="PlaceHolder 1"/>
           <p:cNvSpPr>
             <a:spLocks noGrp="1"/>
           </p:cNvSpPr>
           <p:nvPr>
-            <p:ph type="sldNum" idx="3"/>
+            <p:ph type="title"/>
           </p:nvPr>
         </p:nvSpPr>
+        <p:spPr>
+          <a:xfrm>
+            <a:off x="457200" y="205200"/>
+            <a:ext cx="8229240" cy="858600"/>
+          </a:xfrm>
+          <a:prstGeom prst="rect">
+            <a:avLst/>
+          </a:prstGeom>
+          <a:noFill/>
+          <a:ln w="0">
+            <a:noFill/>
+          </a:ln>
+        </p:spPr>
+        <p:txBody>
+          <a:bodyPr lIns="0" rIns="0" tIns="0" bIns="0" anchor="ctr">
+            <a:noAutofit/>
+          </a:bodyPr>
+          <a:p>
+            <a:pPr indent="0" algn="ctr">
+              <a:buNone/>
+            </a:pPr>
+            <a:endParaRPr b="0" lang="en-US" sz="4400" strike="noStrike" u="none">
+              <a:solidFill>
+                <a:srgbClr val="000000"/>
+              </a:solidFill>
+              <a:uFillTx/>
+              <a:latin typeface="Arial"/>
+            </a:endParaRPr>
+          </a:p>
+        </p:txBody>
+      </p:sp>
+      <p:sp>
+        <p:nvSpPr>
+          <p:cNvPr id="19" name="PlaceHolder 2"/>
+          <p:cNvSpPr>
+            <a:spLocks noGrp="1"/>
+          </p:cNvSpPr>
+          <p:nvPr>
+            <p:ph type="subTitle"/>
+          </p:nvPr>
+        </p:nvSpPr>
+        <p:spPr>
+          <a:xfrm>
+            <a:off x="457200" y="1203480"/>
+            <a:ext cx="8229240" cy="2982960"/>
+          </a:xfrm>
+          <a:prstGeom prst="rect">
+            <a:avLst/>
+          </a:prstGeom>
+          <a:noFill/>
+          <a:ln w="0">
+            <a:noFill/>
+          </a:ln>
+        </p:spPr>
+        <p:txBody>
+          <a:bodyPr lIns="0" rIns="0" tIns="0" bIns="0" anchor="ctr">
+            <a:noAutofit/>
+          </a:bodyPr>
+          <a:p>
+            <a:pPr indent="0" algn="ctr">
+              <a:buNone/>
+            </a:pPr>
+            <a:endParaRPr b="0" lang="en-US" sz="3200" strike="noStrike" u="none">
+              <a:solidFill>
+                <a:srgbClr val="000000"/>
+              </a:solidFill>
+              <a:uFillTx/>
+              <a:latin typeface="Arial"/>
+            </a:endParaRPr>
+          </a:p>
+        </p:txBody>
+      </p:sp>
+      <p:sp>
+        <p:nvSpPr>
+          <p:cNvPr id="4" name="PlaceHolder 3"/>
+          <p:cNvSpPr>
+            <a:spLocks noGrp="1"/>
+          </p:cNvSpPr>
+          <p:nvPr>
+            <p:ph type="sldNum" idx="4"/>
+          </p:nvPr>
+        </p:nvSpPr>
         <p:spPr/>
         <p:txBody>
           <a:bodyPr/>
           <a:p>
-            <a:fld id="{BA5E5F9E-105B-4FCD-A2BE-7103B76C1508}" type="slidenum">
+            <a:fld id="{F2E02508-C52C-44AB-A0CF-146D9FEFBBE1}" type="slidenum">
               <a:t>&lt;#&gt;</a:t>
             </a:fld>
           </a:p>
@@ -502,6 +627,48 @@
 </file>
 
 <file path=ppt/slideLayouts/slideLayout5.xml><?xml version="1.0" encoding="utf-8"?>
+<p:sldLayout xmlns:a="http://schemas.openxmlformats.org/drawingml/2006/main" xmlns:p="http://schemas.openxmlformats.org/presentationml/2006/main" xmlns:r="http://schemas.openxmlformats.org/officeDocument/2006/relationships" xmlns:p14="http://schemas.microsoft.com/office/powerpoint/2010/main" xmlns:p15="http://schemas.microsoft.com/office/powerpoint/2012/main" xmlns:mc="http://schemas.openxmlformats.org/markup-compatibility/2006" type="blank" preserve="1">
+  <p:cSld name="Default">
+    <p:spTree>
+      <p:nvGrpSpPr>
+        <p:cNvPr id="1" name=""/>
+        <p:cNvGrpSpPr/>
+        <p:nvPr/>
+      </p:nvGrpSpPr>
+      <p:grpSpPr>
+        <a:xfrm>
+          <a:off x="0" y="0"/>
+          <a:ext cx="0" cy="0"/>
+          <a:chOff x="0" y="0"/>
+          <a:chExt cx="0" cy="0"/>
+        </a:xfrm>
+      </p:grpSpPr>
+      <p:sp>
+        <p:nvSpPr>
+          <p:cNvPr id="2" name="PlaceHolder 1"/>
+          <p:cNvSpPr>
+            <a:spLocks noGrp="1"/>
+          </p:cNvSpPr>
+          <p:nvPr>
+            <p:ph type="sldNum" idx="4"/>
+          </p:nvPr>
+        </p:nvSpPr>
+        <p:spPr/>
+        <p:txBody>
+          <a:bodyPr/>
+          <a:p>
+            <a:fld id="{935C26A4-4581-42CA-9752-EE65D73215EF}" type="slidenum">
+              <a:t>&lt;#&gt;</a:t>
+            </a:fld>
+          </a:p>
+        </p:txBody>
+      </p:sp>
+    </p:spTree>
+  </p:cSld>
+</p:sldLayout>
+</file>
+
+<file path=ppt/slideLayouts/slideLayout6.xml><?xml version="1.0" encoding="utf-8"?>
 <p:sldLayout xmlns:a="http://schemas.openxmlformats.org/drawingml/2006/main" xmlns:p="http://schemas.openxmlformats.org/presentationml/2006/main" xmlns:r="http://schemas.openxmlformats.org/officeDocument/2006/relationships" xmlns:p14="http://schemas.microsoft.com/office/powerpoint/2010/main" xmlns:p15="http://schemas.microsoft.com/office/powerpoint/2012/main" xmlns:mc="http://schemas.openxmlformats.org/markup-compatibility/2006" type="blank" preserve="1">
   <p:cSld name="SECTION_HEADER">
     <p:spTree>
@@ -525,14 +692,14 @@
             <a:spLocks noGrp="1"/>
           </p:cNvSpPr>
           <p:nvPr>
-            <p:ph type="sldNum" idx="4"/>
+            <p:ph type="sldNum" idx="5"/>
           </p:nvPr>
         </p:nvSpPr>
         <p:spPr/>
         <p:txBody>
           <a:bodyPr/>
           <a:p>
-            <a:fld id="{3AE98E66-D644-4577-B97C-95306D6ADAD7}" type="slidenum">
+            <a:fld id="{92B5A61A-7898-44A6-84A3-336DA7A19E92}" type="slidenum">
               <a:t>&lt;#&gt;</a:t>
             </a:fld>
           </a:p>
@@ -543,7 +710,7 @@
 </p:sldLayout>
 </file>
 
-<file path=ppt/slideLayouts/slideLayout6.xml><?xml version="1.0" encoding="utf-8"?>
+<file path=ppt/slideLayouts/slideLayout7.xml><?xml version="1.0" encoding="utf-8"?>
 <p:sldLayout xmlns:a="http://schemas.openxmlformats.org/drawingml/2006/main" xmlns:p="http://schemas.openxmlformats.org/presentationml/2006/main" xmlns:r="http://schemas.openxmlformats.org/officeDocument/2006/relationships" xmlns:p14="http://schemas.microsoft.com/office/powerpoint/2010/main" xmlns:p15="http://schemas.microsoft.com/office/powerpoint/2012/main" xmlns:mc="http://schemas.openxmlformats.org/markup-compatibility/2006" type="tx" preserve="1">
   <p:cSld name="TITLE_AND_BODY">
     <p:spTree>
@@ -562,7 +729,7 @@
       </p:grpSpPr>
       <p:sp>
         <p:nvSpPr>
-          <p:cNvPr id="28" name="PlaceHolder 1"/>
+          <p:cNvPr id="29" name="PlaceHolder 1"/>
           <p:cNvSpPr>
             <a:spLocks noGrp="1"/>
           </p:cNvSpPr>
@@ -588,22 +755,22 @@
             <a:noAutofit/>
           </a:bodyPr>
           <a:p>
-            <a:pPr indent="0">
+            <a:pPr indent="0" algn="ctr">
               <a:buNone/>
             </a:pPr>
-            <a:endParaRPr b="0" lang="en-US" sz="1400" strike="noStrike" u="none">
-              <a:solidFill>
-                <a:srgbClr val="000000"/>
-              </a:solidFill>
-              <a:uFillTx/>
-              <a:latin typeface="Arial"/>
-            </a:endParaRPr>
-          </a:p>
-        </p:txBody>
-      </p:sp>
-      <p:sp>
-        <p:nvSpPr>
-          <p:cNvPr id="29" name="PlaceHolder 2"/>
+            <a:endParaRPr b="0" lang="en-US" sz="4400" strike="noStrike" u="none">
+              <a:solidFill>
+                <a:srgbClr val="000000"/>
+              </a:solidFill>
+              <a:uFillTx/>
+              <a:latin typeface="Arial"/>
+            </a:endParaRPr>
+          </a:p>
+        </p:txBody>
+      </p:sp>
+      <p:sp>
+        <p:nvSpPr>
+          <p:cNvPr id="30" name="PlaceHolder 2"/>
           <p:cNvSpPr>
             <a:spLocks noGrp="1"/>
           </p:cNvSpPr>
@@ -635,7 +802,7 @@
               </a:spcBef>
               <a:buNone/>
             </a:pPr>
-            <a:endParaRPr b="0" lang="en-US" sz="1400" strike="noStrike" u="none">
+            <a:endParaRPr b="0" lang="en-US" sz="3200" strike="noStrike" u="none">
               <a:solidFill>
                 <a:srgbClr val="000000"/>
               </a:solidFill>
@@ -652,14 +819,14 @@
             <a:spLocks noGrp="1"/>
           </p:cNvSpPr>
           <p:nvPr>
-            <p:ph type="sldNum" idx="5"/>
+            <p:ph type="sldNum" idx="6"/>
           </p:nvPr>
         </p:nvSpPr>
         <p:spPr/>
         <p:txBody>
           <a:bodyPr/>
           <a:p>
-            <a:fld id="{D03B996A-1CD8-4DF5-B2C4-4B8B93F7D7FD}" type="slidenum">
+            <a:fld id="{6BE019F4-EB7A-44BE-9F29-D3C08BF61B54}" type="slidenum">
               <a:t>&lt;#&gt;</a:t>
             </a:fld>
           </a:p>
@@ -670,7 +837,7 @@
 </p:sldLayout>
 </file>
 
-<file path=ppt/slideLayouts/slideLayout7.xml><?xml version="1.0" encoding="utf-8"?>
+<file path=ppt/slideLayouts/slideLayout8.xml><?xml version="1.0" encoding="utf-8"?>
 <p:sldLayout xmlns:a="http://schemas.openxmlformats.org/drawingml/2006/main" xmlns:p="http://schemas.openxmlformats.org/presentationml/2006/main" xmlns:r="http://schemas.openxmlformats.org/officeDocument/2006/relationships" xmlns:p14="http://schemas.microsoft.com/office/powerpoint/2010/main" xmlns:p15="http://schemas.microsoft.com/office/powerpoint/2012/main" xmlns:mc="http://schemas.openxmlformats.org/markup-compatibility/2006" type="twoObj" preserve="1">
   <p:cSld name="TITLE_AND_TWO_COLUMNS">
     <p:spTree>
@@ -689,7 +856,7 @@
       </p:grpSpPr>
       <p:sp>
         <p:nvSpPr>
-          <p:cNvPr id="37" name="PlaceHolder 1"/>
+          <p:cNvPr id="38" name="PlaceHolder 1"/>
           <p:cNvSpPr>
             <a:spLocks noGrp="1"/>
           </p:cNvSpPr>
@@ -715,22 +882,22 @@
             <a:noAutofit/>
           </a:bodyPr>
           <a:p>
-            <a:pPr indent="0">
+            <a:pPr indent="0" algn="ctr">
               <a:buNone/>
             </a:pPr>
-            <a:endParaRPr b="0" lang="en-US" sz="1400" strike="noStrike" u="none">
-              <a:solidFill>
-                <a:srgbClr val="000000"/>
-              </a:solidFill>
-              <a:uFillTx/>
-              <a:latin typeface="Arial"/>
-            </a:endParaRPr>
-          </a:p>
-        </p:txBody>
-      </p:sp>
-      <p:sp>
-        <p:nvSpPr>
-          <p:cNvPr id="38" name="PlaceHolder 2"/>
+            <a:endParaRPr b="0" lang="en-US" sz="4400" strike="noStrike" u="none">
+              <a:solidFill>
+                <a:srgbClr val="000000"/>
+              </a:solidFill>
+              <a:uFillTx/>
+              <a:latin typeface="Arial"/>
+            </a:endParaRPr>
+          </a:p>
+        </p:txBody>
+      </p:sp>
+      <p:sp>
+        <p:nvSpPr>
+          <p:cNvPr id="39" name="PlaceHolder 2"/>
           <p:cNvSpPr>
             <a:spLocks noGrp="1"/>
           </p:cNvSpPr>
@@ -762,19 +929,19 @@
               </a:spcBef>
               <a:buNone/>
             </a:pPr>
-            <a:endParaRPr b="0" lang="en-US" sz="1400" strike="noStrike" u="none">
-              <a:solidFill>
-                <a:srgbClr val="000000"/>
-              </a:solidFill>
-              <a:uFillTx/>
-              <a:latin typeface="Arial"/>
-            </a:endParaRPr>
-          </a:p>
-        </p:txBody>
-      </p:sp>
-      <p:sp>
-        <p:nvSpPr>
-          <p:cNvPr id="39" name="PlaceHolder 3"/>
+            <a:endParaRPr b="0" lang="en-US" sz="3200" strike="noStrike" u="none">
+              <a:solidFill>
+                <a:srgbClr val="000000"/>
+              </a:solidFill>
+              <a:uFillTx/>
+              <a:latin typeface="Arial"/>
+            </a:endParaRPr>
+          </a:p>
+        </p:txBody>
+      </p:sp>
+      <p:sp>
+        <p:nvSpPr>
+          <p:cNvPr id="40" name="PlaceHolder 3"/>
           <p:cNvSpPr>
             <a:spLocks noGrp="1"/>
           </p:cNvSpPr>
@@ -806,7 +973,7 @@
               </a:spcBef>
               <a:buNone/>
             </a:pPr>
-            <a:endParaRPr b="0" lang="en-US" sz="1400" strike="noStrike" u="none">
+            <a:endParaRPr b="0" lang="en-US" sz="3200" strike="noStrike" u="none">
               <a:solidFill>
                 <a:srgbClr val="000000"/>
               </a:solidFill>
@@ -823,14 +990,14 @@
             <a:spLocks noGrp="1"/>
           </p:cNvSpPr>
           <p:nvPr>
-            <p:ph type="sldNum" idx="6"/>
+            <p:ph type="sldNum" idx="7"/>
           </p:nvPr>
         </p:nvSpPr>
         <p:spPr/>
         <p:txBody>
           <a:bodyPr/>
           <a:p>
-            <a:fld id="{C3B8E61A-B39E-42E4-BA18-7C1C15118F76}" type="slidenum">
+            <a:fld id="{F12E9E16-9C9F-4257-B7DE-0807B6124652}" type="slidenum">
               <a:t>&lt;#&gt;</a:t>
             </a:fld>
           </a:p>
@@ -841,7 +1008,7 @@
 </p:sldLayout>
 </file>
 
-<file path=ppt/slideLayouts/slideLayout8.xml><?xml version="1.0" encoding="utf-8"?>
+<file path=ppt/slideLayouts/slideLayout9.xml><?xml version="1.0" encoding="utf-8"?>
 <p:sldLayout xmlns:a="http://schemas.openxmlformats.org/drawingml/2006/main" xmlns:p="http://schemas.openxmlformats.org/presentationml/2006/main" xmlns:r="http://schemas.openxmlformats.org/officeDocument/2006/relationships" xmlns:p14="http://schemas.microsoft.com/office/powerpoint/2010/main" xmlns:p15="http://schemas.microsoft.com/office/powerpoint/2012/main" xmlns:mc="http://schemas.openxmlformats.org/markup-compatibility/2006" type="titleOnly" preserve="1">
   <p:cSld name="TITLE_ONLY">
     <p:spTree>
@@ -860,7 +1027,7 @@
       </p:grpSpPr>
       <p:sp>
         <p:nvSpPr>
-          <p:cNvPr id="42" name="PlaceHolder 1"/>
+          <p:cNvPr id="43" name="PlaceHolder 1"/>
           <p:cNvSpPr>
             <a:spLocks noGrp="1"/>
           </p:cNvSpPr>
@@ -886,10 +1053,10 @@
             <a:noAutofit/>
           </a:bodyPr>
           <a:p>
-            <a:pPr indent="0">
+            <a:pPr indent="0" algn="ctr">
               <a:buNone/>
             </a:pPr>
-            <a:endParaRPr b="0" lang="en-US" sz="1400" strike="noStrike" u="none">
+            <a:endParaRPr b="0" lang="en-US" sz="4400" strike="noStrike" u="none">
               <a:solidFill>
                 <a:srgbClr val="000000"/>
               </a:solidFill>
@@ -902,48 +1069,6 @@
       <p:sp>
         <p:nvSpPr>
           <p:cNvPr id="3" name="PlaceHolder 2"/>
-          <p:cNvSpPr>
-            <a:spLocks noGrp="1"/>
-          </p:cNvSpPr>
-          <p:nvPr>
-            <p:ph type="sldNum" idx="7"/>
-          </p:nvPr>
-        </p:nvSpPr>
-        <p:spPr/>
-        <p:txBody>
-          <a:bodyPr/>
-          <a:p>
-            <a:fld id="{72726FB6-D276-40F7-84C2-F0764A4BB61A}" type="slidenum">
-              <a:t>&lt;#&gt;</a:t>
-            </a:fld>
-          </a:p>
-        </p:txBody>
-      </p:sp>
-    </p:spTree>
-  </p:cSld>
-</p:sldLayout>
-</file>
-
-<file path=ppt/slideLayouts/slideLayout9.xml><?xml version="1.0" encoding="utf-8"?>
-<p:sldLayout xmlns:a="http://schemas.openxmlformats.org/drawingml/2006/main" xmlns:p="http://schemas.openxmlformats.org/presentationml/2006/main" xmlns:r="http://schemas.openxmlformats.org/officeDocument/2006/relationships" xmlns:p14="http://schemas.microsoft.com/office/powerpoint/2010/main" xmlns:p15="http://schemas.microsoft.com/office/powerpoint/2012/main" xmlns:mc="http://schemas.openxmlformats.org/markup-compatibility/2006" type="blank" preserve="1">
-  <p:cSld name="ONE_COLUMN_TEXT">
-    <p:spTree>
-      <p:nvGrpSpPr>
-        <p:cNvPr id="1" name=""/>
-        <p:cNvGrpSpPr/>
-        <p:nvPr/>
-      </p:nvGrpSpPr>
-      <p:grpSpPr>
-        <a:xfrm>
-          <a:off x="0" y="0"/>
-          <a:ext cx="0" cy="0"/>
-          <a:chOff x="0" y="0"/>
-          <a:chExt cx="0" cy="0"/>
-        </a:xfrm>
-      </p:grpSpPr>
-      <p:sp>
-        <p:nvSpPr>
-          <p:cNvPr id="2" name="PlaceHolder 1"/>
           <p:cNvSpPr>
             <a:spLocks noGrp="1"/>
           </p:cNvSpPr>
@@ -955,7 +1080,7 @@
         <p:txBody>
           <a:bodyPr/>
           <a:p>
-            <a:fld id="{87EF37AD-A477-43DB-A4B0-784BB32D0D6F}" type="slidenum">
+            <a:fld id="{272E5FF5-35A2-4D68-A878-03546641D85C}" type="slidenum">
               <a:t>&lt;#&gt;</a:t>
             </a:fld>
           </a:p>
@@ -999,7 +1124,7 @@
         <p:spPr>
           <a:xfrm>
             <a:off x="2477520" y="415440"/>
-            <a:ext cx="6244560" cy="360"/>
+            <a:ext cx="6244920" cy="720"/>
           </a:xfrm>
           <a:prstGeom prst="straightConnector1">
             <a:avLst/>
@@ -1021,7 +1146,7 @@
         <p:spPr>
           <a:xfrm>
             <a:off x="2477520" y="4739760"/>
-            <a:ext cx="6244560" cy="360"/>
+            <a:ext cx="6244920" cy="720"/>
           </a:xfrm>
           <a:prstGeom prst="straightConnector1">
             <a:avLst/>
@@ -1043,7 +1168,7 @@
         <p:spPr>
           <a:xfrm>
             <a:off x="425160" y="415440"/>
-            <a:ext cx="183600" cy="360"/>
+            <a:ext cx="183960" cy="720"/>
           </a:xfrm>
           <a:prstGeom prst="straightConnector1">
             <a:avLst/>
@@ -1068,8 +1193,8 @@
         </p:nvSpPr>
         <p:spPr>
           <a:xfrm>
-            <a:off x="2371680" y="630360"/>
-            <a:ext cx="6331320" cy="1541520"/>
+            <a:off x="457200" y="205200"/>
+            <a:ext cx="8228880" cy="858240"/>
           </a:xfrm>
           <a:prstGeom prst="rect">
             <a:avLst/>
@@ -1080,7 +1205,7 @@
           </a:ln>
         </p:spPr>
         <p:txBody>
-          <a:bodyPr lIns="91440" rIns="91440" tIns="91440" bIns="91440" anchor="t">
+          <a:bodyPr lIns="0" rIns="0" tIns="0" bIns="0" anchor="ctr">
             <a:noAutofit/>
           </a:bodyPr>
           <a:p>
@@ -1088,38 +1213,18 @@
               <a:buNone/>
             </a:pPr>
             <a:r>
-              <a:rPr b="0" lang="en-US" sz="4800" strike="noStrike" u="none">
-                <a:solidFill>
-                  <a:srgbClr val="000000"/>
+              <a:rPr b="0" lang="en-US" sz="1800" strike="noStrike" u="none">
+                <a:solidFill>
+                  <a:srgbClr val="ffffff"/>
                 </a:solidFill>
                 <a:uFillTx/>
                 <a:latin typeface="Arial"/>
               </a:rPr>
-              <a:t>Click to edit </a:t>
-            </a:r>
-            <a:r>
-              <a:rPr b="0" lang="en-US" sz="4800" strike="noStrike" u="none">
-                <a:solidFill>
-                  <a:srgbClr val="000000"/>
-                </a:solidFill>
-                <a:uFillTx/>
-                <a:latin typeface="Arial"/>
-              </a:rPr>
-              <a:t>the title text </a:t>
-            </a:r>
-            <a:r>
-              <a:rPr b="0" lang="en-US" sz="4800" strike="noStrike" u="none">
-                <a:solidFill>
-                  <a:srgbClr val="000000"/>
-                </a:solidFill>
-                <a:uFillTx/>
-                <a:latin typeface="Arial"/>
-              </a:rPr>
-              <a:t>format</a:t>
-            </a:r>
-            <a:endParaRPr b="0" lang="en-US" sz="4800" strike="noStrike" u="none">
-              <a:solidFill>
-                <a:srgbClr val="000000"/>
+              <a:t>Click to edit the title text format</a:t>
+            </a:r>
+            <a:endParaRPr b="0" lang="en-US" sz="1800" strike="noStrike" u="none">
+              <a:solidFill>
+                <a:srgbClr val="ffffff"/>
               </a:solidFill>
               <a:uFillTx/>
               <a:latin typeface="Arial"/>
@@ -1140,7 +1245,7 @@
         <p:spPr>
           <a:xfrm>
             <a:off x="8498160" y="4688640"/>
-            <a:ext cx="548280" cy="393120"/>
+            <a:ext cx="547920" cy="392760"/>
           </a:xfrm>
           <a:prstGeom prst="rect">
             <a:avLst/>
@@ -1183,7 +1288,7 @@
                 <a:tab algn="l" pos="0"/>
               </a:tabLst>
             </a:pPr>
-            <a:fld id="{7F02586D-46BB-45CA-9B83-74B8CA43F6A9}" type="slidenum">
+            <a:fld id="{1D9EA763-26E0-4B01-94D3-BE861473C62B}" type="slidenum">
               <a:rPr b="0" lang="en" sz="1000" strike="noStrike" u="none">
                 <a:solidFill>
                   <a:schemeClr val="lt1"/>
@@ -1244,18 +1349,18 @@
               <a:buChar char=""/>
             </a:pPr>
             <a:r>
-              <a:rPr b="0" lang="en-US" sz="1400" strike="noStrike" u="none">
-                <a:solidFill>
-                  <a:srgbClr val="000000"/>
+              <a:rPr b="0" lang="en-US" sz="3200" strike="noStrike" u="none">
+                <a:solidFill>
+                  <a:srgbClr val="ffffff"/>
                 </a:solidFill>
                 <a:uFillTx/>
                 <a:latin typeface="Arial"/>
               </a:rPr>
               <a:t>Click to edit the outline text format</a:t>
             </a:r>
-            <a:endParaRPr b="0" lang="en-US" sz="1400" strike="noStrike" u="none">
-              <a:solidFill>
-                <a:srgbClr val="000000"/>
+            <a:endParaRPr b="0" lang="en-US" sz="3200" strike="noStrike" u="none">
+              <a:solidFill>
+                <a:srgbClr val="ffffff"/>
               </a:solidFill>
               <a:uFillTx/>
               <a:latin typeface="Arial"/>
@@ -1274,18 +1379,18 @@
               <a:buChar char=""/>
             </a:pPr>
             <a:r>
-              <a:rPr b="0" lang="en-US" sz="1400" strike="noStrike" u="none">
-                <a:solidFill>
-                  <a:srgbClr val="000000"/>
+              <a:rPr b="0" lang="en-US" sz="2800" strike="noStrike" u="none">
+                <a:solidFill>
+                  <a:srgbClr val="ffffff"/>
                 </a:solidFill>
                 <a:uFillTx/>
                 <a:latin typeface="Arial"/>
               </a:rPr>
               <a:t>Second Outline Level</a:t>
             </a:r>
-            <a:endParaRPr b="0" lang="en-US" sz="1400" strike="noStrike" u="none">
-              <a:solidFill>
-                <a:srgbClr val="000000"/>
+            <a:endParaRPr b="0" lang="en-US" sz="2800" strike="noStrike" u="none">
+              <a:solidFill>
+                <a:srgbClr val="ffffff"/>
               </a:solidFill>
               <a:uFillTx/>
               <a:latin typeface="Arial"/>
@@ -1304,18 +1409,18 @@
               <a:buChar char=""/>
             </a:pPr>
             <a:r>
-              <a:rPr b="0" lang="en-US" sz="1400" strike="noStrike" u="none">
-                <a:solidFill>
-                  <a:srgbClr val="000000"/>
+              <a:rPr b="0" lang="en-US" sz="2400" strike="noStrike" u="none">
+                <a:solidFill>
+                  <a:srgbClr val="ffffff"/>
                 </a:solidFill>
                 <a:uFillTx/>
                 <a:latin typeface="Arial"/>
               </a:rPr>
               <a:t>Third Outline Level</a:t>
             </a:r>
-            <a:endParaRPr b="0" lang="en-US" sz="1400" strike="noStrike" u="none">
-              <a:solidFill>
-                <a:srgbClr val="000000"/>
+            <a:endParaRPr b="0" lang="en-US" sz="2400" strike="noStrike" u="none">
+              <a:solidFill>
+                <a:srgbClr val="ffffff"/>
               </a:solidFill>
               <a:uFillTx/>
               <a:latin typeface="Arial"/>
@@ -1334,18 +1439,18 @@
               <a:buChar char=""/>
             </a:pPr>
             <a:r>
-              <a:rPr b="0" lang="en-US" sz="1400" strike="noStrike" u="none">
-                <a:solidFill>
-                  <a:srgbClr val="000000"/>
+              <a:rPr b="0" lang="en-US" sz="2000" strike="noStrike" u="none">
+                <a:solidFill>
+                  <a:srgbClr val="ffffff"/>
                 </a:solidFill>
                 <a:uFillTx/>
                 <a:latin typeface="Arial"/>
               </a:rPr>
               <a:t>Fourth Outline Level</a:t>
             </a:r>
-            <a:endParaRPr b="0" lang="en-US" sz="1400" strike="noStrike" u="none">
-              <a:solidFill>
-                <a:srgbClr val="000000"/>
+            <a:endParaRPr b="0" lang="en-US" sz="2000" strike="noStrike" u="none">
+              <a:solidFill>
+                <a:srgbClr val="ffffff"/>
               </a:solidFill>
               <a:uFillTx/>
               <a:latin typeface="Arial"/>
@@ -1366,7 +1471,7 @@
             <a:r>
               <a:rPr b="0" lang="en-US" sz="2000" strike="noStrike" u="none">
                 <a:solidFill>
-                  <a:srgbClr val="000000"/>
+                  <a:srgbClr val="ffffff"/>
                 </a:solidFill>
                 <a:uFillTx/>
                 <a:latin typeface="Arial"/>
@@ -1375,7 +1480,7 @@
             </a:r>
             <a:endParaRPr b="0" lang="en-US" sz="2000" strike="noStrike" u="none">
               <a:solidFill>
-                <a:srgbClr val="000000"/>
+                <a:srgbClr val="ffffff"/>
               </a:solidFill>
               <a:uFillTx/>
               <a:latin typeface="Arial"/>
@@ -1396,7 +1501,7 @@
             <a:r>
               <a:rPr b="0" lang="en-US" sz="2000" strike="noStrike" u="none">
                 <a:solidFill>
-                  <a:srgbClr val="000000"/>
+                  <a:srgbClr val="ffffff"/>
                 </a:solidFill>
                 <a:uFillTx/>
                 <a:latin typeface="Arial"/>
@@ -1405,7 +1510,7 @@
             </a:r>
             <a:endParaRPr b="0" lang="en-US" sz="2000" strike="noStrike" u="none">
               <a:solidFill>
-                <a:srgbClr val="000000"/>
+                <a:srgbClr val="ffffff"/>
               </a:solidFill>
               <a:uFillTx/>
               <a:latin typeface="Arial"/>
@@ -1426,7 +1531,7 @@
             <a:r>
               <a:rPr b="0" lang="en-US" sz="2000" strike="noStrike" u="none">
                 <a:solidFill>
-                  <a:srgbClr val="000000"/>
+                  <a:srgbClr val="ffffff"/>
                 </a:solidFill>
                 <a:uFillTx/>
                 <a:latin typeface="Arial"/>
@@ -1435,7 +1540,7 @@
             </a:r>
             <a:endParaRPr b="0" lang="en-US" sz="2000" strike="noStrike" u="none">
               <a:solidFill>
-                <a:srgbClr val="000000"/>
+                <a:srgbClr val="ffffff"/>
               </a:solidFill>
               <a:uFillTx/>
               <a:latin typeface="Arial"/>
@@ -1458,7 +1563,7 @@
     <p:bg>
       <p:bgPr>
         <a:solidFill>
-          <a:schemeClr val="lt1"/>
+          <a:srgbClr val="353535"/>
         </a:solidFill>
       </p:bgPr>
     </p:bg>
@@ -1476,66 +1581,16 @@
           <a:chExt cx="0" cy="0"/>
         </a:xfrm>
       </p:grpSpPr>
-      <p:sp>
-        <p:nvSpPr>
-          <p:cNvPr id="51" name="Google Shape;49;p9"/>
-          <p:cNvSpPr/>
-          <p:nvPr/>
-        </p:nvSpPr>
-        <p:spPr>
-          <a:xfrm>
-            <a:off x="4572000" y="0"/>
-            <a:ext cx="4571640" cy="5143320"/>
-          </a:xfrm>
-          <a:prstGeom prst="rect">
-            <a:avLst/>
-          </a:prstGeom>
-          <a:solidFill>
-            <a:schemeClr val="dk1"/>
-          </a:solidFill>
-          <a:ln w="0">
-            <a:noFill/>
-          </a:ln>
-        </p:spPr>
-        <p:style>
-          <a:lnRef idx="0"/>
-          <a:fillRef idx="0"/>
-          <a:effectRef idx="0"/>
-          <a:fontRef idx="minor"/>
-        </p:style>
-        <p:txBody>
-          <a:bodyPr tIns="91440" bIns="91440" anchor="ctr">
-            <a:noAutofit/>
-          </a:bodyPr>
-          <a:p>
-            <a:pPr>
-              <a:lnSpc>
-                <a:spcPct val="100000"/>
-              </a:lnSpc>
-              <a:tabLst>
-                <a:tab algn="l" pos="0"/>
-              </a:tabLst>
-            </a:pPr>
-            <a:endParaRPr b="0" lang="en-US" sz="1400" strike="noStrike" u="none">
-              <a:solidFill>
-                <a:srgbClr val="ffffff"/>
-              </a:solidFill>
-              <a:uFillTx/>
-              <a:latin typeface="Arial"/>
-            </a:endParaRPr>
-          </a:p>
-        </p:txBody>
-      </p:sp>
       <p:cxnSp>
         <p:nvCxnSpPr>
-          <p:cNvPr id="52" name="Google Shape;50;p9"/>
+          <p:cNvPr id="46" name="Google Shape;45;p8"/>
           <p:cNvCxnSpPr/>
           <p:nvPr/>
         </p:nvCxnSpPr>
         <p:spPr>
           <a:xfrm>
-            <a:off x="5029560" y="4495320"/>
-            <a:ext cx="468720" cy="360"/>
+            <a:off x="425160" y="415440"/>
+            <a:ext cx="183960" cy="720"/>
           </a:xfrm>
           <a:prstGeom prst="straightConnector1">
             <a:avLst/>
@@ -1550,7 +1605,84 @@
       </p:cxnSp>
       <p:sp>
         <p:nvSpPr>
-          <p:cNvPr id="53" name="PlaceHolder 1"/>
+          <p:cNvPr id="47" name="PlaceHolder 1"/>
+          <p:cNvSpPr>
+            <a:spLocks noGrp="1"/>
+          </p:cNvSpPr>
+          <p:nvPr>
+            <p:ph type="sldNum" idx="10"/>
+          </p:nvPr>
+        </p:nvSpPr>
+        <p:spPr>
+          <a:xfrm>
+            <a:off x="8498160" y="4688640"/>
+            <a:ext cx="547920" cy="392760"/>
+          </a:xfrm>
+          <a:prstGeom prst="rect">
+            <a:avLst/>
+          </a:prstGeom>
+          <a:noFill/>
+          <a:ln w="0">
+            <a:noFill/>
+          </a:ln>
+        </p:spPr>
+        <p:txBody>
+          <a:bodyPr lIns="91440" rIns="91440" tIns="91440" bIns="91440" anchor="ctr">
+            <a:noAutofit/>
+          </a:bodyPr>
+          <a:lstStyle>
+            <a:lvl1pPr indent="0" algn="r">
+              <a:lnSpc>
+                <a:spcPct val="100000"/>
+              </a:lnSpc>
+              <a:buNone/>
+              <a:tabLst>
+                <a:tab algn="l" pos="0"/>
+              </a:tabLst>
+              <a:defRPr b="0" lang="en" sz="1000" strike="noStrike" u="none">
+                <a:solidFill>
+                  <a:schemeClr val="lt1"/>
+                </a:solidFill>
+                <a:uFillTx/>
+                <a:latin typeface="Lato"/>
+                <a:ea typeface="Lato"/>
+              </a:defRPr>
+            </a:lvl1pPr>
+          </a:lstStyle>
+          <a:p>
+            <a:pPr indent="0" algn="r">
+              <a:lnSpc>
+                <a:spcPct val="100000"/>
+              </a:lnSpc>
+              <a:buNone/>
+              <a:tabLst>
+                <a:tab algn="l" pos="0"/>
+              </a:tabLst>
+            </a:pPr>
+            <a:fld id="{C98BDC20-8C40-4EF1-9655-F10CE2B8D6F6}" type="slidenum">
+              <a:rPr b="0" lang="en" sz="1000" strike="noStrike" u="none">
+                <a:solidFill>
+                  <a:schemeClr val="lt1"/>
+                </a:solidFill>
+                <a:uFillTx/>
+                <a:latin typeface="Lato"/>
+                <a:ea typeface="Lato"/>
+              </a:rPr>
+              <a:t>&lt;number&gt;</a:t>
+            </a:fld>
+            <a:endParaRPr b="0" lang="en-US" sz="1000" strike="noStrike" u="none">
+              <a:solidFill>
+                <a:srgbClr val="ffffff"/>
+              </a:solidFill>
+              <a:uFillTx/>
+              <a:latin typeface="Times New Roman"/>
+            </a:endParaRPr>
+          </a:p>
+        </p:txBody>
+      </p:sp>
+      <p:sp>
+        <p:nvSpPr>
+          <p:cNvPr id="48" name="PlaceHolder 2"/>
           <p:cNvSpPr>
             <a:spLocks noGrp="1"/>
           </p:cNvSpPr>
@@ -1560,8 +1692,8 @@
         </p:nvSpPr>
         <p:spPr>
           <a:xfrm>
-            <a:off x="265680" y="1397520"/>
-            <a:ext cx="4044960" cy="1317960"/>
+            <a:off x="457200" y="205200"/>
+            <a:ext cx="8229240" cy="858600"/>
           </a:xfrm>
           <a:prstGeom prst="rect">
             <a:avLst/>
@@ -1572,36 +1704,36 @@
           </a:ln>
         </p:spPr>
         <p:txBody>
-          <a:bodyPr lIns="91440" rIns="91440" tIns="91440" bIns="91440" anchor="b">
+          <a:bodyPr lIns="0" rIns="0" tIns="0" bIns="0" anchor="ctr">
             <a:noAutofit/>
           </a:bodyPr>
           <a:p>
-            <a:pPr indent="0">
+            <a:pPr indent="0" algn="ctr">
               <a:buNone/>
             </a:pPr>
             <a:r>
-              <a:rPr b="0" lang="en-US" sz="3600" strike="noStrike" u="none">
-                <a:solidFill>
-                  <a:srgbClr val="000000"/>
+              <a:rPr b="0" lang="en-US" sz="4400" strike="noStrike" u="none">
+                <a:solidFill>
+                  <a:srgbClr val="ffffff"/>
                 </a:solidFill>
                 <a:uFillTx/>
                 <a:latin typeface="Arial"/>
               </a:rPr>
               <a:t>Click to edit the title text format</a:t>
             </a:r>
-            <a:endParaRPr b="0" lang="en-US" sz="3600" strike="noStrike" u="none">
-              <a:solidFill>
-                <a:srgbClr val="000000"/>
-              </a:solidFill>
-              <a:uFillTx/>
-              <a:latin typeface="Arial"/>
-            </a:endParaRPr>
-          </a:p>
-        </p:txBody>
-      </p:sp>
-      <p:sp>
-        <p:nvSpPr>
-          <p:cNvPr id="54" name="PlaceHolder 2"/>
+            <a:endParaRPr b="0" lang="en-US" sz="4400" strike="noStrike" u="none">
+              <a:solidFill>
+                <a:srgbClr val="ffffff"/>
+              </a:solidFill>
+              <a:uFillTx/>
+              <a:latin typeface="Arial"/>
+            </a:endParaRPr>
+          </a:p>
+        </p:txBody>
+      </p:sp>
+      <p:sp>
+        <p:nvSpPr>
+          <p:cNvPr id="49" name="PlaceHolder 3"/>
           <p:cNvSpPr>
             <a:spLocks noGrp="1"/>
           </p:cNvSpPr>
@@ -1611,8 +1743,8 @@
         </p:nvSpPr>
         <p:spPr>
           <a:xfrm>
-            <a:off x="4939560" y="724320"/>
-            <a:ext cx="3836520" cy="3694680"/>
+            <a:off x="457200" y="1203480"/>
+            <a:ext cx="8229240" cy="2982960"/>
           </a:xfrm>
           <a:prstGeom prst="rect">
             <a:avLst/>
@@ -1623,8 +1755,8 @@
           </a:ln>
         </p:spPr>
         <p:txBody>
-          <a:bodyPr lIns="91440" rIns="91440" tIns="91440" bIns="91440" anchor="ctr">
-            <a:noAutofit/>
+          <a:bodyPr lIns="0" rIns="0" tIns="0" bIns="0" anchor="t">
+            <a:normAutofit/>
           </a:bodyPr>
           <a:p>
             <a:pPr marL="432000" indent="-324000">
@@ -1632,25 +1764,25 @@
                 <a:spcPts val="1417"/>
               </a:spcBef>
               <a:buClr>
-                <a:srgbClr val="000000"/>
+                <a:srgbClr val="ffffff"/>
               </a:buClr>
               <a:buSzPct val="45000"/>
               <a:buFont typeface="Wingdings" charset="2"/>
               <a:buChar char=""/>
             </a:pPr>
             <a:r>
-              <a:rPr b="0" lang="en-US" sz="1800" strike="noStrike" u="none">
-                <a:solidFill>
-                  <a:srgbClr val="000000"/>
+              <a:rPr b="0" lang="en-US" sz="3200" strike="noStrike" u="none">
+                <a:solidFill>
+                  <a:srgbClr val="ffffff"/>
                 </a:solidFill>
                 <a:uFillTx/>
                 <a:latin typeface="Arial"/>
               </a:rPr>
               <a:t>Click to edit the outline text format</a:t>
             </a:r>
-            <a:endParaRPr b="0" lang="en-US" sz="1800" strike="noStrike" u="none">
-              <a:solidFill>
-                <a:srgbClr val="000000"/>
+            <a:endParaRPr b="0" lang="en-US" sz="3200" strike="noStrike" u="none">
+              <a:solidFill>
+                <a:srgbClr val="ffffff"/>
               </a:solidFill>
               <a:uFillTx/>
               <a:latin typeface="Arial"/>
@@ -1662,25 +1794,25 @@
                 <a:spcPts val="1134"/>
               </a:spcBef>
               <a:buClr>
-                <a:srgbClr val="000000"/>
+                <a:srgbClr val="ffffff"/>
               </a:buClr>
               <a:buSzPct val="75000"/>
               <a:buFont typeface="Symbol" charset="2"/>
               <a:buChar char=""/>
             </a:pPr>
             <a:r>
-              <a:rPr b="0" lang="en-US" sz="1800" strike="noStrike" u="none">
-                <a:solidFill>
-                  <a:srgbClr val="000000"/>
+              <a:rPr b="0" lang="en-US" sz="2800" strike="noStrike" u="none">
+                <a:solidFill>
+                  <a:srgbClr val="ffffff"/>
                 </a:solidFill>
                 <a:uFillTx/>
                 <a:latin typeface="Arial"/>
               </a:rPr>
               <a:t>Second Outline Level</a:t>
             </a:r>
-            <a:endParaRPr b="0" lang="en-US" sz="1800" strike="noStrike" u="none">
-              <a:solidFill>
-                <a:srgbClr val="000000"/>
+            <a:endParaRPr b="0" lang="en-US" sz="2800" strike="noStrike" u="none">
+              <a:solidFill>
+                <a:srgbClr val="ffffff"/>
               </a:solidFill>
               <a:uFillTx/>
               <a:latin typeface="Arial"/>
@@ -1692,25 +1824,25 @@
                 <a:spcPts val="850"/>
               </a:spcBef>
               <a:buClr>
-                <a:srgbClr val="000000"/>
+                <a:srgbClr val="ffffff"/>
               </a:buClr>
               <a:buSzPct val="45000"/>
               <a:buFont typeface="Wingdings" charset="2"/>
               <a:buChar char=""/>
             </a:pPr>
             <a:r>
-              <a:rPr b="0" lang="en-US" sz="1800" strike="noStrike" u="none">
-                <a:solidFill>
-                  <a:srgbClr val="000000"/>
+              <a:rPr b="0" lang="en-US" sz="2400" strike="noStrike" u="none">
+                <a:solidFill>
+                  <a:srgbClr val="ffffff"/>
                 </a:solidFill>
                 <a:uFillTx/>
                 <a:latin typeface="Arial"/>
               </a:rPr>
               <a:t>Third Outline Level</a:t>
             </a:r>
-            <a:endParaRPr b="0" lang="en-US" sz="1800" strike="noStrike" u="none">
-              <a:solidFill>
-                <a:srgbClr val="000000"/>
+            <a:endParaRPr b="0" lang="en-US" sz="2400" strike="noStrike" u="none">
+              <a:solidFill>
+                <a:srgbClr val="ffffff"/>
               </a:solidFill>
               <a:uFillTx/>
               <a:latin typeface="Arial"/>
@@ -1722,25 +1854,25 @@
                 <a:spcPts val="567"/>
               </a:spcBef>
               <a:buClr>
-                <a:srgbClr val="000000"/>
+                <a:srgbClr val="ffffff"/>
               </a:buClr>
               <a:buSzPct val="75000"/>
               <a:buFont typeface="Symbol" charset="2"/>
               <a:buChar char=""/>
             </a:pPr>
             <a:r>
-              <a:rPr b="0" lang="en-US" sz="1800" strike="noStrike" u="none">
-                <a:solidFill>
-                  <a:srgbClr val="000000"/>
+              <a:rPr b="0" lang="en-US" sz="2000" strike="noStrike" u="none">
+                <a:solidFill>
+                  <a:srgbClr val="ffffff"/>
                 </a:solidFill>
                 <a:uFillTx/>
                 <a:latin typeface="Arial"/>
               </a:rPr>
               <a:t>Fourth Outline Level</a:t>
             </a:r>
-            <a:endParaRPr b="0" lang="en-US" sz="1800" strike="noStrike" u="none">
-              <a:solidFill>
-                <a:srgbClr val="000000"/>
+            <a:endParaRPr b="0" lang="en-US" sz="2000" strike="noStrike" u="none">
+              <a:solidFill>
+                <a:srgbClr val="ffffff"/>
               </a:solidFill>
               <a:uFillTx/>
               <a:latin typeface="Arial"/>
@@ -1752,25 +1884,25 @@
                 <a:spcPts val="283"/>
               </a:spcBef>
               <a:buClr>
-                <a:srgbClr val="000000"/>
+                <a:srgbClr val="ffffff"/>
               </a:buClr>
               <a:buSzPct val="45000"/>
               <a:buFont typeface="Wingdings" charset="2"/>
               <a:buChar char=""/>
             </a:pPr>
             <a:r>
-              <a:rPr b="0" lang="en-US" sz="1800" strike="noStrike" u="none">
-                <a:solidFill>
-                  <a:srgbClr val="000000"/>
+              <a:rPr b="0" lang="en-US" sz="2000" strike="noStrike" u="none">
+                <a:solidFill>
+                  <a:srgbClr val="ffffff"/>
                 </a:solidFill>
                 <a:uFillTx/>
                 <a:latin typeface="Arial"/>
               </a:rPr>
               <a:t>Fifth Outline Level</a:t>
             </a:r>
-            <a:endParaRPr b="0" lang="en-US" sz="1800" strike="noStrike" u="none">
-              <a:solidFill>
-                <a:srgbClr val="000000"/>
+            <a:endParaRPr b="0" lang="en-US" sz="2000" strike="noStrike" u="none">
+              <a:solidFill>
+                <a:srgbClr val="ffffff"/>
               </a:solidFill>
               <a:uFillTx/>
               <a:latin typeface="Arial"/>
@@ -1782,25 +1914,25 @@
                 <a:spcPts val="283"/>
               </a:spcBef>
               <a:buClr>
-                <a:srgbClr val="000000"/>
+                <a:srgbClr val="ffffff"/>
               </a:buClr>
               <a:buSzPct val="45000"/>
               <a:buFont typeface="Wingdings" charset="2"/>
               <a:buChar char=""/>
             </a:pPr>
             <a:r>
-              <a:rPr b="0" lang="en-US" sz="1800" strike="noStrike" u="none">
-                <a:solidFill>
-                  <a:srgbClr val="000000"/>
+              <a:rPr b="0" lang="en-US" sz="2000" strike="noStrike" u="none">
+                <a:solidFill>
+                  <a:srgbClr val="ffffff"/>
                 </a:solidFill>
                 <a:uFillTx/>
                 <a:latin typeface="Arial"/>
               </a:rPr>
               <a:t>Sixth Outline Level</a:t>
             </a:r>
-            <a:endParaRPr b="0" lang="en-US" sz="1800" strike="noStrike" u="none">
-              <a:solidFill>
-                <a:srgbClr val="000000"/>
+            <a:endParaRPr b="0" lang="en-US" sz="2000" strike="noStrike" u="none">
+              <a:solidFill>
+                <a:srgbClr val="ffffff"/>
               </a:solidFill>
               <a:uFillTx/>
               <a:latin typeface="Arial"/>
@@ -1812,105 +1944,28 @@
                 <a:spcPts val="283"/>
               </a:spcBef>
               <a:buClr>
-                <a:srgbClr val="000000"/>
+                <a:srgbClr val="ffffff"/>
               </a:buClr>
               <a:buSzPct val="45000"/>
               <a:buFont typeface="Wingdings" charset="2"/>
               <a:buChar char=""/>
             </a:pPr>
             <a:r>
-              <a:rPr b="0" lang="en-US" sz="1800" strike="noStrike" u="none">
-                <a:solidFill>
-                  <a:srgbClr val="000000"/>
+              <a:rPr b="0" lang="en-US" sz="2000" strike="noStrike" u="none">
+                <a:solidFill>
+                  <a:srgbClr val="ffffff"/>
                 </a:solidFill>
                 <a:uFillTx/>
                 <a:latin typeface="Arial"/>
               </a:rPr>
               <a:t>Seventh Outline Level</a:t>
             </a:r>
-            <a:endParaRPr b="0" lang="en-US" sz="1800" strike="noStrike" u="none">
-              <a:solidFill>
-                <a:srgbClr val="000000"/>
-              </a:solidFill>
-              <a:uFillTx/>
-              <a:latin typeface="Arial"/>
-            </a:endParaRPr>
-          </a:p>
-        </p:txBody>
-      </p:sp>
-      <p:sp>
-        <p:nvSpPr>
-          <p:cNvPr id="55" name="PlaceHolder 3"/>
-          <p:cNvSpPr>
-            <a:spLocks noGrp="1"/>
-          </p:cNvSpPr>
-          <p:nvPr>
-            <p:ph type="sldNum" idx="10"/>
-          </p:nvPr>
-        </p:nvSpPr>
-        <p:spPr>
-          <a:xfrm>
-            <a:off x="8498160" y="4688640"/>
-            <a:ext cx="548280" cy="393120"/>
-          </a:xfrm>
-          <a:prstGeom prst="rect">
-            <a:avLst/>
-          </a:prstGeom>
-          <a:noFill/>
-          <a:ln w="0">
-            <a:noFill/>
-          </a:ln>
-        </p:spPr>
-        <p:txBody>
-          <a:bodyPr lIns="91440" rIns="91440" tIns="91440" bIns="91440" anchor="ctr">
-            <a:noAutofit/>
-          </a:bodyPr>
-          <a:lstStyle>
-            <a:lvl1pPr indent="0" algn="r">
-              <a:lnSpc>
-                <a:spcPct val="100000"/>
-              </a:lnSpc>
-              <a:buNone/>
-              <a:tabLst>
-                <a:tab algn="l" pos="0"/>
-              </a:tabLst>
-              <a:defRPr b="0" lang="en" sz="1000" strike="noStrike" u="none">
-                <a:solidFill>
-                  <a:schemeClr val="lt1"/>
-                </a:solidFill>
-                <a:uFillTx/>
-                <a:latin typeface="Lato"/>
-                <a:ea typeface="Lato"/>
-              </a:defRPr>
-            </a:lvl1pPr>
-          </a:lstStyle>
-          <a:p>
-            <a:pPr indent="0" algn="r">
-              <a:lnSpc>
-                <a:spcPct val="100000"/>
-              </a:lnSpc>
-              <a:buNone/>
-              <a:tabLst>
-                <a:tab algn="l" pos="0"/>
-              </a:tabLst>
-            </a:pPr>
-            <a:fld id="{76C62914-7303-4412-8BD7-FB57BCC0ED37}" type="slidenum">
-              <a:rPr b="0" lang="en" sz="1000" strike="noStrike" u="none">
-                <a:solidFill>
-                  <a:schemeClr val="lt1"/>
-                </a:solidFill>
-                <a:uFillTx/>
-                <a:latin typeface="Lato"/>
-                <a:ea typeface="Lato"/>
-              </a:rPr>
-              <a:t>&lt;number&gt;</a:t>
-            </a:fld>
-            <a:endParaRPr b="0" lang="en-US" sz="1000" strike="noStrike" u="none">
-              <a:solidFill>
-                <a:srgbClr val="000000"/>
-              </a:solidFill>
-              <a:uFillTx/>
-              <a:latin typeface="Times New Roman"/>
+            <a:endParaRPr b="0" lang="en-US" sz="2000" strike="noStrike" u="none">
+              <a:solidFill>
+                <a:srgbClr val="ffffff"/>
+              </a:solidFill>
+              <a:uFillTx/>
+              <a:latin typeface="Arial"/>
             </a:endParaRPr>
           </a:p>
         </p:txBody>
@@ -1948,292 +2003,81 @@
           <a:chExt cx="0" cy="0"/>
         </a:xfrm>
       </p:grpSpPr>
+      <p:sp>
+        <p:nvSpPr>
+          <p:cNvPr id="50" name="Google Shape;49;p9"/>
+          <p:cNvSpPr/>
+          <p:nvPr/>
+        </p:nvSpPr>
+        <p:spPr>
+          <a:xfrm>
+            <a:off x="4572000" y="0"/>
+            <a:ext cx="4571280" cy="5142960"/>
+          </a:xfrm>
+          <a:prstGeom prst="rect">
+            <a:avLst/>
+          </a:prstGeom>
+          <a:solidFill>
+            <a:schemeClr val="dk1"/>
+          </a:solidFill>
+          <a:ln w="0">
+            <a:noFill/>
+          </a:ln>
+        </p:spPr>
+        <p:style>
+          <a:lnRef idx="0"/>
+          <a:fillRef idx="0"/>
+          <a:effectRef idx="0"/>
+          <a:fontRef idx="minor"/>
+        </p:style>
+        <p:txBody>
+          <a:bodyPr lIns="90000" rIns="90000" tIns="91440" bIns="91440" anchor="ctr">
+            <a:noAutofit/>
+          </a:bodyPr>
+          <a:p>
+            <a:pPr>
+              <a:lnSpc>
+                <a:spcPct val="100000"/>
+              </a:lnSpc>
+              <a:tabLst>
+                <a:tab algn="l" pos="0"/>
+              </a:tabLst>
+            </a:pPr>
+            <a:endParaRPr b="0" lang="en-US" sz="1400" strike="noStrike" u="none">
+              <a:solidFill>
+                <a:srgbClr val="ffffff"/>
+              </a:solidFill>
+              <a:uFillTx/>
+              <a:latin typeface="Arial"/>
+            </a:endParaRPr>
+          </a:p>
+        </p:txBody>
+      </p:sp>
       <p:cxnSp>
         <p:nvCxnSpPr>
-          <p:cNvPr id="56" name="Google Shape;56;p10"/>
+          <p:cNvPr id="51" name="Google Shape;50;p9"/>
           <p:cNvCxnSpPr/>
           <p:nvPr/>
         </p:nvCxnSpPr>
         <p:spPr>
           <a:xfrm>
-            <a:off x="425160" y="4739760"/>
-            <a:ext cx="8296920" cy="360"/>
+            <a:off x="5029560" y="4495320"/>
+            <a:ext cx="469080" cy="720"/>
           </a:xfrm>
           <a:prstGeom prst="straightConnector1">
             <a:avLst/>
           </a:prstGeom>
           <a:ln w="19050">
             <a:solidFill>
-              <a:srgbClr val="000000"/>
+              <a:srgbClr val="ffffff"/>
             </a:solidFill>
             <a:round/>
           </a:ln>
         </p:spPr>
       </p:cxnSp>
-      <p:cxnSp>
-        <p:nvCxnSpPr>
-          <p:cNvPr id="57" name="Google Shape;57;p10"/>
-          <p:cNvCxnSpPr/>
-          <p:nvPr/>
-        </p:nvCxnSpPr>
-        <p:spPr>
-          <a:xfrm>
-            <a:off x="425160" y="415440"/>
-            <a:ext cx="183600" cy="360"/>
-          </a:xfrm>
-          <a:prstGeom prst="straightConnector1">
-            <a:avLst/>
-          </a:prstGeom>
-          <a:ln w="19050">
-            <a:solidFill>
-              <a:srgbClr val="000000"/>
-            </a:solidFill>
-            <a:round/>
-          </a:ln>
-        </p:spPr>
-      </p:cxnSp>
-      <p:sp>
-        <p:nvSpPr>
-          <p:cNvPr id="58" name="PlaceHolder 1"/>
-          <p:cNvSpPr>
-            <a:spLocks noGrp="1"/>
-          </p:cNvSpPr>
-          <p:nvPr>
-            <p:ph type="body"/>
-          </p:nvPr>
-        </p:nvSpPr>
-        <p:spPr>
-          <a:xfrm>
-            <a:off x="327960" y="4226040"/>
-            <a:ext cx="8388360" cy="393120"/>
-          </a:xfrm>
-          <a:prstGeom prst="rect">
-            <a:avLst/>
-          </a:prstGeom>
-          <a:noFill/>
-          <a:ln w="0">
-            <a:noFill/>
-          </a:ln>
-        </p:spPr>
-        <p:txBody>
-          <a:bodyPr lIns="91440" rIns="91440" tIns="91440" bIns="91440" anchor="ctr">
-            <a:noAutofit/>
-          </a:bodyPr>
-          <a:p>
-            <a:pPr marL="432000" indent="-324000">
-              <a:spcBef>
-                <a:spcPts val="1417"/>
-              </a:spcBef>
-              <a:buClr>
-                <a:srgbClr val="000000"/>
-              </a:buClr>
-              <a:buSzPct val="45000"/>
-              <a:buFont typeface="Wingdings" charset="2"/>
-              <a:buChar char=""/>
-            </a:pPr>
-            <a:r>
-              <a:rPr b="0" lang="en-US" sz="1800" strike="noStrike" u="none">
-                <a:solidFill>
-                  <a:srgbClr val="000000"/>
-                </a:solidFill>
-                <a:uFillTx/>
-                <a:latin typeface="Arial"/>
-              </a:rPr>
-              <a:t>Click to edit the outline text format</a:t>
-            </a:r>
-            <a:endParaRPr b="0" lang="en-US" sz="1800" strike="noStrike" u="none">
-              <a:solidFill>
-                <a:srgbClr val="000000"/>
-              </a:solidFill>
-              <a:uFillTx/>
-              <a:latin typeface="Arial"/>
-            </a:endParaRPr>
-          </a:p>
-          <a:p>
-            <a:pPr lvl="1" marL="864000" indent="-324000">
-              <a:spcBef>
-                <a:spcPts val="1134"/>
-              </a:spcBef>
-              <a:buClr>
-                <a:srgbClr val="000000"/>
-              </a:buClr>
-              <a:buSzPct val="75000"/>
-              <a:buFont typeface="Symbol" charset="2"/>
-              <a:buChar char=""/>
-            </a:pPr>
-            <a:r>
-              <a:rPr b="0" lang="en-US" sz="1800" strike="noStrike" u="none">
-                <a:solidFill>
-                  <a:srgbClr val="000000"/>
-                </a:solidFill>
-                <a:uFillTx/>
-                <a:latin typeface="Arial"/>
-              </a:rPr>
-              <a:t>Second Outline Level</a:t>
-            </a:r>
-            <a:endParaRPr b="0" lang="en-US" sz="1800" strike="noStrike" u="none">
-              <a:solidFill>
-                <a:srgbClr val="000000"/>
-              </a:solidFill>
-              <a:uFillTx/>
-              <a:latin typeface="Arial"/>
-            </a:endParaRPr>
-          </a:p>
-          <a:p>
-            <a:pPr lvl="2" marL="1296000" indent="-288000">
-              <a:spcBef>
-                <a:spcPts val="850"/>
-              </a:spcBef>
-              <a:buClr>
-                <a:srgbClr val="000000"/>
-              </a:buClr>
-              <a:buSzPct val="45000"/>
-              <a:buFont typeface="Wingdings" charset="2"/>
-              <a:buChar char=""/>
-            </a:pPr>
-            <a:r>
-              <a:rPr b="0" lang="en-US" sz="1800" strike="noStrike" u="none">
-                <a:solidFill>
-                  <a:srgbClr val="000000"/>
-                </a:solidFill>
-                <a:uFillTx/>
-                <a:latin typeface="Arial"/>
-              </a:rPr>
-              <a:t>Third Outline Level</a:t>
-            </a:r>
-            <a:endParaRPr b="0" lang="en-US" sz="1800" strike="noStrike" u="none">
-              <a:solidFill>
-                <a:srgbClr val="000000"/>
-              </a:solidFill>
-              <a:uFillTx/>
-              <a:latin typeface="Arial"/>
-            </a:endParaRPr>
-          </a:p>
-          <a:p>
-            <a:pPr lvl="3" marL="1728000" indent="-216000">
-              <a:spcBef>
-                <a:spcPts val="567"/>
-              </a:spcBef>
-              <a:buClr>
-                <a:srgbClr val="000000"/>
-              </a:buClr>
-              <a:buSzPct val="75000"/>
-              <a:buFont typeface="Symbol" charset="2"/>
-              <a:buChar char=""/>
-            </a:pPr>
-            <a:r>
-              <a:rPr b="0" lang="en-US" sz="1800" strike="noStrike" u="none">
-                <a:solidFill>
-                  <a:srgbClr val="000000"/>
-                </a:solidFill>
-                <a:uFillTx/>
-                <a:latin typeface="Arial"/>
-              </a:rPr>
-              <a:t>Fourth Outline Level</a:t>
-            </a:r>
-            <a:endParaRPr b="0" lang="en-US" sz="1800" strike="noStrike" u="none">
-              <a:solidFill>
-                <a:srgbClr val="000000"/>
-              </a:solidFill>
-              <a:uFillTx/>
-              <a:latin typeface="Arial"/>
-            </a:endParaRPr>
-          </a:p>
-          <a:p>
-            <a:pPr lvl="4" marL="2160000" indent="-216000">
-              <a:spcBef>
-                <a:spcPts val="283"/>
-              </a:spcBef>
-              <a:buClr>
-                <a:srgbClr val="000000"/>
-              </a:buClr>
-              <a:buSzPct val="45000"/>
-              <a:buFont typeface="Wingdings" charset="2"/>
-              <a:buChar char=""/>
-            </a:pPr>
-            <a:r>
-              <a:rPr b="0" lang="en-US" sz="1800" strike="noStrike" u="none">
-                <a:solidFill>
-                  <a:srgbClr val="000000"/>
-                </a:solidFill>
-                <a:uFillTx/>
-                <a:latin typeface="Arial"/>
-              </a:rPr>
-              <a:t>Fifth Outline Level</a:t>
-            </a:r>
-            <a:endParaRPr b="0" lang="en-US" sz="1800" strike="noStrike" u="none">
-              <a:solidFill>
-                <a:srgbClr val="000000"/>
-              </a:solidFill>
-              <a:uFillTx/>
-              <a:latin typeface="Arial"/>
-            </a:endParaRPr>
-          </a:p>
-          <a:p>
-            <a:pPr lvl="5" marL="2592000" indent="-216000">
-              <a:spcBef>
-                <a:spcPts val="283"/>
-              </a:spcBef>
-              <a:buClr>
-                <a:srgbClr val="000000"/>
-              </a:buClr>
-              <a:buSzPct val="45000"/>
-              <a:buFont typeface="Wingdings" charset="2"/>
-              <a:buChar char=""/>
-            </a:pPr>
-            <a:r>
-              <a:rPr b="0" lang="en-US" sz="1800" strike="noStrike" u="none">
-                <a:solidFill>
-                  <a:srgbClr val="000000"/>
-                </a:solidFill>
-                <a:uFillTx/>
-                <a:latin typeface="Arial"/>
-              </a:rPr>
-              <a:t>Sixth Outline Level</a:t>
-            </a:r>
-            <a:endParaRPr b="0" lang="en-US" sz="1800" strike="noStrike" u="none">
-              <a:solidFill>
-                <a:srgbClr val="000000"/>
-              </a:solidFill>
-              <a:uFillTx/>
-              <a:latin typeface="Arial"/>
-            </a:endParaRPr>
-          </a:p>
-          <a:p>
-            <a:pPr lvl="6" marL="3024000" indent="-216000">
-              <a:spcBef>
-                <a:spcPts val="283"/>
-              </a:spcBef>
-              <a:buClr>
-                <a:srgbClr val="000000"/>
-              </a:buClr>
-              <a:buSzPct val="45000"/>
-              <a:buFont typeface="Wingdings" charset="2"/>
-              <a:buChar char=""/>
-            </a:pPr>
-            <a:r>
-              <a:rPr b="0" lang="en-US" sz="1800" strike="noStrike" u="none">
-                <a:solidFill>
-                  <a:srgbClr val="000000"/>
-                </a:solidFill>
-                <a:uFillTx/>
-                <a:latin typeface="Arial"/>
-              </a:rPr>
-              <a:t>Seventh Outline Level</a:t>
-            </a:r>
-            <a:endParaRPr b="0" lang="en-US" sz="1800" strike="noStrike" u="none">
-              <a:solidFill>
-                <a:srgbClr val="000000"/>
-              </a:solidFill>
-              <a:uFillTx/>
-              <a:latin typeface="Arial"/>
-            </a:endParaRPr>
-          </a:p>
-        </p:txBody>
-      </p:sp>
-      <p:sp>
-        <p:nvSpPr>
-          <p:cNvPr id="59" name="PlaceHolder 2"/>
+      <p:sp>
+        <p:nvSpPr>
+          <p:cNvPr id="52" name="PlaceHolder 1"/>
           <p:cNvSpPr>
             <a:spLocks noGrp="1"/>
           </p:cNvSpPr>
@@ -2244,7 +2088,7 @@
         <p:spPr>
           <a:xfrm>
             <a:off x="8498160" y="4688640"/>
-            <a:ext cx="548280" cy="393120"/>
+            <a:ext cx="547920" cy="392760"/>
           </a:xfrm>
           <a:prstGeom prst="rect">
             <a:avLst/>
@@ -2269,7 +2113,7 @@
               </a:tabLst>
               <a:defRPr b="0" lang="en" sz="1000" strike="noStrike" u="none">
                 <a:solidFill>
-                  <a:schemeClr val="dk2"/>
+                  <a:schemeClr val="lt1"/>
                 </a:solidFill>
                 <a:uFillTx/>
                 <a:latin typeface="Lato"/>
@@ -2287,10 +2131,10 @@
                 <a:tab algn="l" pos="0"/>
               </a:tabLst>
             </a:pPr>
-            <a:fld id="{99234320-243F-4B91-9139-F4B7790E4386}" type="slidenum">
+            <a:fld id="{10D97330-C76A-4BF1-8D69-9E566170FEED}" type="slidenum">
               <a:rPr b="0" lang="en" sz="1000" strike="noStrike" u="none">
                 <a:solidFill>
-                  <a:schemeClr val="dk2"/>
+                  <a:schemeClr val="lt1"/>
                 </a:solidFill>
                 <a:uFillTx/>
                 <a:latin typeface="Lato"/>
@@ -2313,6 +2157,160 @@
   <p:clrMap bg1="lt1" tx1="dk1" bg2="dk2" tx2="lt2" accent1="accent1" accent2="accent2" accent3="accent3" accent4="accent4" accent5="accent5" accent6="accent6" hlink="hlink" folHlink="folHlink"/>
   <p:sldLayoutIdLst>
     <p:sldLayoutId id="2147483670" r:id="rId2"/>
+  </p:sldLayoutIdLst>
+</p:sldMaster>
+</file>
+
+<file path=ppt/slideMasters/slideMaster12.xml><?xml version="1.0" encoding="utf-8"?>
+<p:sldMaster xmlns:a="http://schemas.openxmlformats.org/drawingml/2006/main" xmlns:p="http://schemas.openxmlformats.org/presentationml/2006/main" xmlns:r="http://schemas.openxmlformats.org/officeDocument/2006/relationships" xmlns:p14="http://schemas.microsoft.com/office/powerpoint/2010/main" xmlns:p15="http://schemas.microsoft.com/office/powerpoint/2012/main" xmlns:mc="http://schemas.openxmlformats.org/markup-compatibility/2006">
+  <p:cSld>
+    <p:bg>
+      <p:bgPr>
+        <a:solidFill>
+          <a:schemeClr val="lt1"/>
+        </a:solidFill>
+      </p:bgPr>
+    </p:bg>
+    <p:spTree>
+      <p:nvGrpSpPr>
+        <p:cNvPr id="1" name=""/>
+        <p:cNvGrpSpPr/>
+        <p:nvPr/>
+      </p:nvGrpSpPr>
+      <p:grpSpPr>
+        <a:xfrm>
+          <a:off x="0" y="0"/>
+          <a:ext cx="0" cy="0"/>
+          <a:chOff x="0" y="0"/>
+          <a:chExt cx="0" cy="0"/>
+        </a:xfrm>
+      </p:grpSpPr>
+      <p:cxnSp>
+        <p:nvCxnSpPr>
+          <p:cNvPr id="53" name="Google Shape;56;p10"/>
+          <p:cNvCxnSpPr/>
+          <p:nvPr/>
+        </p:nvCxnSpPr>
+        <p:spPr>
+          <a:xfrm>
+            <a:off x="425160" y="4739760"/>
+            <a:ext cx="8297280" cy="720"/>
+          </a:xfrm>
+          <a:prstGeom prst="straightConnector1">
+            <a:avLst/>
+          </a:prstGeom>
+          <a:ln w="19050">
+            <a:solidFill>
+              <a:srgbClr val="000000"/>
+            </a:solidFill>
+            <a:round/>
+          </a:ln>
+        </p:spPr>
+      </p:cxnSp>
+      <p:cxnSp>
+        <p:nvCxnSpPr>
+          <p:cNvPr id="54" name="Google Shape;57;p10"/>
+          <p:cNvCxnSpPr/>
+          <p:nvPr/>
+        </p:nvCxnSpPr>
+        <p:spPr>
+          <a:xfrm>
+            <a:off x="425160" y="415440"/>
+            <a:ext cx="183960" cy="720"/>
+          </a:xfrm>
+          <a:prstGeom prst="straightConnector1">
+            <a:avLst/>
+          </a:prstGeom>
+          <a:ln w="19050">
+            <a:solidFill>
+              <a:srgbClr val="000000"/>
+            </a:solidFill>
+            <a:round/>
+          </a:ln>
+        </p:spPr>
+      </p:cxnSp>
+      <p:sp>
+        <p:nvSpPr>
+          <p:cNvPr id="55" name="PlaceHolder 1"/>
+          <p:cNvSpPr>
+            <a:spLocks noGrp="1"/>
+          </p:cNvSpPr>
+          <p:nvPr>
+            <p:ph type="sldNum" idx="12"/>
+          </p:nvPr>
+        </p:nvSpPr>
+        <p:spPr>
+          <a:xfrm>
+            <a:off x="8498160" y="4688640"/>
+            <a:ext cx="547920" cy="392760"/>
+          </a:xfrm>
+          <a:prstGeom prst="rect">
+            <a:avLst/>
+          </a:prstGeom>
+          <a:noFill/>
+          <a:ln w="0">
+            <a:noFill/>
+          </a:ln>
+        </p:spPr>
+        <p:txBody>
+          <a:bodyPr lIns="91440" rIns="91440" tIns="91440" bIns="91440" anchor="ctr">
+            <a:noAutofit/>
+          </a:bodyPr>
+          <a:lstStyle>
+            <a:lvl1pPr indent="0" algn="r">
+              <a:lnSpc>
+                <a:spcPct val="100000"/>
+              </a:lnSpc>
+              <a:buNone/>
+              <a:tabLst>
+                <a:tab algn="l" pos="0"/>
+              </a:tabLst>
+              <a:defRPr b="0" lang="en" sz="1000" strike="noStrike" u="none">
+                <a:solidFill>
+                  <a:schemeClr val="dk2"/>
+                </a:solidFill>
+                <a:uFillTx/>
+                <a:latin typeface="Lato"/>
+                <a:ea typeface="Lato"/>
+              </a:defRPr>
+            </a:lvl1pPr>
+          </a:lstStyle>
+          <a:p>
+            <a:pPr indent="0" algn="r">
+              <a:lnSpc>
+                <a:spcPct val="100000"/>
+              </a:lnSpc>
+              <a:buNone/>
+              <a:tabLst>
+                <a:tab algn="l" pos="0"/>
+              </a:tabLst>
+            </a:pPr>
+            <a:fld id="{FAFC5338-A311-47C1-AC31-63FA978CE822}" type="slidenum">
+              <a:rPr b="0" lang="en" sz="1000" strike="noStrike" u="none">
+                <a:solidFill>
+                  <a:schemeClr val="dk2"/>
+                </a:solidFill>
+                <a:uFillTx/>
+                <a:latin typeface="Lato"/>
+                <a:ea typeface="Lato"/>
+              </a:rPr>
+              <a:t>&lt;number&gt;</a:t>
+            </a:fld>
+            <a:endParaRPr b="0" lang="en-US" sz="1000" strike="noStrike" u="none">
+              <a:solidFill>
+                <a:srgbClr val="000000"/>
+              </a:solidFill>
+              <a:uFillTx/>
+              <a:latin typeface="Times New Roman"/>
+            </a:endParaRPr>
+          </a:p>
+        </p:txBody>
+      </p:sp>
+    </p:spTree>
+  </p:cSld>
+  <p:clrMap bg1="lt1" tx1="dk1" bg2="dk2" tx2="lt2" accent1="accent1" accent2="accent2" accent3="accent3" accent4="accent4" accent5="accent5" accent6="accent6" hlink="hlink" folHlink="folHlink"/>
+  <p:sldLayoutIdLst>
+    <p:sldLayoutId id="2147483672" r:id="rId2"/>
   </p:sldLayoutIdLst>
 </p:sldMaster>
 </file>
@@ -2350,7 +2348,7 @@
         <p:spPr>
           <a:xfrm>
             <a:off x="425160" y="4739760"/>
-            <a:ext cx="8296920" cy="360"/>
+            <a:ext cx="8297280" cy="720"/>
           </a:xfrm>
           <a:prstGeom prst="straightConnector1">
             <a:avLst/>
@@ -2372,7 +2370,7 @@
         <p:spPr>
           <a:xfrm>
             <a:off x="425160" y="415440"/>
-            <a:ext cx="8296920" cy="360"/>
+            <a:ext cx="8297280" cy="720"/>
           </a:xfrm>
           <a:prstGeom prst="straightConnector1">
             <a:avLst/>
@@ -2388,300 +2386,6 @@
       <p:sp>
         <p:nvSpPr>
           <p:cNvPr id="10" name="PlaceHolder 1"/>
-          <p:cNvSpPr>
-            <a:spLocks noGrp="1"/>
-          </p:cNvSpPr>
-          <p:nvPr>
-            <p:ph type="title"/>
-          </p:nvPr>
-        </p:nvSpPr>
-        <p:spPr>
-          <a:xfrm>
-            <a:off x="853920" y="1305000"/>
-            <a:ext cx="7435800" cy="1537920"/>
-          </a:xfrm>
-          <a:prstGeom prst="rect">
-            <a:avLst/>
-          </a:prstGeom>
-          <a:noFill/>
-          <a:ln w="0">
-            <a:noFill/>
-          </a:ln>
-        </p:spPr>
-        <p:txBody>
-          <a:bodyPr lIns="91440" rIns="91440" tIns="91440" bIns="91440" anchor="ctr">
-            <a:noAutofit/>
-          </a:bodyPr>
-          <a:p>
-            <a:pPr indent="0" algn="ctr">
-              <a:lnSpc>
-                <a:spcPct val="100000"/>
-              </a:lnSpc>
-              <a:buNone/>
-            </a:pPr>
-            <a:r>
-              <a:rPr b="1" lang="en-US" sz="9600" strike="noStrike" u="none">
-                <a:solidFill>
-                  <a:schemeClr val="dk1"/>
-                </a:solidFill>
-                <a:uFillTx/>
-                <a:latin typeface="Lato"/>
-                <a:ea typeface="Lato"/>
-              </a:rPr>
-              <a:t>xx%</a:t>
-            </a:r>
-            <a:endParaRPr b="0" lang="en-US" sz="9600" strike="noStrike" u="none">
-              <a:solidFill>
-                <a:srgbClr val="000000"/>
-              </a:solidFill>
-              <a:uFillTx/>
-              <a:latin typeface="Arial"/>
-            </a:endParaRPr>
-          </a:p>
-        </p:txBody>
-      </p:sp>
-      <p:sp>
-        <p:nvSpPr>
-          <p:cNvPr id="11" name="PlaceHolder 2"/>
-          <p:cNvSpPr>
-            <a:spLocks noGrp="1"/>
-          </p:cNvSpPr>
-          <p:nvPr>
-            <p:ph type="body"/>
-          </p:nvPr>
-        </p:nvSpPr>
-        <p:spPr>
-          <a:xfrm>
-            <a:off x="853920" y="2919600"/>
-            <a:ext cx="7435800" cy="1071360"/>
-          </a:xfrm>
-          <a:prstGeom prst="rect">
-            <a:avLst/>
-          </a:prstGeom>
-          <a:noFill/>
-          <a:ln w="0">
-            <a:noFill/>
-          </a:ln>
-        </p:spPr>
-        <p:txBody>
-          <a:bodyPr lIns="91440" rIns="91440" tIns="91440" bIns="91440" anchor="t">
-            <a:noAutofit/>
-          </a:bodyPr>
-          <a:p>
-            <a:pPr marL="432000" indent="-324000">
-              <a:spcBef>
-                <a:spcPts val="1417"/>
-              </a:spcBef>
-              <a:buClr>
-                <a:srgbClr val="000000"/>
-              </a:buClr>
-              <a:buSzPct val="45000"/>
-              <a:buFont typeface="Wingdings" charset="2"/>
-              <a:buChar char=""/>
-            </a:pPr>
-            <a:r>
-              <a:rPr b="0" lang="en-US" sz="1800" strike="noStrike" u="none">
-                <a:solidFill>
-                  <a:srgbClr val="000000"/>
-                </a:solidFill>
-                <a:uFillTx/>
-                <a:latin typeface="Arial"/>
-              </a:rPr>
-              <a:t>Click to edit the outline text format</a:t>
-            </a:r>
-            <a:endParaRPr b="0" lang="en-US" sz="1800" strike="noStrike" u="none">
-              <a:solidFill>
-                <a:srgbClr val="000000"/>
-              </a:solidFill>
-              <a:uFillTx/>
-              <a:latin typeface="Arial"/>
-            </a:endParaRPr>
-          </a:p>
-          <a:p>
-            <a:pPr lvl="1" marL="864000" indent="-324000">
-              <a:spcBef>
-                <a:spcPts val="1134"/>
-              </a:spcBef>
-              <a:buClr>
-                <a:srgbClr val="000000"/>
-              </a:buClr>
-              <a:buSzPct val="75000"/>
-              <a:buFont typeface="Symbol" charset="2"/>
-              <a:buChar char=""/>
-            </a:pPr>
-            <a:r>
-              <a:rPr b="0" lang="en-US" sz="1800" strike="noStrike" u="none">
-                <a:solidFill>
-                  <a:srgbClr val="000000"/>
-                </a:solidFill>
-                <a:uFillTx/>
-                <a:latin typeface="Arial"/>
-              </a:rPr>
-              <a:t>Second Outline Level</a:t>
-            </a:r>
-            <a:endParaRPr b="0" lang="en-US" sz="1800" strike="noStrike" u="none">
-              <a:solidFill>
-                <a:srgbClr val="000000"/>
-              </a:solidFill>
-              <a:uFillTx/>
-              <a:latin typeface="Arial"/>
-            </a:endParaRPr>
-          </a:p>
-          <a:p>
-            <a:pPr lvl="2" marL="1296000" indent="-288000">
-              <a:spcBef>
-                <a:spcPts val="850"/>
-              </a:spcBef>
-              <a:buClr>
-                <a:srgbClr val="000000"/>
-              </a:buClr>
-              <a:buSzPct val="45000"/>
-              <a:buFont typeface="Wingdings" charset="2"/>
-              <a:buChar char=""/>
-            </a:pPr>
-            <a:r>
-              <a:rPr b="0" lang="en-US" sz="1800" strike="noStrike" u="none">
-                <a:solidFill>
-                  <a:srgbClr val="000000"/>
-                </a:solidFill>
-                <a:uFillTx/>
-                <a:latin typeface="Arial"/>
-              </a:rPr>
-              <a:t>Third Outline Level</a:t>
-            </a:r>
-            <a:endParaRPr b="0" lang="en-US" sz="1800" strike="noStrike" u="none">
-              <a:solidFill>
-                <a:srgbClr val="000000"/>
-              </a:solidFill>
-              <a:uFillTx/>
-              <a:latin typeface="Arial"/>
-            </a:endParaRPr>
-          </a:p>
-          <a:p>
-            <a:pPr lvl="3" marL="1728000" indent="-216000">
-              <a:spcBef>
-                <a:spcPts val="567"/>
-              </a:spcBef>
-              <a:buClr>
-                <a:srgbClr val="000000"/>
-              </a:buClr>
-              <a:buSzPct val="75000"/>
-              <a:buFont typeface="Symbol" charset="2"/>
-              <a:buChar char=""/>
-            </a:pPr>
-            <a:r>
-              <a:rPr b="0" lang="en-US" sz="1800" strike="noStrike" u="none">
-                <a:solidFill>
-                  <a:srgbClr val="000000"/>
-                </a:solidFill>
-                <a:uFillTx/>
-                <a:latin typeface="Arial"/>
-              </a:rPr>
-              <a:t>Fourth Outline Level</a:t>
-            </a:r>
-            <a:endParaRPr b="0" lang="en-US" sz="1800" strike="noStrike" u="none">
-              <a:solidFill>
-                <a:srgbClr val="000000"/>
-              </a:solidFill>
-              <a:uFillTx/>
-              <a:latin typeface="Arial"/>
-            </a:endParaRPr>
-          </a:p>
-          <a:p>
-            <a:pPr lvl="4" marL="2160000" indent="-216000">
-              <a:spcBef>
-                <a:spcPts val="283"/>
-              </a:spcBef>
-              <a:buClr>
-                <a:srgbClr val="000000"/>
-              </a:buClr>
-              <a:buSzPct val="45000"/>
-              <a:buFont typeface="Wingdings" charset="2"/>
-              <a:buChar char=""/>
-            </a:pPr>
-            <a:r>
-              <a:rPr b="0" lang="en-US" sz="1800" strike="noStrike" u="none">
-                <a:solidFill>
-                  <a:srgbClr val="000000"/>
-                </a:solidFill>
-                <a:uFillTx/>
-                <a:latin typeface="Arial"/>
-              </a:rPr>
-              <a:t>Fifth Outline Level</a:t>
-            </a:r>
-            <a:endParaRPr b="0" lang="en-US" sz="1800" strike="noStrike" u="none">
-              <a:solidFill>
-                <a:srgbClr val="000000"/>
-              </a:solidFill>
-              <a:uFillTx/>
-              <a:latin typeface="Arial"/>
-            </a:endParaRPr>
-          </a:p>
-          <a:p>
-            <a:pPr lvl="5" marL="2592000" indent="-216000">
-              <a:spcBef>
-                <a:spcPts val="283"/>
-              </a:spcBef>
-              <a:buClr>
-                <a:srgbClr val="000000"/>
-              </a:buClr>
-              <a:buSzPct val="45000"/>
-              <a:buFont typeface="Wingdings" charset="2"/>
-              <a:buChar char=""/>
-            </a:pPr>
-            <a:r>
-              <a:rPr b="0" lang="en-US" sz="1800" strike="noStrike" u="none">
-                <a:solidFill>
-                  <a:srgbClr val="000000"/>
-                </a:solidFill>
-                <a:uFillTx/>
-                <a:latin typeface="Arial"/>
-              </a:rPr>
-              <a:t>Sixth Outline Level</a:t>
-            </a:r>
-            <a:endParaRPr b="0" lang="en-US" sz="1800" strike="noStrike" u="none">
-              <a:solidFill>
-                <a:srgbClr val="000000"/>
-              </a:solidFill>
-              <a:uFillTx/>
-              <a:latin typeface="Arial"/>
-            </a:endParaRPr>
-          </a:p>
-          <a:p>
-            <a:pPr lvl="6" marL="3024000" indent="-216000">
-              <a:spcBef>
-                <a:spcPts val="283"/>
-              </a:spcBef>
-              <a:buClr>
-                <a:srgbClr val="000000"/>
-              </a:buClr>
-              <a:buSzPct val="45000"/>
-              <a:buFont typeface="Wingdings" charset="2"/>
-              <a:buChar char=""/>
-            </a:pPr>
-            <a:r>
-              <a:rPr b="0" lang="en-US" sz="1800" strike="noStrike" u="none">
-                <a:solidFill>
-                  <a:srgbClr val="000000"/>
-                </a:solidFill>
-                <a:uFillTx/>
-                <a:latin typeface="Arial"/>
-              </a:rPr>
-              <a:t>Seventh Outline Level</a:t>
-            </a:r>
-            <a:endParaRPr b="0" lang="en-US" sz="1800" strike="noStrike" u="none">
-              <a:solidFill>
-                <a:srgbClr val="000000"/>
-              </a:solidFill>
-              <a:uFillTx/>
-              <a:latin typeface="Arial"/>
-            </a:endParaRPr>
-          </a:p>
-        </p:txBody>
-      </p:sp>
-      <p:sp>
-        <p:nvSpPr>
-          <p:cNvPr id="12" name="PlaceHolder 3"/>
           <p:cNvSpPr>
             <a:spLocks noGrp="1"/>
           </p:cNvSpPr>
@@ -2692,7 +2396,7 @@
         <p:spPr>
           <a:xfrm>
             <a:off x="8498160" y="4688640"/>
-            <a:ext cx="548280" cy="393120"/>
+            <a:ext cx="547920" cy="392760"/>
           </a:xfrm>
           <a:prstGeom prst="rect">
             <a:avLst/>
@@ -2735,7 +2439,7 @@
                 <a:tab algn="l" pos="0"/>
               </a:tabLst>
             </a:pPr>
-            <a:fld id="{23382FB8-B842-4A65-9133-E2AA55EDE809}" type="slidenum">
+            <a:fld id="{262330FC-1D82-487E-8936-D3E6E7218BD1}" type="slidenum">
               <a:rPr b="0" lang="en" sz="1000" strike="noStrike" u="none">
                 <a:solidFill>
                   <a:schemeClr val="dk2"/>
@@ -2744,7 +2448,7 @@
                 <a:latin typeface="Lato"/>
                 <a:ea typeface="Lato"/>
               </a:rPr>
-              <a:t>&lt;number&gt;</a:t>
+              <a:t>1</a:t>
             </a:fld>
             <a:endParaRPr b="0" lang="en-US" sz="1000" strike="noStrike" u="none">
               <a:solidFill>
@@ -2791,7 +2495,58 @@
       </p:grpSpPr>
       <p:sp>
         <p:nvSpPr>
-          <p:cNvPr id="13" name="PlaceHolder 1"/>
+          <p:cNvPr id="11" name="PlaceHolder 1"/>
+          <p:cNvSpPr>
+            <a:spLocks noGrp="1"/>
+          </p:cNvSpPr>
+          <p:nvPr>
+            <p:ph type="title"/>
+          </p:nvPr>
+        </p:nvSpPr>
+        <p:spPr>
+          <a:xfrm>
+            <a:off x="457200" y="205200"/>
+            <a:ext cx="8228880" cy="858240"/>
+          </a:xfrm>
+          <a:prstGeom prst="rect">
+            <a:avLst/>
+          </a:prstGeom>
+          <a:noFill/>
+          <a:ln w="0">
+            <a:noFill/>
+          </a:ln>
+        </p:spPr>
+        <p:txBody>
+          <a:bodyPr lIns="0" rIns="0" tIns="0" bIns="0" anchor="ctr">
+            <a:noAutofit/>
+          </a:bodyPr>
+          <a:p>
+            <a:pPr indent="0">
+              <a:buNone/>
+            </a:pPr>
+            <a:r>
+              <a:rPr b="0" lang="en-US" sz="1800" strike="noStrike" u="none">
+                <a:solidFill>
+                  <a:srgbClr val="000000"/>
+                </a:solidFill>
+                <a:uFillTx/>
+                <a:latin typeface="Arial"/>
+              </a:rPr>
+              <a:t>Click to edit the title text format</a:t>
+            </a:r>
+            <a:endParaRPr b="0" lang="en-US" sz="1800" strike="noStrike" u="none">
+              <a:solidFill>
+                <a:srgbClr val="000000"/>
+              </a:solidFill>
+              <a:uFillTx/>
+              <a:latin typeface="Arial"/>
+            </a:endParaRPr>
+          </a:p>
+        </p:txBody>
+      </p:sp>
+      <p:sp>
+        <p:nvSpPr>
+          <p:cNvPr id="12" name="PlaceHolder 2"/>
           <p:cNvSpPr>
             <a:spLocks noGrp="1"/>
           </p:cNvSpPr>
@@ -2802,7 +2557,7 @@
         <p:spPr>
           <a:xfrm>
             <a:off x="8498160" y="4688640"/>
-            <a:ext cx="548280" cy="393120"/>
+            <a:ext cx="547920" cy="392760"/>
           </a:xfrm>
           <a:prstGeom prst="rect">
             <a:avLst/>
@@ -2845,7 +2600,7 @@
                 <a:tab algn="l" pos="0"/>
               </a:tabLst>
             </a:pPr>
-            <a:fld id="{954C6C5F-D043-4F8C-9B45-BAAF7379D120}" type="slidenum">
+            <a:fld id="{530075F9-299C-49F0-8192-5B7B3D1ACE15}" type="slidenum">
               <a:rPr b="0" lang="en" sz="1000" strike="noStrike" u="none">
                 <a:solidFill>
                   <a:schemeClr val="dk2"/>
@@ -2866,9 +2621,119 @@
           </a:p>
         </p:txBody>
       </p:sp>
-      <p:sp>
-        <p:nvSpPr>
-          <p:cNvPr id="14" name="PlaceHolder 2"/>
+    </p:spTree>
+  </p:cSld>
+  <p:clrMap bg1="lt1" tx1="dk1" bg2="dk2" tx2="lt2" accent1="accent1" accent2="accent2" accent3="accent3" accent4="accent4" accent5="accent5" accent6="accent6" hlink="hlink" folHlink="folHlink"/>
+  <p:sldLayoutIdLst>
+    <p:sldLayoutId id="2147483653" r:id="rId2"/>
+  </p:sldLayoutIdLst>
+</p:sldMaster>
+</file>
+
+<file path=ppt/slideMasters/slideMaster4.xml><?xml version="1.0" encoding="utf-8"?>
+<p:sldMaster xmlns:a="http://schemas.openxmlformats.org/drawingml/2006/main" xmlns:p="http://schemas.openxmlformats.org/presentationml/2006/main" xmlns:r="http://schemas.openxmlformats.org/officeDocument/2006/relationships" xmlns:p14="http://schemas.microsoft.com/office/powerpoint/2010/main" xmlns:p15="http://schemas.microsoft.com/office/powerpoint/2012/main" xmlns:mc="http://schemas.openxmlformats.org/markup-compatibility/2006">
+  <p:cSld>
+    <p:bg>
+      <p:bgPr>
+        <a:solidFill>
+          <a:schemeClr val="lt1"/>
+        </a:solidFill>
+      </p:bgPr>
+    </p:bg>
+    <p:spTree>
+      <p:nvGrpSpPr>
+        <p:cNvPr id="1" name=""/>
+        <p:cNvGrpSpPr/>
+        <p:nvPr/>
+      </p:nvGrpSpPr>
+      <p:grpSpPr>
+        <a:xfrm>
+          <a:off x="0" y="0"/>
+          <a:ext cx="0" cy="0"/>
+          <a:chOff x="0" y="0"/>
+          <a:chExt cx="0" cy="0"/>
+        </a:xfrm>
+      </p:grpSpPr>
+      <p:sp>
+        <p:nvSpPr>
+          <p:cNvPr id="15" name="PlaceHolder 1"/>
+          <p:cNvSpPr>
+            <a:spLocks noGrp="1"/>
+          </p:cNvSpPr>
+          <p:nvPr>
+            <p:ph type="sldNum" idx="4"/>
+          </p:nvPr>
+        </p:nvSpPr>
+        <p:spPr>
+          <a:xfrm>
+            <a:off x="8498160" y="4688640"/>
+            <a:ext cx="547920" cy="392760"/>
+          </a:xfrm>
+          <a:prstGeom prst="rect">
+            <a:avLst/>
+          </a:prstGeom>
+          <a:noFill/>
+          <a:ln w="0">
+            <a:noFill/>
+          </a:ln>
+        </p:spPr>
+        <p:txBody>
+          <a:bodyPr lIns="91440" rIns="91440" tIns="91440" bIns="91440" anchor="ctr">
+            <a:noAutofit/>
+          </a:bodyPr>
+          <a:lstStyle>
+            <a:lvl1pPr indent="0" algn="r">
+              <a:lnSpc>
+                <a:spcPct val="100000"/>
+              </a:lnSpc>
+              <a:buNone/>
+              <a:tabLst>
+                <a:tab algn="l" pos="0"/>
+              </a:tabLst>
+              <a:defRPr b="0" lang="en" sz="1000" strike="noStrike" u="none">
+                <a:solidFill>
+                  <a:schemeClr val="dk2"/>
+                </a:solidFill>
+                <a:uFillTx/>
+                <a:latin typeface="Lato"/>
+                <a:ea typeface="Lato"/>
+              </a:defRPr>
+            </a:lvl1pPr>
+          </a:lstStyle>
+          <a:p>
+            <a:pPr indent="0" algn="r">
+              <a:lnSpc>
+                <a:spcPct val="100000"/>
+              </a:lnSpc>
+              <a:buNone/>
+              <a:tabLst>
+                <a:tab algn="l" pos="0"/>
+              </a:tabLst>
+            </a:pPr>
+            <a:fld id="{0BD050F3-A504-44E3-A96C-C5F8CD0C0F56}" type="slidenum">
+              <a:rPr b="0" lang="en" sz="1000" strike="noStrike" u="none">
+                <a:solidFill>
+                  <a:schemeClr val="dk2"/>
+                </a:solidFill>
+                <a:uFillTx/>
+                <a:latin typeface="Lato"/>
+                <a:ea typeface="Lato"/>
+              </a:rPr>
+              <a:t>1</a:t>
+            </a:fld>
+            <a:endParaRPr b="0" lang="en-US" sz="1000" strike="noStrike" u="none">
+              <a:solidFill>
+                <a:srgbClr val="000000"/>
+              </a:solidFill>
+              <a:uFillTx/>
+              <a:latin typeface="Times New Roman"/>
+            </a:endParaRPr>
+          </a:p>
+        </p:txBody>
+      </p:sp>
+      <p:sp>
+        <p:nvSpPr>
+          <p:cNvPr id="16" name="PlaceHolder 2"/>
           <p:cNvSpPr>
             <a:spLocks noGrp="1"/>
           </p:cNvSpPr>
@@ -2894,11 +2759,11 @@
             <a:noAutofit/>
           </a:bodyPr>
           <a:p>
-            <a:pPr indent="0">
+            <a:pPr indent="0" algn="ctr">
               <a:buNone/>
             </a:pPr>
             <a:r>
-              <a:rPr b="0" lang="en-US" sz="1400" strike="noStrike" u="none">
+              <a:rPr b="0" lang="en-US" sz="4400" strike="noStrike" u="none">
                 <a:solidFill>
                   <a:srgbClr val="000000"/>
                 </a:solidFill>
@@ -2907,19 +2772,19 @@
               </a:rPr>
               <a:t>Click to edit the title text format</a:t>
             </a:r>
-            <a:endParaRPr b="0" lang="en-US" sz="1400" strike="noStrike" u="none">
-              <a:solidFill>
-                <a:srgbClr val="000000"/>
-              </a:solidFill>
-              <a:uFillTx/>
-              <a:latin typeface="Arial"/>
-            </a:endParaRPr>
-          </a:p>
-        </p:txBody>
-      </p:sp>
-      <p:sp>
-        <p:nvSpPr>
-          <p:cNvPr id="15" name="PlaceHolder 3"/>
+            <a:endParaRPr b="0" lang="en-US" sz="4400" strike="noStrike" u="none">
+              <a:solidFill>
+                <a:srgbClr val="000000"/>
+              </a:solidFill>
+              <a:uFillTx/>
+              <a:latin typeface="Arial"/>
+            </a:endParaRPr>
+          </a:p>
+        </p:txBody>
+      </p:sp>
+      <p:sp>
+        <p:nvSpPr>
+          <p:cNvPr id="17" name="PlaceHolder 3"/>
           <p:cNvSpPr>
             <a:spLocks noGrp="1"/>
           </p:cNvSpPr>
@@ -2957,7 +2822,7 @@
               <a:buChar char=""/>
             </a:pPr>
             <a:r>
-              <a:rPr b="0" lang="en-US" sz="1400" strike="noStrike" u="none">
+              <a:rPr b="0" lang="en-US" sz="3200" strike="noStrike" u="none">
                 <a:solidFill>
                   <a:srgbClr val="000000"/>
                 </a:solidFill>
@@ -2966,7 +2831,7 @@
               </a:rPr>
               <a:t>Click to edit the outline text format</a:t>
             </a:r>
-            <a:endParaRPr b="0" lang="en-US" sz="1400" strike="noStrike" u="none">
+            <a:endParaRPr b="0" lang="en-US" sz="3200" strike="noStrike" u="none">
               <a:solidFill>
                 <a:srgbClr val="000000"/>
               </a:solidFill>
@@ -2987,7 +2852,7 @@
               <a:buChar char=""/>
             </a:pPr>
             <a:r>
-              <a:rPr b="0" lang="en-US" sz="1400" strike="noStrike" u="none">
+              <a:rPr b="0" lang="en-US" sz="2800" strike="noStrike" u="none">
                 <a:solidFill>
                   <a:srgbClr val="000000"/>
                 </a:solidFill>
@@ -2996,7 +2861,7 @@
               </a:rPr>
               <a:t>Second Outline Level</a:t>
             </a:r>
-            <a:endParaRPr b="0" lang="en-US" sz="1400" strike="noStrike" u="none">
+            <a:endParaRPr b="0" lang="en-US" sz="2800" strike="noStrike" u="none">
               <a:solidFill>
                 <a:srgbClr val="000000"/>
               </a:solidFill>
@@ -3017,7 +2882,7 @@
               <a:buChar char=""/>
             </a:pPr>
             <a:r>
-              <a:rPr b="0" lang="en-US" sz="1400" strike="noStrike" u="none">
+              <a:rPr b="0" lang="en-US" sz="2400" strike="noStrike" u="none">
                 <a:solidFill>
                   <a:srgbClr val="000000"/>
                 </a:solidFill>
@@ -3026,7 +2891,7 @@
               </a:rPr>
               <a:t>Third Outline Level</a:t>
             </a:r>
-            <a:endParaRPr b="0" lang="en-US" sz="1400" strike="noStrike" u="none">
+            <a:endParaRPr b="0" lang="en-US" sz="2400" strike="noStrike" u="none">
               <a:solidFill>
                 <a:srgbClr val="000000"/>
               </a:solidFill>
@@ -3047,7 +2912,7 @@
               <a:buChar char=""/>
             </a:pPr>
             <a:r>
-              <a:rPr b="0" lang="en-US" sz="1400" strike="noStrike" u="none">
+              <a:rPr b="0" lang="en-US" sz="2000" strike="noStrike" u="none">
                 <a:solidFill>
                   <a:srgbClr val="000000"/>
                 </a:solidFill>
@@ -3056,7 +2921,7 @@
               </a:rPr>
               <a:t>Fourth Outline Level</a:t>
             </a:r>
-            <a:endParaRPr b="0" lang="en-US" sz="1400" strike="noStrike" u="none">
+            <a:endParaRPr b="0" lang="en-US" sz="2000" strike="noStrike" u="none">
               <a:solidFill>
                 <a:srgbClr val="000000"/>
               </a:solidFill>
@@ -3160,13 +3025,13 @@
   </p:cSld>
   <p:clrMap bg1="lt1" tx1="dk1" bg2="dk2" tx2="lt2" accent1="accent1" accent2="accent2" accent3="accent3" accent4="accent4" accent5="accent5" accent6="accent6" hlink="hlink" folHlink="folHlink"/>
   <p:sldLayoutIdLst>
-    <p:sldLayoutId id="2147483653" r:id="rId2"/>
-    <p:sldLayoutId id="2147483654" r:id="rId3"/>
+    <p:sldLayoutId id="2147483655" r:id="rId2"/>
+    <p:sldLayoutId id="2147483656" r:id="rId3"/>
   </p:sldLayoutIdLst>
 </p:sldMaster>
 </file>
 
-<file path=ppt/slideMasters/slideMaster4.xml><?xml version="1.0" encoding="utf-8"?>
+<file path=ppt/slideMasters/slideMaster5.xml><?xml version="1.0" encoding="utf-8"?>
 <p:sldMaster xmlns:a="http://schemas.openxmlformats.org/drawingml/2006/main" xmlns:p="http://schemas.openxmlformats.org/presentationml/2006/main" xmlns:r="http://schemas.openxmlformats.org/officeDocument/2006/relationships" xmlns:p14="http://schemas.microsoft.com/office/powerpoint/2010/main" xmlns:p15="http://schemas.microsoft.com/office/powerpoint/2012/main" xmlns:mc="http://schemas.openxmlformats.org/markup-compatibility/2006">
   <p:cSld>
     <p:bg>
@@ -3192,14 +3057,14 @@
       </p:grpSpPr>
       <p:cxnSp>
         <p:nvCxnSpPr>
-          <p:cNvPr id="18" name="Google Shape;17;p3"/>
+          <p:cNvPr id="20" name="Google Shape;17;p3"/>
           <p:cNvCxnSpPr/>
           <p:nvPr/>
         </p:nvCxnSpPr>
         <p:spPr>
           <a:xfrm>
             <a:off x="425160" y="415440"/>
-            <a:ext cx="8296920" cy="360"/>
+            <a:ext cx="8297280" cy="720"/>
           </a:xfrm>
           <a:prstGeom prst="straightConnector1">
             <a:avLst/>
@@ -3214,14 +3079,14 @@
       </p:cxnSp>
       <p:cxnSp>
         <p:nvCxnSpPr>
-          <p:cNvPr id="19" name="Google Shape;18;p3"/>
+          <p:cNvPr id="21" name="Google Shape;18;p3"/>
           <p:cNvCxnSpPr/>
           <p:nvPr/>
         </p:nvCxnSpPr>
         <p:spPr>
           <a:xfrm>
             <a:off x="425160" y="4739760"/>
-            <a:ext cx="8296920" cy="360"/>
+            <a:ext cx="8297280" cy="720"/>
           </a:xfrm>
           <a:prstGeom prst="straightConnector1">
             <a:avLst/>
@@ -3236,524 +3101,7 @@
       </p:cxnSp>
       <p:sp>
         <p:nvSpPr>
-          <p:cNvPr id="20" name="PlaceHolder 1"/>
-          <p:cNvSpPr>
-            <a:spLocks noGrp="1"/>
-          </p:cNvSpPr>
-          <p:nvPr>
-            <p:ph type="title"/>
-          </p:nvPr>
-        </p:nvSpPr>
-        <p:spPr>
-          <a:xfrm>
-            <a:off x="406440" y="1806840"/>
-            <a:ext cx="8296560" cy="1541520"/>
-          </a:xfrm>
-          <a:prstGeom prst="rect">
-            <a:avLst/>
-          </a:prstGeom>
-          <a:noFill/>
-          <a:ln w="0">
-            <a:noFill/>
-          </a:ln>
-        </p:spPr>
-        <p:txBody>
-          <a:bodyPr lIns="91440" rIns="91440" tIns="91440" bIns="91440" anchor="ctr">
-            <a:noAutofit/>
-          </a:bodyPr>
-          <a:p>
-            <a:pPr indent="0">
-              <a:buNone/>
-            </a:pPr>
-            <a:r>
-              <a:rPr b="0" lang="en-US" sz="4800" strike="noStrike" u="none">
-                <a:solidFill>
-                  <a:srgbClr val="000000"/>
-                </a:solidFill>
-                <a:uFillTx/>
-                <a:latin typeface="Arial"/>
-              </a:rPr>
-              <a:t>Click to edit the title text format</a:t>
-            </a:r>
-            <a:endParaRPr b="0" lang="en-US" sz="4800" strike="noStrike" u="none">
-              <a:solidFill>
-                <a:srgbClr val="000000"/>
-              </a:solidFill>
-              <a:uFillTx/>
-              <a:latin typeface="Arial"/>
-            </a:endParaRPr>
-          </a:p>
-        </p:txBody>
-      </p:sp>
-      <p:sp>
-        <p:nvSpPr>
-          <p:cNvPr id="21" name="PlaceHolder 2"/>
-          <p:cNvSpPr>
-            <a:spLocks noGrp="1"/>
-          </p:cNvSpPr>
-          <p:nvPr>
-            <p:ph type="sldNum" idx="4"/>
-          </p:nvPr>
-        </p:nvSpPr>
-        <p:spPr>
-          <a:xfrm>
-            <a:off x="8498160" y="4688640"/>
-            <a:ext cx="548280" cy="393120"/>
-          </a:xfrm>
-          <a:prstGeom prst="rect">
-            <a:avLst/>
-          </a:prstGeom>
-          <a:noFill/>
-          <a:ln w="0">
-            <a:noFill/>
-          </a:ln>
-        </p:spPr>
-        <p:txBody>
-          <a:bodyPr lIns="91440" rIns="91440" tIns="91440" bIns="91440" anchor="ctr">
-            <a:noAutofit/>
-          </a:bodyPr>
-          <a:lstStyle>
-            <a:lvl1pPr indent="0" algn="r">
-              <a:lnSpc>
-                <a:spcPct val="100000"/>
-              </a:lnSpc>
-              <a:buNone/>
-              <a:tabLst>
-                <a:tab algn="l" pos="0"/>
-              </a:tabLst>
-              <a:defRPr b="0" lang="en" sz="1000" strike="noStrike" u="none">
-                <a:solidFill>
-                  <a:schemeClr val="lt1"/>
-                </a:solidFill>
-                <a:uFillTx/>
-                <a:latin typeface="Lato"/>
-                <a:ea typeface="Lato"/>
-              </a:defRPr>
-            </a:lvl1pPr>
-          </a:lstStyle>
-          <a:p>
-            <a:pPr indent="0" algn="r">
-              <a:lnSpc>
-                <a:spcPct val="100000"/>
-              </a:lnSpc>
-              <a:buNone/>
-              <a:tabLst>
-                <a:tab algn="l" pos="0"/>
-              </a:tabLst>
-            </a:pPr>
-            <a:fld id="{89F0A170-1721-4B82-B0A2-7BCBB68A7450}" type="slidenum">
-              <a:rPr b="0" lang="en" sz="1000" strike="noStrike" u="none">
-                <a:solidFill>
-                  <a:schemeClr val="lt1"/>
-                </a:solidFill>
-                <a:uFillTx/>
-                <a:latin typeface="Lato"/>
-                <a:ea typeface="Lato"/>
-              </a:rPr>
-              <a:t>1</a:t>
-            </a:fld>
-            <a:endParaRPr b="0" lang="en-US" sz="1000" strike="noStrike" u="none">
-              <a:solidFill>
-                <a:srgbClr val="ffffff"/>
-              </a:solidFill>
-              <a:uFillTx/>
-              <a:latin typeface="Times New Roman"/>
-            </a:endParaRPr>
-          </a:p>
-        </p:txBody>
-      </p:sp>
-    </p:spTree>
-  </p:cSld>
-  <p:clrMap bg1="lt1" tx1="dk1" bg2="dk2" tx2="lt2" accent1="accent1" accent2="accent2" accent3="accent3" accent4="accent4" accent5="accent5" accent6="accent6" hlink="hlink" folHlink="folHlink"/>
-  <p:sldLayoutIdLst>
-    <p:sldLayoutId id="2147483656" r:id="rId2"/>
-  </p:sldLayoutIdLst>
-</p:sldMaster>
-</file>
-
-<file path=ppt/slideMasters/slideMaster5.xml><?xml version="1.0" encoding="utf-8"?>
-<p:sldMaster xmlns:a="http://schemas.openxmlformats.org/drawingml/2006/main" xmlns:p="http://schemas.openxmlformats.org/presentationml/2006/main" xmlns:r="http://schemas.openxmlformats.org/officeDocument/2006/relationships" xmlns:p14="http://schemas.microsoft.com/office/powerpoint/2010/main" xmlns:p15="http://schemas.microsoft.com/office/powerpoint/2012/main" xmlns:mc="http://schemas.openxmlformats.org/markup-compatibility/2006">
-  <p:cSld>
-    <p:bg>
-      <p:bgPr>
-        <a:solidFill>
-          <a:schemeClr val="lt1"/>
-        </a:solidFill>
-      </p:bgPr>
-    </p:bg>
-    <p:spTree>
-      <p:nvGrpSpPr>
-        <p:cNvPr id="1" name=""/>
-        <p:cNvGrpSpPr/>
-        <p:nvPr/>
-      </p:nvGrpSpPr>
-      <p:grpSpPr>
-        <a:xfrm>
-          <a:off x="0" y="0"/>
-          <a:ext cx="0" cy="0"/>
-          <a:chOff x="0" y="0"/>
-          <a:chExt cx="0" cy="0"/>
-        </a:xfrm>
-      </p:grpSpPr>
-      <p:cxnSp>
-        <p:nvCxnSpPr>
-          <p:cNvPr id="22" name="Google Shape;22;p4"/>
-          <p:cNvCxnSpPr/>
-          <p:nvPr/>
-        </p:nvCxnSpPr>
-        <p:spPr>
-          <a:xfrm>
-            <a:off x="2477520" y="415440"/>
-            <a:ext cx="6244560" cy="360"/>
-          </a:xfrm>
-          <a:prstGeom prst="straightConnector1">
-            <a:avLst/>
-          </a:prstGeom>
-          <a:ln w="38100">
-            <a:solidFill>
-              <a:srgbClr val="000000"/>
-            </a:solidFill>
-            <a:round/>
-          </a:ln>
-        </p:spPr>
-      </p:cxnSp>
-      <p:cxnSp>
-        <p:nvCxnSpPr>
-          <p:cNvPr id="23" name="Google Shape;23;p4"/>
-          <p:cNvCxnSpPr/>
-          <p:nvPr/>
-        </p:nvCxnSpPr>
-        <p:spPr>
-          <a:xfrm>
-            <a:off x="2477520" y="4739760"/>
-            <a:ext cx="6244560" cy="360"/>
-          </a:xfrm>
-          <a:prstGeom prst="straightConnector1">
-            <a:avLst/>
-          </a:prstGeom>
-          <a:ln w="19050">
-            <a:solidFill>
-              <a:srgbClr val="000000"/>
-            </a:solidFill>
-            <a:round/>
-          </a:ln>
-        </p:spPr>
-      </p:cxnSp>
-      <p:cxnSp>
-        <p:nvCxnSpPr>
-          <p:cNvPr id="24" name="Google Shape;24;p4"/>
-          <p:cNvCxnSpPr/>
-          <p:nvPr/>
-        </p:nvCxnSpPr>
-        <p:spPr>
-          <a:xfrm>
-            <a:off x="425160" y="415440"/>
-            <a:ext cx="183600" cy="360"/>
-          </a:xfrm>
-          <a:prstGeom prst="straightConnector1">
-            <a:avLst/>
-          </a:prstGeom>
-          <a:ln w="19050">
-            <a:solidFill>
-              <a:srgbClr val="000000"/>
-            </a:solidFill>
-            <a:round/>
-          </a:ln>
-        </p:spPr>
-      </p:cxnSp>
-      <p:sp>
-        <p:nvSpPr>
-          <p:cNvPr id="25" name="PlaceHolder 1"/>
-          <p:cNvSpPr>
-            <a:spLocks noGrp="1"/>
-          </p:cNvSpPr>
-          <p:nvPr>
-            <p:ph type="title"/>
-          </p:nvPr>
-        </p:nvSpPr>
-        <p:spPr>
-          <a:xfrm>
-            <a:off x="2400120" y="576000"/>
-            <a:ext cx="6321240" cy="635040"/>
-          </a:xfrm>
-          <a:prstGeom prst="rect">
-            <a:avLst/>
-          </a:prstGeom>
-          <a:noFill/>
-          <a:ln w="0">
-            <a:noFill/>
-          </a:ln>
-        </p:spPr>
-        <p:txBody>
-          <a:bodyPr lIns="91440" rIns="91440" tIns="91440" bIns="91440" anchor="t">
-            <a:noAutofit/>
-          </a:bodyPr>
-          <a:p>
-            <a:pPr indent="0">
-              <a:buNone/>
-            </a:pPr>
-            <a:r>
-              <a:rPr b="0" lang="en-US" sz="3000" strike="noStrike" u="none">
-                <a:solidFill>
-                  <a:srgbClr val="000000"/>
-                </a:solidFill>
-                <a:uFillTx/>
-                <a:latin typeface="Arial"/>
-              </a:rPr>
-              <a:t>Click to edit the title text format</a:t>
-            </a:r>
-            <a:endParaRPr b="0" lang="en-US" sz="3000" strike="noStrike" u="none">
-              <a:solidFill>
-                <a:srgbClr val="000000"/>
-              </a:solidFill>
-              <a:uFillTx/>
-              <a:latin typeface="Arial"/>
-            </a:endParaRPr>
-          </a:p>
-        </p:txBody>
-      </p:sp>
-      <p:sp>
-        <p:nvSpPr>
-          <p:cNvPr id="26" name="PlaceHolder 2"/>
-          <p:cNvSpPr>
-            <a:spLocks noGrp="1"/>
-          </p:cNvSpPr>
-          <p:nvPr>
-            <p:ph type="body"/>
-          </p:nvPr>
-        </p:nvSpPr>
-        <p:spPr>
-          <a:xfrm>
-            <a:off x="2410200" y="1595880"/>
-            <a:ext cx="6321240" cy="3002040"/>
-          </a:xfrm>
-          <a:prstGeom prst="rect">
-            <a:avLst/>
-          </a:prstGeom>
-          <a:noFill/>
-          <a:ln w="0">
-            <a:noFill/>
-          </a:ln>
-        </p:spPr>
-        <p:txBody>
-          <a:bodyPr lIns="91440" rIns="91440" tIns="91440" bIns="91440" anchor="t">
-            <a:noAutofit/>
-          </a:bodyPr>
-          <a:p>
-            <a:pPr marL="432000" indent="-324000">
-              <a:spcBef>
-                <a:spcPts val="1417"/>
-              </a:spcBef>
-              <a:buClr>
-                <a:srgbClr val="000000"/>
-              </a:buClr>
-              <a:buSzPct val="45000"/>
-              <a:buFont typeface="Wingdings" charset="2"/>
-              <a:buChar char=""/>
-            </a:pPr>
-            <a:r>
-              <a:rPr b="0" lang="en-US" sz="1800" strike="noStrike" u="none">
-                <a:solidFill>
-                  <a:srgbClr val="000000"/>
-                </a:solidFill>
-                <a:uFillTx/>
-                <a:latin typeface="Arial"/>
-              </a:rPr>
-              <a:t>Click to edit the outline text format</a:t>
-            </a:r>
-            <a:endParaRPr b="0" lang="en-US" sz="1800" strike="noStrike" u="none">
-              <a:solidFill>
-                <a:srgbClr val="000000"/>
-              </a:solidFill>
-              <a:uFillTx/>
-              <a:latin typeface="Arial"/>
-            </a:endParaRPr>
-          </a:p>
-          <a:p>
-            <a:pPr lvl="1" marL="864000" indent="-324000">
-              <a:spcBef>
-                <a:spcPts val="1134"/>
-              </a:spcBef>
-              <a:buClr>
-                <a:srgbClr val="000000"/>
-              </a:buClr>
-              <a:buSzPct val="75000"/>
-              <a:buFont typeface="Symbol" charset="2"/>
-              <a:buChar char=""/>
-            </a:pPr>
-            <a:r>
-              <a:rPr b="0" lang="en-US" sz="1800" strike="noStrike" u="none">
-                <a:solidFill>
-                  <a:srgbClr val="000000"/>
-                </a:solidFill>
-                <a:uFillTx/>
-                <a:latin typeface="Arial"/>
-              </a:rPr>
-              <a:t>Second Outline Level</a:t>
-            </a:r>
-            <a:endParaRPr b="0" lang="en-US" sz="1800" strike="noStrike" u="none">
-              <a:solidFill>
-                <a:srgbClr val="000000"/>
-              </a:solidFill>
-              <a:uFillTx/>
-              <a:latin typeface="Arial"/>
-            </a:endParaRPr>
-          </a:p>
-          <a:p>
-            <a:pPr lvl="2" marL="1296000" indent="-288000">
-              <a:spcBef>
-                <a:spcPts val="850"/>
-              </a:spcBef>
-              <a:buClr>
-                <a:srgbClr val="000000"/>
-              </a:buClr>
-              <a:buSzPct val="45000"/>
-              <a:buFont typeface="Wingdings" charset="2"/>
-              <a:buChar char=""/>
-            </a:pPr>
-            <a:r>
-              <a:rPr b="0" lang="en-US" sz="1800" strike="noStrike" u="none">
-                <a:solidFill>
-                  <a:srgbClr val="000000"/>
-                </a:solidFill>
-                <a:uFillTx/>
-                <a:latin typeface="Arial"/>
-              </a:rPr>
-              <a:t>Third Outline Level</a:t>
-            </a:r>
-            <a:endParaRPr b="0" lang="en-US" sz="1800" strike="noStrike" u="none">
-              <a:solidFill>
-                <a:srgbClr val="000000"/>
-              </a:solidFill>
-              <a:uFillTx/>
-              <a:latin typeface="Arial"/>
-            </a:endParaRPr>
-          </a:p>
-          <a:p>
-            <a:pPr lvl="3" marL="1728000" indent="-216000">
-              <a:spcBef>
-                <a:spcPts val="567"/>
-              </a:spcBef>
-              <a:buClr>
-                <a:srgbClr val="000000"/>
-              </a:buClr>
-              <a:buSzPct val="75000"/>
-              <a:buFont typeface="Symbol" charset="2"/>
-              <a:buChar char=""/>
-            </a:pPr>
-            <a:r>
-              <a:rPr b="0" lang="en-US" sz="1800" strike="noStrike" u="none">
-                <a:solidFill>
-                  <a:srgbClr val="000000"/>
-                </a:solidFill>
-                <a:uFillTx/>
-                <a:latin typeface="Arial"/>
-              </a:rPr>
-              <a:t>Fourth Outline Level</a:t>
-            </a:r>
-            <a:endParaRPr b="0" lang="en-US" sz="1800" strike="noStrike" u="none">
-              <a:solidFill>
-                <a:srgbClr val="000000"/>
-              </a:solidFill>
-              <a:uFillTx/>
-              <a:latin typeface="Arial"/>
-            </a:endParaRPr>
-          </a:p>
-          <a:p>
-            <a:pPr lvl="4" marL="2160000" indent="-216000">
-              <a:spcBef>
-                <a:spcPts val="283"/>
-              </a:spcBef>
-              <a:buClr>
-                <a:srgbClr val="000000"/>
-              </a:buClr>
-              <a:buSzPct val="45000"/>
-              <a:buFont typeface="Wingdings" charset="2"/>
-              <a:buChar char=""/>
-            </a:pPr>
-            <a:r>
-              <a:rPr b="0" lang="en-US" sz="1800" strike="noStrike" u="none">
-                <a:solidFill>
-                  <a:srgbClr val="000000"/>
-                </a:solidFill>
-                <a:uFillTx/>
-                <a:latin typeface="Arial"/>
-              </a:rPr>
-              <a:t>Fifth Outline Level</a:t>
-            </a:r>
-            <a:endParaRPr b="0" lang="en-US" sz="1800" strike="noStrike" u="none">
-              <a:solidFill>
-                <a:srgbClr val="000000"/>
-              </a:solidFill>
-              <a:uFillTx/>
-              <a:latin typeface="Arial"/>
-            </a:endParaRPr>
-          </a:p>
-          <a:p>
-            <a:pPr lvl="5" marL="2592000" indent="-216000">
-              <a:spcBef>
-                <a:spcPts val="283"/>
-              </a:spcBef>
-              <a:buClr>
-                <a:srgbClr val="000000"/>
-              </a:buClr>
-              <a:buSzPct val="45000"/>
-              <a:buFont typeface="Wingdings" charset="2"/>
-              <a:buChar char=""/>
-            </a:pPr>
-            <a:r>
-              <a:rPr b="0" lang="en-US" sz="1800" strike="noStrike" u="none">
-                <a:solidFill>
-                  <a:srgbClr val="000000"/>
-                </a:solidFill>
-                <a:uFillTx/>
-                <a:latin typeface="Arial"/>
-              </a:rPr>
-              <a:t>Sixth Outline Level</a:t>
-            </a:r>
-            <a:endParaRPr b="0" lang="en-US" sz="1800" strike="noStrike" u="none">
-              <a:solidFill>
-                <a:srgbClr val="000000"/>
-              </a:solidFill>
-              <a:uFillTx/>
-              <a:latin typeface="Arial"/>
-            </a:endParaRPr>
-          </a:p>
-          <a:p>
-            <a:pPr lvl="6" marL="3024000" indent="-216000">
-              <a:spcBef>
-                <a:spcPts val="283"/>
-              </a:spcBef>
-              <a:buClr>
-                <a:srgbClr val="000000"/>
-              </a:buClr>
-              <a:buSzPct val="45000"/>
-              <a:buFont typeface="Wingdings" charset="2"/>
-              <a:buChar char=""/>
-            </a:pPr>
-            <a:r>
-              <a:rPr b="0" lang="en-US" sz="1800" strike="noStrike" u="none">
-                <a:solidFill>
-                  <a:srgbClr val="000000"/>
-                </a:solidFill>
-                <a:uFillTx/>
-                <a:latin typeface="Arial"/>
-              </a:rPr>
-              <a:t>Seventh Outline Level</a:t>
-            </a:r>
-            <a:endParaRPr b="0" lang="en-US" sz="1800" strike="noStrike" u="none">
-              <a:solidFill>
-                <a:srgbClr val="000000"/>
-              </a:solidFill>
-              <a:uFillTx/>
-              <a:latin typeface="Arial"/>
-            </a:endParaRPr>
-          </a:p>
-        </p:txBody>
-      </p:sp>
-      <p:sp>
-        <p:nvSpPr>
-          <p:cNvPr id="27" name="PlaceHolder 3"/>
+          <p:cNvPr id="22" name="PlaceHolder 1"/>
           <p:cNvSpPr>
             <a:spLocks noGrp="1"/>
           </p:cNvSpPr>
@@ -3764,7 +3112,7 @@
         <p:spPr>
           <a:xfrm>
             <a:off x="8498160" y="4688640"/>
-            <a:ext cx="548280" cy="393120"/>
+            <a:ext cx="547920" cy="392760"/>
           </a:xfrm>
           <a:prstGeom prst="rect">
             <a:avLst/>
@@ -3789,7 +3137,7 @@
               </a:tabLst>
               <a:defRPr b="0" lang="en" sz="1000" strike="noStrike" u="none">
                 <a:solidFill>
-                  <a:schemeClr val="dk2"/>
+                  <a:schemeClr val="lt1"/>
                 </a:solidFill>
                 <a:uFillTx/>
                 <a:latin typeface="Lato"/>
@@ -3807,20 +3155,20 @@
                 <a:tab algn="l" pos="0"/>
               </a:tabLst>
             </a:pPr>
-            <a:fld id="{2E3D1216-B9D7-4A70-8D96-F9DD90817896}" type="slidenum">
+            <a:fld id="{762DA0EE-C116-4E1A-88CB-C9937722E32D}" type="slidenum">
               <a:rPr b="0" lang="en" sz="1000" strike="noStrike" u="none">
                 <a:solidFill>
-                  <a:schemeClr val="dk2"/>
+                  <a:schemeClr val="lt1"/>
                 </a:solidFill>
                 <a:uFillTx/>
                 <a:latin typeface="Lato"/>
                 <a:ea typeface="Lato"/>
               </a:rPr>
-              <a:t>&lt;number&gt;</a:t>
+              <a:t>1</a:t>
             </a:fld>
             <a:endParaRPr b="0" lang="en-US" sz="1000" strike="noStrike" u="none">
               <a:solidFill>
-                <a:srgbClr val="000000"/>
+                <a:srgbClr val="ffffff"/>
               </a:solidFill>
               <a:uFillTx/>
               <a:latin typeface="Times New Roman"/>
@@ -3863,14 +3211,14 @@
       </p:grpSpPr>
       <p:cxnSp>
         <p:nvCxnSpPr>
-          <p:cNvPr id="30" name="Google Shape;29;p5"/>
+          <p:cNvPr id="23" name="Google Shape;22;p4"/>
           <p:cNvCxnSpPr/>
           <p:nvPr/>
         </p:nvCxnSpPr>
         <p:spPr>
           <a:xfrm>
             <a:off x="2477520" y="415440"/>
-            <a:ext cx="6244560" cy="360"/>
+            <a:ext cx="6244920" cy="720"/>
           </a:xfrm>
           <a:prstGeom prst="straightConnector1">
             <a:avLst/>
@@ -3885,14 +3233,14 @@
       </p:cxnSp>
       <p:cxnSp>
         <p:nvCxnSpPr>
-          <p:cNvPr id="31" name="Google Shape;30;p5"/>
+          <p:cNvPr id="24" name="Google Shape;23;p4"/>
           <p:cNvCxnSpPr/>
           <p:nvPr/>
         </p:nvCxnSpPr>
         <p:spPr>
           <a:xfrm>
             <a:off x="2477520" y="4739760"/>
-            <a:ext cx="6244560" cy="360"/>
+            <a:ext cx="6244920" cy="720"/>
           </a:xfrm>
           <a:prstGeom prst="straightConnector1">
             <a:avLst/>
@@ -3907,14 +3255,14 @@
       </p:cxnSp>
       <p:cxnSp>
         <p:nvCxnSpPr>
-          <p:cNvPr id="32" name="Google Shape;31;p5"/>
+          <p:cNvPr id="25" name="Google Shape;24;p4"/>
           <p:cNvCxnSpPr/>
           <p:nvPr/>
         </p:nvCxnSpPr>
         <p:spPr>
           <a:xfrm>
             <a:off x="425160" y="415440"/>
-            <a:ext cx="183600" cy="360"/>
+            <a:ext cx="183960" cy="720"/>
           </a:xfrm>
           <a:prstGeom prst="straightConnector1">
             <a:avLst/>
@@ -3929,7 +3277,7 @@
       </p:cxnSp>
       <p:sp>
         <p:nvSpPr>
-          <p:cNvPr id="33" name="PlaceHolder 1"/>
+          <p:cNvPr id="26" name="PlaceHolder 1"/>
           <p:cNvSpPr>
             <a:spLocks noGrp="1"/>
           </p:cNvSpPr>
@@ -3939,8 +3287,8 @@
         </p:nvSpPr>
         <p:spPr>
           <a:xfrm>
-            <a:off x="2400120" y="576000"/>
-            <a:ext cx="6321240" cy="635040"/>
+            <a:off x="457200" y="205200"/>
+            <a:ext cx="8228880" cy="858240"/>
           </a:xfrm>
           <a:prstGeom prst="rect">
             <a:avLst/>
@@ -3951,7 +3299,7 @@
           </a:ln>
         </p:spPr>
         <p:txBody>
-          <a:bodyPr lIns="91440" rIns="91440" tIns="91440" bIns="91440" anchor="t">
+          <a:bodyPr lIns="0" rIns="0" tIns="0" bIns="0" anchor="ctr">
             <a:noAutofit/>
           </a:bodyPr>
           <a:p>
@@ -3959,7 +3307,7 @@
               <a:buNone/>
             </a:pPr>
             <a:r>
-              <a:rPr b="0" lang="en-US" sz="3000" strike="noStrike" u="none">
+              <a:rPr b="0" lang="en-US" sz="1800" strike="noStrike" u="none">
                 <a:solidFill>
                   <a:srgbClr val="000000"/>
                 </a:solidFill>
@@ -3968,19 +3316,19 @@
               </a:rPr>
               <a:t>Click to edit the title text format</a:t>
             </a:r>
-            <a:endParaRPr b="0" lang="en-US" sz="3000" strike="noStrike" u="none">
-              <a:solidFill>
-                <a:srgbClr val="000000"/>
-              </a:solidFill>
-              <a:uFillTx/>
-              <a:latin typeface="Arial"/>
-            </a:endParaRPr>
-          </a:p>
-        </p:txBody>
-      </p:sp>
-      <p:sp>
-        <p:nvSpPr>
-          <p:cNvPr id="34" name="PlaceHolder 2"/>
+            <a:endParaRPr b="0" lang="en-US" sz="1800" strike="noStrike" u="none">
+              <a:solidFill>
+                <a:srgbClr val="000000"/>
+              </a:solidFill>
+              <a:uFillTx/>
+              <a:latin typeface="Arial"/>
+            </a:endParaRPr>
+          </a:p>
+        </p:txBody>
+      </p:sp>
+      <p:sp>
+        <p:nvSpPr>
+          <p:cNvPr id="27" name="PlaceHolder 2"/>
           <p:cNvSpPr>
             <a:spLocks noGrp="1"/>
           </p:cNvSpPr>
@@ -3990,8 +3338,8 @@
         </p:nvSpPr>
         <p:spPr>
           <a:xfrm>
-            <a:off x="2400480" y="1602720"/>
-            <a:ext cx="3071160" cy="3002040"/>
+            <a:off x="457200" y="1203480"/>
+            <a:ext cx="8228880" cy="2982600"/>
           </a:xfrm>
           <a:prstGeom prst="rect">
             <a:avLst/>
@@ -4002,8 +3350,8 @@
           </a:ln>
         </p:spPr>
         <p:txBody>
-          <a:bodyPr lIns="91440" rIns="91440" tIns="91440" bIns="91440" anchor="t">
-            <a:noAutofit/>
+          <a:bodyPr lIns="0" rIns="0" tIns="0" bIns="0" anchor="t">
+            <a:normAutofit/>
           </a:bodyPr>
           <a:p>
             <a:pPr marL="432000" indent="-324000">
@@ -4018,7 +3366,7 @@
               <a:buChar char=""/>
             </a:pPr>
             <a:r>
-              <a:rPr b="0" lang="en-US" sz="1400" strike="noStrike" u="none">
+              <a:rPr b="0" lang="en-US" sz="1800" strike="noStrike" u="none">
                 <a:solidFill>
                   <a:srgbClr val="000000"/>
                 </a:solidFill>
@@ -4027,7 +3375,7 @@
               </a:rPr>
               <a:t>Click to edit the outline text format</a:t>
             </a:r>
-            <a:endParaRPr b="0" lang="en-US" sz="1400" strike="noStrike" u="none">
+            <a:endParaRPr b="0" lang="en-US" sz="1800" strike="noStrike" u="none">
               <a:solidFill>
                 <a:srgbClr val="000000"/>
               </a:solidFill>
@@ -4048,7 +3396,7 @@
               <a:buChar char=""/>
             </a:pPr>
             <a:r>
-              <a:rPr b="0" lang="en-US" sz="1400" strike="noStrike" u="none">
+              <a:rPr b="0" lang="en-US" sz="1800" strike="noStrike" u="none">
                 <a:solidFill>
                   <a:srgbClr val="000000"/>
                 </a:solidFill>
@@ -4057,7 +3405,7 @@
               </a:rPr>
               <a:t>Second Outline Level</a:t>
             </a:r>
-            <a:endParaRPr b="0" lang="en-US" sz="1400" strike="noStrike" u="none">
+            <a:endParaRPr b="0" lang="en-US" sz="1800" strike="noStrike" u="none">
               <a:solidFill>
                 <a:srgbClr val="000000"/>
               </a:solidFill>
@@ -4078,7 +3426,7 @@
               <a:buChar char=""/>
             </a:pPr>
             <a:r>
-              <a:rPr b="0" lang="en-US" sz="1400" strike="noStrike" u="none">
+              <a:rPr b="0" lang="en-US" sz="1800" strike="noStrike" u="none">
                 <a:solidFill>
                   <a:srgbClr val="000000"/>
                 </a:solidFill>
@@ -4087,7 +3435,7 @@
               </a:rPr>
               <a:t>Third Outline Level</a:t>
             </a:r>
-            <a:endParaRPr b="0" lang="en-US" sz="1400" strike="noStrike" u="none">
+            <a:endParaRPr b="0" lang="en-US" sz="1800" strike="noStrike" u="none">
               <a:solidFill>
                 <a:srgbClr val="000000"/>
               </a:solidFill>
@@ -4108,7 +3456,7 @@
               <a:buChar char=""/>
             </a:pPr>
             <a:r>
-              <a:rPr b="0" lang="en-US" sz="1400" strike="noStrike" u="none">
+              <a:rPr b="0" lang="en-US" sz="1800" strike="noStrike" u="none">
                 <a:solidFill>
                   <a:srgbClr val="000000"/>
                 </a:solidFill>
@@ -4117,7 +3465,7 @@
               </a:rPr>
               <a:t>Fourth Outline Level</a:t>
             </a:r>
-            <a:endParaRPr b="0" lang="en-US" sz="1400" strike="noStrike" u="none">
+            <a:endParaRPr b="0" lang="en-US" sz="1800" strike="noStrike" u="none">
               <a:solidFill>
                 <a:srgbClr val="000000"/>
               </a:solidFill>
@@ -4138,7 +3486,7 @@
               <a:buChar char=""/>
             </a:pPr>
             <a:r>
-              <a:rPr b="0" lang="en-US" sz="1400" strike="noStrike" u="none">
+              <a:rPr b="0" lang="en-US" sz="1800" strike="noStrike" u="none">
                 <a:solidFill>
                   <a:srgbClr val="000000"/>
                 </a:solidFill>
@@ -4147,7 +3495,7 @@
               </a:rPr>
               <a:t>Fifth Outline Level</a:t>
             </a:r>
-            <a:endParaRPr b="0" lang="en-US" sz="1400" strike="noStrike" u="none">
+            <a:endParaRPr b="0" lang="en-US" sz="1800" strike="noStrike" u="none">
               <a:solidFill>
                 <a:srgbClr val="000000"/>
               </a:solidFill>
@@ -4168,7 +3516,7 @@
               <a:buChar char=""/>
             </a:pPr>
             <a:r>
-              <a:rPr b="0" lang="en-US" sz="1400" strike="noStrike" u="none">
+              <a:rPr b="0" lang="en-US" sz="1800" strike="noStrike" u="none">
                 <a:solidFill>
                   <a:srgbClr val="000000"/>
                 </a:solidFill>
@@ -4177,7 +3525,7 @@
               </a:rPr>
               <a:t>Sixth Outline Level</a:t>
             </a:r>
-            <a:endParaRPr b="0" lang="en-US" sz="1400" strike="noStrike" u="none">
+            <a:endParaRPr b="0" lang="en-US" sz="1800" strike="noStrike" u="none">
               <a:solidFill>
                 <a:srgbClr val="000000"/>
               </a:solidFill>
@@ -4198,7 +3546,7 @@
               <a:buChar char=""/>
             </a:pPr>
             <a:r>
-              <a:rPr b="0" lang="en-US" sz="1400" strike="noStrike" u="none">
+              <a:rPr b="0" lang="en-US" sz="1800" strike="noStrike" u="none">
                 <a:solidFill>
                   <a:srgbClr val="000000"/>
                 </a:solidFill>
@@ -4207,258 +3555,19 @@
               </a:rPr>
               <a:t>Seventh Outline Level</a:t>
             </a:r>
-            <a:endParaRPr b="0" lang="en-US" sz="1400" strike="noStrike" u="none">
-              <a:solidFill>
-                <a:srgbClr val="000000"/>
-              </a:solidFill>
-              <a:uFillTx/>
-              <a:latin typeface="Arial"/>
-            </a:endParaRPr>
-          </a:p>
-        </p:txBody>
-      </p:sp>
-      <p:sp>
-        <p:nvSpPr>
-          <p:cNvPr id="35" name="PlaceHolder 3"/>
-          <p:cNvSpPr>
-            <a:spLocks noGrp="1"/>
-          </p:cNvSpPr>
-          <p:nvPr>
-            <p:ph type="body"/>
-          </p:nvPr>
-        </p:nvSpPr>
-        <p:spPr>
-          <a:xfrm>
-            <a:off x="5650560" y="1602720"/>
-            <a:ext cx="3071160" cy="3002040"/>
-          </a:xfrm>
-          <a:prstGeom prst="rect">
-            <a:avLst/>
-          </a:prstGeom>
-          <a:noFill/>
-          <a:ln w="0">
-            <a:noFill/>
-          </a:ln>
-        </p:spPr>
-        <p:txBody>
-          <a:bodyPr lIns="91440" rIns="91440" tIns="91440" bIns="91440" anchor="t">
-            <a:noAutofit/>
-          </a:bodyPr>
-          <a:p>
-            <a:pPr marL="432000" indent="-324000">
-              <a:spcBef>
-                <a:spcPts val="1417"/>
-              </a:spcBef>
-              <a:buClr>
-                <a:srgbClr val="000000"/>
-              </a:buClr>
-              <a:buSzPct val="45000"/>
-              <a:buFont typeface="Wingdings" charset="2"/>
-              <a:buChar char=""/>
-            </a:pPr>
-            <a:r>
-              <a:rPr b="0" lang="en-US" sz="1400" strike="noStrike" u="none">
-                <a:solidFill>
-                  <a:srgbClr val="000000"/>
-                </a:solidFill>
-                <a:uFillTx/>
-                <a:latin typeface="Arial"/>
-              </a:rPr>
-              <a:t>Click to edit the outline text format</a:t>
-            </a:r>
-            <a:endParaRPr b="0" lang="en-US" sz="1400" strike="noStrike" u="none">
-              <a:solidFill>
-                <a:srgbClr val="000000"/>
-              </a:solidFill>
-              <a:uFillTx/>
-              <a:latin typeface="Arial"/>
-            </a:endParaRPr>
-          </a:p>
-          <a:p>
-            <a:pPr lvl="1" marL="864000" indent="-324000">
-              <a:spcBef>
-                <a:spcPts val="1134"/>
-              </a:spcBef>
-              <a:buClr>
-                <a:srgbClr val="000000"/>
-              </a:buClr>
-              <a:buSzPct val="75000"/>
-              <a:buFont typeface="Symbol" charset="2"/>
-              <a:buChar char=""/>
-            </a:pPr>
-            <a:r>
-              <a:rPr b="0" lang="en-US" sz="1400" strike="noStrike" u="none">
-                <a:solidFill>
-                  <a:srgbClr val="000000"/>
-                </a:solidFill>
-                <a:uFillTx/>
-                <a:latin typeface="Arial"/>
-              </a:rPr>
-              <a:t>Second Outline Level</a:t>
-            </a:r>
-            <a:endParaRPr b="0" lang="en-US" sz="1400" strike="noStrike" u="none">
-              <a:solidFill>
-                <a:srgbClr val="000000"/>
-              </a:solidFill>
-              <a:uFillTx/>
-              <a:latin typeface="Arial"/>
-            </a:endParaRPr>
-          </a:p>
-          <a:p>
-            <a:pPr lvl="2" marL="1296000" indent="-288000">
-              <a:spcBef>
-                <a:spcPts val="850"/>
-              </a:spcBef>
-              <a:buClr>
-                <a:srgbClr val="000000"/>
-              </a:buClr>
-              <a:buSzPct val="45000"/>
-              <a:buFont typeface="Wingdings" charset="2"/>
-              <a:buChar char=""/>
-            </a:pPr>
-            <a:r>
-              <a:rPr b="0" lang="en-US" sz="1400" strike="noStrike" u="none">
-                <a:solidFill>
-                  <a:srgbClr val="000000"/>
-                </a:solidFill>
-                <a:uFillTx/>
-                <a:latin typeface="Arial"/>
-              </a:rPr>
-              <a:t>Third Outline Level</a:t>
-            </a:r>
-            <a:endParaRPr b="0" lang="en-US" sz="1400" strike="noStrike" u="none">
-              <a:solidFill>
-                <a:srgbClr val="000000"/>
-              </a:solidFill>
-              <a:uFillTx/>
-              <a:latin typeface="Arial"/>
-            </a:endParaRPr>
-          </a:p>
-          <a:p>
-            <a:pPr lvl="3" marL="1728000" indent="-216000">
-              <a:spcBef>
-                <a:spcPts val="567"/>
-              </a:spcBef>
-              <a:buClr>
-                <a:srgbClr val="000000"/>
-              </a:buClr>
-              <a:buSzPct val="75000"/>
-              <a:buFont typeface="Symbol" charset="2"/>
-              <a:buChar char=""/>
-            </a:pPr>
-            <a:r>
-              <a:rPr b="0" lang="en-US" sz="1400" strike="noStrike" u="none">
-                <a:solidFill>
-                  <a:srgbClr val="000000"/>
-                </a:solidFill>
-                <a:uFillTx/>
-                <a:latin typeface="Arial"/>
-              </a:rPr>
-              <a:t>Fourth Outline Level</a:t>
-            </a:r>
-            <a:endParaRPr b="0" lang="en-US" sz="1400" strike="noStrike" u="none">
-              <a:solidFill>
-                <a:srgbClr val="000000"/>
-              </a:solidFill>
-              <a:uFillTx/>
-              <a:latin typeface="Arial"/>
-            </a:endParaRPr>
-          </a:p>
-          <a:p>
-            <a:pPr lvl="4" marL="2160000" indent="-216000">
-              <a:spcBef>
-                <a:spcPts val="283"/>
-              </a:spcBef>
-              <a:buClr>
-                <a:srgbClr val="000000"/>
-              </a:buClr>
-              <a:buSzPct val="45000"/>
-              <a:buFont typeface="Wingdings" charset="2"/>
-              <a:buChar char=""/>
-            </a:pPr>
-            <a:r>
-              <a:rPr b="0" lang="en-US" sz="1400" strike="noStrike" u="none">
-                <a:solidFill>
-                  <a:srgbClr val="000000"/>
-                </a:solidFill>
-                <a:uFillTx/>
-                <a:latin typeface="Arial"/>
-              </a:rPr>
-              <a:t>Fifth Outline Level</a:t>
-            </a:r>
-            <a:endParaRPr b="0" lang="en-US" sz="1400" strike="noStrike" u="none">
-              <a:solidFill>
-                <a:srgbClr val="000000"/>
-              </a:solidFill>
-              <a:uFillTx/>
-              <a:latin typeface="Arial"/>
-            </a:endParaRPr>
-          </a:p>
-          <a:p>
-            <a:pPr lvl="5" marL="2592000" indent="-216000">
-              <a:spcBef>
-                <a:spcPts val="283"/>
-              </a:spcBef>
-              <a:buClr>
-                <a:srgbClr val="000000"/>
-              </a:buClr>
-              <a:buSzPct val="45000"/>
-              <a:buFont typeface="Wingdings" charset="2"/>
-              <a:buChar char=""/>
-            </a:pPr>
-            <a:r>
-              <a:rPr b="0" lang="en-US" sz="1400" strike="noStrike" u="none">
-                <a:solidFill>
-                  <a:srgbClr val="000000"/>
-                </a:solidFill>
-                <a:uFillTx/>
-                <a:latin typeface="Arial"/>
-              </a:rPr>
-              <a:t>Sixth Outline Level</a:t>
-            </a:r>
-            <a:endParaRPr b="0" lang="en-US" sz="1400" strike="noStrike" u="none">
-              <a:solidFill>
-                <a:srgbClr val="000000"/>
-              </a:solidFill>
-              <a:uFillTx/>
-              <a:latin typeface="Arial"/>
-            </a:endParaRPr>
-          </a:p>
-          <a:p>
-            <a:pPr lvl="6" marL="3024000" indent="-216000">
-              <a:spcBef>
-                <a:spcPts val="283"/>
-              </a:spcBef>
-              <a:buClr>
-                <a:srgbClr val="000000"/>
-              </a:buClr>
-              <a:buSzPct val="45000"/>
-              <a:buFont typeface="Wingdings" charset="2"/>
-              <a:buChar char=""/>
-            </a:pPr>
-            <a:r>
-              <a:rPr b="0" lang="en-US" sz="1400" strike="noStrike" u="none">
-                <a:solidFill>
-                  <a:srgbClr val="000000"/>
-                </a:solidFill>
-                <a:uFillTx/>
-                <a:latin typeface="Arial"/>
-              </a:rPr>
-              <a:t>Seventh Outline Level</a:t>
-            </a:r>
-            <a:endParaRPr b="0" lang="en-US" sz="1400" strike="noStrike" u="none">
-              <a:solidFill>
-                <a:srgbClr val="000000"/>
-              </a:solidFill>
-              <a:uFillTx/>
-              <a:latin typeface="Arial"/>
-            </a:endParaRPr>
-          </a:p>
-        </p:txBody>
-      </p:sp>
-      <p:sp>
-        <p:nvSpPr>
-          <p:cNvPr id="36" name="PlaceHolder 4"/>
+            <a:endParaRPr b="0" lang="en-US" sz="1800" strike="noStrike" u="none">
+              <a:solidFill>
+                <a:srgbClr val="000000"/>
+              </a:solidFill>
+              <a:uFillTx/>
+              <a:latin typeface="Arial"/>
+            </a:endParaRPr>
+          </a:p>
+        </p:txBody>
+      </p:sp>
+      <p:sp>
+        <p:nvSpPr>
+          <p:cNvPr id="28" name="PlaceHolder 3"/>
           <p:cNvSpPr>
             <a:spLocks noGrp="1"/>
           </p:cNvSpPr>
@@ -4469,7 +3578,7 @@
         <p:spPr>
           <a:xfrm>
             <a:off x="8498160" y="4688640"/>
-            <a:ext cx="548280" cy="393120"/>
+            <a:ext cx="547920" cy="392760"/>
           </a:xfrm>
           <a:prstGeom prst="rect">
             <a:avLst/>
@@ -4512,7 +3621,7 @@
                 <a:tab algn="l" pos="0"/>
               </a:tabLst>
             </a:pPr>
-            <a:fld id="{FADB4AA8-AA32-4DEE-8EBD-F1870B915E9C}" type="slidenum">
+            <a:fld id="{A65A9C05-E1C0-4DE7-9A80-C9F47738C935}" type="slidenum">
               <a:rPr b="0" lang="en" sz="1000" strike="noStrike" u="none">
                 <a:solidFill>
                   <a:schemeClr val="dk2"/>
@@ -4566,9 +3675,75 @@
           <a:chExt cx="0" cy="0"/>
         </a:xfrm>
       </p:grpSpPr>
-      <p:sp>
-        <p:nvSpPr>
-          <p:cNvPr id="40" name="PlaceHolder 1"/>
+      <p:cxnSp>
+        <p:nvCxnSpPr>
+          <p:cNvPr id="31" name="Google Shape;29;p5"/>
+          <p:cNvCxnSpPr/>
+          <p:nvPr/>
+        </p:nvCxnSpPr>
+        <p:spPr>
+          <a:xfrm>
+            <a:off x="2477520" y="415440"/>
+            <a:ext cx="6244920" cy="720"/>
+          </a:xfrm>
+          <a:prstGeom prst="straightConnector1">
+            <a:avLst/>
+          </a:prstGeom>
+          <a:ln w="38100">
+            <a:solidFill>
+              <a:srgbClr val="000000"/>
+            </a:solidFill>
+            <a:round/>
+          </a:ln>
+        </p:spPr>
+      </p:cxnSp>
+      <p:cxnSp>
+        <p:nvCxnSpPr>
+          <p:cNvPr id="32" name="Google Shape;30;p5"/>
+          <p:cNvCxnSpPr/>
+          <p:nvPr/>
+        </p:nvCxnSpPr>
+        <p:spPr>
+          <a:xfrm>
+            <a:off x="2477520" y="4739760"/>
+            <a:ext cx="6244920" cy="720"/>
+          </a:xfrm>
+          <a:prstGeom prst="straightConnector1">
+            <a:avLst/>
+          </a:prstGeom>
+          <a:ln w="19050">
+            <a:solidFill>
+              <a:srgbClr val="000000"/>
+            </a:solidFill>
+            <a:round/>
+          </a:ln>
+        </p:spPr>
+      </p:cxnSp>
+      <p:cxnSp>
+        <p:nvCxnSpPr>
+          <p:cNvPr id="33" name="Google Shape;31;p5"/>
+          <p:cNvCxnSpPr/>
+          <p:nvPr/>
+        </p:nvCxnSpPr>
+        <p:spPr>
+          <a:xfrm>
+            <a:off x="425160" y="415440"/>
+            <a:ext cx="183960" cy="720"/>
+          </a:xfrm>
+          <a:prstGeom prst="straightConnector1">
+            <a:avLst/>
+          </a:prstGeom>
+          <a:ln w="19050">
+            <a:solidFill>
+              <a:srgbClr val="000000"/>
+            </a:solidFill>
+            <a:round/>
+          </a:ln>
+        </p:spPr>
+      </p:cxnSp>
+      <p:sp>
+        <p:nvSpPr>
+          <p:cNvPr id="34" name="PlaceHolder 1"/>
           <p:cNvSpPr>
             <a:spLocks noGrp="1"/>
           </p:cNvSpPr>
@@ -4578,8 +3753,8 @@
         </p:nvSpPr>
         <p:spPr>
           <a:xfrm>
-            <a:off x="303480" y="411480"/>
-            <a:ext cx="8520120" cy="639360"/>
+            <a:off x="457200" y="205200"/>
+            <a:ext cx="8228880" cy="858240"/>
           </a:xfrm>
           <a:prstGeom prst="rect">
             <a:avLst/>
@@ -4590,7 +3765,7 @@
           </a:ln>
         </p:spPr>
         <p:txBody>
-          <a:bodyPr lIns="91440" rIns="91440" tIns="91440" bIns="91440" anchor="t">
+          <a:bodyPr lIns="0" rIns="0" tIns="0" bIns="0" anchor="ctr">
             <a:noAutofit/>
           </a:bodyPr>
           <a:p>
@@ -4598,7 +3773,7 @@
               <a:buNone/>
             </a:pPr>
             <a:r>
-              <a:rPr b="0" lang="en-US" sz="3000" strike="noStrike" u="none">
+              <a:rPr b="0" lang="en-US" sz="1800" strike="noStrike" u="none">
                 <a:solidFill>
                   <a:srgbClr val="000000"/>
                 </a:solidFill>
@@ -4607,19 +3782,497 @@
               </a:rPr>
               <a:t>Click to edit the title text format</a:t>
             </a:r>
-            <a:endParaRPr b="0" lang="en-US" sz="3000" strike="noStrike" u="none">
-              <a:solidFill>
-                <a:srgbClr val="000000"/>
-              </a:solidFill>
-              <a:uFillTx/>
-              <a:latin typeface="Arial"/>
-            </a:endParaRPr>
-          </a:p>
-        </p:txBody>
-      </p:sp>
-      <p:sp>
-        <p:nvSpPr>
-          <p:cNvPr id="41" name="PlaceHolder 2"/>
+            <a:endParaRPr b="0" lang="en-US" sz="1800" strike="noStrike" u="none">
+              <a:solidFill>
+                <a:srgbClr val="000000"/>
+              </a:solidFill>
+              <a:uFillTx/>
+              <a:latin typeface="Arial"/>
+            </a:endParaRPr>
+          </a:p>
+        </p:txBody>
+      </p:sp>
+      <p:sp>
+        <p:nvSpPr>
+          <p:cNvPr id="35" name="PlaceHolder 2"/>
+          <p:cNvSpPr>
+            <a:spLocks noGrp="1"/>
+          </p:cNvSpPr>
+          <p:nvPr>
+            <p:ph type="body"/>
+          </p:nvPr>
+        </p:nvSpPr>
+        <p:spPr>
+          <a:xfrm>
+            <a:off x="457200" y="1203480"/>
+            <a:ext cx="4015440" cy="2982600"/>
+          </a:xfrm>
+          <a:prstGeom prst="rect">
+            <a:avLst/>
+          </a:prstGeom>
+          <a:noFill/>
+          <a:ln w="0">
+            <a:noFill/>
+          </a:ln>
+        </p:spPr>
+        <p:txBody>
+          <a:bodyPr lIns="0" rIns="0" tIns="0" bIns="0" anchor="t">
+            <a:normAutofit lnSpcReduction="9999"/>
+          </a:bodyPr>
+          <a:p>
+            <a:pPr marL="432000" indent="-324000">
+              <a:spcBef>
+                <a:spcPts val="1417"/>
+              </a:spcBef>
+              <a:buClr>
+                <a:srgbClr val="000000"/>
+              </a:buClr>
+              <a:buSzPct val="45000"/>
+              <a:buFont typeface="Wingdings" charset="2"/>
+              <a:buChar char=""/>
+            </a:pPr>
+            <a:r>
+              <a:rPr b="0" lang="en-US" sz="1800" strike="noStrike" u="none">
+                <a:solidFill>
+                  <a:srgbClr val="000000"/>
+                </a:solidFill>
+                <a:uFillTx/>
+                <a:latin typeface="Arial"/>
+              </a:rPr>
+              <a:t>Click to edit the outline text format</a:t>
+            </a:r>
+            <a:endParaRPr b="0" lang="en-US" sz="1800" strike="noStrike" u="none">
+              <a:solidFill>
+                <a:srgbClr val="000000"/>
+              </a:solidFill>
+              <a:uFillTx/>
+              <a:latin typeface="Arial"/>
+            </a:endParaRPr>
+          </a:p>
+          <a:p>
+            <a:pPr lvl="1" marL="864000" indent="-324000">
+              <a:spcBef>
+                <a:spcPts val="1134"/>
+              </a:spcBef>
+              <a:buClr>
+                <a:srgbClr val="000000"/>
+              </a:buClr>
+              <a:buSzPct val="75000"/>
+              <a:buFont typeface="Symbol" charset="2"/>
+              <a:buChar char=""/>
+            </a:pPr>
+            <a:r>
+              <a:rPr b="0" lang="en-US" sz="1800" strike="noStrike" u="none">
+                <a:solidFill>
+                  <a:srgbClr val="000000"/>
+                </a:solidFill>
+                <a:uFillTx/>
+                <a:latin typeface="Arial"/>
+              </a:rPr>
+              <a:t>Second Outline Level</a:t>
+            </a:r>
+            <a:endParaRPr b="0" lang="en-US" sz="1800" strike="noStrike" u="none">
+              <a:solidFill>
+                <a:srgbClr val="000000"/>
+              </a:solidFill>
+              <a:uFillTx/>
+              <a:latin typeface="Arial"/>
+            </a:endParaRPr>
+          </a:p>
+          <a:p>
+            <a:pPr lvl="2" marL="1296000" indent="-288000">
+              <a:spcBef>
+                <a:spcPts val="850"/>
+              </a:spcBef>
+              <a:buClr>
+                <a:srgbClr val="000000"/>
+              </a:buClr>
+              <a:buSzPct val="45000"/>
+              <a:buFont typeface="Wingdings" charset="2"/>
+              <a:buChar char=""/>
+            </a:pPr>
+            <a:r>
+              <a:rPr b="0" lang="en-US" sz="1800" strike="noStrike" u="none">
+                <a:solidFill>
+                  <a:srgbClr val="000000"/>
+                </a:solidFill>
+                <a:uFillTx/>
+                <a:latin typeface="Arial"/>
+              </a:rPr>
+              <a:t>Third Outline Level</a:t>
+            </a:r>
+            <a:endParaRPr b="0" lang="en-US" sz="1800" strike="noStrike" u="none">
+              <a:solidFill>
+                <a:srgbClr val="000000"/>
+              </a:solidFill>
+              <a:uFillTx/>
+              <a:latin typeface="Arial"/>
+            </a:endParaRPr>
+          </a:p>
+          <a:p>
+            <a:pPr lvl="3" marL="1728000" indent="-216000">
+              <a:spcBef>
+                <a:spcPts val="567"/>
+              </a:spcBef>
+              <a:buClr>
+                <a:srgbClr val="000000"/>
+              </a:buClr>
+              <a:buSzPct val="75000"/>
+              <a:buFont typeface="Symbol" charset="2"/>
+              <a:buChar char=""/>
+            </a:pPr>
+            <a:r>
+              <a:rPr b="0" lang="en-US" sz="1800" strike="noStrike" u="none">
+                <a:solidFill>
+                  <a:srgbClr val="000000"/>
+                </a:solidFill>
+                <a:uFillTx/>
+                <a:latin typeface="Arial"/>
+              </a:rPr>
+              <a:t>Fourth Outline Level</a:t>
+            </a:r>
+            <a:endParaRPr b="0" lang="en-US" sz="1800" strike="noStrike" u="none">
+              <a:solidFill>
+                <a:srgbClr val="000000"/>
+              </a:solidFill>
+              <a:uFillTx/>
+              <a:latin typeface="Arial"/>
+            </a:endParaRPr>
+          </a:p>
+          <a:p>
+            <a:pPr lvl="4" marL="2160000" indent="-216000">
+              <a:spcBef>
+                <a:spcPts val="283"/>
+              </a:spcBef>
+              <a:buClr>
+                <a:srgbClr val="000000"/>
+              </a:buClr>
+              <a:buSzPct val="45000"/>
+              <a:buFont typeface="Wingdings" charset="2"/>
+              <a:buChar char=""/>
+            </a:pPr>
+            <a:r>
+              <a:rPr b="0" lang="en-US" sz="1800" strike="noStrike" u="none">
+                <a:solidFill>
+                  <a:srgbClr val="000000"/>
+                </a:solidFill>
+                <a:uFillTx/>
+                <a:latin typeface="Arial"/>
+              </a:rPr>
+              <a:t>Fifth Outline Level</a:t>
+            </a:r>
+            <a:endParaRPr b="0" lang="en-US" sz="1800" strike="noStrike" u="none">
+              <a:solidFill>
+                <a:srgbClr val="000000"/>
+              </a:solidFill>
+              <a:uFillTx/>
+              <a:latin typeface="Arial"/>
+            </a:endParaRPr>
+          </a:p>
+          <a:p>
+            <a:pPr lvl="5" marL="2592000" indent="-216000">
+              <a:spcBef>
+                <a:spcPts val="283"/>
+              </a:spcBef>
+              <a:buClr>
+                <a:srgbClr val="000000"/>
+              </a:buClr>
+              <a:buSzPct val="45000"/>
+              <a:buFont typeface="Wingdings" charset="2"/>
+              <a:buChar char=""/>
+            </a:pPr>
+            <a:r>
+              <a:rPr b="0" lang="en-US" sz="1800" strike="noStrike" u="none">
+                <a:solidFill>
+                  <a:srgbClr val="000000"/>
+                </a:solidFill>
+                <a:uFillTx/>
+                <a:latin typeface="Arial"/>
+              </a:rPr>
+              <a:t>Sixth Outline Level</a:t>
+            </a:r>
+            <a:endParaRPr b="0" lang="en-US" sz="1800" strike="noStrike" u="none">
+              <a:solidFill>
+                <a:srgbClr val="000000"/>
+              </a:solidFill>
+              <a:uFillTx/>
+              <a:latin typeface="Arial"/>
+            </a:endParaRPr>
+          </a:p>
+          <a:p>
+            <a:pPr lvl="6" marL="3024000" indent="-216000">
+              <a:spcBef>
+                <a:spcPts val="283"/>
+              </a:spcBef>
+              <a:buClr>
+                <a:srgbClr val="000000"/>
+              </a:buClr>
+              <a:buSzPct val="45000"/>
+              <a:buFont typeface="Wingdings" charset="2"/>
+              <a:buChar char=""/>
+            </a:pPr>
+            <a:r>
+              <a:rPr b="0" lang="en-US" sz="1800" strike="noStrike" u="none">
+                <a:solidFill>
+                  <a:srgbClr val="000000"/>
+                </a:solidFill>
+                <a:uFillTx/>
+                <a:latin typeface="Arial"/>
+              </a:rPr>
+              <a:t>Seventh Outline Level</a:t>
+            </a:r>
+            <a:endParaRPr b="0" lang="en-US" sz="1800" strike="noStrike" u="none">
+              <a:solidFill>
+                <a:srgbClr val="000000"/>
+              </a:solidFill>
+              <a:uFillTx/>
+              <a:latin typeface="Arial"/>
+            </a:endParaRPr>
+          </a:p>
+        </p:txBody>
+      </p:sp>
+      <p:sp>
+        <p:nvSpPr>
+          <p:cNvPr id="36" name="PlaceHolder 3"/>
+          <p:cNvSpPr>
+            <a:spLocks noGrp="1"/>
+          </p:cNvSpPr>
+          <p:nvPr>
+            <p:ph type="body"/>
+          </p:nvPr>
+        </p:nvSpPr>
+        <p:spPr>
+          <a:xfrm>
+            <a:off x="4674240" y="1203480"/>
+            <a:ext cx="4015440" cy="2982600"/>
+          </a:xfrm>
+          <a:prstGeom prst="rect">
+            <a:avLst/>
+          </a:prstGeom>
+          <a:noFill/>
+          <a:ln w="0">
+            <a:noFill/>
+          </a:ln>
+        </p:spPr>
+        <p:txBody>
+          <a:bodyPr lIns="0" rIns="0" tIns="0" bIns="0" anchor="t">
+            <a:normAutofit lnSpcReduction="9999"/>
+          </a:bodyPr>
+          <a:p>
+            <a:pPr marL="432000" indent="-324000">
+              <a:spcBef>
+                <a:spcPts val="1417"/>
+              </a:spcBef>
+              <a:buClr>
+                <a:srgbClr val="000000"/>
+              </a:buClr>
+              <a:buSzPct val="45000"/>
+              <a:buFont typeface="Wingdings" charset="2"/>
+              <a:buChar char=""/>
+            </a:pPr>
+            <a:r>
+              <a:rPr b="0" lang="en-US" sz="1800" strike="noStrike" u="none">
+                <a:solidFill>
+                  <a:srgbClr val="000000"/>
+                </a:solidFill>
+                <a:uFillTx/>
+                <a:latin typeface="Arial"/>
+              </a:rPr>
+              <a:t>Click to edit the outline text format</a:t>
+            </a:r>
+            <a:endParaRPr b="0" lang="en-US" sz="1800" strike="noStrike" u="none">
+              <a:solidFill>
+                <a:srgbClr val="000000"/>
+              </a:solidFill>
+              <a:uFillTx/>
+              <a:latin typeface="Arial"/>
+            </a:endParaRPr>
+          </a:p>
+          <a:p>
+            <a:pPr lvl="1" marL="864000" indent="-324000">
+              <a:spcBef>
+                <a:spcPts val="1134"/>
+              </a:spcBef>
+              <a:buClr>
+                <a:srgbClr val="000000"/>
+              </a:buClr>
+              <a:buSzPct val="75000"/>
+              <a:buFont typeface="Symbol" charset="2"/>
+              <a:buChar char=""/>
+            </a:pPr>
+            <a:r>
+              <a:rPr b="0" lang="en-US" sz="1800" strike="noStrike" u="none">
+                <a:solidFill>
+                  <a:srgbClr val="000000"/>
+                </a:solidFill>
+                <a:uFillTx/>
+                <a:latin typeface="Arial"/>
+              </a:rPr>
+              <a:t>Second Outline Level</a:t>
+            </a:r>
+            <a:endParaRPr b="0" lang="en-US" sz="1800" strike="noStrike" u="none">
+              <a:solidFill>
+                <a:srgbClr val="000000"/>
+              </a:solidFill>
+              <a:uFillTx/>
+              <a:latin typeface="Arial"/>
+            </a:endParaRPr>
+          </a:p>
+          <a:p>
+            <a:pPr lvl="2" marL="1296000" indent="-288000">
+              <a:spcBef>
+                <a:spcPts val="850"/>
+              </a:spcBef>
+              <a:buClr>
+                <a:srgbClr val="000000"/>
+              </a:buClr>
+              <a:buSzPct val="45000"/>
+              <a:buFont typeface="Wingdings" charset="2"/>
+              <a:buChar char=""/>
+            </a:pPr>
+            <a:r>
+              <a:rPr b="0" lang="en-US" sz="1800" strike="noStrike" u="none">
+                <a:solidFill>
+                  <a:srgbClr val="000000"/>
+                </a:solidFill>
+                <a:uFillTx/>
+                <a:latin typeface="Arial"/>
+              </a:rPr>
+              <a:t>Third Outline Level</a:t>
+            </a:r>
+            <a:endParaRPr b="0" lang="en-US" sz="1800" strike="noStrike" u="none">
+              <a:solidFill>
+                <a:srgbClr val="000000"/>
+              </a:solidFill>
+              <a:uFillTx/>
+              <a:latin typeface="Arial"/>
+            </a:endParaRPr>
+          </a:p>
+          <a:p>
+            <a:pPr lvl="3" marL="1728000" indent="-216000">
+              <a:spcBef>
+                <a:spcPts val="567"/>
+              </a:spcBef>
+              <a:buClr>
+                <a:srgbClr val="000000"/>
+              </a:buClr>
+              <a:buSzPct val="75000"/>
+              <a:buFont typeface="Symbol" charset="2"/>
+              <a:buChar char=""/>
+            </a:pPr>
+            <a:r>
+              <a:rPr b="0" lang="en-US" sz="1800" strike="noStrike" u="none">
+                <a:solidFill>
+                  <a:srgbClr val="000000"/>
+                </a:solidFill>
+                <a:uFillTx/>
+                <a:latin typeface="Arial"/>
+              </a:rPr>
+              <a:t>Fourth Outline Level</a:t>
+            </a:r>
+            <a:endParaRPr b="0" lang="en-US" sz="1800" strike="noStrike" u="none">
+              <a:solidFill>
+                <a:srgbClr val="000000"/>
+              </a:solidFill>
+              <a:uFillTx/>
+              <a:latin typeface="Arial"/>
+            </a:endParaRPr>
+          </a:p>
+          <a:p>
+            <a:pPr lvl="4" marL="2160000" indent="-216000">
+              <a:spcBef>
+                <a:spcPts val="283"/>
+              </a:spcBef>
+              <a:buClr>
+                <a:srgbClr val="000000"/>
+              </a:buClr>
+              <a:buSzPct val="45000"/>
+              <a:buFont typeface="Wingdings" charset="2"/>
+              <a:buChar char=""/>
+            </a:pPr>
+            <a:r>
+              <a:rPr b="0" lang="en-US" sz="1800" strike="noStrike" u="none">
+                <a:solidFill>
+                  <a:srgbClr val="000000"/>
+                </a:solidFill>
+                <a:uFillTx/>
+                <a:latin typeface="Arial"/>
+              </a:rPr>
+              <a:t>Fifth Outline Level</a:t>
+            </a:r>
+            <a:endParaRPr b="0" lang="en-US" sz="1800" strike="noStrike" u="none">
+              <a:solidFill>
+                <a:srgbClr val="000000"/>
+              </a:solidFill>
+              <a:uFillTx/>
+              <a:latin typeface="Arial"/>
+            </a:endParaRPr>
+          </a:p>
+          <a:p>
+            <a:pPr lvl="5" marL="2592000" indent="-216000">
+              <a:spcBef>
+                <a:spcPts val="283"/>
+              </a:spcBef>
+              <a:buClr>
+                <a:srgbClr val="000000"/>
+              </a:buClr>
+              <a:buSzPct val="45000"/>
+              <a:buFont typeface="Wingdings" charset="2"/>
+              <a:buChar char=""/>
+            </a:pPr>
+            <a:r>
+              <a:rPr b="0" lang="en-US" sz="1800" strike="noStrike" u="none">
+                <a:solidFill>
+                  <a:srgbClr val="000000"/>
+                </a:solidFill>
+                <a:uFillTx/>
+                <a:latin typeface="Arial"/>
+              </a:rPr>
+              <a:t>Sixth Outline Level</a:t>
+            </a:r>
+            <a:endParaRPr b="0" lang="en-US" sz="1800" strike="noStrike" u="none">
+              <a:solidFill>
+                <a:srgbClr val="000000"/>
+              </a:solidFill>
+              <a:uFillTx/>
+              <a:latin typeface="Arial"/>
+            </a:endParaRPr>
+          </a:p>
+          <a:p>
+            <a:pPr lvl="6" marL="3024000" indent="-216000">
+              <a:spcBef>
+                <a:spcPts val="283"/>
+              </a:spcBef>
+              <a:buClr>
+                <a:srgbClr val="000000"/>
+              </a:buClr>
+              <a:buSzPct val="45000"/>
+              <a:buFont typeface="Wingdings" charset="2"/>
+              <a:buChar char=""/>
+            </a:pPr>
+            <a:r>
+              <a:rPr b="0" lang="en-US" sz="1800" strike="noStrike" u="none">
+                <a:solidFill>
+                  <a:srgbClr val="000000"/>
+                </a:solidFill>
+                <a:uFillTx/>
+                <a:latin typeface="Arial"/>
+              </a:rPr>
+              <a:t>Seventh Outline Level</a:t>
+            </a:r>
+            <a:endParaRPr b="0" lang="en-US" sz="1800" strike="noStrike" u="none">
+              <a:solidFill>
+                <a:srgbClr val="000000"/>
+              </a:solidFill>
+              <a:uFillTx/>
+              <a:latin typeface="Arial"/>
+            </a:endParaRPr>
+          </a:p>
+        </p:txBody>
+      </p:sp>
+      <p:sp>
+        <p:nvSpPr>
+          <p:cNvPr id="37" name="PlaceHolder 4"/>
           <p:cNvSpPr>
             <a:spLocks noGrp="1"/>
           </p:cNvSpPr>
@@ -4630,7 +4283,7 @@
         <p:spPr>
           <a:xfrm>
             <a:off x="8498160" y="4688640"/>
-            <a:ext cx="548280" cy="393120"/>
+            <a:ext cx="547920" cy="392760"/>
           </a:xfrm>
           <a:prstGeom prst="rect">
             <a:avLst/>
@@ -4673,7 +4326,7 @@
                 <a:tab algn="l" pos="0"/>
               </a:tabLst>
             </a:pPr>
-            <a:fld id="{C67F64FC-25F9-4CF1-96A1-3EBF44A51B93}" type="slidenum">
+            <a:fld id="{8C90487F-AC2E-4D6B-ADED-E20013FFB4E7}" type="slidenum">
               <a:rPr b="0" lang="en" sz="1000" strike="noStrike" u="none">
                 <a:solidFill>
                   <a:schemeClr val="dk2"/>
@@ -4727,31 +4380,9 @@
           <a:chExt cx="0" cy="0"/>
         </a:xfrm>
       </p:grpSpPr>
-      <p:cxnSp>
-        <p:nvCxnSpPr>
-          <p:cNvPr id="43" name="Google Shape;40;p7"/>
-          <p:cNvCxnSpPr/>
-          <p:nvPr/>
-        </p:nvCxnSpPr>
-        <p:spPr>
-          <a:xfrm>
-            <a:off x="425160" y="415440"/>
-            <a:ext cx="183600" cy="360"/>
-          </a:xfrm>
-          <a:prstGeom prst="straightConnector1">
-            <a:avLst/>
-          </a:prstGeom>
-          <a:ln w="19050">
-            <a:solidFill>
-              <a:srgbClr val="000000"/>
-            </a:solidFill>
-            <a:round/>
-          </a:ln>
-        </p:spPr>
-      </p:cxnSp>
-      <p:sp>
-        <p:nvSpPr>
-          <p:cNvPr id="44" name="PlaceHolder 1"/>
+      <p:sp>
+        <p:nvSpPr>
+          <p:cNvPr id="41" name="PlaceHolder 1"/>
           <p:cNvSpPr>
             <a:spLocks noGrp="1"/>
           </p:cNvSpPr>
@@ -4761,8 +4392,8 @@
         </p:nvSpPr>
         <p:spPr>
           <a:xfrm>
-            <a:off x="319680" y="936720"/>
-            <a:ext cx="2807640" cy="755280"/>
+            <a:off x="457200" y="205200"/>
+            <a:ext cx="8228880" cy="858240"/>
           </a:xfrm>
           <a:prstGeom prst="rect">
             <a:avLst/>
@@ -4773,7 +4404,7 @@
           </a:ln>
         </p:spPr>
         <p:txBody>
-          <a:bodyPr lIns="91440" rIns="91440" tIns="91440" bIns="91440" anchor="b">
+          <a:bodyPr lIns="0" rIns="0" tIns="0" bIns="0" anchor="ctr">
             <a:noAutofit/>
           </a:bodyPr>
           <a:p>
@@ -4781,7 +4412,7 @@
               <a:buNone/>
             </a:pPr>
             <a:r>
-              <a:rPr b="0" lang="en-US" sz="2400" strike="noStrike" u="none">
+              <a:rPr b="0" lang="en-US" sz="1800" strike="noStrike" u="none">
                 <a:solidFill>
                   <a:srgbClr val="000000"/>
                 </a:solidFill>
@@ -4790,258 +4421,19 @@
               </a:rPr>
               <a:t>Click to edit the title text format</a:t>
             </a:r>
-            <a:endParaRPr b="0" lang="en-US" sz="2400" strike="noStrike" u="none">
-              <a:solidFill>
-                <a:srgbClr val="000000"/>
-              </a:solidFill>
-              <a:uFillTx/>
-              <a:latin typeface="Arial"/>
-            </a:endParaRPr>
-          </a:p>
-        </p:txBody>
-      </p:sp>
-      <p:sp>
-        <p:nvSpPr>
-          <p:cNvPr id="45" name="PlaceHolder 2"/>
-          <p:cNvSpPr>
-            <a:spLocks noGrp="1"/>
-          </p:cNvSpPr>
-          <p:nvPr>
-            <p:ph type="body"/>
-          </p:nvPr>
-        </p:nvSpPr>
-        <p:spPr>
-          <a:xfrm>
-            <a:off x="319680" y="1846800"/>
-            <a:ext cx="2807640" cy="2805840"/>
-          </a:xfrm>
-          <a:prstGeom prst="rect">
-            <a:avLst/>
-          </a:prstGeom>
-          <a:noFill/>
-          <a:ln w="0">
-            <a:noFill/>
-          </a:ln>
-        </p:spPr>
-        <p:txBody>
-          <a:bodyPr lIns="91440" rIns="91440" tIns="91440" bIns="91440" anchor="t">
-            <a:noAutofit/>
-          </a:bodyPr>
-          <a:p>
-            <a:pPr marL="432000" indent="-324000">
-              <a:spcBef>
-                <a:spcPts val="1417"/>
-              </a:spcBef>
-              <a:buClr>
-                <a:srgbClr val="000000"/>
-              </a:buClr>
-              <a:buSzPct val="45000"/>
-              <a:buFont typeface="Wingdings" charset="2"/>
-              <a:buChar char=""/>
-            </a:pPr>
-            <a:r>
-              <a:rPr b="0" lang="en-US" sz="1200" strike="noStrike" u="none">
-                <a:solidFill>
-                  <a:srgbClr val="000000"/>
-                </a:solidFill>
-                <a:uFillTx/>
-                <a:latin typeface="Arial"/>
-              </a:rPr>
-              <a:t>Click to edit the outline text format</a:t>
-            </a:r>
-            <a:endParaRPr b="0" lang="en-US" sz="1200" strike="noStrike" u="none">
-              <a:solidFill>
-                <a:srgbClr val="000000"/>
-              </a:solidFill>
-              <a:uFillTx/>
-              <a:latin typeface="Arial"/>
-            </a:endParaRPr>
-          </a:p>
-          <a:p>
-            <a:pPr lvl="1" marL="864000" indent="-324000">
-              <a:spcBef>
-                <a:spcPts val="1134"/>
-              </a:spcBef>
-              <a:buClr>
-                <a:srgbClr val="000000"/>
-              </a:buClr>
-              <a:buSzPct val="75000"/>
-              <a:buFont typeface="Symbol" charset="2"/>
-              <a:buChar char=""/>
-            </a:pPr>
-            <a:r>
-              <a:rPr b="0" lang="en-US" sz="1200" strike="noStrike" u="none">
-                <a:solidFill>
-                  <a:srgbClr val="000000"/>
-                </a:solidFill>
-                <a:uFillTx/>
-                <a:latin typeface="Arial"/>
-              </a:rPr>
-              <a:t>Second Outline Level</a:t>
-            </a:r>
-            <a:endParaRPr b="0" lang="en-US" sz="1200" strike="noStrike" u="none">
-              <a:solidFill>
-                <a:srgbClr val="000000"/>
-              </a:solidFill>
-              <a:uFillTx/>
-              <a:latin typeface="Arial"/>
-            </a:endParaRPr>
-          </a:p>
-          <a:p>
-            <a:pPr lvl="2" marL="1296000" indent="-288000">
-              <a:spcBef>
-                <a:spcPts val="850"/>
-              </a:spcBef>
-              <a:buClr>
-                <a:srgbClr val="000000"/>
-              </a:buClr>
-              <a:buSzPct val="45000"/>
-              <a:buFont typeface="Wingdings" charset="2"/>
-              <a:buChar char=""/>
-            </a:pPr>
-            <a:r>
-              <a:rPr b="0" lang="en-US" sz="1200" strike="noStrike" u="none">
-                <a:solidFill>
-                  <a:srgbClr val="000000"/>
-                </a:solidFill>
-                <a:uFillTx/>
-                <a:latin typeface="Arial"/>
-              </a:rPr>
-              <a:t>Third Outline Level</a:t>
-            </a:r>
-            <a:endParaRPr b="0" lang="en-US" sz="1200" strike="noStrike" u="none">
-              <a:solidFill>
-                <a:srgbClr val="000000"/>
-              </a:solidFill>
-              <a:uFillTx/>
-              <a:latin typeface="Arial"/>
-            </a:endParaRPr>
-          </a:p>
-          <a:p>
-            <a:pPr lvl="3" marL="1728000" indent="-216000">
-              <a:spcBef>
-                <a:spcPts val="567"/>
-              </a:spcBef>
-              <a:buClr>
-                <a:srgbClr val="000000"/>
-              </a:buClr>
-              <a:buSzPct val="75000"/>
-              <a:buFont typeface="Symbol" charset="2"/>
-              <a:buChar char=""/>
-            </a:pPr>
-            <a:r>
-              <a:rPr b="0" lang="en-US" sz="1200" strike="noStrike" u="none">
-                <a:solidFill>
-                  <a:srgbClr val="000000"/>
-                </a:solidFill>
-                <a:uFillTx/>
-                <a:latin typeface="Arial"/>
-              </a:rPr>
-              <a:t>Fourth Outline Level</a:t>
-            </a:r>
-            <a:endParaRPr b="0" lang="en-US" sz="1200" strike="noStrike" u="none">
-              <a:solidFill>
-                <a:srgbClr val="000000"/>
-              </a:solidFill>
-              <a:uFillTx/>
-              <a:latin typeface="Arial"/>
-            </a:endParaRPr>
-          </a:p>
-          <a:p>
-            <a:pPr lvl="4" marL="2160000" indent="-216000">
-              <a:spcBef>
-                <a:spcPts val="283"/>
-              </a:spcBef>
-              <a:buClr>
-                <a:srgbClr val="000000"/>
-              </a:buClr>
-              <a:buSzPct val="45000"/>
-              <a:buFont typeface="Wingdings" charset="2"/>
-              <a:buChar char=""/>
-            </a:pPr>
-            <a:r>
-              <a:rPr b="0" lang="en-US" sz="1200" strike="noStrike" u="none">
-                <a:solidFill>
-                  <a:srgbClr val="000000"/>
-                </a:solidFill>
-                <a:uFillTx/>
-                <a:latin typeface="Arial"/>
-              </a:rPr>
-              <a:t>Fifth Outline Level</a:t>
-            </a:r>
-            <a:endParaRPr b="0" lang="en-US" sz="1200" strike="noStrike" u="none">
-              <a:solidFill>
-                <a:srgbClr val="000000"/>
-              </a:solidFill>
-              <a:uFillTx/>
-              <a:latin typeface="Arial"/>
-            </a:endParaRPr>
-          </a:p>
-          <a:p>
-            <a:pPr lvl="5" marL="2592000" indent="-216000">
-              <a:spcBef>
-                <a:spcPts val="283"/>
-              </a:spcBef>
-              <a:buClr>
-                <a:srgbClr val="000000"/>
-              </a:buClr>
-              <a:buSzPct val="45000"/>
-              <a:buFont typeface="Wingdings" charset="2"/>
-              <a:buChar char=""/>
-            </a:pPr>
-            <a:r>
-              <a:rPr b="0" lang="en-US" sz="1200" strike="noStrike" u="none">
-                <a:solidFill>
-                  <a:srgbClr val="000000"/>
-                </a:solidFill>
-                <a:uFillTx/>
-                <a:latin typeface="Arial"/>
-              </a:rPr>
-              <a:t>Sixth Outline Level</a:t>
-            </a:r>
-            <a:endParaRPr b="0" lang="en-US" sz="1200" strike="noStrike" u="none">
-              <a:solidFill>
-                <a:srgbClr val="000000"/>
-              </a:solidFill>
-              <a:uFillTx/>
-              <a:latin typeface="Arial"/>
-            </a:endParaRPr>
-          </a:p>
-          <a:p>
-            <a:pPr lvl="6" marL="3024000" indent="-216000">
-              <a:spcBef>
-                <a:spcPts val="283"/>
-              </a:spcBef>
-              <a:buClr>
-                <a:srgbClr val="000000"/>
-              </a:buClr>
-              <a:buSzPct val="45000"/>
-              <a:buFont typeface="Wingdings" charset="2"/>
-              <a:buChar char=""/>
-            </a:pPr>
-            <a:r>
-              <a:rPr b="0" lang="en-US" sz="1200" strike="noStrike" u="none">
-                <a:solidFill>
-                  <a:srgbClr val="000000"/>
-                </a:solidFill>
-                <a:uFillTx/>
-                <a:latin typeface="Arial"/>
-              </a:rPr>
-              <a:t>Seventh Outline Level</a:t>
-            </a:r>
-            <a:endParaRPr b="0" lang="en-US" sz="1200" strike="noStrike" u="none">
-              <a:solidFill>
-                <a:srgbClr val="000000"/>
-              </a:solidFill>
-              <a:uFillTx/>
-              <a:latin typeface="Arial"/>
-            </a:endParaRPr>
-          </a:p>
-        </p:txBody>
-      </p:sp>
-      <p:sp>
-        <p:nvSpPr>
-          <p:cNvPr id="46" name="PlaceHolder 3"/>
+            <a:endParaRPr b="0" lang="en-US" sz="1800" strike="noStrike" u="none">
+              <a:solidFill>
+                <a:srgbClr val="000000"/>
+              </a:solidFill>
+              <a:uFillTx/>
+              <a:latin typeface="Arial"/>
+            </a:endParaRPr>
+          </a:p>
+        </p:txBody>
+      </p:sp>
+      <p:sp>
+        <p:nvSpPr>
+          <p:cNvPr id="42" name="PlaceHolder 2"/>
           <p:cNvSpPr>
             <a:spLocks noGrp="1"/>
           </p:cNvSpPr>
@@ -5052,7 +4444,7 @@
         <p:spPr>
           <a:xfrm>
             <a:off x="8498160" y="4688640"/>
-            <a:ext cx="548280" cy="393120"/>
+            <a:ext cx="547920" cy="392760"/>
           </a:xfrm>
           <a:prstGeom prst="rect">
             <a:avLst/>
@@ -5095,7 +4487,7 @@
                 <a:tab algn="l" pos="0"/>
               </a:tabLst>
             </a:pPr>
-            <a:fld id="{FF1AC5A1-1158-478E-9CD0-BE71CC9DE246}" type="slidenum">
+            <a:fld id="{CAF19995-A972-409A-949E-2C0F66E4EEA3}" type="slidenum">
               <a:rPr b="0" lang="en" sz="1000" strike="noStrike" u="none">
                 <a:solidFill>
                   <a:schemeClr val="dk2"/>
@@ -5131,7 +4523,7 @@
     <p:bg>
       <p:bgPr>
         <a:solidFill>
-          <a:srgbClr val="353535"/>
+          <a:schemeClr val="lt1"/>
         </a:solidFill>
       </p:bgPr>
     </p:bg>
@@ -5151,21 +4543,21 @@
       </p:grpSpPr>
       <p:cxnSp>
         <p:nvCxnSpPr>
-          <p:cNvPr id="47" name="Google Shape;45;p8"/>
+          <p:cNvPr id="44" name="Google Shape;40;p7"/>
           <p:cNvCxnSpPr/>
           <p:nvPr/>
         </p:nvCxnSpPr>
         <p:spPr>
           <a:xfrm>
             <a:off x="425160" y="415440"/>
-            <a:ext cx="183600" cy="360"/>
+            <a:ext cx="183960" cy="720"/>
           </a:xfrm>
           <a:prstGeom prst="straightConnector1">
             <a:avLst/>
           </a:prstGeom>
           <a:ln w="19050">
             <a:solidFill>
-              <a:srgbClr val="ffffff"/>
+              <a:srgbClr val="000000"/>
             </a:solidFill>
             <a:round/>
           </a:ln>
@@ -5173,58 +4565,7 @@
       </p:cxnSp>
       <p:sp>
         <p:nvSpPr>
-          <p:cNvPr id="48" name="PlaceHolder 1"/>
-          <p:cNvSpPr>
-            <a:spLocks noGrp="1"/>
-          </p:cNvSpPr>
-          <p:nvPr>
-            <p:ph type="title"/>
-          </p:nvPr>
-        </p:nvSpPr>
-        <p:spPr>
-          <a:xfrm>
-            <a:off x="282960" y="712080"/>
-            <a:ext cx="6243840" cy="3835080"/>
-          </a:xfrm>
-          <a:prstGeom prst="rect">
-            <a:avLst/>
-          </a:prstGeom>
-          <a:noFill/>
-          <a:ln w="0">
-            <a:noFill/>
-          </a:ln>
-        </p:spPr>
-        <p:txBody>
-          <a:bodyPr lIns="91440" rIns="91440" tIns="91440" bIns="91440" anchor="ctr">
-            <a:noAutofit/>
-          </a:bodyPr>
-          <a:p>
-            <a:pPr indent="0">
-              <a:buNone/>
-            </a:pPr>
-            <a:r>
-              <a:rPr b="0" lang="en-US" sz="4800" strike="noStrike" u="none">
-                <a:solidFill>
-                  <a:srgbClr val="000000"/>
-                </a:solidFill>
-                <a:uFillTx/>
-                <a:latin typeface="Arial"/>
-              </a:rPr>
-              <a:t>Click to edit the title text format</a:t>
-            </a:r>
-            <a:endParaRPr b="0" lang="en-US" sz="4800" strike="noStrike" u="none">
-              <a:solidFill>
-                <a:srgbClr val="000000"/>
-              </a:solidFill>
-              <a:uFillTx/>
-              <a:latin typeface="Arial"/>
-            </a:endParaRPr>
-          </a:p>
-        </p:txBody>
-      </p:sp>
-      <p:sp>
-        <p:nvSpPr>
-          <p:cNvPr id="49" name="PlaceHolder 2"/>
+          <p:cNvPr id="45" name="PlaceHolder 1"/>
           <p:cNvSpPr>
             <a:spLocks noGrp="1"/>
           </p:cNvSpPr>
@@ -5235,7 +4576,7 @@
         <p:spPr>
           <a:xfrm>
             <a:off x="8498160" y="4688640"/>
-            <a:ext cx="548280" cy="393120"/>
+            <a:ext cx="547920" cy="392760"/>
           </a:xfrm>
           <a:prstGeom prst="rect">
             <a:avLst/>
@@ -5260,7 +4601,7 @@
               </a:tabLst>
               <a:defRPr b="0" lang="en" sz="1000" strike="noStrike" u="none">
                 <a:solidFill>
-                  <a:schemeClr val="lt1"/>
+                  <a:schemeClr val="dk2"/>
                 </a:solidFill>
                 <a:uFillTx/>
                 <a:latin typeface="Lato"/>
@@ -5278,262 +4619,23 @@
                 <a:tab algn="l" pos="0"/>
               </a:tabLst>
             </a:pPr>
-            <a:fld id="{5FFEC59B-D825-4F2F-9E35-22E8C3E86CBB}" type="slidenum">
+            <a:fld id="{021A3782-79A3-4E57-A5C7-895A82A549A4}" type="slidenum">
               <a:rPr b="0" lang="en" sz="1000" strike="noStrike" u="none">
                 <a:solidFill>
-                  <a:schemeClr val="lt1"/>
+                  <a:schemeClr val="dk2"/>
                 </a:solidFill>
                 <a:uFillTx/>
                 <a:latin typeface="Lato"/>
                 <a:ea typeface="Lato"/>
               </a:rPr>
-              <a:t>1</a:t>
+              <a:t>&lt;number&gt;</a:t>
             </a:fld>
             <a:endParaRPr b="0" lang="en-US" sz="1000" strike="noStrike" u="none">
               <a:solidFill>
-                <a:srgbClr val="ffffff"/>
+                <a:srgbClr val="000000"/>
               </a:solidFill>
               <a:uFillTx/>
               <a:latin typeface="Times New Roman"/>
-            </a:endParaRPr>
-          </a:p>
-        </p:txBody>
-      </p:sp>
-      <p:sp>
-        <p:nvSpPr>
-          <p:cNvPr id="50" name="PlaceHolder 3"/>
-          <p:cNvSpPr>
-            <a:spLocks noGrp="1"/>
-          </p:cNvSpPr>
-          <p:nvPr>
-            <p:ph type="body"/>
-          </p:nvPr>
-        </p:nvSpPr>
-        <p:spPr>
-          <a:xfrm>
-            <a:off x="457200" y="1203480"/>
-            <a:ext cx="8229240" cy="2982960"/>
-          </a:xfrm>
-          <a:prstGeom prst="rect">
-            <a:avLst/>
-          </a:prstGeom>
-          <a:noFill/>
-          <a:ln w="0">
-            <a:noFill/>
-          </a:ln>
-        </p:spPr>
-        <p:txBody>
-          <a:bodyPr lIns="0" rIns="0" tIns="0" bIns="0" anchor="t">
-            <a:normAutofit/>
-          </a:bodyPr>
-          <a:p>
-            <a:pPr marL="432000" indent="-324000">
-              <a:spcBef>
-                <a:spcPts val="1417"/>
-              </a:spcBef>
-              <a:buClr>
-                <a:srgbClr val="ffffff"/>
-              </a:buClr>
-              <a:buSzPct val="45000"/>
-              <a:buFont typeface="Wingdings" charset="2"/>
-              <a:buChar char=""/>
-            </a:pPr>
-            <a:r>
-              <a:rPr b="0" lang="en-US" sz="1400" strike="noStrike" u="none">
-                <a:solidFill>
-                  <a:srgbClr val="000000"/>
-                </a:solidFill>
-                <a:uFillTx/>
-                <a:latin typeface="Arial"/>
-              </a:rPr>
-              <a:t>Click to edit the outline text format</a:t>
-            </a:r>
-            <a:endParaRPr b="0" lang="en-US" sz="1400" strike="noStrike" u="none">
-              <a:solidFill>
-                <a:srgbClr val="000000"/>
-              </a:solidFill>
-              <a:uFillTx/>
-              <a:latin typeface="Arial"/>
-            </a:endParaRPr>
-          </a:p>
-          <a:p>
-            <a:pPr lvl="1" marL="864000" indent="-324000">
-              <a:spcBef>
-                <a:spcPts val="1134"/>
-              </a:spcBef>
-              <a:buClr>
-                <a:srgbClr val="ffffff"/>
-              </a:buClr>
-              <a:buSzPct val="75000"/>
-              <a:buFont typeface="Symbol" charset="2"/>
-              <a:buChar char=""/>
-            </a:pPr>
-            <a:r>
-              <a:rPr b="0" lang="en-US" sz="1400" strike="noStrike" u="none">
-                <a:solidFill>
-                  <a:srgbClr val="000000"/>
-                </a:solidFill>
-                <a:uFillTx/>
-                <a:latin typeface="Arial"/>
-              </a:rPr>
-              <a:t>Second Outline Level</a:t>
-            </a:r>
-            <a:endParaRPr b="0" lang="en-US" sz="1400" strike="noStrike" u="none">
-              <a:solidFill>
-                <a:srgbClr val="000000"/>
-              </a:solidFill>
-              <a:uFillTx/>
-              <a:latin typeface="Arial"/>
-            </a:endParaRPr>
-          </a:p>
-          <a:p>
-            <a:pPr lvl="2" marL="1296000" indent="-288000">
-              <a:spcBef>
-                <a:spcPts val="850"/>
-              </a:spcBef>
-              <a:buClr>
-                <a:srgbClr val="ffffff"/>
-              </a:buClr>
-              <a:buSzPct val="45000"/>
-              <a:buFont typeface="Wingdings" charset="2"/>
-              <a:buChar char=""/>
-            </a:pPr>
-            <a:r>
-              <a:rPr b="0" lang="en-US" sz="1400" strike="noStrike" u="none">
-                <a:solidFill>
-                  <a:srgbClr val="000000"/>
-                </a:solidFill>
-                <a:uFillTx/>
-                <a:latin typeface="Arial"/>
-              </a:rPr>
-              <a:t>Third Outline Level</a:t>
-            </a:r>
-            <a:endParaRPr b="0" lang="en-US" sz="1400" strike="noStrike" u="none">
-              <a:solidFill>
-                <a:srgbClr val="000000"/>
-              </a:solidFill>
-              <a:uFillTx/>
-              <a:latin typeface="Arial"/>
-            </a:endParaRPr>
-          </a:p>
-          <a:p>
-            <a:pPr lvl="3" marL="1728000" indent="-216000">
-              <a:spcBef>
-                <a:spcPts val="567"/>
-              </a:spcBef>
-              <a:buClr>
-                <a:srgbClr val="ffffff"/>
-              </a:buClr>
-              <a:buSzPct val="75000"/>
-              <a:buFont typeface="Symbol" charset="2"/>
-              <a:buChar char=""/>
-            </a:pPr>
-            <a:r>
-              <a:rPr b="0" lang="en-US" sz="1400" strike="noStrike" u="none">
-                <a:solidFill>
-                  <a:srgbClr val="000000"/>
-                </a:solidFill>
-                <a:uFillTx/>
-                <a:latin typeface="Arial"/>
-              </a:rPr>
-              <a:t>Fourth Outline Level</a:t>
-            </a:r>
-            <a:endParaRPr b="0" lang="en-US" sz="1400" strike="noStrike" u="none">
-              <a:solidFill>
-                <a:srgbClr val="000000"/>
-              </a:solidFill>
-              <a:uFillTx/>
-              <a:latin typeface="Arial"/>
-            </a:endParaRPr>
-          </a:p>
-          <a:p>
-            <a:pPr lvl="4" marL="2160000" indent="-216000">
-              <a:spcBef>
-                <a:spcPts val="283"/>
-              </a:spcBef>
-              <a:buClr>
-                <a:srgbClr val="ffffff"/>
-              </a:buClr>
-              <a:buSzPct val="45000"/>
-              <a:buFont typeface="Wingdings" charset="2"/>
-              <a:buChar char=""/>
-            </a:pPr>
-            <a:r>
-              <a:rPr b="0" lang="en-US" sz="2000" strike="noStrike" u="none">
-                <a:solidFill>
-                  <a:srgbClr val="000000"/>
-                </a:solidFill>
-                <a:uFillTx/>
-                <a:latin typeface="Arial"/>
-              </a:rPr>
-              <a:t>Fifth Outline Level</a:t>
-            </a:r>
-            <a:endParaRPr b="0" lang="en-US" sz="2000" strike="noStrike" u="none">
-              <a:solidFill>
-                <a:srgbClr val="000000"/>
-              </a:solidFill>
-              <a:uFillTx/>
-              <a:latin typeface="Arial"/>
-            </a:endParaRPr>
-          </a:p>
-          <a:p>
-            <a:pPr lvl="5" marL="2592000" indent="-216000">
-              <a:spcBef>
-                <a:spcPts val="283"/>
-              </a:spcBef>
-              <a:buClr>
-                <a:srgbClr val="ffffff"/>
-              </a:buClr>
-              <a:buSzPct val="45000"/>
-              <a:buFont typeface="Wingdings" charset="2"/>
-              <a:buChar char=""/>
-            </a:pPr>
-            <a:r>
-              <a:rPr b="0" lang="en-US" sz="2000" strike="noStrike" u="none">
-                <a:solidFill>
-                  <a:srgbClr val="000000"/>
-                </a:solidFill>
-                <a:uFillTx/>
-                <a:latin typeface="Arial"/>
-              </a:rPr>
-              <a:t>Sixth Outline Level</a:t>
-            </a:r>
-            <a:endParaRPr b="0" lang="en-US" sz="2000" strike="noStrike" u="none">
-              <a:solidFill>
-                <a:srgbClr val="000000"/>
-              </a:solidFill>
-              <a:uFillTx/>
-              <a:latin typeface="Arial"/>
-            </a:endParaRPr>
-          </a:p>
-          <a:p>
-            <a:pPr lvl="6" marL="3024000" indent="-216000">
-              <a:spcBef>
-                <a:spcPts val="283"/>
-              </a:spcBef>
-              <a:buClr>
-                <a:srgbClr val="ffffff"/>
-              </a:buClr>
-              <a:buSzPct val="45000"/>
-              <a:buFont typeface="Wingdings" charset="2"/>
-              <a:buChar char=""/>
-            </a:pPr>
-            <a:r>
-              <a:rPr b="0" lang="en-US" sz="2000" strike="noStrike" u="none">
-                <a:solidFill>
-                  <a:srgbClr val="000000"/>
-                </a:solidFill>
-                <a:uFillTx/>
-                <a:latin typeface="Arial"/>
-              </a:rPr>
-              <a:t>Seventh Outline Level</a:t>
-            </a:r>
-            <a:endParaRPr b="0" lang="en-US" sz="2000" strike="noStrike" u="none">
-              <a:solidFill>
-                <a:srgbClr val="000000"/>
-              </a:solidFill>
-              <a:uFillTx/>
-              <a:latin typeface="Arial"/>
             </a:endParaRPr>
           </a:p>
         </p:txBody>
@@ -5566,7 +4668,7 @@
       </p:grpSpPr>
       <p:sp>
         <p:nvSpPr>
-          <p:cNvPr id="60" name="PlaceHolder 1"/>
+          <p:cNvPr id="56" name="PlaceHolder 1"/>
           <p:cNvSpPr>
             <a:spLocks noGrp="1"/>
           </p:cNvSpPr>
@@ -5577,7 +4679,7 @@
         <p:spPr>
           <a:xfrm>
             <a:off x="2371680" y="630360"/>
-            <a:ext cx="6331320" cy="1541520"/>
+            <a:ext cx="6330960" cy="1541160"/>
           </a:xfrm>
           <a:prstGeom prst="rect">
             <a:avLst/>
@@ -5614,7 +4716,7 @@
             </a:r>
             <a:endParaRPr b="0" lang="en-US" sz="4800" strike="noStrike" u="none">
               <a:solidFill>
-                <a:srgbClr val="000000"/>
+                <a:srgbClr val="ffffff"/>
               </a:solidFill>
               <a:uFillTx/>
               <a:latin typeface="Arial"/>
@@ -5643,7 +4745,7 @@
             </a:r>
             <a:endParaRPr b="0" lang="en-US" sz="4800" strike="noStrike" u="none">
               <a:solidFill>
-                <a:srgbClr val="000000"/>
+                <a:srgbClr val="ffffff"/>
               </a:solidFill>
               <a:uFillTx/>
               <a:latin typeface="Arial"/>
@@ -5672,7 +4774,7 @@
             </a:r>
             <a:endParaRPr b="0" lang="en-US" sz="4800" strike="noStrike" u="none">
               <a:solidFill>
-                <a:srgbClr val="000000"/>
+                <a:srgbClr val="ffffff"/>
               </a:solidFill>
               <a:uFillTx/>
               <a:latin typeface="Arial"/>
@@ -5690,17 +4792,17 @@
             </a:pPr>
             <a:endParaRPr b="0" lang="en-US" sz="4800" strike="noStrike" u="none">
               <a:solidFill>
-                <a:srgbClr val="000000"/>
-              </a:solidFill>
-              <a:uFillTx/>
-              <a:latin typeface="Arial"/>
-            </a:endParaRPr>
-          </a:p>
-        </p:txBody>
-      </p:sp>
-      <p:sp>
-        <p:nvSpPr>
-          <p:cNvPr id="61" name="PlaceHolder 2"/>
+                <a:srgbClr val="ffffff"/>
+              </a:solidFill>
+              <a:uFillTx/>
+              <a:latin typeface="Arial"/>
+            </a:endParaRPr>
+          </a:p>
+        </p:txBody>
+      </p:sp>
+      <p:sp>
+        <p:nvSpPr>
+          <p:cNvPr id="57" name="PlaceHolder 2"/>
           <p:cNvSpPr>
             <a:spLocks noGrp="1"/>
           </p:cNvSpPr>
@@ -5711,7 +4813,7 @@
         <p:spPr>
           <a:xfrm>
             <a:off x="2390400" y="3238560"/>
-            <a:ext cx="6331320" cy="1241280"/>
+            <a:ext cx="6330960" cy="1240920"/>
           </a:xfrm>
           <a:prstGeom prst="rect">
             <a:avLst/>
@@ -5758,7 +4860,7 @@
       </p:sp>
       <p:sp>
         <p:nvSpPr>
-          <p:cNvPr id="62" name="PlaceHolder 3"/>
+          <p:cNvPr id="58" name="PlaceHolder 3"/>
           <p:cNvSpPr>
             <a:spLocks noGrp="1"/>
           </p:cNvSpPr>
@@ -5769,7 +4871,7 @@
         <p:spPr>
           <a:xfrm>
             <a:off x="2504160" y="4734720"/>
-            <a:ext cx="6217560" cy="408600"/>
+            <a:ext cx="6217200" cy="408240"/>
           </a:xfrm>
           <a:prstGeom prst="rect">
             <a:avLst/>
@@ -5846,7 +4948,7 @@
       </p:grpSpPr>
       <p:sp>
         <p:nvSpPr>
-          <p:cNvPr id="131" name="PlaceHolder 1"/>
+          <p:cNvPr id="127" name="PlaceHolder 1"/>
           <p:cNvSpPr>
             <a:spLocks noGrp="1"/>
           </p:cNvSpPr>
@@ -5857,7 +4959,7 @@
         <p:spPr>
           <a:xfrm>
             <a:off x="535680" y="712080"/>
-            <a:ext cx="5196960" cy="767520"/>
+            <a:ext cx="5196600" cy="767160"/>
           </a:xfrm>
           <a:prstGeom prst="rect">
             <a:avLst/>
@@ -5897,24 +4999,24 @@
             </a:r>
             <a:endParaRPr b="0" lang="en-US" sz="3600" strike="noStrike" u="none">
               <a:solidFill>
-                <a:srgbClr val="000000"/>
-              </a:solidFill>
-              <a:uFillTx/>
-              <a:latin typeface="Arial"/>
-            </a:endParaRPr>
-          </a:p>
-        </p:txBody>
-      </p:sp>
-      <p:sp>
-        <p:nvSpPr>
-          <p:cNvPr id="132" name="Google Shape;180;p22"/>
+                <a:srgbClr val="ffffff"/>
+              </a:solidFill>
+              <a:uFillTx/>
+              <a:latin typeface="Arial"/>
+            </a:endParaRPr>
+          </a:p>
+        </p:txBody>
+      </p:sp>
+      <p:sp>
+        <p:nvSpPr>
+          <p:cNvPr id="128" name="Google Shape;180;p22"/>
           <p:cNvSpPr/>
           <p:nvPr/>
         </p:nvSpPr>
         <p:spPr>
           <a:xfrm>
             <a:off x="646920" y="224640"/>
-            <a:ext cx="5443920" cy="365400"/>
+            <a:ext cx="5443560" cy="365400"/>
           </a:xfrm>
           <a:prstGeom prst="rect">
             <a:avLst/>
@@ -5931,7 +5033,7 @@
           <a:fontRef idx="minor"/>
         </p:style>
         <p:txBody>
-          <a:bodyPr tIns="91440" bIns="91440" anchor="t">
+          <a:bodyPr lIns="90000" rIns="90000" tIns="91440" bIns="91440" anchor="t">
             <a:spAutoFit/>
           </a:bodyPr>
           <a:p>
@@ -5969,7 +5071,7 @@
       </p:sp>
       <p:pic>
         <p:nvPicPr>
-          <p:cNvPr id="133" name="Google Shape;181;p22" descr=""/>
+          <p:cNvPr id="129" name="Google Shape;181;p22" descr=""/>
           <p:cNvPicPr/>
           <p:nvPr/>
         </p:nvPicPr>
@@ -5980,7 +5082,7 @@
         <p:spPr>
           <a:xfrm>
             <a:off x="3827520" y="1598400"/>
-            <a:ext cx="5100840" cy="3047760"/>
+            <a:ext cx="5100480" cy="3047400"/>
           </a:xfrm>
           <a:prstGeom prst="rect">
             <a:avLst/>
@@ -5993,7 +5095,7 @@
       </p:pic>
       <p:pic>
         <p:nvPicPr>
-          <p:cNvPr id="134" name="Google Shape;182;p22" descr=""/>
+          <p:cNvPr id="130" name="Google Shape;182;p22" descr=""/>
           <p:cNvPicPr/>
           <p:nvPr/>
         </p:nvPicPr>
@@ -6004,7 +5106,7 @@
         <p:spPr>
           <a:xfrm>
             <a:off x="4289400" y="1888920"/>
-            <a:ext cx="4177440" cy="2466360"/>
+            <a:ext cx="4177080" cy="2466000"/>
           </a:xfrm>
           <a:prstGeom prst="rect">
             <a:avLst/>
@@ -6017,14 +5119,14 @@
       </p:pic>
       <p:sp>
         <p:nvSpPr>
-          <p:cNvPr id="135" name="Google Shape;183;p22"/>
+          <p:cNvPr id="131" name="Google Shape;183;p22"/>
           <p:cNvSpPr/>
           <p:nvPr/>
         </p:nvSpPr>
         <p:spPr>
           <a:xfrm>
             <a:off x="646920" y="1662480"/>
-            <a:ext cx="3026880" cy="1279800"/>
+            <a:ext cx="3026520" cy="1279800"/>
           </a:xfrm>
           <a:prstGeom prst="rect">
             <a:avLst/>
@@ -6041,7 +5143,7 @@
           <a:fontRef idx="minor"/>
         </p:style>
         <p:txBody>
-          <a:bodyPr tIns="91440" bIns="91440" anchor="t">
+          <a:bodyPr lIns="90000" rIns="90000" tIns="91440" bIns="91440" anchor="t">
             <a:spAutoFit/>
           </a:bodyPr>
           <a:p>
@@ -6106,7 +5208,7 @@
       </p:grpSpPr>
       <p:sp>
         <p:nvSpPr>
-          <p:cNvPr id="136" name="PlaceHolder 1"/>
+          <p:cNvPr id="132" name="PlaceHolder 1"/>
           <p:cNvSpPr>
             <a:spLocks noGrp="1"/>
           </p:cNvSpPr>
@@ -6117,7 +5219,7 @@
         <p:spPr>
           <a:xfrm>
             <a:off x="535680" y="712080"/>
-            <a:ext cx="5196960" cy="767520"/>
+            <a:ext cx="5196600" cy="767160"/>
           </a:xfrm>
           <a:prstGeom prst="rect">
             <a:avLst/>
@@ -6157,24 +5259,24 @@
             </a:r>
             <a:endParaRPr b="0" lang="en-US" sz="3600" strike="noStrike" u="none">
               <a:solidFill>
-                <a:srgbClr val="000000"/>
-              </a:solidFill>
-              <a:uFillTx/>
-              <a:latin typeface="Arial"/>
-            </a:endParaRPr>
-          </a:p>
-        </p:txBody>
-      </p:sp>
-      <p:sp>
-        <p:nvSpPr>
-          <p:cNvPr id="137" name="Google Shape;189;p23"/>
+                <a:srgbClr val="ffffff"/>
+              </a:solidFill>
+              <a:uFillTx/>
+              <a:latin typeface="Arial"/>
+            </a:endParaRPr>
+          </a:p>
+        </p:txBody>
+      </p:sp>
+      <p:sp>
+        <p:nvSpPr>
+          <p:cNvPr id="133" name="Google Shape;189;p23"/>
           <p:cNvSpPr/>
           <p:nvPr/>
         </p:nvSpPr>
         <p:spPr>
           <a:xfrm>
             <a:off x="646920" y="224640"/>
-            <a:ext cx="5443920" cy="365400"/>
+            <a:ext cx="5443560" cy="365400"/>
           </a:xfrm>
           <a:prstGeom prst="rect">
             <a:avLst/>
@@ -6191,7 +5293,7 @@
           <a:fontRef idx="minor"/>
         </p:style>
         <p:txBody>
-          <a:bodyPr tIns="91440" bIns="91440" anchor="t">
+          <a:bodyPr lIns="90000" rIns="90000" tIns="91440" bIns="91440" anchor="t">
             <a:spAutoFit/>
           </a:bodyPr>
           <a:p>
@@ -6229,7 +5331,7 @@
       </p:sp>
       <p:pic>
         <p:nvPicPr>
-          <p:cNvPr id="138" name="Google Shape;190;p23" descr=""/>
+          <p:cNvPr id="134" name="Google Shape;190;p23" descr=""/>
           <p:cNvPicPr/>
           <p:nvPr/>
         </p:nvPicPr>
@@ -6240,7 +5342,7 @@
         <p:spPr>
           <a:xfrm>
             <a:off x="1813320" y="3558240"/>
-            <a:ext cx="5517000" cy="943920"/>
+            <a:ext cx="5516640" cy="943560"/>
           </a:xfrm>
           <a:prstGeom prst="rect">
             <a:avLst/>
@@ -6253,14 +5355,14 @@
       </p:pic>
       <p:sp>
         <p:nvSpPr>
-          <p:cNvPr id="139" name="Google Shape;191;p23"/>
+          <p:cNvPr id="135" name="Google Shape;191;p23"/>
           <p:cNvSpPr/>
           <p:nvPr/>
         </p:nvSpPr>
         <p:spPr>
           <a:xfrm>
             <a:off x="646920" y="1662480"/>
-            <a:ext cx="4311720" cy="1005480"/>
+            <a:ext cx="4311360" cy="1005480"/>
           </a:xfrm>
           <a:prstGeom prst="rect">
             <a:avLst/>
@@ -6277,7 +5379,7 @@
           <a:fontRef idx="minor"/>
         </p:style>
         <p:txBody>
-          <a:bodyPr tIns="91440" bIns="91440" anchor="t">
+          <a:bodyPr lIns="90000" rIns="90000" tIns="91440" bIns="91440" anchor="t">
             <a:spAutoFit/>
           </a:bodyPr>
           <a:p>
@@ -6312,7 +5414,7 @@
       </p:sp>
       <p:pic>
         <p:nvPicPr>
-          <p:cNvPr id="140" name="Google Shape;192;p23" descr=""/>
+          <p:cNvPr id="136" name="Google Shape;192;p23" descr=""/>
           <p:cNvPicPr/>
           <p:nvPr/>
         </p:nvPicPr>
@@ -6323,7 +5425,7 @@
         <p:spPr>
           <a:xfrm>
             <a:off x="2112480" y="3720960"/>
-            <a:ext cx="4918680" cy="618480"/>
+            <a:ext cx="4918320" cy="618120"/>
           </a:xfrm>
           <a:prstGeom prst="rect">
             <a:avLst/>
@@ -6366,7 +5468,7 @@
       </p:grpSpPr>
       <p:sp>
         <p:nvSpPr>
-          <p:cNvPr id="141" name="PlaceHolder 1"/>
+          <p:cNvPr id="137" name="PlaceHolder 1"/>
           <p:cNvSpPr>
             <a:spLocks noGrp="1"/>
           </p:cNvSpPr>
@@ -6377,7 +5479,7 @@
         <p:spPr>
           <a:xfrm>
             <a:off x="535680" y="712080"/>
-            <a:ext cx="5196960" cy="767520"/>
+            <a:ext cx="5196600" cy="767160"/>
           </a:xfrm>
           <a:prstGeom prst="rect">
             <a:avLst/>
@@ -6417,24 +5519,24 @@
             </a:r>
             <a:endParaRPr b="0" lang="en-US" sz="3600" strike="noStrike" u="none">
               <a:solidFill>
-                <a:srgbClr val="000000"/>
-              </a:solidFill>
-              <a:uFillTx/>
-              <a:latin typeface="Arial"/>
-            </a:endParaRPr>
-          </a:p>
-        </p:txBody>
-      </p:sp>
-      <p:sp>
-        <p:nvSpPr>
-          <p:cNvPr id="142" name="Google Shape;198;p24"/>
+                <a:srgbClr val="ffffff"/>
+              </a:solidFill>
+              <a:uFillTx/>
+              <a:latin typeface="Arial"/>
+            </a:endParaRPr>
+          </a:p>
+        </p:txBody>
+      </p:sp>
+      <p:sp>
+        <p:nvSpPr>
+          <p:cNvPr id="138" name="Google Shape;198;p24"/>
           <p:cNvSpPr/>
           <p:nvPr/>
         </p:nvSpPr>
         <p:spPr>
           <a:xfrm>
             <a:off x="646920" y="224640"/>
-            <a:ext cx="5443920" cy="365400"/>
+            <a:ext cx="5443560" cy="365400"/>
           </a:xfrm>
           <a:prstGeom prst="rect">
             <a:avLst/>
@@ -6451,7 +5553,7 @@
           <a:fontRef idx="minor"/>
         </p:style>
         <p:txBody>
-          <a:bodyPr tIns="91440" bIns="91440" anchor="t">
+          <a:bodyPr lIns="90000" rIns="90000" tIns="91440" bIns="91440" anchor="t">
             <a:spAutoFit/>
           </a:bodyPr>
           <a:p>
@@ -6489,14 +5591,14 @@
       </p:sp>
       <p:sp>
         <p:nvSpPr>
-          <p:cNvPr id="143" name="Google Shape;199;p24"/>
+          <p:cNvPr id="139" name="Google Shape;199;p24"/>
           <p:cNvSpPr/>
           <p:nvPr/>
         </p:nvSpPr>
         <p:spPr>
           <a:xfrm>
             <a:off x="646920" y="1662480"/>
-            <a:ext cx="4311720" cy="2102760"/>
+            <a:ext cx="4311360" cy="2102760"/>
           </a:xfrm>
           <a:prstGeom prst="rect">
             <a:avLst/>
@@ -6513,7 +5615,7 @@
           <a:fontRef idx="minor"/>
         </p:style>
         <p:txBody>
-          <a:bodyPr tIns="91440" bIns="91440" anchor="t">
+          <a:bodyPr lIns="90000" rIns="90000" tIns="91440" bIns="91440" anchor="t">
             <a:spAutoFit/>
           </a:bodyPr>
           <a:p>
@@ -6623,7 +5725,7 @@
       </p:grpSpPr>
       <p:sp>
         <p:nvSpPr>
-          <p:cNvPr id="144" name="PlaceHolder 1"/>
+          <p:cNvPr id="140" name="PlaceHolder 1"/>
           <p:cNvSpPr>
             <a:spLocks noGrp="1"/>
           </p:cNvSpPr>
@@ -6634,7 +5736,7 @@
         <p:spPr>
           <a:xfrm>
             <a:off x="535680" y="712080"/>
-            <a:ext cx="5196960" cy="767520"/>
+            <a:ext cx="5196600" cy="767160"/>
           </a:xfrm>
           <a:prstGeom prst="rect">
             <a:avLst/>
@@ -6674,24 +5776,24 @@
             </a:r>
             <a:endParaRPr b="0" lang="en-US" sz="3600" strike="noStrike" u="none">
               <a:solidFill>
-                <a:srgbClr val="000000"/>
-              </a:solidFill>
-              <a:uFillTx/>
-              <a:latin typeface="Arial"/>
-            </a:endParaRPr>
-          </a:p>
-        </p:txBody>
-      </p:sp>
-      <p:sp>
-        <p:nvSpPr>
-          <p:cNvPr id="145" name="Google Shape;205;p25"/>
+                <a:srgbClr val="ffffff"/>
+              </a:solidFill>
+              <a:uFillTx/>
+              <a:latin typeface="Arial"/>
+            </a:endParaRPr>
+          </a:p>
+        </p:txBody>
+      </p:sp>
+      <p:sp>
+        <p:nvSpPr>
+          <p:cNvPr id="141" name="Google Shape;205;p25"/>
           <p:cNvSpPr/>
           <p:nvPr/>
         </p:nvSpPr>
         <p:spPr>
           <a:xfrm>
             <a:off x="646920" y="224640"/>
-            <a:ext cx="5443920" cy="365400"/>
+            <a:ext cx="5443560" cy="365400"/>
           </a:xfrm>
           <a:prstGeom prst="rect">
             <a:avLst/>
@@ -6708,7 +5810,7 @@
           <a:fontRef idx="minor"/>
         </p:style>
         <p:txBody>
-          <a:bodyPr tIns="91440" bIns="91440" anchor="t">
+          <a:bodyPr lIns="90000" rIns="90000" tIns="91440" bIns="91440" anchor="t">
             <a:spAutoFit/>
           </a:bodyPr>
           <a:p>
@@ -6746,14 +5848,14 @@
       </p:sp>
       <p:sp>
         <p:nvSpPr>
-          <p:cNvPr id="146" name="Google Shape;206;p25"/>
+          <p:cNvPr id="142" name="Google Shape;206;p25"/>
           <p:cNvSpPr/>
           <p:nvPr/>
         </p:nvSpPr>
         <p:spPr>
           <a:xfrm>
             <a:off x="898560" y="1554120"/>
-            <a:ext cx="2999520" cy="1532880"/>
+            <a:ext cx="2999160" cy="1532880"/>
           </a:xfrm>
           <a:prstGeom prst="rect">
             <a:avLst/>
@@ -6770,7 +5872,7 @@
           <a:fontRef idx="minor"/>
         </p:style>
         <p:txBody>
-          <a:bodyPr tIns="91440" bIns="91440" anchor="t">
+          <a:bodyPr lIns="90000" rIns="90000" tIns="91440" bIns="91440" anchor="t">
             <a:spAutoFit/>
           </a:bodyPr>
           <a:p>
@@ -6906,7 +6008,7 @@
       </p:grpSpPr>
       <p:sp>
         <p:nvSpPr>
-          <p:cNvPr id="147" name="PlaceHolder 1"/>
+          <p:cNvPr id="143" name="PlaceHolder 1"/>
           <p:cNvSpPr>
             <a:spLocks noGrp="1"/>
           </p:cNvSpPr>
@@ -6917,7 +6019,7 @@
         <p:spPr>
           <a:xfrm>
             <a:off x="535680" y="712080"/>
-            <a:ext cx="5196960" cy="767520"/>
+            <a:ext cx="5196600" cy="767160"/>
           </a:xfrm>
           <a:prstGeom prst="rect">
             <a:avLst/>
@@ -6957,24 +6059,24 @@
             </a:r>
             <a:endParaRPr b="0" lang="en-US" sz="3600" strike="noStrike" u="none">
               <a:solidFill>
-                <a:srgbClr val="000000"/>
-              </a:solidFill>
-              <a:uFillTx/>
-              <a:latin typeface="Arial"/>
-            </a:endParaRPr>
-          </a:p>
-        </p:txBody>
-      </p:sp>
-      <p:sp>
-        <p:nvSpPr>
-          <p:cNvPr id="148" name="Google Shape;212;p26"/>
+                <a:srgbClr val="ffffff"/>
+              </a:solidFill>
+              <a:uFillTx/>
+              <a:latin typeface="Arial"/>
+            </a:endParaRPr>
+          </a:p>
+        </p:txBody>
+      </p:sp>
+      <p:sp>
+        <p:nvSpPr>
+          <p:cNvPr id="144" name="Google Shape;212;p26"/>
           <p:cNvSpPr/>
           <p:nvPr/>
         </p:nvSpPr>
         <p:spPr>
           <a:xfrm>
             <a:off x="646920" y="224640"/>
-            <a:ext cx="5443920" cy="365400"/>
+            <a:ext cx="5443560" cy="365400"/>
           </a:xfrm>
           <a:prstGeom prst="rect">
             <a:avLst/>
@@ -6991,7 +6093,7 @@
           <a:fontRef idx="minor"/>
         </p:style>
         <p:txBody>
-          <a:bodyPr tIns="91440" bIns="91440" anchor="t">
+          <a:bodyPr lIns="90000" rIns="90000" tIns="91440" bIns="91440" anchor="t">
             <a:spAutoFit/>
           </a:bodyPr>
           <a:p>
@@ -7029,14 +6131,14 @@
       </p:sp>
       <p:sp>
         <p:nvSpPr>
-          <p:cNvPr id="149" name="Google Shape;213;p26"/>
+          <p:cNvPr id="145" name="Google Shape;213;p26"/>
           <p:cNvSpPr/>
           <p:nvPr/>
         </p:nvSpPr>
         <p:spPr>
           <a:xfrm>
             <a:off x="898560" y="1554120"/>
-            <a:ext cx="4186080" cy="2517840"/>
+            <a:ext cx="4185720" cy="2517840"/>
           </a:xfrm>
           <a:prstGeom prst="rect">
             <a:avLst/>
@@ -7053,7 +6155,7 @@
           <a:fontRef idx="minor"/>
         </p:style>
         <p:txBody>
-          <a:bodyPr tIns="91440" bIns="91440" anchor="t">
+          <a:bodyPr lIns="90000" rIns="90000" tIns="91440" bIns="91440" anchor="t">
             <a:spAutoFit/>
           </a:bodyPr>
           <a:p>
@@ -7255,7 +6357,7 @@
       </p:grpSpPr>
       <p:sp>
         <p:nvSpPr>
-          <p:cNvPr id="150" name="PlaceHolder 1"/>
+          <p:cNvPr id="146" name="PlaceHolder 1"/>
           <p:cNvSpPr>
             <a:spLocks noGrp="1"/>
           </p:cNvSpPr>
@@ -7266,7 +6368,7 @@
         <p:spPr>
           <a:xfrm>
             <a:off x="535680" y="712080"/>
-            <a:ext cx="5196960" cy="767520"/>
+            <a:ext cx="5196600" cy="767160"/>
           </a:xfrm>
           <a:prstGeom prst="rect">
             <a:avLst/>
@@ -7306,24 +6408,24 @@
             </a:r>
             <a:endParaRPr b="0" lang="en-US" sz="3600" strike="noStrike" u="none">
               <a:solidFill>
-                <a:srgbClr val="000000"/>
-              </a:solidFill>
-              <a:uFillTx/>
-              <a:latin typeface="Arial"/>
-            </a:endParaRPr>
-          </a:p>
-        </p:txBody>
-      </p:sp>
-      <p:sp>
-        <p:nvSpPr>
-          <p:cNvPr id="151" name="Google Shape;219;p27"/>
+                <a:srgbClr val="ffffff"/>
+              </a:solidFill>
+              <a:uFillTx/>
+              <a:latin typeface="Arial"/>
+            </a:endParaRPr>
+          </a:p>
+        </p:txBody>
+      </p:sp>
+      <p:sp>
+        <p:nvSpPr>
+          <p:cNvPr id="147" name="Google Shape;219;p27"/>
           <p:cNvSpPr/>
           <p:nvPr/>
         </p:nvSpPr>
         <p:spPr>
           <a:xfrm>
             <a:off x="646920" y="224640"/>
-            <a:ext cx="5443920" cy="365400"/>
+            <a:ext cx="5443560" cy="365400"/>
           </a:xfrm>
           <a:prstGeom prst="rect">
             <a:avLst/>
@@ -7340,7 +6442,7 @@
           <a:fontRef idx="minor"/>
         </p:style>
         <p:txBody>
-          <a:bodyPr tIns="91440" bIns="91440" anchor="t">
+          <a:bodyPr lIns="90000" rIns="90000" tIns="91440" bIns="91440" anchor="t">
             <a:spAutoFit/>
           </a:bodyPr>
           <a:p>
@@ -7378,14 +6480,14 @@
       </p:sp>
       <p:sp>
         <p:nvSpPr>
-          <p:cNvPr id="152" name="Google Shape;220;p27"/>
+          <p:cNvPr id="148" name="Google Shape;220;p27"/>
           <p:cNvSpPr/>
           <p:nvPr/>
         </p:nvSpPr>
         <p:spPr>
           <a:xfrm>
             <a:off x="898560" y="1554120"/>
-            <a:ext cx="6342480" cy="547920"/>
+            <a:ext cx="6342120" cy="547920"/>
           </a:xfrm>
           <a:prstGeom prst="rect">
             <a:avLst/>
@@ -7402,7 +6504,7 @@
           <a:fontRef idx="minor"/>
         </p:style>
         <p:txBody>
-          <a:bodyPr tIns="91440" bIns="91440" anchor="t">
+          <a:bodyPr lIns="90000" rIns="90000" tIns="91440" bIns="91440" anchor="t">
             <a:spAutoFit/>
           </a:bodyPr>
           <a:p>
@@ -7440,14 +6542,14 @@
       </p:sp>
       <p:sp>
         <p:nvSpPr>
-          <p:cNvPr id="153" name="Google Shape;221;p27"/>
+          <p:cNvPr id="149" name="Google Shape;221;p27"/>
           <p:cNvSpPr/>
           <p:nvPr/>
         </p:nvSpPr>
         <p:spPr>
           <a:xfrm>
             <a:off x="898560" y="2137680"/>
-            <a:ext cx="5695920" cy="2390760"/>
+            <a:ext cx="5695560" cy="2390760"/>
           </a:xfrm>
           <a:prstGeom prst="rect">
             <a:avLst/>
@@ -7464,7 +6566,7 @@
           <a:fontRef idx="minor"/>
         </p:style>
         <p:txBody>
-          <a:bodyPr tIns="91440" bIns="91440" anchor="t">
+          <a:bodyPr lIns="90000" rIns="90000" tIns="91440" bIns="91440" anchor="t">
             <a:spAutoFit/>
           </a:bodyPr>
           <a:p>
@@ -7640,7 +6742,7 @@
       </p:grpSpPr>
       <p:sp>
         <p:nvSpPr>
-          <p:cNvPr id="154" name="PlaceHolder 1"/>
+          <p:cNvPr id="150" name="PlaceHolder 1"/>
           <p:cNvSpPr>
             <a:spLocks noGrp="1"/>
           </p:cNvSpPr>
@@ -7651,7 +6753,7 @@
         <p:spPr>
           <a:xfrm>
             <a:off x="535680" y="712080"/>
-            <a:ext cx="5196960" cy="767520"/>
+            <a:ext cx="5196600" cy="767160"/>
           </a:xfrm>
           <a:prstGeom prst="rect">
             <a:avLst/>
@@ -7691,7 +6793,7 @@
             </a:r>
             <a:endParaRPr b="0" lang="en-US" sz="3600" strike="noStrike" u="none">
               <a:solidFill>
-                <a:srgbClr val="000000"/>
+                <a:srgbClr val="ffffff"/>
               </a:solidFill>
               <a:uFillTx/>
               <a:latin typeface="Arial"/>
@@ -7738,7 +6840,7 @@
       </p:grpSpPr>
       <p:pic>
         <p:nvPicPr>
-          <p:cNvPr id="155" name="Google Shape;231;p29" descr=""/>
+          <p:cNvPr id="151" name="Google Shape;231;p29" descr=""/>
           <p:cNvPicPr/>
           <p:nvPr/>
         </p:nvPicPr>
@@ -7749,7 +6851,7 @@
         <p:spPr>
           <a:xfrm>
             <a:off x="2444760" y="162720"/>
-            <a:ext cx="4254120" cy="4817520"/>
+            <a:ext cx="4253760" cy="4817160"/>
           </a:xfrm>
           <a:prstGeom prst="rect">
             <a:avLst/>
@@ -7762,14 +6864,14 @@
       </p:pic>
       <p:sp>
         <p:nvSpPr>
-          <p:cNvPr id="156" name="Google Shape;232;p29"/>
+          <p:cNvPr id="152" name="Google Shape;232;p29"/>
           <p:cNvSpPr/>
           <p:nvPr/>
         </p:nvSpPr>
         <p:spPr>
           <a:xfrm>
             <a:off x="2855520" y="687240"/>
-            <a:ext cx="3432600" cy="762120"/>
+            <a:ext cx="3432240" cy="761760"/>
           </a:xfrm>
           <a:prstGeom prst="rect">
             <a:avLst/>
@@ -7786,7 +6888,7 @@
           <a:fontRef idx="minor"/>
         </p:style>
         <p:txBody>
-          <a:bodyPr tIns="91440" bIns="91440" anchor="b">
+          <a:bodyPr lIns="90000" rIns="90000" tIns="91440" bIns="91440" anchor="b">
             <a:noAutofit/>
           </a:bodyPr>
           <a:p>
@@ -7821,14 +6923,14 @@
       </p:sp>
       <p:sp>
         <p:nvSpPr>
-          <p:cNvPr id="157" name="Google Shape;233;p29"/>
+          <p:cNvPr id="153" name="Google Shape;233;p29"/>
           <p:cNvSpPr/>
           <p:nvPr/>
         </p:nvSpPr>
         <p:spPr>
           <a:xfrm>
             <a:off x="2855520" y="1572480"/>
-            <a:ext cx="3307320" cy="609480"/>
+            <a:ext cx="3306960" cy="1890360"/>
           </a:xfrm>
           <a:prstGeom prst="rect">
             <a:avLst/>
@@ -7845,7 +6947,7 @@
           <a:fontRef idx="minor"/>
         </p:style>
         <p:txBody>
-          <a:bodyPr tIns="91440" bIns="91440" anchor="t">
+          <a:bodyPr lIns="90000" rIns="90000" tIns="91440" bIns="91440" anchor="t">
             <a:spAutoFit/>
           </a:bodyPr>
           <a:p>
@@ -7866,7 +6968,52 @@
                 <a:latin typeface="Raleway"/>
                 <a:ea typeface="Raleway"/>
               </a:rPr>
-              <a:t>The algorithm is run with defaults parameters, to see how it performs</a:t>
+              <a:t>The algorithm is run with defaults parameters, to see how it performs.</a:t>
+            </a:r>
+            <a:endParaRPr b="0" lang="en-US" sz="1400" strike="noStrike" u="none">
+              <a:solidFill>
+                <a:srgbClr val="ffffff"/>
+              </a:solidFill>
+              <a:uFillTx/>
+              <a:latin typeface="Arial"/>
+            </a:endParaRPr>
+          </a:p>
+          <a:p>
+            <a:pPr>
+              <a:lnSpc>
+                <a:spcPct val="100000"/>
+              </a:lnSpc>
+              <a:tabLst>
+                <a:tab algn="l" pos="0"/>
+              </a:tabLst>
+            </a:pPr>
+            <a:endParaRPr b="0" lang="en-US" sz="1400" strike="noStrike" u="none">
+              <a:solidFill>
+                <a:srgbClr val="ffffff"/>
+              </a:solidFill>
+              <a:uFillTx/>
+              <a:latin typeface="Arial"/>
+            </a:endParaRPr>
+          </a:p>
+          <a:p>
+            <a:pPr>
+              <a:lnSpc>
+                <a:spcPct val="100000"/>
+              </a:lnSpc>
+              <a:tabLst>
+                <a:tab algn="l" pos="0"/>
+              </a:tabLst>
+            </a:pPr>
+            <a:r>
+              <a:rPr b="0" lang="en" sz="1400" strike="noStrike" u="none">
+                <a:solidFill>
+                  <a:schemeClr val="dk2"/>
+                </a:solidFill>
+                <a:uFillTx/>
+                <a:latin typeface="Raleway"/>
+                <a:ea typeface="Raleway"/>
+              </a:rPr>
+              <a:t>It turns out that the penalty mechanism isn’t effective -  a repair function is implemented to transform individuals into valid solutions</a:t>
             </a:r>
             <a:endParaRPr b="0" lang="en-US" sz="1400" strike="noStrike" u="none">
               <a:solidFill>
@@ -7917,7 +7064,7 @@
       </p:grpSpPr>
       <p:pic>
         <p:nvPicPr>
-          <p:cNvPr id="158" name="Google Shape;238;p30" descr=""/>
+          <p:cNvPr id="154" name="Google Shape;238;p30" descr=""/>
           <p:cNvPicPr/>
           <p:nvPr/>
         </p:nvPicPr>
@@ -7928,7 +7075,7 @@
         <p:spPr>
           <a:xfrm>
             <a:off x="2444760" y="162720"/>
-            <a:ext cx="4254120" cy="4817520"/>
+            <a:ext cx="4253760" cy="4817160"/>
           </a:xfrm>
           <a:prstGeom prst="rect">
             <a:avLst/>
@@ -7941,14 +7088,14 @@
       </p:pic>
       <p:sp>
         <p:nvSpPr>
-          <p:cNvPr id="159" name="Google Shape;239;p30"/>
+          <p:cNvPr id="155" name="Google Shape;239;p30"/>
           <p:cNvSpPr/>
           <p:nvPr/>
         </p:nvSpPr>
         <p:spPr>
           <a:xfrm>
             <a:off x="2855520" y="687240"/>
-            <a:ext cx="3432600" cy="762120"/>
+            <a:ext cx="3432240" cy="761760"/>
           </a:xfrm>
           <a:prstGeom prst="rect">
             <a:avLst/>
@@ -7965,7 +7112,7 @@
           <a:fontRef idx="minor"/>
         </p:style>
         <p:txBody>
-          <a:bodyPr tIns="91440" bIns="91440" anchor="b">
+          <a:bodyPr lIns="90000" rIns="90000" tIns="91440" bIns="91440" anchor="b">
             <a:noAutofit/>
           </a:bodyPr>
           <a:p>
@@ -8000,14 +7147,14 @@
       </p:sp>
       <p:sp>
         <p:nvSpPr>
-          <p:cNvPr id="160" name="Google Shape;240;p30"/>
+          <p:cNvPr id="156" name="Google Shape;240;p30"/>
           <p:cNvSpPr/>
           <p:nvPr/>
         </p:nvSpPr>
         <p:spPr>
           <a:xfrm>
             <a:off x="2855520" y="1572480"/>
-            <a:ext cx="3307320" cy="1036440"/>
+            <a:ext cx="3306960" cy="1036440"/>
           </a:xfrm>
           <a:prstGeom prst="rect">
             <a:avLst/>
@@ -8024,7 +7171,7 @@
           <a:fontRef idx="minor"/>
         </p:style>
         <p:txBody>
-          <a:bodyPr tIns="91440" bIns="91440" anchor="t">
+          <a:bodyPr lIns="90000" rIns="90000" tIns="91440" bIns="91440" anchor="t">
             <a:spAutoFit/>
           </a:bodyPr>
           <a:p>
@@ -8101,7 +7248,7 @@
                 <a:latin typeface="Raleway"/>
                 <a:ea typeface="Raleway"/>
               </a:rPr>
-              <a:t>150</a:t>
+              <a:t>400</a:t>
             </a:r>
             <a:r>
               <a:rPr b="0" lang="en" sz="1400" strike="noStrike" u="none">
@@ -8163,7 +7310,7 @@
       </p:grpSpPr>
       <p:pic>
         <p:nvPicPr>
-          <p:cNvPr id="161" name="Google Shape;245;p31" descr=""/>
+          <p:cNvPr id="157" name="Google Shape;245;p31" descr=""/>
           <p:cNvPicPr/>
           <p:nvPr/>
         </p:nvPicPr>
@@ -8174,7 +7321,7 @@
         <p:spPr>
           <a:xfrm>
             <a:off x="2444760" y="162720"/>
-            <a:ext cx="4254120" cy="4817520"/>
+            <a:ext cx="4253760" cy="4817160"/>
           </a:xfrm>
           <a:prstGeom prst="rect">
             <a:avLst/>
@@ -8187,14 +7334,14 @@
       </p:pic>
       <p:sp>
         <p:nvSpPr>
-          <p:cNvPr id="162" name="Google Shape;246;p31"/>
+          <p:cNvPr id="158" name="Google Shape;246;p31"/>
           <p:cNvSpPr/>
           <p:nvPr/>
         </p:nvSpPr>
         <p:spPr>
           <a:xfrm>
             <a:off x="2855520" y="687240"/>
-            <a:ext cx="3432600" cy="762120"/>
+            <a:ext cx="3432240" cy="761760"/>
           </a:xfrm>
           <a:prstGeom prst="rect">
             <a:avLst/>
@@ -8211,7 +7358,7 @@
           <a:fontRef idx="minor"/>
         </p:style>
         <p:txBody>
-          <a:bodyPr tIns="91440" bIns="91440" anchor="b">
+          <a:bodyPr lIns="90000" rIns="90000" tIns="91440" bIns="91440" anchor="b">
             <a:noAutofit/>
           </a:bodyPr>
           <a:p>
@@ -8246,14 +7393,14 @@
       </p:sp>
       <p:sp>
         <p:nvSpPr>
-          <p:cNvPr id="163" name="Google Shape;247;p31"/>
+          <p:cNvPr id="159" name="Google Shape;247;p31"/>
           <p:cNvSpPr/>
           <p:nvPr/>
         </p:nvSpPr>
         <p:spPr>
           <a:xfrm>
             <a:off x="2855520" y="1572480"/>
-            <a:ext cx="3307320" cy="2103840"/>
+            <a:ext cx="3306960" cy="2103840"/>
           </a:xfrm>
           <a:prstGeom prst="rect">
             <a:avLst/>
@@ -8270,7 +7417,7 @@
           <a:fontRef idx="minor"/>
         </p:style>
         <p:txBody>
-          <a:bodyPr tIns="91440" bIns="91440" anchor="t">
+          <a:bodyPr lIns="90000" rIns="90000" tIns="91440" bIns="91440" anchor="t">
             <a:spAutoFit/>
           </a:bodyPr>
           <a:p>
@@ -8469,7 +7616,7 @@
       </p:grpSpPr>
       <p:sp>
         <p:nvSpPr>
-          <p:cNvPr id="63" name="PlaceHolder 1"/>
+          <p:cNvPr id="59" name="PlaceHolder 1"/>
           <p:cNvSpPr>
             <a:spLocks noGrp="1"/>
           </p:cNvSpPr>
@@ -8480,7 +7627,7 @@
         <p:spPr>
           <a:xfrm>
             <a:off x="535680" y="712080"/>
-            <a:ext cx="5196960" cy="767520"/>
+            <a:ext cx="5196600" cy="767160"/>
           </a:xfrm>
           <a:prstGeom prst="rect">
             <a:avLst/>
@@ -8530,7 +7677,7 @@
       </p:sp>
       <p:pic>
         <p:nvPicPr>
-          <p:cNvPr id="64" name="Google Shape;80;p14" descr=""/>
+          <p:cNvPr id="60" name="Google Shape;80;p14" descr=""/>
           <p:cNvPicPr/>
           <p:nvPr/>
         </p:nvPicPr>
@@ -8541,7 +7688,7 @@
         <p:spPr>
           <a:xfrm>
             <a:off x="6554520" y="1509120"/>
-            <a:ext cx="2095200" cy="3009600"/>
+            <a:ext cx="2094840" cy="3009240"/>
           </a:xfrm>
           <a:prstGeom prst="rect">
             <a:avLst/>
@@ -8554,7 +7701,7 @@
       </p:pic>
       <p:pic>
         <p:nvPicPr>
-          <p:cNvPr id="65" name="Google Shape;81;p14" descr=""/>
+          <p:cNvPr id="61" name="Google Shape;81;p14" descr=""/>
           <p:cNvPicPr/>
           <p:nvPr/>
         </p:nvPicPr>
@@ -8565,7 +7712,7 @@
         <p:spPr>
           <a:xfrm>
             <a:off x="535680" y="1354680"/>
-            <a:ext cx="5869080" cy="1542240"/>
+            <a:ext cx="5868720" cy="1541880"/>
           </a:xfrm>
           <a:prstGeom prst="rect">
             <a:avLst/>
@@ -8615,7 +7762,7 @@
       </p:grpSpPr>
       <p:pic>
         <p:nvPicPr>
-          <p:cNvPr id="164" name="Google Shape;252;p32" descr=""/>
+          <p:cNvPr id="160" name="Google Shape;252;p32" descr=""/>
           <p:cNvPicPr/>
           <p:nvPr/>
         </p:nvPicPr>
@@ -8626,7 +7773,7 @@
         <p:spPr>
           <a:xfrm>
             <a:off x="2444760" y="162720"/>
-            <a:ext cx="4254120" cy="4817520"/>
+            <a:ext cx="4253760" cy="4817160"/>
           </a:xfrm>
           <a:prstGeom prst="rect">
             <a:avLst/>
@@ -8639,14 +7786,14 @@
       </p:pic>
       <p:sp>
         <p:nvSpPr>
-          <p:cNvPr id="165" name="Google Shape;253;p32"/>
+          <p:cNvPr id="161" name="Google Shape;253;p32"/>
           <p:cNvSpPr/>
           <p:nvPr/>
         </p:nvSpPr>
         <p:spPr>
           <a:xfrm>
             <a:off x="2855520" y="687240"/>
-            <a:ext cx="3432600" cy="762120"/>
+            <a:ext cx="3432240" cy="761760"/>
           </a:xfrm>
           <a:prstGeom prst="rect">
             <a:avLst/>
@@ -8663,7 +7810,7 @@
           <a:fontRef idx="minor"/>
         </p:style>
         <p:txBody>
-          <a:bodyPr tIns="91440" bIns="91440" anchor="b">
+          <a:bodyPr lIns="90000" rIns="90000" tIns="91440" bIns="91440" anchor="b">
             <a:noAutofit/>
           </a:bodyPr>
           <a:p>
@@ -8698,14 +7845,14 @@
       </p:sp>
       <p:sp>
         <p:nvSpPr>
-          <p:cNvPr id="166" name="Google Shape;254;p32"/>
+          <p:cNvPr id="162" name="Google Shape;254;p32"/>
           <p:cNvSpPr/>
           <p:nvPr/>
         </p:nvSpPr>
         <p:spPr>
           <a:xfrm>
             <a:off x="2855520" y="1572480"/>
-            <a:ext cx="3307320" cy="1249920"/>
+            <a:ext cx="3306960" cy="1249920"/>
           </a:xfrm>
           <a:prstGeom prst="rect">
             <a:avLst/>
@@ -8722,7 +7869,7 @@
           <a:fontRef idx="minor"/>
         </p:style>
         <p:txBody>
-          <a:bodyPr tIns="91440" bIns="91440" anchor="t">
+          <a:bodyPr lIns="90000" rIns="90000" tIns="91440" bIns="91440" anchor="t">
             <a:spAutoFit/>
           </a:bodyPr>
           <a:p>
@@ -8799,7 +7946,7 @@
                 <a:latin typeface="Raleway"/>
                 <a:ea typeface="Raleway"/>
               </a:rPr>
-              <a:t>2</a:t>
+              <a:t>3</a:t>
             </a:r>
             <a:r>
               <a:rPr b="0" lang="en" sz="1400" strike="noStrike" u="none">
@@ -8861,7 +8008,7 @@
       </p:grpSpPr>
       <p:pic>
         <p:nvPicPr>
-          <p:cNvPr id="167" name="Google Shape;259;p33" descr=""/>
+          <p:cNvPr id="163" name="Google Shape;259;p33" descr=""/>
           <p:cNvPicPr/>
           <p:nvPr/>
         </p:nvPicPr>
@@ -8872,7 +8019,7 @@
         <p:spPr>
           <a:xfrm>
             <a:off x="3581280" y="162720"/>
-            <a:ext cx="4254120" cy="4817520"/>
+            <a:ext cx="4253760" cy="4817160"/>
           </a:xfrm>
           <a:prstGeom prst="rect">
             <a:avLst/>
@@ -8885,14 +8032,14 @@
       </p:pic>
       <p:sp>
         <p:nvSpPr>
-          <p:cNvPr id="168" name="Google Shape;260;p33"/>
+          <p:cNvPr id="164" name="Google Shape;260;p33"/>
           <p:cNvSpPr/>
           <p:nvPr/>
         </p:nvSpPr>
         <p:spPr>
           <a:xfrm>
             <a:off x="3992400" y="687240"/>
-            <a:ext cx="3432600" cy="762120"/>
+            <a:ext cx="3432240" cy="761760"/>
           </a:xfrm>
           <a:prstGeom prst="rect">
             <a:avLst/>
@@ -8909,7 +8056,7 @@
           <a:fontRef idx="minor"/>
         </p:style>
         <p:txBody>
-          <a:bodyPr tIns="91440" bIns="91440" anchor="b">
+          <a:bodyPr lIns="90000" rIns="90000" tIns="91440" bIns="91440" anchor="b">
             <a:noAutofit/>
           </a:bodyPr>
           <a:p>
@@ -8944,14 +8091,14 @@
       </p:sp>
       <p:sp>
         <p:nvSpPr>
-          <p:cNvPr id="169" name="Google Shape;261;p33"/>
+          <p:cNvPr id="165" name="Google Shape;261;p33"/>
           <p:cNvSpPr/>
           <p:nvPr/>
         </p:nvSpPr>
         <p:spPr>
           <a:xfrm>
             <a:off x="3992400" y="1572480"/>
-            <a:ext cx="3307320" cy="2317320"/>
+            <a:ext cx="3306960" cy="2317320"/>
           </a:xfrm>
           <a:prstGeom prst="rect">
             <a:avLst/>
@@ -8968,7 +8115,7 @@
           <a:fontRef idx="minor"/>
         </p:style>
         <p:txBody>
-          <a:bodyPr tIns="91440" bIns="91440" anchor="t">
+          <a:bodyPr lIns="90000" rIns="90000" tIns="91440" bIns="91440" anchor="t">
             <a:spAutoFit/>
           </a:bodyPr>
           <a:p>
@@ -9090,7 +8237,7 @@
                 <a:latin typeface="Raleway"/>
                 <a:ea typeface="Raleway"/>
               </a:rPr>
-              <a:t>100 generations of no improvement</a:t>
+              <a:t>40 generations of no improvement</a:t>
             </a:r>
             <a:r>
               <a:rPr b="0" lang="en" sz="1400" strike="noStrike" u="none">
@@ -9115,19 +8262,18 @@
       </p:sp>
       <p:pic>
         <p:nvPicPr>
-          <p:cNvPr id="170" name="Google Shape;262;p33" descr=""/>
+          <p:cNvPr id="166" name="" descr=""/>
           <p:cNvPicPr/>
           <p:nvPr/>
         </p:nvPicPr>
         <p:blipFill>
           <a:blip r:embed="rId2"/>
-          <a:srcRect l="0" t="0" r="0" b="2310"/>
           <a:stretch/>
         </p:blipFill>
         <p:spPr>
           <a:xfrm>
-            <a:off x="1178640" y="357480"/>
-            <a:ext cx="2465280" cy="1444680"/>
+            <a:off x="1256400" y="1864800"/>
+            <a:ext cx="2324880" cy="1395000"/>
           </a:xfrm>
           <a:prstGeom prst="rect">
             <a:avLst/>
@@ -9140,19 +8286,18 @@
       </p:pic>
       <p:pic>
         <p:nvPicPr>
-          <p:cNvPr id="171" name="Google Shape;263;p33" descr=""/>
+          <p:cNvPr id="167" name="" descr=""/>
           <p:cNvPicPr/>
           <p:nvPr/>
         </p:nvPicPr>
         <p:blipFill>
           <a:blip r:embed="rId3"/>
-          <a:srcRect l="0" t="0" r="0" b="2310"/>
           <a:stretch/>
         </p:blipFill>
         <p:spPr>
           <a:xfrm>
-            <a:off x="1178640" y="1843560"/>
-            <a:ext cx="2465280" cy="1444680"/>
+            <a:off x="1256400" y="361800"/>
+            <a:ext cx="2324880" cy="1395000"/>
           </a:xfrm>
           <a:prstGeom prst="rect">
             <a:avLst/>
@@ -9165,19 +8310,18 @@
       </p:pic>
       <p:pic>
         <p:nvPicPr>
-          <p:cNvPr id="172" name="Google Shape;264;p33" descr=""/>
+          <p:cNvPr id="168" name="" descr=""/>
           <p:cNvPicPr/>
           <p:nvPr/>
         </p:nvPicPr>
         <p:blipFill>
           <a:blip r:embed="rId4"/>
-          <a:srcRect l="0" t="0" r="0" b="2310"/>
           <a:stretch/>
         </p:blipFill>
         <p:spPr>
           <a:xfrm>
-            <a:off x="1178640" y="3329280"/>
-            <a:ext cx="2465280" cy="1444680"/>
+            <a:off x="1256400" y="3369960"/>
+            <a:ext cx="2324880" cy="1394640"/>
           </a:xfrm>
           <a:prstGeom prst="rect">
             <a:avLst/>
@@ -9227,14 +8371,14 @@
       </p:grpSpPr>
       <p:sp>
         <p:nvSpPr>
-          <p:cNvPr id="173" name="Google Shape;279;p35"/>
+          <p:cNvPr id="169" name="Google Shape;279;p35"/>
           <p:cNvSpPr/>
           <p:nvPr/>
         </p:nvSpPr>
         <p:spPr>
           <a:xfrm>
             <a:off x="1173240" y="1762200"/>
-            <a:ext cx="3432600" cy="762120"/>
+            <a:ext cx="3432240" cy="761760"/>
           </a:xfrm>
           <a:prstGeom prst="rect">
             <a:avLst/>
@@ -9251,7 +8395,7 @@
           <a:fontRef idx="minor"/>
         </p:style>
         <p:txBody>
-          <a:bodyPr tIns="91440" bIns="91440" anchor="b">
+          <a:bodyPr lIns="90000" rIns="90000" tIns="91440" bIns="91440" anchor="b">
             <a:noAutofit/>
           </a:bodyPr>
           <a:p>
@@ -9316,7 +8460,7 @@
       </p:grpSpPr>
       <p:sp>
         <p:nvSpPr>
-          <p:cNvPr id="66" name="PlaceHolder 1"/>
+          <p:cNvPr id="62" name="PlaceHolder 1"/>
           <p:cNvSpPr>
             <a:spLocks noGrp="1"/>
           </p:cNvSpPr>
@@ -9327,7 +8471,7 @@
         <p:spPr>
           <a:xfrm>
             <a:off x="535680" y="712080"/>
-            <a:ext cx="7652880" cy="767520"/>
+            <a:ext cx="7652520" cy="767160"/>
           </a:xfrm>
           <a:prstGeom prst="rect">
             <a:avLst/>
@@ -9377,7 +8521,7 @@
       </p:sp>
       <p:pic>
         <p:nvPicPr>
-          <p:cNvPr id="67" name="Google Shape;87;p15" descr=""/>
+          <p:cNvPr id="63" name="Google Shape;87;p15" descr=""/>
           <p:cNvPicPr/>
           <p:nvPr/>
         </p:nvPicPr>
@@ -9388,7 +8532,7 @@
         <p:spPr>
           <a:xfrm>
             <a:off x="-34920" y="1437480"/>
-            <a:ext cx="2801520" cy="2801520"/>
+            <a:ext cx="2801160" cy="2801160"/>
           </a:xfrm>
           <a:prstGeom prst="rect">
             <a:avLst/>
@@ -9401,14 +8545,14 @@
       </p:pic>
       <p:sp>
         <p:nvSpPr>
-          <p:cNvPr id="68" name="Google Shape;88;p15"/>
+          <p:cNvPr id="64" name="Google Shape;88;p15"/>
           <p:cNvSpPr/>
           <p:nvPr/>
         </p:nvSpPr>
         <p:spPr>
           <a:xfrm>
             <a:off x="3296520" y="1401840"/>
-            <a:ext cx="4818960" cy="1653480"/>
+            <a:ext cx="4818600" cy="1653480"/>
           </a:xfrm>
           <a:prstGeom prst="rect">
             <a:avLst/>
@@ -9425,7 +8569,7 @@
           <a:fontRef idx="minor"/>
         </p:style>
         <p:txBody>
-          <a:bodyPr tIns="91440" bIns="91440" anchor="t">
+          <a:bodyPr lIns="90000" rIns="90000" tIns="91440" bIns="91440" anchor="t">
             <a:spAutoFit/>
           </a:bodyPr>
           <a:p>
@@ -9582,14 +8726,14 @@
       </p:grpSpPr>
       <p:sp>
         <p:nvSpPr>
-          <p:cNvPr id="69" name="Google Shape;93;p16"/>
+          <p:cNvPr id="65" name="Google Shape;93;p16"/>
           <p:cNvSpPr/>
           <p:nvPr/>
         </p:nvSpPr>
         <p:spPr>
           <a:xfrm rot="16200000">
-            <a:off x="7543080" y="1403280"/>
-            <a:ext cx="1003320" cy="2174760"/>
+            <a:off x="7543080" y="1403640"/>
+            <a:ext cx="1002960" cy="2174400"/>
           </a:xfrm>
           <a:prstGeom prst="flowChartOffpageConnector">
             <a:avLst/>
@@ -9611,7 +8755,7 @@
           <a:fontRef idx="minor"/>
         </p:style>
         <p:txBody>
-          <a:bodyPr tIns="91440" bIns="91440" anchor="ctr">
+          <a:bodyPr lIns="90000" rIns="90000" tIns="91440" bIns="91440" anchor="ctr">
             <a:noAutofit/>
           </a:bodyPr>
           <a:p>
@@ -9635,7 +8779,7 @@
       </p:sp>
       <p:sp>
         <p:nvSpPr>
-          <p:cNvPr id="70" name="PlaceHolder 1"/>
+          <p:cNvPr id="66" name="PlaceHolder 1"/>
           <p:cNvSpPr>
             <a:spLocks noGrp="1"/>
           </p:cNvSpPr>
@@ -9646,7 +8790,7 @@
         <p:spPr>
           <a:xfrm>
             <a:off x="535680" y="712080"/>
-            <a:ext cx="5196960" cy="767520"/>
+            <a:ext cx="5196600" cy="767160"/>
           </a:xfrm>
           <a:prstGeom prst="rect">
             <a:avLst/>
@@ -9696,14 +8840,14 @@
       </p:sp>
       <p:sp>
         <p:nvSpPr>
-          <p:cNvPr id="71" name="Google Shape;95;p16"/>
+          <p:cNvPr id="67" name="Google Shape;95;p16"/>
           <p:cNvSpPr/>
           <p:nvPr/>
         </p:nvSpPr>
         <p:spPr>
           <a:xfrm rot="16200000">
-            <a:off x="5800680" y="1403280"/>
-            <a:ext cx="1003320" cy="2174760"/>
+            <a:off x="5800680" y="1403640"/>
+            <a:ext cx="1002960" cy="2174400"/>
           </a:xfrm>
           <a:prstGeom prst="flowChartOffpageConnector">
             <a:avLst/>
@@ -9725,7 +8869,7 @@
           <a:fontRef idx="minor"/>
         </p:style>
         <p:txBody>
-          <a:bodyPr tIns="91440" bIns="91440" anchor="ctr">
+          <a:bodyPr lIns="90000" rIns="90000" tIns="91440" bIns="91440" anchor="ctr">
             <a:noAutofit/>
           </a:bodyPr>
           <a:p>
@@ -9749,14 +8893,14 @@
       </p:sp>
       <p:sp>
         <p:nvSpPr>
-          <p:cNvPr id="72" name="Google Shape;96;p16"/>
+          <p:cNvPr id="68" name="Google Shape;96;p16"/>
           <p:cNvSpPr/>
           <p:nvPr/>
         </p:nvSpPr>
         <p:spPr>
           <a:xfrm rot="16200000">
-            <a:off x="4070160" y="1403280"/>
-            <a:ext cx="1003320" cy="2174760"/>
+            <a:off x="4070160" y="1403640"/>
+            <a:ext cx="1002960" cy="2174400"/>
           </a:xfrm>
           <a:prstGeom prst="flowChartOffpageConnector">
             <a:avLst/>
@@ -9778,7 +8922,7 @@
           <a:fontRef idx="minor"/>
         </p:style>
         <p:txBody>
-          <a:bodyPr tIns="91440" bIns="91440" anchor="ctr">
+          <a:bodyPr lIns="90000" rIns="90000" tIns="91440" bIns="91440" anchor="ctr">
             <a:noAutofit/>
           </a:bodyPr>
           <a:p>
@@ -9802,14 +8946,14 @@
       </p:sp>
       <p:sp>
         <p:nvSpPr>
-          <p:cNvPr id="73" name="Google Shape;97;p16"/>
+          <p:cNvPr id="69" name="Google Shape;97;p16"/>
           <p:cNvSpPr/>
           <p:nvPr/>
         </p:nvSpPr>
         <p:spPr>
           <a:xfrm rot="16200000">
-            <a:off x="2327760" y="1403280"/>
-            <a:ext cx="1003320" cy="2174760"/>
+            <a:off x="2327760" y="1403640"/>
+            <a:ext cx="1002960" cy="2174400"/>
           </a:xfrm>
           <a:prstGeom prst="flowChartOffpageConnector">
             <a:avLst/>
@@ -9831,7 +8975,7 @@
           <a:fontRef idx="minor"/>
         </p:style>
         <p:txBody>
-          <a:bodyPr tIns="91440" bIns="91440" anchor="ctr">
+          <a:bodyPr lIns="90000" rIns="90000" tIns="91440" bIns="91440" anchor="ctr">
             <a:noAutofit/>
           </a:bodyPr>
           <a:p>
@@ -9855,14 +8999,14 @@
       </p:sp>
       <p:sp>
         <p:nvSpPr>
-          <p:cNvPr id="74" name="Google Shape;98;p16"/>
+          <p:cNvPr id="70" name="Google Shape;98;p16"/>
           <p:cNvSpPr/>
           <p:nvPr/>
         </p:nvSpPr>
         <p:spPr>
           <a:xfrm rot="16200000">
-            <a:off x="597240" y="1403280"/>
-            <a:ext cx="1003320" cy="2174760"/>
+            <a:off x="597240" y="1403640"/>
+            <a:ext cx="1002960" cy="2174400"/>
           </a:xfrm>
           <a:prstGeom prst="flowChartOffpageConnector">
             <a:avLst/>
@@ -9884,7 +9028,7 @@
           <a:fontRef idx="minor"/>
         </p:style>
         <p:txBody>
-          <a:bodyPr tIns="91440" bIns="91440" anchor="ctr">
+          <a:bodyPr lIns="90000" rIns="90000" tIns="91440" bIns="91440" anchor="ctr">
             <a:noAutofit/>
           </a:bodyPr>
           <a:p>
@@ -9908,14 +9052,14 @@
       </p:sp>
       <p:sp>
         <p:nvSpPr>
-          <p:cNvPr id="75" name="Google Shape;99;p16"/>
+          <p:cNvPr id="71" name="Google Shape;99;p16"/>
           <p:cNvSpPr/>
           <p:nvPr/>
         </p:nvSpPr>
         <p:spPr>
           <a:xfrm>
             <a:off x="63000" y="2290320"/>
-            <a:ext cx="2999520" cy="396000"/>
+            <a:ext cx="2999160" cy="396000"/>
           </a:xfrm>
           <a:prstGeom prst="rect">
             <a:avLst/>
@@ -9932,7 +9076,7 @@
           <a:fontRef idx="minor"/>
         </p:style>
         <p:txBody>
-          <a:bodyPr tIns="91440" bIns="91440" anchor="t">
+          <a:bodyPr lIns="90000" rIns="90000" tIns="91440" bIns="91440" anchor="t">
             <a:spAutoFit/>
           </a:bodyPr>
           <a:p>
@@ -9967,14 +9111,14 @@
       </p:sp>
       <p:sp>
         <p:nvSpPr>
-          <p:cNvPr id="76" name="Google Shape;100;p16"/>
+          <p:cNvPr id="72" name="Google Shape;100;p16"/>
           <p:cNvSpPr/>
           <p:nvPr/>
         </p:nvSpPr>
         <p:spPr>
           <a:xfrm>
             <a:off x="2200680" y="2290320"/>
-            <a:ext cx="2999520" cy="396000"/>
+            <a:ext cx="2999160" cy="396000"/>
           </a:xfrm>
           <a:prstGeom prst="rect">
             <a:avLst/>
@@ -9991,7 +9135,7 @@
           <a:fontRef idx="minor"/>
         </p:style>
         <p:txBody>
-          <a:bodyPr tIns="91440" bIns="91440" anchor="t">
+          <a:bodyPr lIns="90000" rIns="90000" tIns="91440" bIns="91440" anchor="t">
             <a:spAutoFit/>
           </a:bodyPr>
           <a:p>
@@ -10026,14 +9170,14 @@
       </p:sp>
       <p:sp>
         <p:nvSpPr>
-          <p:cNvPr id="77" name="Google Shape;101;p16"/>
+          <p:cNvPr id="73" name="Google Shape;101;p16"/>
           <p:cNvSpPr/>
           <p:nvPr/>
         </p:nvSpPr>
         <p:spPr>
           <a:xfrm>
             <a:off x="3937320" y="2290320"/>
-            <a:ext cx="2999520" cy="396000"/>
+            <a:ext cx="2999160" cy="396000"/>
           </a:xfrm>
           <a:prstGeom prst="rect">
             <a:avLst/>
@@ -10050,7 +9194,7 @@
           <a:fontRef idx="minor"/>
         </p:style>
         <p:txBody>
-          <a:bodyPr tIns="91440" bIns="91440" anchor="t">
+          <a:bodyPr lIns="90000" rIns="90000" tIns="91440" bIns="91440" anchor="t">
             <a:spAutoFit/>
           </a:bodyPr>
           <a:p>
@@ -10085,14 +9229,14 @@
       </p:sp>
       <p:sp>
         <p:nvSpPr>
-          <p:cNvPr id="78" name="Google Shape;102;p16"/>
+          <p:cNvPr id="74" name="Google Shape;102;p16"/>
           <p:cNvSpPr/>
           <p:nvPr/>
         </p:nvSpPr>
         <p:spPr>
           <a:xfrm>
             <a:off x="5659560" y="2290320"/>
-            <a:ext cx="2999520" cy="396000"/>
+            <a:ext cx="2999160" cy="396000"/>
           </a:xfrm>
           <a:prstGeom prst="rect">
             <a:avLst/>
@@ -10109,7 +9253,7 @@
           <a:fontRef idx="minor"/>
         </p:style>
         <p:txBody>
-          <a:bodyPr tIns="91440" bIns="91440" anchor="t">
+          <a:bodyPr lIns="90000" rIns="90000" tIns="91440" bIns="91440" anchor="t">
             <a:spAutoFit/>
           </a:bodyPr>
           <a:p>
@@ -10144,14 +9288,14 @@
       </p:sp>
       <p:sp>
         <p:nvSpPr>
-          <p:cNvPr id="79" name="Google Shape;103;p16"/>
+          <p:cNvPr id="75" name="Google Shape;103;p16"/>
           <p:cNvSpPr/>
           <p:nvPr/>
         </p:nvSpPr>
         <p:spPr>
           <a:xfrm>
             <a:off x="7390080" y="2290320"/>
-            <a:ext cx="2999520" cy="396000"/>
+            <a:ext cx="2999160" cy="396000"/>
           </a:xfrm>
           <a:prstGeom prst="rect">
             <a:avLst/>
@@ -10168,7 +9312,7 @@
           <a:fontRef idx="minor"/>
         </p:style>
         <p:txBody>
-          <a:bodyPr tIns="91440" bIns="91440" anchor="t">
+          <a:bodyPr lIns="90000" rIns="90000" tIns="91440" bIns="91440" anchor="t">
             <a:spAutoFit/>
           </a:bodyPr>
           <a:p>
@@ -10203,14 +9347,14 @@
       </p:sp>
       <p:sp>
         <p:nvSpPr>
-          <p:cNvPr id="80" name="Google Shape;104;p16"/>
+          <p:cNvPr id="76" name="Google Shape;104;p16"/>
           <p:cNvSpPr/>
           <p:nvPr/>
         </p:nvSpPr>
         <p:spPr>
           <a:xfrm>
             <a:off x="610920" y="3675240"/>
-            <a:ext cx="7996320" cy="396000"/>
+            <a:ext cx="7995960" cy="396000"/>
           </a:xfrm>
           <a:prstGeom prst="rect">
             <a:avLst/>
@@ -10227,7 +9371,7 @@
           <a:fontRef idx="minor"/>
         </p:style>
         <p:txBody>
-          <a:bodyPr tIns="91440" bIns="91440" anchor="t">
+          <a:bodyPr lIns="90000" rIns="90000" tIns="91440" bIns="91440" anchor="t">
             <a:spAutoFit/>
           </a:bodyPr>
           <a:p>
@@ -10292,14 +9436,14 @@
       </p:grpSpPr>
       <p:sp>
         <p:nvSpPr>
-          <p:cNvPr id="81" name="Google Shape;109;p17"/>
+          <p:cNvPr id="77" name="Google Shape;109;p17"/>
           <p:cNvSpPr/>
           <p:nvPr/>
         </p:nvSpPr>
         <p:spPr>
           <a:xfrm rot="16200000">
-            <a:off x="7543080" y="1403280"/>
-            <a:ext cx="1003320" cy="2174760"/>
+            <a:off x="7543080" y="1403640"/>
+            <a:ext cx="1002960" cy="2174400"/>
           </a:xfrm>
           <a:prstGeom prst="flowChartOffpageConnector">
             <a:avLst/>
@@ -10321,7 +9465,7 @@
           <a:fontRef idx="minor"/>
         </p:style>
         <p:txBody>
-          <a:bodyPr tIns="91440" bIns="91440" anchor="ctr">
+          <a:bodyPr lIns="90000" rIns="90000" tIns="91440" bIns="91440" anchor="ctr">
             <a:noAutofit/>
           </a:bodyPr>
           <a:p>
@@ -10345,7 +9489,7 @@
       </p:sp>
       <p:sp>
         <p:nvSpPr>
-          <p:cNvPr id="82" name="PlaceHolder 1"/>
+          <p:cNvPr id="78" name="PlaceHolder 1"/>
           <p:cNvSpPr>
             <a:spLocks noGrp="1"/>
           </p:cNvSpPr>
@@ -10356,7 +9500,7 @@
         <p:spPr>
           <a:xfrm>
             <a:off x="535680" y="712080"/>
-            <a:ext cx="5196960" cy="767520"/>
+            <a:ext cx="5196600" cy="767160"/>
           </a:xfrm>
           <a:prstGeom prst="rect">
             <a:avLst/>
@@ -10406,14 +9550,14 @@
       </p:sp>
       <p:sp>
         <p:nvSpPr>
-          <p:cNvPr id="83" name="Google Shape;111;p17"/>
+          <p:cNvPr id="79" name="Google Shape;111;p17"/>
           <p:cNvSpPr/>
           <p:nvPr/>
         </p:nvSpPr>
         <p:spPr>
           <a:xfrm rot="16200000">
-            <a:off x="5800680" y="1403280"/>
-            <a:ext cx="1003320" cy="2174760"/>
+            <a:off x="5800680" y="1403640"/>
+            <a:ext cx="1002960" cy="2174400"/>
           </a:xfrm>
           <a:prstGeom prst="flowChartOffpageConnector">
             <a:avLst/>
@@ -10435,7 +9579,7 @@
           <a:fontRef idx="minor"/>
         </p:style>
         <p:txBody>
-          <a:bodyPr tIns="91440" bIns="91440" anchor="ctr">
+          <a:bodyPr lIns="90000" rIns="90000" tIns="91440" bIns="91440" anchor="ctr">
             <a:noAutofit/>
           </a:bodyPr>
           <a:p>
@@ -10459,14 +9603,14 @@
       </p:sp>
       <p:sp>
         <p:nvSpPr>
-          <p:cNvPr id="84" name="Google Shape;112;p17"/>
+          <p:cNvPr id="80" name="Google Shape;112;p17"/>
           <p:cNvSpPr/>
           <p:nvPr/>
         </p:nvSpPr>
         <p:spPr>
           <a:xfrm rot="16200000">
-            <a:off x="4070160" y="1403280"/>
-            <a:ext cx="1003320" cy="2174760"/>
+            <a:off x="4070160" y="1403640"/>
+            <a:ext cx="1002960" cy="2174400"/>
           </a:xfrm>
           <a:prstGeom prst="flowChartOffpageConnector">
             <a:avLst/>
@@ -10488,7 +9632,7 @@
           <a:fontRef idx="minor"/>
         </p:style>
         <p:txBody>
-          <a:bodyPr tIns="91440" bIns="91440" anchor="ctr">
+          <a:bodyPr lIns="90000" rIns="90000" tIns="91440" bIns="91440" anchor="ctr">
             <a:noAutofit/>
           </a:bodyPr>
           <a:p>
@@ -10512,14 +9656,14 @@
       </p:sp>
       <p:sp>
         <p:nvSpPr>
-          <p:cNvPr id="85" name="Google Shape;113;p17"/>
+          <p:cNvPr id="81" name="Google Shape;113;p17"/>
           <p:cNvSpPr/>
           <p:nvPr/>
         </p:nvSpPr>
         <p:spPr>
           <a:xfrm rot="16200000">
-            <a:off x="2327760" y="1403280"/>
-            <a:ext cx="1003320" cy="2174760"/>
+            <a:off x="2327760" y="1403640"/>
+            <a:ext cx="1002960" cy="2174400"/>
           </a:xfrm>
           <a:prstGeom prst="flowChartOffpageConnector">
             <a:avLst/>
@@ -10541,7 +9685,7 @@
           <a:fontRef idx="minor"/>
         </p:style>
         <p:txBody>
-          <a:bodyPr tIns="91440" bIns="91440" anchor="ctr">
+          <a:bodyPr lIns="90000" rIns="90000" tIns="91440" bIns="91440" anchor="ctr">
             <a:noAutofit/>
           </a:bodyPr>
           <a:p>
@@ -10565,14 +9709,14 @@
       </p:sp>
       <p:sp>
         <p:nvSpPr>
-          <p:cNvPr id="86" name="Google Shape;114;p17"/>
+          <p:cNvPr id="82" name="Google Shape;114;p17"/>
           <p:cNvSpPr/>
           <p:nvPr/>
         </p:nvSpPr>
         <p:spPr>
           <a:xfrm rot="16200000">
-            <a:off x="597240" y="1403280"/>
-            <a:ext cx="1003320" cy="2174760"/>
+            <a:off x="597240" y="1403640"/>
+            <a:ext cx="1002960" cy="2174400"/>
           </a:xfrm>
           <a:prstGeom prst="flowChartOffpageConnector">
             <a:avLst/>
@@ -10594,7 +9738,7 @@
           <a:fontRef idx="minor"/>
         </p:style>
         <p:txBody>
-          <a:bodyPr tIns="91440" bIns="91440" anchor="ctr">
+          <a:bodyPr lIns="90000" rIns="90000" tIns="91440" bIns="91440" anchor="ctr">
             <a:noAutofit/>
           </a:bodyPr>
           <a:p>
@@ -10618,14 +9762,14 @@
       </p:sp>
       <p:sp>
         <p:nvSpPr>
-          <p:cNvPr id="87" name="Google Shape;115;p17"/>
+          <p:cNvPr id="83" name="Google Shape;115;p17"/>
           <p:cNvSpPr/>
           <p:nvPr/>
         </p:nvSpPr>
         <p:spPr>
           <a:xfrm>
             <a:off x="63000" y="2290320"/>
-            <a:ext cx="2999520" cy="396000"/>
+            <a:ext cx="2999160" cy="396000"/>
           </a:xfrm>
           <a:prstGeom prst="rect">
             <a:avLst/>
@@ -10642,7 +9786,7 @@
           <a:fontRef idx="minor"/>
         </p:style>
         <p:txBody>
-          <a:bodyPr tIns="91440" bIns="91440" anchor="t">
+          <a:bodyPr lIns="90000" rIns="90000" tIns="91440" bIns="91440" anchor="t">
             <a:spAutoFit/>
           </a:bodyPr>
           <a:p>
@@ -10677,14 +9821,14 @@
       </p:sp>
       <p:sp>
         <p:nvSpPr>
-          <p:cNvPr id="88" name="Google Shape;116;p17"/>
+          <p:cNvPr id="84" name="Google Shape;116;p17"/>
           <p:cNvSpPr/>
           <p:nvPr/>
         </p:nvSpPr>
         <p:spPr>
           <a:xfrm>
             <a:off x="2200680" y="2290320"/>
-            <a:ext cx="2999520" cy="396000"/>
+            <a:ext cx="2999160" cy="396000"/>
           </a:xfrm>
           <a:prstGeom prst="rect">
             <a:avLst/>
@@ -10701,7 +9845,7 @@
           <a:fontRef idx="minor"/>
         </p:style>
         <p:txBody>
-          <a:bodyPr tIns="91440" bIns="91440" anchor="t">
+          <a:bodyPr lIns="90000" rIns="90000" tIns="91440" bIns="91440" anchor="t">
             <a:spAutoFit/>
           </a:bodyPr>
           <a:p>
@@ -10736,14 +9880,14 @@
       </p:sp>
       <p:sp>
         <p:nvSpPr>
-          <p:cNvPr id="89" name="Google Shape;117;p17"/>
+          <p:cNvPr id="85" name="Google Shape;117;p17"/>
           <p:cNvSpPr/>
           <p:nvPr/>
         </p:nvSpPr>
         <p:spPr>
           <a:xfrm>
             <a:off x="3937320" y="2290320"/>
-            <a:ext cx="2999520" cy="396000"/>
+            <a:ext cx="2999160" cy="396000"/>
           </a:xfrm>
           <a:prstGeom prst="rect">
             <a:avLst/>
@@ -10760,7 +9904,7 @@
           <a:fontRef idx="minor"/>
         </p:style>
         <p:txBody>
-          <a:bodyPr tIns="91440" bIns="91440" anchor="t">
+          <a:bodyPr lIns="90000" rIns="90000" tIns="91440" bIns="91440" anchor="t">
             <a:spAutoFit/>
           </a:bodyPr>
           <a:p>
@@ -10795,14 +9939,14 @@
       </p:sp>
       <p:sp>
         <p:nvSpPr>
-          <p:cNvPr id="90" name="Google Shape;118;p17"/>
+          <p:cNvPr id="86" name="Google Shape;118;p17"/>
           <p:cNvSpPr/>
           <p:nvPr/>
         </p:nvSpPr>
         <p:spPr>
           <a:xfrm>
             <a:off x="5659560" y="2290320"/>
-            <a:ext cx="2999520" cy="396000"/>
+            <a:ext cx="2999160" cy="396000"/>
           </a:xfrm>
           <a:prstGeom prst="rect">
             <a:avLst/>
@@ -10819,7 +9963,7 @@
           <a:fontRef idx="minor"/>
         </p:style>
         <p:txBody>
-          <a:bodyPr tIns="91440" bIns="91440" anchor="t">
+          <a:bodyPr lIns="90000" rIns="90000" tIns="91440" bIns="91440" anchor="t">
             <a:spAutoFit/>
           </a:bodyPr>
           <a:p>
@@ -10854,14 +9998,14 @@
       </p:sp>
       <p:sp>
         <p:nvSpPr>
-          <p:cNvPr id="91" name="Google Shape;119;p17"/>
+          <p:cNvPr id="87" name="Google Shape;119;p17"/>
           <p:cNvSpPr/>
           <p:nvPr/>
         </p:nvSpPr>
         <p:spPr>
           <a:xfrm>
             <a:off x="7390080" y="2290320"/>
-            <a:ext cx="2999520" cy="396000"/>
+            <a:ext cx="2999160" cy="396000"/>
           </a:xfrm>
           <a:prstGeom prst="rect">
             <a:avLst/>
@@ -10878,7 +10022,7 @@
           <a:fontRef idx="minor"/>
         </p:style>
         <p:txBody>
-          <a:bodyPr tIns="91440" bIns="91440" anchor="t">
+          <a:bodyPr lIns="90000" rIns="90000" tIns="91440" bIns="91440" anchor="t">
             <a:spAutoFit/>
           </a:bodyPr>
           <a:p>
@@ -10913,14 +10057,14 @@
       </p:sp>
       <p:sp>
         <p:nvSpPr>
-          <p:cNvPr id="92" name="Google Shape;120;p17"/>
+          <p:cNvPr id="88" name="Google Shape;120;p17"/>
           <p:cNvSpPr/>
           <p:nvPr/>
         </p:nvSpPr>
         <p:spPr>
           <a:xfrm>
             <a:off x="610920" y="3370320"/>
-            <a:ext cx="7996320" cy="1463400"/>
+            <a:ext cx="7995960" cy="1463400"/>
           </a:xfrm>
           <a:prstGeom prst="rect">
             <a:avLst/>
@@ -10937,7 +10081,7 @@
           <a:fontRef idx="minor"/>
         </p:style>
         <p:txBody>
-          <a:bodyPr tIns="91440" bIns="91440" anchor="t">
+          <a:bodyPr lIns="90000" rIns="90000" tIns="91440" bIns="91440" anchor="t">
             <a:spAutoFit/>
           </a:bodyPr>
           <a:p>
@@ -11064,14 +10208,14 @@
       </p:grpSpPr>
       <p:sp>
         <p:nvSpPr>
-          <p:cNvPr id="93" name="Google Shape;125;p18"/>
+          <p:cNvPr id="89" name="Google Shape;125;p18"/>
           <p:cNvSpPr/>
           <p:nvPr/>
         </p:nvSpPr>
         <p:spPr>
           <a:xfrm rot="16200000">
-            <a:off x="7543080" y="1403280"/>
-            <a:ext cx="1003320" cy="2174760"/>
+            <a:off x="7543080" y="1403640"/>
+            <a:ext cx="1002960" cy="2174400"/>
           </a:xfrm>
           <a:prstGeom prst="flowChartOffpageConnector">
             <a:avLst/>
@@ -11093,7 +10237,7 @@
           <a:fontRef idx="minor"/>
         </p:style>
         <p:txBody>
-          <a:bodyPr tIns="91440" bIns="91440" anchor="ctr">
+          <a:bodyPr lIns="90000" rIns="90000" tIns="91440" bIns="91440" anchor="ctr">
             <a:noAutofit/>
           </a:bodyPr>
           <a:p>
@@ -11117,7 +10261,7 @@
       </p:sp>
       <p:sp>
         <p:nvSpPr>
-          <p:cNvPr id="94" name="PlaceHolder 1"/>
+          <p:cNvPr id="90" name="PlaceHolder 1"/>
           <p:cNvSpPr>
             <a:spLocks noGrp="1"/>
           </p:cNvSpPr>
@@ -11128,7 +10272,7 @@
         <p:spPr>
           <a:xfrm>
             <a:off x="535680" y="712080"/>
-            <a:ext cx="5196960" cy="767520"/>
+            <a:ext cx="5196600" cy="767160"/>
           </a:xfrm>
           <a:prstGeom prst="rect">
             <a:avLst/>
@@ -11178,14 +10322,14 @@
       </p:sp>
       <p:sp>
         <p:nvSpPr>
-          <p:cNvPr id="95" name="Google Shape;127;p18"/>
+          <p:cNvPr id="91" name="Google Shape;127;p18"/>
           <p:cNvSpPr/>
           <p:nvPr/>
         </p:nvSpPr>
         <p:spPr>
           <a:xfrm rot="16200000">
-            <a:off x="5800680" y="1403280"/>
-            <a:ext cx="1003320" cy="2174760"/>
+            <a:off x="5800680" y="1403640"/>
+            <a:ext cx="1002960" cy="2174400"/>
           </a:xfrm>
           <a:prstGeom prst="flowChartOffpageConnector">
             <a:avLst/>
@@ -11207,7 +10351,7 @@
           <a:fontRef idx="minor"/>
         </p:style>
         <p:txBody>
-          <a:bodyPr tIns="91440" bIns="91440" anchor="ctr">
+          <a:bodyPr lIns="90000" rIns="90000" tIns="91440" bIns="91440" anchor="ctr">
             <a:noAutofit/>
           </a:bodyPr>
           <a:p>
@@ -11231,14 +10375,14 @@
       </p:sp>
       <p:sp>
         <p:nvSpPr>
-          <p:cNvPr id="96" name="Google Shape;128;p18"/>
+          <p:cNvPr id="92" name="Google Shape;128;p18"/>
           <p:cNvSpPr/>
           <p:nvPr/>
         </p:nvSpPr>
         <p:spPr>
           <a:xfrm rot="16200000">
-            <a:off x="4070160" y="1403280"/>
-            <a:ext cx="1003320" cy="2174760"/>
+            <a:off x="4070160" y="1403640"/>
+            <a:ext cx="1002960" cy="2174400"/>
           </a:xfrm>
           <a:prstGeom prst="flowChartOffpageConnector">
             <a:avLst/>
@@ -11260,7 +10404,7 @@
           <a:fontRef idx="minor"/>
         </p:style>
         <p:txBody>
-          <a:bodyPr tIns="91440" bIns="91440" anchor="ctr">
+          <a:bodyPr lIns="90000" rIns="90000" tIns="91440" bIns="91440" anchor="ctr">
             <a:noAutofit/>
           </a:bodyPr>
           <a:p>
@@ -11284,14 +10428,14 @@
       </p:sp>
       <p:sp>
         <p:nvSpPr>
-          <p:cNvPr id="97" name="Google Shape;129;p18"/>
+          <p:cNvPr id="93" name="Google Shape;129;p18"/>
           <p:cNvSpPr/>
           <p:nvPr/>
         </p:nvSpPr>
         <p:spPr>
           <a:xfrm rot="16200000">
-            <a:off x="2327760" y="1403280"/>
-            <a:ext cx="1003320" cy="2174760"/>
+            <a:off x="2327760" y="1403640"/>
+            <a:ext cx="1002960" cy="2174400"/>
           </a:xfrm>
           <a:prstGeom prst="flowChartOffpageConnector">
             <a:avLst/>
@@ -11313,7 +10457,7 @@
           <a:fontRef idx="minor"/>
         </p:style>
         <p:txBody>
-          <a:bodyPr tIns="91440" bIns="91440" anchor="ctr">
+          <a:bodyPr lIns="90000" rIns="90000" tIns="91440" bIns="91440" anchor="ctr">
             <a:noAutofit/>
           </a:bodyPr>
           <a:p>
@@ -11337,14 +10481,14 @@
       </p:sp>
       <p:sp>
         <p:nvSpPr>
-          <p:cNvPr id="98" name="Google Shape;130;p18"/>
+          <p:cNvPr id="94" name="Google Shape;130;p18"/>
           <p:cNvSpPr/>
           <p:nvPr/>
         </p:nvSpPr>
         <p:spPr>
           <a:xfrm rot="16200000">
-            <a:off x="597240" y="1403280"/>
-            <a:ext cx="1003320" cy="2174760"/>
+            <a:off x="597240" y="1403640"/>
+            <a:ext cx="1002960" cy="2174400"/>
           </a:xfrm>
           <a:prstGeom prst="flowChartOffpageConnector">
             <a:avLst/>
@@ -11366,7 +10510,7 @@
           <a:fontRef idx="minor"/>
         </p:style>
         <p:txBody>
-          <a:bodyPr tIns="91440" bIns="91440" anchor="ctr">
+          <a:bodyPr lIns="90000" rIns="90000" tIns="91440" bIns="91440" anchor="ctr">
             <a:noAutofit/>
           </a:bodyPr>
           <a:p>
@@ -11390,14 +10534,14 @@
       </p:sp>
       <p:sp>
         <p:nvSpPr>
-          <p:cNvPr id="99" name="Google Shape;131;p18"/>
+          <p:cNvPr id="95" name="Google Shape;131;p18"/>
           <p:cNvSpPr/>
           <p:nvPr/>
         </p:nvSpPr>
         <p:spPr>
           <a:xfrm>
             <a:off x="63000" y="2290320"/>
-            <a:ext cx="2999520" cy="396000"/>
+            <a:ext cx="2999160" cy="396000"/>
           </a:xfrm>
           <a:prstGeom prst="rect">
             <a:avLst/>
@@ -11414,7 +10558,7 @@
           <a:fontRef idx="minor"/>
         </p:style>
         <p:txBody>
-          <a:bodyPr tIns="91440" bIns="91440" anchor="t">
+          <a:bodyPr lIns="90000" rIns="90000" tIns="91440" bIns="91440" anchor="t">
             <a:spAutoFit/>
           </a:bodyPr>
           <a:p>
@@ -11449,14 +10593,14 @@
       </p:sp>
       <p:sp>
         <p:nvSpPr>
-          <p:cNvPr id="100" name="Google Shape;132;p18"/>
+          <p:cNvPr id="96" name="Google Shape;132;p18"/>
           <p:cNvSpPr/>
           <p:nvPr/>
         </p:nvSpPr>
         <p:spPr>
           <a:xfrm>
             <a:off x="2200680" y="2290320"/>
-            <a:ext cx="2999520" cy="396000"/>
+            <a:ext cx="2999160" cy="396000"/>
           </a:xfrm>
           <a:prstGeom prst="rect">
             <a:avLst/>
@@ -11473,7 +10617,7 @@
           <a:fontRef idx="minor"/>
         </p:style>
         <p:txBody>
-          <a:bodyPr tIns="91440" bIns="91440" anchor="t">
+          <a:bodyPr lIns="90000" rIns="90000" tIns="91440" bIns="91440" anchor="t">
             <a:spAutoFit/>
           </a:bodyPr>
           <a:p>
@@ -11508,14 +10652,14 @@
       </p:sp>
       <p:sp>
         <p:nvSpPr>
-          <p:cNvPr id="101" name="Google Shape;133;p18"/>
+          <p:cNvPr id="97" name="Google Shape;133;p18"/>
           <p:cNvSpPr/>
           <p:nvPr/>
         </p:nvSpPr>
         <p:spPr>
           <a:xfrm>
             <a:off x="3937320" y="2290320"/>
-            <a:ext cx="2999520" cy="396000"/>
+            <a:ext cx="2999160" cy="396000"/>
           </a:xfrm>
           <a:prstGeom prst="rect">
             <a:avLst/>
@@ -11532,7 +10676,7 @@
           <a:fontRef idx="minor"/>
         </p:style>
         <p:txBody>
-          <a:bodyPr tIns="91440" bIns="91440" anchor="t">
+          <a:bodyPr lIns="90000" rIns="90000" tIns="91440" bIns="91440" anchor="t">
             <a:spAutoFit/>
           </a:bodyPr>
           <a:p>
@@ -11567,14 +10711,14 @@
       </p:sp>
       <p:sp>
         <p:nvSpPr>
-          <p:cNvPr id="102" name="Google Shape;134;p18"/>
+          <p:cNvPr id="98" name="Google Shape;134;p18"/>
           <p:cNvSpPr/>
           <p:nvPr/>
         </p:nvSpPr>
         <p:spPr>
           <a:xfrm>
             <a:off x="5659560" y="2290320"/>
-            <a:ext cx="2999520" cy="396000"/>
+            <a:ext cx="2999160" cy="396000"/>
           </a:xfrm>
           <a:prstGeom prst="rect">
             <a:avLst/>
@@ -11591,7 +10735,7 @@
           <a:fontRef idx="minor"/>
         </p:style>
         <p:txBody>
-          <a:bodyPr tIns="91440" bIns="91440" anchor="t">
+          <a:bodyPr lIns="90000" rIns="90000" tIns="91440" bIns="91440" anchor="t">
             <a:spAutoFit/>
           </a:bodyPr>
           <a:p>
@@ -11626,14 +10770,14 @@
       </p:sp>
       <p:sp>
         <p:nvSpPr>
-          <p:cNvPr id="103" name="Google Shape;135;p18"/>
+          <p:cNvPr id="99" name="Google Shape;135;p18"/>
           <p:cNvSpPr/>
           <p:nvPr/>
         </p:nvSpPr>
         <p:spPr>
           <a:xfrm>
             <a:off x="7390080" y="2290320"/>
-            <a:ext cx="2999520" cy="396000"/>
+            <a:ext cx="2999160" cy="396000"/>
           </a:xfrm>
           <a:prstGeom prst="rect">
             <a:avLst/>
@@ -11650,7 +10794,7 @@
           <a:fontRef idx="minor"/>
         </p:style>
         <p:txBody>
-          <a:bodyPr tIns="91440" bIns="91440" anchor="t">
+          <a:bodyPr lIns="90000" rIns="90000" tIns="91440" bIns="91440" anchor="t">
             <a:spAutoFit/>
           </a:bodyPr>
           <a:p>
@@ -11685,14 +10829,14 @@
       </p:sp>
       <p:sp>
         <p:nvSpPr>
-          <p:cNvPr id="104" name="Google Shape;136;p18"/>
+          <p:cNvPr id="100" name="Google Shape;136;p18"/>
           <p:cNvSpPr/>
           <p:nvPr/>
         </p:nvSpPr>
         <p:spPr>
           <a:xfrm>
             <a:off x="610920" y="3675240"/>
-            <a:ext cx="7996320" cy="1036440"/>
+            <a:ext cx="7995960" cy="1036440"/>
           </a:xfrm>
           <a:prstGeom prst="rect">
             <a:avLst/>
@@ -11709,7 +10853,7 @@
           <a:fontRef idx="minor"/>
         </p:style>
         <p:txBody>
-          <a:bodyPr tIns="91440" bIns="91440" anchor="t">
+          <a:bodyPr lIns="90000" rIns="90000" tIns="91440" bIns="91440" anchor="t">
             <a:spAutoFit/>
           </a:bodyPr>
           <a:p>
@@ -11819,14 +10963,14 @@
       </p:grpSpPr>
       <p:sp>
         <p:nvSpPr>
-          <p:cNvPr id="105" name="Google Shape;141;p19"/>
+          <p:cNvPr id="101" name="Google Shape;141;p19"/>
           <p:cNvSpPr/>
           <p:nvPr/>
         </p:nvSpPr>
         <p:spPr>
           <a:xfrm rot="16200000">
-            <a:off x="7543080" y="1403280"/>
-            <a:ext cx="1003320" cy="2174760"/>
+            <a:off x="7543080" y="1403640"/>
+            <a:ext cx="1002960" cy="2174400"/>
           </a:xfrm>
           <a:prstGeom prst="flowChartOffpageConnector">
             <a:avLst/>
@@ -11848,7 +10992,7 @@
           <a:fontRef idx="minor"/>
         </p:style>
         <p:txBody>
-          <a:bodyPr tIns="91440" bIns="91440" anchor="ctr">
+          <a:bodyPr lIns="90000" rIns="90000" tIns="91440" bIns="91440" anchor="ctr">
             <a:noAutofit/>
           </a:bodyPr>
           <a:p>
@@ -11872,7 +11016,7 @@
       </p:sp>
       <p:sp>
         <p:nvSpPr>
-          <p:cNvPr id="106" name="PlaceHolder 1"/>
+          <p:cNvPr id="102" name="PlaceHolder 1"/>
           <p:cNvSpPr>
             <a:spLocks noGrp="1"/>
           </p:cNvSpPr>
@@ -11883,7 +11027,7 @@
         <p:spPr>
           <a:xfrm>
             <a:off x="535680" y="712080"/>
-            <a:ext cx="5196960" cy="767520"/>
+            <a:ext cx="5196600" cy="767160"/>
           </a:xfrm>
           <a:prstGeom prst="rect">
             <a:avLst/>
@@ -11933,14 +11077,14 @@
       </p:sp>
       <p:sp>
         <p:nvSpPr>
-          <p:cNvPr id="107" name="Google Shape;143;p19"/>
+          <p:cNvPr id="103" name="Google Shape;143;p19"/>
           <p:cNvSpPr/>
           <p:nvPr/>
         </p:nvSpPr>
         <p:spPr>
           <a:xfrm rot="16200000">
-            <a:off x="5800680" y="1403280"/>
-            <a:ext cx="1003320" cy="2174760"/>
+            <a:off x="5800680" y="1403640"/>
+            <a:ext cx="1002960" cy="2174400"/>
           </a:xfrm>
           <a:prstGeom prst="flowChartOffpageConnector">
             <a:avLst/>
@@ -11962,7 +11106,7 @@
           <a:fontRef idx="minor"/>
         </p:style>
         <p:txBody>
-          <a:bodyPr tIns="91440" bIns="91440" anchor="ctr">
+          <a:bodyPr lIns="90000" rIns="90000" tIns="91440" bIns="91440" anchor="ctr">
             <a:noAutofit/>
           </a:bodyPr>
           <a:p>
@@ -11986,14 +11130,14 @@
       </p:sp>
       <p:sp>
         <p:nvSpPr>
-          <p:cNvPr id="108" name="Google Shape;144;p19"/>
+          <p:cNvPr id="104" name="Google Shape;144;p19"/>
           <p:cNvSpPr/>
           <p:nvPr/>
         </p:nvSpPr>
         <p:spPr>
           <a:xfrm rot="16200000">
-            <a:off x="4070160" y="1403280"/>
-            <a:ext cx="1003320" cy="2174760"/>
+            <a:off x="4070160" y="1403640"/>
+            <a:ext cx="1002960" cy="2174400"/>
           </a:xfrm>
           <a:prstGeom prst="flowChartOffpageConnector">
             <a:avLst/>
@@ -12015,7 +11159,7 @@
           <a:fontRef idx="minor"/>
         </p:style>
         <p:txBody>
-          <a:bodyPr tIns="91440" bIns="91440" anchor="ctr">
+          <a:bodyPr lIns="90000" rIns="90000" tIns="91440" bIns="91440" anchor="ctr">
             <a:noAutofit/>
           </a:bodyPr>
           <a:p>
@@ -12039,14 +11183,14 @@
       </p:sp>
       <p:sp>
         <p:nvSpPr>
-          <p:cNvPr id="109" name="Google Shape;145;p19"/>
+          <p:cNvPr id="105" name="Google Shape;145;p19"/>
           <p:cNvSpPr/>
           <p:nvPr/>
         </p:nvSpPr>
         <p:spPr>
           <a:xfrm rot="16200000">
-            <a:off x="2327760" y="1403280"/>
-            <a:ext cx="1003320" cy="2174760"/>
+            <a:off x="2327760" y="1403640"/>
+            <a:ext cx="1002960" cy="2174400"/>
           </a:xfrm>
           <a:prstGeom prst="flowChartOffpageConnector">
             <a:avLst/>
@@ -12068,7 +11212,7 @@
           <a:fontRef idx="minor"/>
         </p:style>
         <p:txBody>
-          <a:bodyPr tIns="91440" bIns="91440" anchor="ctr">
+          <a:bodyPr lIns="90000" rIns="90000" tIns="91440" bIns="91440" anchor="ctr">
             <a:noAutofit/>
           </a:bodyPr>
           <a:p>
@@ -12092,14 +11236,14 @@
       </p:sp>
       <p:sp>
         <p:nvSpPr>
-          <p:cNvPr id="110" name="Google Shape;146;p19"/>
+          <p:cNvPr id="106" name="Google Shape;146;p19"/>
           <p:cNvSpPr/>
           <p:nvPr/>
         </p:nvSpPr>
         <p:spPr>
           <a:xfrm rot="16200000">
-            <a:off x="597240" y="1403280"/>
-            <a:ext cx="1003320" cy="2174760"/>
+            <a:off x="597240" y="1403640"/>
+            <a:ext cx="1002960" cy="2174400"/>
           </a:xfrm>
           <a:prstGeom prst="flowChartOffpageConnector">
             <a:avLst/>
@@ -12121,7 +11265,7 @@
           <a:fontRef idx="minor"/>
         </p:style>
         <p:txBody>
-          <a:bodyPr tIns="91440" bIns="91440" anchor="ctr">
+          <a:bodyPr lIns="90000" rIns="90000" tIns="91440" bIns="91440" anchor="ctr">
             <a:noAutofit/>
           </a:bodyPr>
           <a:p>
@@ -12145,14 +11289,14 @@
       </p:sp>
       <p:sp>
         <p:nvSpPr>
-          <p:cNvPr id="111" name="Google Shape;147;p19"/>
+          <p:cNvPr id="107" name="Google Shape;147;p19"/>
           <p:cNvSpPr/>
           <p:nvPr/>
         </p:nvSpPr>
         <p:spPr>
           <a:xfrm>
             <a:off x="63000" y="2290320"/>
-            <a:ext cx="2999520" cy="396000"/>
+            <a:ext cx="2999160" cy="396000"/>
           </a:xfrm>
           <a:prstGeom prst="rect">
             <a:avLst/>
@@ -12169,7 +11313,7 @@
           <a:fontRef idx="minor"/>
         </p:style>
         <p:txBody>
-          <a:bodyPr tIns="91440" bIns="91440" anchor="t">
+          <a:bodyPr lIns="90000" rIns="90000" tIns="91440" bIns="91440" anchor="t">
             <a:spAutoFit/>
           </a:bodyPr>
           <a:p>
@@ -12204,14 +11348,14 @@
       </p:sp>
       <p:sp>
         <p:nvSpPr>
-          <p:cNvPr id="112" name="Google Shape;148;p19"/>
+          <p:cNvPr id="108" name="Google Shape;148;p19"/>
           <p:cNvSpPr/>
           <p:nvPr/>
         </p:nvSpPr>
         <p:spPr>
           <a:xfrm>
             <a:off x="2200680" y="2290320"/>
-            <a:ext cx="2999520" cy="396000"/>
+            <a:ext cx="2999160" cy="396000"/>
           </a:xfrm>
           <a:prstGeom prst="rect">
             <a:avLst/>
@@ -12228,7 +11372,7 @@
           <a:fontRef idx="minor"/>
         </p:style>
         <p:txBody>
-          <a:bodyPr tIns="91440" bIns="91440" anchor="t">
+          <a:bodyPr lIns="90000" rIns="90000" tIns="91440" bIns="91440" anchor="t">
             <a:spAutoFit/>
           </a:bodyPr>
           <a:p>
@@ -12263,14 +11407,14 @@
       </p:sp>
       <p:sp>
         <p:nvSpPr>
-          <p:cNvPr id="113" name="Google Shape;149;p19"/>
+          <p:cNvPr id="109" name="Google Shape;149;p19"/>
           <p:cNvSpPr/>
           <p:nvPr/>
         </p:nvSpPr>
         <p:spPr>
           <a:xfrm>
             <a:off x="3937320" y="2290320"/>
-            <a:ext cx="2999520" cy="396000"/>
+            <a:ext cx="2999160" cy="396000"/>
           </a:xfrm>
           <a:prstGeom prst="rect">
             <a:avLst/>
@@ -12287,7 +11431,7 @@
           <a:fontRef idx="minor"/>
         </p:style>
         <p:txBody>
-          <a:bodyPr tIns="91440" bIns="91440" anchor="t">
+          <a:bodyPr lIns="90000" rIns="90000" tIns="91440" bIns="91440" anchor="t">
             <a:spAutoFit/>
           </a:bodyPr>
           <a:p>
@@ -12322,14 +11466,14 @@
       </p:sp>
       <p:sp>
         <p:nvSpPr>
-          <p:cNvPr id="114" name="Google Shape;150;p19"/>
+          <p:cNvPr id="110" name="Google Shape;150;p19"/>
           <p:cNvSpPr/>
           <p:nvPr/>
         </p:nvSpPr>
         <p:spPr>
           <a:xfrm>
             <a:off x="5659560" y="2290320"/>
-            <a:ext cx="2999520" cy="396000"/>
+            <a:ext cx="2999160" cy="396000"/>
           </a:xfrm>
           <a:prstGeom prst="rect">
             <a:avLst/>
@@ -12346,7 +11490,7 @@
           <a:fontRef idx="minor"/>
         </p:style>
         <p:txBody>
-          <a:bodyPr tIns="91440" bIns="91440" anchor="t">
+          <a:bodyPr lIns="90000" rIns="90000" tIns="91440" bIns="91440" anchor="t">
             <a:spAutoFit/>
           </a:bodyPr>
           <a:p>
@@ -12381,14 +11525,14 @@
       </p:sp>
       <p:sp>
         <p:nvSpPr>
-          <p:cNvPr id="115" name="Google Shape;151;p19"/>
+          <p:cNvPr id="111" name="Google Shape;151;p19"/>
           <p:cNvSpPr/>
           <p:nvPr/>
         </p:nvSpPr>
         <p:spPr>
           <a:xfrm>
             <a:off x="7390080" y="2290320"/>
-            <a:ext cx="2999520" cy="396000"/>
+            <a:ext cx="2999160" cy="396000"/>
           </a:xfrm>
           <a:prstGeom prst="rect">
             <a:avLst/>
@@ -12405,7 +11549,7 @@
           <a:fontRef idx="minor"/>
         </p:style>
         <p:txBody>
-          <a:bodyPr tIns="91440" bIns="91440" anchor="t">
+          <a:bodyPr lIns="90000" rIns="90000" tIns="91440" bIns="91440" anchor="t">
             <a:spAutoFit/>
           </a:bodyPr>
           <a:p>
@@ -12440,14 +11584,14 @@
       </p:sp>
       <p:sp>
         <p:nvSpPr>
-          <p:cNvPr id="116" name="Google Shape;152;p19"/>
+          <p:cNvPr id="112" name="Google Shape;152;p19"/>
           <p:cNvSpPr/>
           <p:nvPr/>
         </p:nvSpPr>
         <p:spPr>
           <a:xfrm>
             <a:off x="610920" y="3675240"/>
-            <a:ext cx="7996320" cy="609480"/>
+            <a:ext cx="7995960" cy="609480"/>
           </a:xfrm>
           <a:prstGeom prst="rect">
             <a:avLst/>
@@ -12464,7 +11608,7 @@
           <a:fontRef idx="minor"/>
         </p:style>
         <p:txBody>
-          <a:bodyPr tIns="91440" bIns="91440" anchor="t">
+          <a:bodyPr lIns="90000" rIns="90000" tIns="91440" bIns="91440" anchor="t">
             <a:spAutoFit/>
           </a:bodyPr>
           <a:p>
@@ -12529,14 +11673,14 @@
       </p:grpSpPr>
       <p:sp>
         <p:nvSpPr>
-          <p:cNvPr id="117" name="Google Shape;157;p20"/>
+          <p:cNvPr id="113" name="Google Shape;157;p20"/>
           <p:cNvSpPr/>
           <p:nvPr/>
         </p:nvSpPr>
         <p:spPr>
           <a:xfrm rot="16200000">
-            <a:off x="7543080" y="1403280"/>
-            <a:ext cx="1003320" cy="2174760"/>
+            <a:off x="7543080" y="1403640"/>
+            <a:ext cx="1002960" cy="2174400"/>
           </a:xfrm>
           <a:prstGeom prst="flowChartOffpageConnector">
             <a:avLst/>
@@ -12558,7 +11702,7 @@
           <a:fontRef idx="minor"/>
         </p:style>
         <p:txBody>
-          <a:bodyPr tIns="91440" bIns="91440" anchor="ctr">
+          <a:bodyPr lIns="90000" rIns="90000" tIns="91440" bIns="91440" anchor="ctr">
             <a:noAutofit/>
           </a:bodyPr>
           <a:p>
@@ -12582,7 +11726,7 @@
       </p:sp>
       <p:sp>
         <p:nvSpPr>
-          <p:cNvPr id="118" name="PlaceHolder 1"/>
+          <p:cNvPr id="114" name="PlaceHolder 1"/>
           <p:cNvSpPr>
             <a:spLocks noGrp="1"/>
           </p:cNvSpPr>
@@ -12593,7 +11737,7 @@
         <p:spPr>
           <a:xfrm>
             <a:off x="535680" y="712080"/>
-            <a:ext cx="5196960" cy="767520"/>
+            <a:ext cx="5196600" cy="767160"/>
           </a:xfrm>
           <a:prstGeom prst="rect">
             <a:avLst/>
@@ -12643,14 +11787,14 @@
       </p:sp>
       <p:sp>
         <p:nvSpPr>
-          <p:cNvPr id="119" name="Google Shape;159;p20"/>
+          <p:cNvPr id="115" name="Google Shape;159;p20"/>
           <p:cNvSpPr/>
           <p:nvPr/>
         </p:nvSpPr>
         <p:spPr>
           <a:xfrm rot="16200000">
-            <a:off x="5800680" y="1403280"/>
-            <a:ext cx="1003320" cy="2174760"/>
+            <a:off x="5800680" y="1403640"/>
+            <a:ext cx="1002960" cy="2174400"/>
           </a:xfrm>
           <a:prstGeom prst="flowChartOffpageConnector">
             <a:avLst/>
@@ -12672,7 +11816,7 @@
           <a:fontRef idx="minor"/>
         </p:style>
         <p:txBody>
-          <a:bodyPr tIns="91440" bIns="91440" anchor="ctr">
+          <a:bodyPr lIns="90000" rIns="90000" tIns="91440" bIns="91440" anchor="ctr">
             <a:noAutofit/>
           </a:bodyPr>
           <a:p>
@@ -12696,14 +11840,14 @@
       </p:sp>
       <p:sp>
         <p:nvSpPr>
-          <p:cNvPr id="120" name="Google Shape;160;p20"/>
+          <p:cNvPr id="116" name="Google Shape;160;p20"/>
           <p:cNvSpPr/>
           <p:nvPr/>
         </p:nvSpPr>
         <p:spPr>
           <a:xfrm rot="16200000">
-            <a:off x="4070160" y="1403280"/>
-            <a:ext cx="1003320" cy="2174760"/>
+            <a:off x="4070160" y="1403640"/>
+            <a:ext cx="1002960" cy="2174400"/>
           </a:xfrm>
           <a:prstGeom prst="flowChartOffpageConnector">
             <a:avLst/>
@@ -12725,7 +11869,7 @@
           <a:fontRef idx="minor"/>
         </p:style>
         <p:txBody>
-          <a:bodyPr tIns="91440" bIns="91440" anchor="ctr">
+          <a:bodyPr lIns="90000" rIns="90000" tIns="91440" bIns="91440" anchor="ctr">
             <a:noAutofit/>
           </a:bodyPr>
           <a:p>
@@ -12749,14 +11893,14 @@
       </p:sp>
       <p:sp>
         <p:nvSpPr>
-          <p:cNvPr id="121" name="Google Shape;161;p20"/>
+          <p:cNvPr id="117" name="Google Shape;161;p20"/>
           <p:cNvSpPr/>
           <p:nvPr/>
         </p:nvSpPr>
         <p:spPr>
           <a:xfrm rot="16200000">
-            <a:off x="2327760" y="1403280"/>
-            <a:ext cx="1003320" cy="2174760"/>
+            <a:off x="2327760" y="1403640"/>
+            <a:ext cx="1002960" cy="2174400"/>
           </a:xfrm>
           <a:prstGeom prst="flowChartOffpageConnector">
             <a:avLst/>
@@ -12778,7 +11922,7 @@
           <a:fontRef idx="minor"/>
         </p:style>
         <p:txBody>
-          <a:bodyPr tIns="91440" bIns="91440" anchor="ctr">
+          <a:bodyPr lIns="90000" rIns="90000" tIns="91440" bIns="91440" anchor="ctr">
             <a:noAutofit/>
           </a:bodyPr>
           <a:p>
@@ -12802,14 +11946,14 @@
       </p:sp>
       <p:sp>
         <p:nvSpPr>
-          <p:cNvPr id="122" name="Google Shape;162;p20"/>
+          <p:cNvPr id="118" name="Google Shape;162;p20"/>
           <p:cNvSpPr/>
           <p:nvPr/>
         </p:nvSpPr>
         <p:spPr>
           <a:xfrm rot="16200000">
-            <a:off x="597240" y="1403280"/>
-            <a:ext cx="1003320" cy="2174760"/>
+            <a:off x="597240" y="1403640"/>
+            <a:ext cx="1002960" cy="2174400"/>
           </a:xfrm>
           <a:prstGeom prst="flowChartOffpageConnector">
             <a:avLst/>
@@ -12831,7 +11975,7 @@
           <a:fontRef idx="minor"/>
         </p:style>
         <p:txBody>
-          <a:bodyPr tIns="91440" bIns="91440" anchor="ctr">
+          <a:bodyPr lIns="90000" rIns="90000" tIns="91440" bIns="91440" anchor="ctr">
             <a:noAutofit/>
           </a:bodyPr>
           <a:p>
@@ -12855,14 +11999,14 @@
       </p:sp>
       <p:sp>
         <p:nvSpPr>
-          <p:cNvPr id="123" name="Google Shape;163;p20"/>
+          <p:cNvPr id="119" name="Google Shape;163;p20"/>
           <p:cNvSpPr/>
           <p:nvPr/>
         </p:nvSpPr>
         <p:spPr>
           <a:xfrm>
             <a:off x="63000" y="2290320"/>
-            <a:ext cx="2999520" cy="396000"/>
+            <a:ext cx="2999160" cy="396000"/>
           </a:xfrm>
           <a:prstGeom prst="rect">
             <a:avLst/>
@@ -12879,7 +12023,7 @@
           <a:fontRef idx="minor"/>
         </p:style>
         <p:txBody>
-          <a:bodyPr tIns="91440" bIns="91440" anchor="t">
+          <a:bodyPr lIns="90000" rIns="90000" tIns="91440" bIns="91440" anchor="t">
             <a:spAutoFit/>
           </a:bodyPr>
           <a:p>
@@ -12914,14 +12058,14 @@
       </p:sp>
       <p:sp>
         <p:nvSpPr>
-          <p:cNvPr id="124" name="Google Shape;164;p20"/>
+          <p:cNvPr id="120" name="Google Shape;164;p20"/>
           <p:cNvSpPr/>
           <p:nvPr/>
         </p:nvSpPr>
         <p:spPr>
           <a:xfrm>
             <a:off x="2200680" y="2290320"/>
-            <a:ext cx="2999520" cy="396000"/>
+            <a:ext cx="2999160" cy="396000"/>
           </a:xfrm>
           <a:prstGeom prst="rect">
             <a:avLst/>
@@ -12938,7 +12082,7 @@
           <a:fontRef idx="minor"/>
         </p:style>
         <p:txBody>
-          <a:bodyPr tIns="91440" bIns="91440" anchor="t">
+          <a:bodyPr lIns="90000" rIns="90000" tIns="91440" bIns="91440" anchor="t">
             <a:spAutoFit/>
           </a:bodyPr>
           <a:p>
@@ -12973,14 +12117,14 @@
       </p:sp>
       <p:sp>
         <p:nvSpPr>
-          <p:cNvPr id="125" name="Google Shape;165;p20"/>
+          <p:cNvPr id="121" name="Google Shape;165;p20"/>
           <p:cNvSpPr/>
           <p:nvPr/>
         </p:nvSpPr>
         <p:spPr>
           <a:xfrm>
             <a:off x="3937320" y="2290320"/>
-            <a:ext cx="2999520" cy="396000"/>
+            <a:ext cx="2999160" cy="396000"/>
           </a:xfrm>
           <a:prstGeom prst="rect">
             <a:avLst/>
@@ -12997,7 +12141,7 @@
           <a:fontRef idx="minor"/>
         </p:style>
         <p:txBody>
-          <a:bodyPr tIns="91440" bIns="91440" anchor="t">
+          <a:bodyPr lIns="90000" rIns="90000" tIns="91440" bIns="91440" anchor="t">
             <a:spAutoFit/>
           </a:bodyPr>
           <a:p>
@@ -13032,14 +12176,14 @@
       </p:sp>
       <p:sp>
         <p:nvSpPr>
-          <p:cNvPr id="126" name="Google Shape;166;p20"/>
+          <p:cNvPr id="122" name="Google Shape;166;p20"/>
           <p:cNvSpPr/>
           <p:nvPr/>
         </p:nvSpPr>
         <p:spPr>
           <a:xfrm>
             <a:off x="5659560" y="2290320"/>
-            <a:ext cx="2999520" cy="396000"/>
+            <a:ext cx="2999160" cy="396000"/>
           </a:xfrm>
           <a:prstGeom prst="rect">
             <a:avLst/>
@@ -13056,7 +12200,7 @@
           <a:fontRef idx="minor"/>
         </p:style>
         <p:txBody>
-          <a:bodyPr tIns="91440" bIns="91440" anchor="t">
+          <a:bodyPr lIns="90000" rIns="90000" tIns="91440" bIns="91440" anchor="t">
             <a:spAutoFit/>
           </a:bodyPr>
           <a:p>
@@ -13091,14 +12235,14 @@
       </p:sp>
       <p:sp>
         <p:nvSpPr>
-          <p:cNvPr id="127" name="Google Shape;167;p20"/>
+          <p:cNvPr id="123" name="Google Shape;167;p20"/>
           <p:cNvSpPr/>
           <p:nvPr/>
         </p:nvSpPr>
         <p:spPr>
           <a:xfrm>
             <a:off x="7390080" y="2290320"/>
-            <a:ext cx="2999520" cy="396000"/>
+            <a:ext cx="2999160" cy="396000"/>
           </a:xfrm>
           <a:prstGeom prst="rect">
             <a:avLst/>
@@ -13115,7 +12259,7 @@
           <a:fontRef idx="minor"/>
         </p:style>
         <p:txBody>
-          <a:bodyPr tIns="91440" bIns="91440" anchor="t">
+          <a:bodyPr lIns="90000" rIns="90000" tIns="91440" bIns="91440" anchor="t">
             <a:spAutoFit/>
           </a:bodyPr>
           <a:p>
@@ -13150,14 +12294,14 @@
       </p:sp>
       <p:sp>
         <p:nvSpPr>
-          <p:cNvPr id="128" name="Google Shape;168;p20"/>
+          <p:cNvPr id="124" name="Google Shape;168;p20"/>
           <p:cNvSpPr/>
           <p:nvPr/>
         </p:nvSpPr>
         <p:spPr>
           <a:xfrm>
             <a:off x="610920" y="3675240"/>
-            <a:ext cx="7996320" cy="822960"/>
+            <a:ext cx="7995960" cy="822960"/>
           </a:xfrm>
           <a:prstGeom prst="rect">
             <a:avLst/>
@@ -13174,7 +12318,7 @@
           <a:fontRef idx="minor"/>
         </p:style>
         <p:txBody>
-          <a:bodyPr tIns="91440" bIns="91440" anchor="t">
+          <a:bodyPr lIns="90000" rIns="90000" tIns="91440" bIns="91440" anchor="t">
             <a:spAutoFit/>
           </a:bodyPr>
           <a:p>
@@ -13284,7 +12428,7 @@
       </p:grpSpPr>
       <p:sp>
         <p:nvSpPr>
-          <p:cNvPr id="129" name="PlaceHolder 1"/>
+          <p:cNvPr id="125" name="PlaceHolder 1"/>
           <p:cNvSpPr>
             <a:spLocks noGrp="1"/>
           </p:cNvSpPr>
@@ -13295,7 +12439,7 @@
         <p:spPr>
           <a:xfrm>
             <a:off x="282960" y="712080"/>
-            <a:ext cx="8622000" cy="3835080"/>
+            <a:ext cx="8621640" cy="3834720"/>
           </a:xfrm>
           <a:prstGeom prst="rect">
             <a:avLst/>
@@ -13332,7 +12476,7 @@
             </a:r>
             <a:endParaRPr b="0" lang="en-US" sz="4800" strike="noStrike" u="none">
               <a:solidFill>
-                <a:srgbClr val="000000"/>
+                <a:srgbClr val="ffffff"/>
               </a:solidFill>
               <a:uFillTx/>
               <a:latin typeface="Arial"/>
@@ -13356,24 +12500,24 @@
             </a:pPr>
             <a:endParaRPr b="0" lang="en-US" sz="2400" strike="noStrike" u="none">
               <a:solidFill>
-                <a:srgbClr val="000000"/>
-              </a:solidFill>
-              <a:uFillTx/>
-              <a:latin typeface="Arial"/>
-            </a:endParaRPr>
-          </a:p>
-        </p:txBody>
-      </p:sp>
-      <p:sp>
-        <p:nvSpPr>
-          <p:cNvPr id="130" name="Google Shape;174;p21"/>
+                <a:srgbClr val="ffffff"/>
+              </a:solidFill>
+              <a:uFillTx/>
+              <a:latin typeface="Arial"/>
+            </a:endParaRPr>
+          </a:p>
+        </p:txBody>
+      </p:sp>
+      <p:sp>
+        <p:nvSpPr>
+          <p:cNvPr id="126" name="Google Shape;174;p21"/>
           <p:cNvSpPr/>
           <p:nvPr/>
         </p:nvSpPr>
         <p:spPr>
           <a:xfrm>
             <a:off x="404280" y="1877760"/>
-            <a:ext cx="2999520" cy="3010320"/>
+            <a:ext cx="2999160" cy="3010320"/>
           </a:xfrm>
           <a:prstGeom prst="rect">
             <a:avLst/>
@@ -13390,7 +12534,7 @@
           <a:fontRef idx="minor"/>
         </p:style>
         <p:txBody>
-          <a:bodyPr tIns="91440" bIns="91440" anchor="t">
+          <a:bodyPr lIns="90000" rIns="90000" tIns="91440" bIns="91440" anchor="t">
             <a:spAutoFit/>
           </a:bodyPr>
           <a:p>
@@ -13951,6 +13095,178 @@
 </file>
 
 <file path=ppt/theme/theme11.xml><?xml version="1.0" encoding="utf-8"?>
+<a:theme xmlns:a="http://schemas.openxmlformats.org/drawingml/2006/main" xmlns:r="http://schemas.openxmlformats.org/officeDocument/2006/relationships" name="Swiss">
+  <a:themeElements>
+    <a:clrScheme name="Swiss">
+      <a:dk1>
+        <a:srgbClr val="f46524"/>
+      </a:dk1>
+      <a:lt1>
+        <a:srgbClr val="ffffff"/>
+      </a:lt1>
+      <a:dk2>
+        <a:srgbClr val="000000"/>
+      </a:dk2>
+      <a:lt2>
+        <a:srgbClr val="757575"/>
+      </a:lt2>
+      <a:accent1>
+        <a:srgbClr val="01579b"/>
+      </a:accent1>
+      <a:accent2>
+        <a:srgbClr val="27c7bd"/>
+      </a:accent2>
+      <a:accent3>
+        <a:srgbClr val="0099e8"/>
+      </a:accent3>
+      <a:accent4>
+        <a:srgbClr val="51b9a3"/>
+      </a:accent4>
+      <a:accent5>
+        <a:srgbClr val="fb8c00"/>
+      </a:accent5>
+      <a:accent6>
+        <a:srgbClr val="ffae88"/>
+      </a:accent6>
+      <a:hlink>
+        <a:srgbClr val="0277bd"/>
+      </a:hlink>
+      <a:folHlink>
+        <a:srgbClr val="0277bd"/>
+      </a:folHlink>
+    </a:clrScheme>
+    <a:fontScheme name="Office">
+      <a:majorFont>
+        <a:latin typeface="Arial" pitchFamily="0" charset="1"/>
+        <a:ea typeface=""/>
+        <a:cs typeface=""/>
+      </a:majorFont>
+      <a:minorFont>
+        <a:latin typeface="Arial" pitchFamily="0" charset="1"/>
+        <a:ea typeface=""/>
+        <a:cs typeface=""/>
+      </a:minorFont>
+    </a:fontScheme>
+    <a:fmtScheme>
+      <a:fillStyleLst>
+        <a:solidFill>
+          <a:schemeClr val="phClr"/>
+        </a:solidFill>
+        <a:gradFill>
+          <a:gsLst>
+            <a:gs pos="0">
+              <a:schemeClr val="phClr">
+                <a:tint val="50000"/>
+              </a:schemeClr>
+            </a:gs>
+            <a:gs pos="35000">
+              <a:schemeClr val="phClr">
+                <a:tint val="37000"/>
+              </a:schemeClr>
+            </a:gs>
+            <a:gs pos="100000">
+              <a:schemeClr val="phClr">
+                <a:tint val="15000"/>
+              </a:schemeClr>
+            </a:gs>
+          </a:gsLst>
+          <a:lin ang="16200000" scaled="1"/>
+          <a:tileRect l="0" t="0" r="0" b="0"/>
+        </a:gradFill>
+        <a:gradFill>
+          <a:gsLst>
+            <a:gs pos="0">
+              <a:schemeClr val="phClr">
+                <a:tint val="100000"/>
+                <a:shade val="100000"/>
+              </a:schemeClr>
+            </a:gs>
+            <a:gs pos="100000">
+              <a:schemeClr val="phClr">
+                <a:tint val="50000"/>
+                <a:shade val="100000"/>
+              </a:schemeClr>
+            </a:gs>
+          </a:gsLst>
+          <a:lin ang="16200000" scaled="0"/>
+          <a:tileRect l="0" t="0" r="0" b="0"/>
+        </a:gradFill>
+      </a:fillStyleLst>
+      <a:lnStyleLst>
+        <a:ln w="9525" cap="flat" cmpd="sng" algn="ctr">
+          <a:prstDash val="solid"/>
+        </a:ln>
+        <a:ln w="25400" cap="flat" cmpd="sng" algn="ctr">
+          <a:prstDash val="solid"/>
+        </a:ln>
+        <a:ln w="38100" cap="flat" cmpd="sng" algn="ctr">
+          <a:prstDash val="solid"/>
+        </a:ln>
+      </a:lnStyleLst>
+      <a:effectStyleLst>
+        <a:effectStyle>
+          <a:effectLst/>
+        </a:effectStyle>
+        <a:effectStyle>
+          <a:effectLst/>
+        </a:effectStyle>
+        <a:effectStyle>
+          <a:effectLst/>
+        </a:effectStyle>
+      </a:effectStyleLst>
+      <a:bgFillStyleLst>
+        <a:solidFill>
+          <a:schemeClr val="phClr"/>
+        </a:solidFill>
+        <a:gradFill>
+          <a:gsLst>
+            <a:gs pos="0">
+              <a:schemeClr val="phClr">
+                <a:tint val="40000"/>
+              </a:schemeClr>
+            </a:gs>
+            <a:gs pos="40000">
+              <a:schemeClr val="phClr">
+                <a:tint val="45000"/>
+                <a:shade val="99000"/>
+              </a:schemeClr>
+            </a:gs>
+            <a:gs pos="100000">
+              <a:schemeClr val="phClr">
+                <a:shade val="20000"/>
+              </a:schemeClr>
+            </a:gs>
+          </a:gsLst>
+          <a:path path="circle">
+            <a:fillToRect l="50000" t="-80000" r="50000" b="180000"/>
+          </a:path>
+          <a:tileRect l="0" t="0" r="0" b="0"/>
+        </a:gradFill>
+        <a:gradFill>
+          <a:gsLst>
+            <a:gs pos="0">
+              <a:schemeClr val="phClr">
+                <a:tint val="80000"/>
+              </a:schemeClr>
+            </a:gs>
+            <a:gs pos="100000">
+              <a:schemeClr val="phClr">
+                <a:shade val="30000"/>
+              </a:schemeClr>
+            </a:gs>
+          </a:gsLst>
+          <a:path path="circle">
+            <a:fillToRect l="50000" t="50000" r="50000" b="50000"/>
+          </a:path>
+          <a:tileRect l="0" t="0" r="0" b="0"/>
+        </a:gradFill>
+      </a:bgFillStyleLst>
+    </a:fmtScheme>
+  </a:themeElements>
+</a:theme>
+</file>
+
+<file path=ppt/theme/theme12.xml><?xml version="1.0" encoding="utf-8"?>
 <a:theme xmlns:a="http://schemas.openxmlformats.org/drawingml/2006/main" xmlns:r="http://schemas.openxmlformats.org/officeDocument/2006/relationships" name="Swiss">
   <a:themeElements>
     <a:clrScheme name="Swiss">

--- a/doc/MWVC.pptx
+++ b/doc/MWVC.pptx
@@ -6,7 +6,7 @@
     <p:sldMasterId id="2147483650" r:id="rId3"/>
     <p:sldMasterId id="2147483652" r:id="rId4"/>
     <p:sldMasterId id="2147483654" r:id="rId5"/>
-    <p:sldMasterId id="2147483657" r:id="rId6"/>
+    <p:sldMasterId id="2147483656" r:id="rId6"/>
     <p:sldMasterId id="2147483659" r:id="rId7"/>
     <p:sldMasterId id="2147483661" r:id="rId8"/>
     <p:sldMasterId id="2147483663" r:id="rId9"/>
@@ -14,30 +14,32 @@
     <p:sldMasterId id="2147483667" r:id="rId11"/>
     <p:sldMasterId id="2147483669" r:id="rId12"/>
     <p:sldMasterId id="2147483671" r:id="rId13"/>
+    <p:sldMasterId id="2147483673" r:id="rId14"/>
   </p:sldMasterIdLst>
   <p:sldIdLst>
-    <p:sldId id="256" r:id="rId14"/>
-    <p:sldId id="257" r:id="rId15"/>
-    <p:sldId id="258" r:id="rId16"/>
-    <p:sldId id="259" r:id="rId17"/>
-    <p:sldId id="260" r:id="rId18"/>
-    <p:sldId id="261" r:id="rId19"/>
-    <p:sldId id="262" r:id="rId20"/>
-    <p:sldId id="263" r:id="rId21"/>
-    <p:sldId id="264" r:id="rId22"/>
-    <p:sldId id="265" r:id="rId23"/>
-    <p:sldId id="266" r:id="rId24"/>
-    <p:sldId id="267" r:id="rId25"/>
-    <p:sldId id="268" r:id="rId26"/>
-    <p:sldId id="269" r:id="rId27"/>
-    <p:sldId id="270" r:id="rId28"/>
-    <p:sldId id="271" r:id="rId29"/>
-    <p:sldId id="272" r:id="rId30"/>
-    <p:sldId id="273" r:id="rId31"/>
-    <p:sldId id="274" r:id="rId32"/>
-    <p:sldId id="275" r:id="rId33"/>
-    <p:sldId id="276" r:id="rId34"/>
-    <p:sldId id="277" r:id="rId35"/>
+    <p:sldId id="256" r:id="rId15"/>
+    <p:sldId id="257" r:id="rId16"/>
+    <p:sldId id="258" r:id="rId17"/>
+    <p:sldId id="259" r:id="rId18"/>
+    <p:sldId id="260" r:id="rId19"/>
+    <p:sldId id="261" r:id="rId20"/>
+    <p:sldId id="262" r:id="rId21"/>
+    <p:sldId id="263" r:id="rId22"/>
+    <p:sldId id="264" r:id="rId23"/>
+    <p:sldId id="265" r:id="rId24"/>
+    <p:sldId id="266" r:id="rId25"/>
+    <p:sldId id="267" r:id="rId26"/>
+    <p:sldId id="268" r:id="rId27"/>
+    <p:sldId id="269" r:id="rId28"/>
+    <p:sldId id="270" r:id="rId29"/>
+    <p:sldId id="271" r:id="rId30"/>
+    <p:sldId id="272" r:id="rId31"/>
+    <p:sldId id="273" r:id="rId32"/>
+    <p:sldId id="274" r:id="rId33"/>
+    <p:sldId id="275" r:id="rId34"/>
+    <p:sldId id="276" r:id="rId35"/>
+    <p:sldId id="277" r:id="rId36"/>
+    <p:sldId id="278" r:id="rId37"/>
   </p:sldIdLst>
   <p:sldSz cx="9144000" cy="5143500"/>
   <p:notesSz cx="7559675" cy="10691813"/>
@@ -157,7 +159,7 @@
         <p:txBody>
           <a:bodyPr/>
           <a:p>
-            <a:fld id="{09779BB5-D576-4143-AD52-EC7573E9FDC5}" type="slidenum">
+            <a:fld id="{D28A1E05-781C-4FC4-9F72-2A79FDF945A0}" type="slidenum">
               <a:t>&lt;#&gt;</a:t>
             </a:fld>
           </a:p>
@@ -169,6 +171,89 @@
 </file>
 
 <file path=ppt/slideLayouts/slideLayout10.xml><?xml version="1.0" encoding="utf-8"?>
+<p:sldLayout xmlns:a="http://schemas.openxmlformats.org/drawingml/2006/main" xmlns:p="http://schemas.openxmlformats.org/presentationml/2006/main" xmlns:r="http://schemas.openxmlformats.org/officeDocument/2006/relationships" xmlns:p14="http://schemas.microsoft.com/office/powerpoint/2010/main" xmlns:p15="http://schemas.microsoft.com/office/powerpoint/2012/main" xmlns:mc="http://schemas.openxmlformats.org/markup-compatibility/2006" type="titleOnly" preserve="1">
+  <p:cSld name="TITLE_ONLY">
+    <p:spTree>
+      <p:nvGrpSpPr>
+        <p:cNvPr id="1" name=""/>
+        <p:cNvGrpSpPr/>
+        <p:nvPr/>
+      </p:nvGrpSpPr>
+      <p:grpSpPr>
+        <a:xfrm>
+          <a:off x="0" y="0"/>
+          <a:ext cx="0" cy="0"/>
+          <a:chOff x="0" y="0"/>
+          <a:chExt cx="0" cy="0"/>
+        </a:xfrm>
+      </p:grpSpPr>
+      <p:sp>
+        <p:nvSpPr>
+          <p:cNvPr id="47" name="PlaceHolder 1"/>
+          <p:cNvSpPr>
+            <a:spLocks noGrp="1"/>
+          </p:cNvSpPr>
+          <p:nvPr>
+            <p:ph type="title"/>
+          </p:nvPr>
+        </p:nvSpPr>
+        <p:spPr>
+          <a:xfrm>
+            <a:off x="457200" y="205200"/>
+            <a:ext cx="8229240" cy="858600"/>
+          </a:xfrm>
+          <a:prstGeom prst="rect">
+            <a:avLst/>
+          </a:prstGeom>
+          <a:noFill/>
+          <a:ln w="0">
+            <a:noFill/>
+          </a:ln>
+        </p:spPr>
+        <p:txBody>
+          <a:bodyPr lIns="0" rIns="0" tIns="0" bIns="0" anchor="ctr">
+            <a:noAutofit/>
+          </a:bodyPr>
+          <a:p>
+            <a:pPr indent="0" algn="ctr">
+              <a:buNone/>
+            </a:pPr>
+            <a:endParaRPr b="0" lang="en-US" sz="4400" strike="noStrike" u="none">
+              <a:solidFill>
+                <a:srgbClr val="000000"/>
+              </a:solidFill>
+              <a:uFillTx/>
+              <a:latin typeface="Arial"/>
+            </a:endParaRPr>
+          </a:p>
+        </p:txBody>
+      </p:sp>
+      <p:sp>
+        <p:nvSpPr>
+          <p:cNvPr id="3" name="PlaceHolder 2"/>
+          <p:cNvSpPr>
+            <a:spLocks noGrp="1"/>
+          </p:cNvSpPr>
+          <p:nvPr>
+            <p:ph type="sldNum" idx="9"/>
+          </p:nvPr>
+        </p:nvSpPr>
+        <p:spPr/>
+        <p:txBody>
+          <a:bodyPr/>
+          <a:p>
+            <a:fld id="{2CCB2157-5109-4B84-9B96-389AB8837B92}" type="slidenum">
+              <a:t>&lt;#&gt;</a:t>
+            </a:fld>
+          </a:p>
+        </p:txBody>
+      </p:sp>
+    </p:spTree>
+  </p:cSld>
+</p:sldLayout>
+</file>
+
+<file path=ppt/slideLayouts/slideLayout11.xml><?xml version="1.0" encoding="utf-8"?>
 <p:sldLayout xmlns:a="http://schemas.openxmlformats.org/drawingml/2006/main" xmlns:p="http://schemas.openxmlformats.org/presentationml/2006/main" xmlns:r="http://schemas.openxmlformats.org/officeDocument/2006/relationships" xmlns:p14="http://schemas.microsoft.com/office/powerpoint/2010/main" xmlns:p15="http://schemas.microsoft.com/office/powerpoint/2012/main" xmlns:mc="http://schemas.openxmlformats.org/markup-compatibility/2006" type="blank" preserve="1">
   <p:cSld name="ONE_COLUMN_TEXT">
     <p:spTree>
@@ -192,14 +277,14 @@
             <a:spLocks noGrp="1"/>
           </p:cNvSpPr>
           <p:nvPr>
-            <p:ph type="sldNum" idx="9"/>
+            <p:ph type="sldNum" idx="10"/>
           </p:nvPr>
         </p:nvSpPr>
         <p:spPr/>
         <p:txBody>
           <a:bodyPr/>
           <a:p>
-            <a:fld id="{C9DD9634-65E6-49A2-92C5-965DA1E43AE5}" type="slidenum">
+            <a:fld id="{D681C9E3-F852-41DE-BD5C-71C8602563D8}" type="slidenum">
               <a:t>&lt;#&gt;</a:t>
             </a:fld>
           </a:p>
@@ -210,7 +295,7 @@
 </p:sldLayout>
 </file>
 
-<file path=ppt/slideLayouts/slideLayout11.xml><?xml version="1.0" encoding="utf-8"?>
+<file path=ppt/slideLayouts/slideLayout12.xml><?xml version="1.0" encoding="utf-8"?>
 <p:sldLayout xmlns:a="http://schemas.openxmlformats.org/drawingml/2006/main" xmlns:p="http://schemas.openxmlformats.org/presentationml/2006/main" xmlns:r="http://schemas.openxmlformats.org/officeDocument/2006/relationships" xmlns:p14="http://schemas.microsoft.com/office/powerpoint/2010/main" xmlns:p15="http://schemas.microsoft.com/office/powerpoint/2012/main" xmlns:mc="http://schemas.openxmlformats.org/markup-compatibility/2006" type="blank" preserve="1">
   <p:cSld name="MAIN_POINT">
     <p:spTree>
@@ -234,14 +319,14 @@
             <a:spLocks noGrp="1"/>
           </p:cNvSpPr>
           <p:nvPr>
-            <p:ph type="sldNum" idx="10"/>
+            <p:ph type="sldNum" idx="11"/>
           </p:nvPr>
         </p:nvSpPr>
         <p:spPr/>
         <p:txBody>
           <a:bodyPr/>
           <a:p>
-            <a:fld id="{C94E457D-563B-43D0-B6A6-B7B90BDB32C3}" type="slidenum">
+            <a:fld id="{ADBB8E6D-B3FF-4B9F-8EEC-5F39306DC75F}" type="slidenum">
               <a:t>&lt;#&gt;</a:t>
             </a:fld>
           </a:p>
@@ -252,7 +337,7 @@
 </p:sldLayout>
 </file>
 
-<file path=ppt/slideLayouts/slideLayout12.xml><?xml version="1.0" encoding="utf-8"?>
+<file path=ppt/slideLayouts/slideLayout13.xml><?xml version="1.0" encoding="utf-8"?>
 <p:sldLayout xmlns:a="http://schemas.openxmlformats.org/drawingml/2006/main" xmlns:p="http://schemas.openxmlformats.org/presentationml/2006/main" xmlns:r="http://schemas.openxmlformats.org/officeDocument/2006/relationships" xmlns:p14="http://schemas.microsoft.com/office/powerpoint/2010/main" xmlns:p15="http://schemas.microsoft.com/office/powerpoint/2012/main" xmlns:mc="http://schemas.openxmlformats.org/markup-compatibility/2006" type="blank" preserve="1">
   <p:cSld name="SECTION_TITLE_AND_DESCRIPTION">
     <p:spTree>
@@ -276,14 +361,14 @@
             <a:spLocks noGrp="1"/>
           </p:cNvSpPr>
           <p:nvPr>
-            <p:ph type="sldNum" idx="11"/>
+            <p:ph type="sldNum" idx="12"/>
           </p:nvPr>
         </p:nvSpPr>
         <p:spPr/>
         <p:txBody>
           <a:bodyPr/>
           <a:p>
-            <a:fld id="{1BCCA29C-5DE1-4011-BEDB-1650985418F3}" type="slidenum">
+            <a:fld id="{78BE54F5-148F-4959-A85B-9186BB37665F}" type="slidenum">
               <a:t>&lt;#&gt;</a:t>
             </a:fld>
           </a:p>
@@ -294,7 +379,7 @@
 </p:sldLayout>
 </file>
 
-<file path=ppt/slideLayouts/slideLayout13.xml><?xml version="1.0" encoding="utf-8"?>
+<file path=ppt/slideLayouts/slideLayout14.xml><?xml version="1.0" encoding="utf-8"?>
 <p:sldLayout xmlns:a="http://schemas.openxmlformats.org/drawingml/2006/main" xmlns:p="http://schemas.openxmlformats.org/presentationml/2006/main" xmlns:r="http://schemas.openxmlformats.org/officeDocument/2006/relationships" xmlns:p14="http://schemas.microsoft.com/office/powerpoint/2010/main" xmlns:p15="http://schemas.microsoft.com/office/powerpoint/2012/main" xmlns:mc="http://schemas.openxmlformats.org/markup-compatibility/2006" type="blank" preserve="1">
   <p:cSld name="CAPTION_ONLY">
     <p:spTree>
@@ -318,14 +403,14 @@
             <a:spLocks noGrp="1"/>
           </p:cNvSpPr>
           <p:nvPr>
-            <p:ph type="sldNum" idx="12"/>
+            <p:ph type="sldNum" idx="13"/>
           </p:nvPr>
         </p:nvSpPr>
         <p:spPr/>
         <p:txBody>
           <a:bodyPr/>
           <a:p>
-            <a:fld id="{88A1B7C7-A2BF-4BE0-9D60-136A255F009B}" type="slidenum">
+            <a:fld id="{877297B4-5D90-407F-A828-5570F1603A16}" type="slidenum">
               <a:t>&lt;#&gt;</a:t>
             </a:fld>
           </a:p>
@@ -367,7 +452,7 @@
         <p:txBody>
           <a:bodyPr/>
           <a:p>
-            <a:fld id="{CD795494-D442-41E5-9FD9-CC92AEC956BD}" type="slidenum">
+            <a:fld id="{0E67424C-56CF-4EDA-A4D2-6B251F83D90E}" type="slidenum">
               <a:t>&lt;#&gt;</a:t>
             </a:fld>
           </a:p>
@@ -491,7 +576,7 @@
         <p:txBody>
           <a:bodyPr/>
           <a:p>
-            <a:fld id="{9619AA1A-8C75-4712-9604-164EBD405A81}" type="slidenum">
+            <a:fld id="{2AF0A472-B616-43D8-BA17-C055E7745CE5}" type="slidenum">
               <a:t>&lt;#&gt;</a:t>
             </a:fld>
           </a:p>
@@ -521,7 +606,7 @@
       </p:grpSpPr>
       <p:sp>
         <p:nvSpPr>
-          <p:cNvPr id="18" name="PlaceHolder 1"/>
+          <p:cNvPr id="17" name="PlaceHolder 1"/>
           <p:cNvSpPr>
             <a:spLocks noGrp="1"/>
           </p:cNvSpPr>
@@ -562,7 +647,7 @@
       </p:sp>
       <p:sp>
         <p:nvSpPr>
-          <p:cNvPr id="19" name="PlaceHolder 2"/>
+          <p:cNvPr id="18" name="PlaceHolder 2"/>
           <p:cNvSpPr>
             <a:spLocks noGrp="1"/>
           </p:cNvSpPr>
@@ -615,7 +700,7 @@
         <p:txBody>
           <a:bodyPr/>
           <a:p>
-            <a:fld id="{F2E02508-C52C-44AB-A0CF-146D9FEFBBE1}" type="slidenum">
+            <a:fld id="{7A0D77A9-D73E-466B-9BC6-FF8A17292353}" type="slidenum">
               <a:t>&lt;#&gt;</a:t>
             </a:fld>
           </a:p>
@@ -627,8 +712,8 @@
 </file>
 
 <file path=ppt/slideLayouts/slideLayout5.xml><?xml version="1.0" encoding="utf-8"?>
-<p:sldLayout xmlns:a="http://schemas.openxmlformats.org/drawingml/2006/main" xmlns:p="http://schemas.openxmlformats.org/presentationml/2006/main" xmlns:r="http://schemas.openxmlformats.org/officeDocument/2006/relationships" xmlns:p14="http://schemas.microsoft.com/office/powerpoint/2010/main" xmlns:p15="http://schemas.microsoft.com/office/powerpoint/2012/main" xmlns:mc="http://schemas.openxmlformats.org/markup-compatibility/2006" type="blank" preserve="1">
-  <p:cSld name="Default">
+<p:sldLayout xmlns:a="http://schemas.openxmlformats.org/drawingml/2006/main" xmlns:p="http://schemas.openxmlformats.org/presentationml/2006/main" xmlns:r="http://schemas.openxmlformats.org/officeDocument/2006/relationships" xmlns:p14="http://schemas.microsoft.com/office/powerpoint/2010/main" xmlns:p15="http://schemas.microsoft.com/office/powerpoint/2012/main" xmlns:mc="http://schemas.openxmlformats.org/markup-compatibility/2006" type="title" preserve="1">
+  <p:cSld name="Default 1">
     <p:spTree>
       <p:nvGrpSpPr>
         <p:cNvPr id="1" name=""/>
@@ -645,19 +730,101 @@
       </p:grpSpPr>
       <p:sp>
         <p:nvSpPr>
-          <p:cNvPr id="2" name="PlaceHolder 1"/>
+          <p:cNvPr id="22" name="PlaceHolder 1"/>
           <p:cNvSpPr>
             <a:spLocks noGrp="1"/>
           </p:cNvSpPr>
           <p:nvPr>
-            <p:ph type="sldNum" idx="4"/>
+            <p:ph type="title"/>
           </p:nvPr>
         </p:nvSpPr>
+        <p:spPr>
+          <a:xfrm>
+            <a:off x="457200" y="205200"/>
+            <a:ext cx="8229240" cy="858600"/>
+          </a:xfrm>
+          <a:prstGeom prst="rect">
+            <a:avLst/>
+          </a:prstGeom>
+          <a:noFill/>
+          <a:ln w="0">
+            <a:noFill/>
+          </a:ln>
+        </p:spPr>
+        <p:txBody>
+          <a:bodyPr lIns="0" rIns="0" tIns="0" bIns="0" anchor="ctr">
+            <a:noAutofit/>
+          </a:bodyPr>
+          <a:p>
+            <a:pPr indent="0" algn="ctr">
+              <a:buNone/>
+            </a:pPr>
+            <a:endParaRPr b="0" lang="en-US" sz="4400" strike="noStrike" u="none">
+              <a:solidFill>
+                <a:srgbClr val="000000"/>
+              </a:solidFill>
+              <a:uFillTx/>
+              <a:latin typeface="Arial"/>
+            </a:endParaRPr>
+          </a:p>
+        </p:txBody>
+      </p:sp>
+      <p:sp>
+        <p:nvSpPr>
+          <p:cNvPr id="23" name="PlaceHolder 2"/>
+          <p:cNvSpPr>
+            <a:spLocks noGrp="1"/>
+          </p:cNvSpPr>
+          <p:nvPr>
+            <p:ph type="subTitle"/>
+          </p:nvPr>
+        </p:nvSpPr>
+        <p:spPr>
+          <a:xfrm>
+            <a:off x="457200" y="1203480"/>
+            <a:ext cx="8229240" cy="2982960"/>
+          </a:xfrm>
+          <a:prstGeom prst="rect">
+            <a:avLst/>
+          </a:prstGeom>
+          <a:noFill/>
+          <a:ln w="0">
+            <a:noFill/>
+          </a:ln>
+        </p:spPr>
+        <p:txBody>
+          <a:bodyPr lIns="0" rIns="0" tIns="0" bIns="0" anchor="ctr">
+            <a:noAutofit/>
+          </a:bodyPr>
+          <a:p>
+            <a:pPr indent="0" algn="ctr">
+              <a:buNone/>
+            </a:pPr>
+            <a:endParaRPr b="0" lang="en-US" sz="3200" strike="noStrike" u="none">
+              <a:solidFill>
+                <a:srgbClr val="000000"/>
+              </a:solidFill>
+              <a:uFillTx/>
+              <a:latin typeface="Arial"/>
+            </a:endParaRPr>
+          </a:p>
+        </p:txBody>
+      </p:sp>
+      <p:sp>
+        <p:nvSpPr>
+          <p:cNvPr id="4" name="PlaceHolder 3"/>
+          <p:cNvSpPr>
+            <a:spLocks noGrp="1"/>
+          </p:cNvSpPr>
+          <p:nvPr>
+            <p:ph type="sldNum" idx="5"/>
+          </p:nvPr>
+        </p:nvSpPr>
         <p:spPr/>
         <p:txBody>
           <a:bodyPr/>
           <a:p>
-            <a:fld id="{935C26A4-4581-42CA-9752-EE65D73215EF}" type="slidenum">
+            <a:fld id="{F926F2A1-A300-4793-B1B9-BD08C0D71F98}" type="slidenum">
               <a:t>&lt;#&gt;</a:t>
             </a:fld>
           </a:p>
@@ -669,6 +836,48 @@
 </file>
 
 <file path=ppt/slideLayouts/slideLayout6.xml><?xml version="1.0" encoding="utf-8"?>
+<p:sldLayout xmlns:a="http://schemas.openxmlformats.org/drawingml/2006/main" xmlns:p="http://schemas.openxmlformats.org/presentationml/2006/main" xmlns:r="http://schemas.openxmlformats.org/officeDocument/2006/relationships" xmlns:p14="http://schemas.microsoft.com/office/powerpoint/2010/main" xmlns:p15="http://schemas.microsoft.com/office/powerpoint/2012/main" xmlns:mc="http://schemas.openxmlformats.org/markup-compatibility/2006" type="blank" preserve="1">
+  <p:cSld name="Default 1">
+    <p:spTree>
+      <p:nvGrpSpPr>
+        <p:cNvPr id="1" name=""/>
+        <p:cNvGrpSpPr/>
+        <p:nvPr/>
+      </p:nvGrpSpPr>
+      <p:grpSpPr>
+        <a:xfrm>
+          <a:off x="0" y="0"/>
+          <a:ext cx="0" cy="0"/>
+          <a:chOff x="0" y="0"/>
+          <a:chExt cx="0" cy="0"/>
+        </a:xfrm>
+      </p:grpSpPr>
+      <p:sp>
+        <p:nvSpPr>
+          <p:cNvPr id="2" name="PlaceHolder 1"/>
+          <p:cNvSpPr>
+            <a:spLocks noGrp="1"/>
+          </p:cNvSpPr>
+          <p:nvPr>
+            <p:ph type="sldNum" idx="5"/>
+          </p:nvPr>
+        </p:nvSpPr>
+        <p:spPr/>
+        <p:txBody>
+          <a:bodyPr/>
+          <a:p>
+            <a:fld id="{8C0EE292-8E1E-40AA-83F3-1E272A36479E}" type="slidenum">
+              <a:t>&lt;#&gt;</a:t>
+            </a:fld>
+          </a:p>
+        </p:txBody>
+      </p:sp>
+    </p:spTree>
+  </p:cSld>
+</p:sldLayout>
+</file>
+
+<file path=ppt/slideLayouts/slideLayout7.xml><?xml version="1.0" encoding="utf-8"?>
 <p:sldLayout xmlns:a="http://schemas.openxmlformats.org/drawingml/2006/main" xmlns:p="http://schemas.openxmlformats.org/presentationml/2006/main" xmlns:r="http://schemas.openxmlformats.org/officeDocument/2006/relationships" xmlns:p14="http://schemas.microsoft.com/office/powerpoint/2010/main" xmlns:p15="http://schemas.microsoft.com/office/powerpoint/2012/main" xmlns:mc="http://schemas.openxmlformats.org/markup-compatibility/2006" type="blank" preserve="1">
   <p:cSld name="SECTION_HEADER">
     <p:spTree>
@@ -692,14 +901,14 @@
             <a:spLocks noGrp="1"/>
           </p:cNvSpPr>
           <p:nvPr>
-            <p:ph type="sldNum" idx="5"/>
+            <p:ph type="sldNum" idx="6"/>
           </p:nvPr>
         </p:nvSpPr>
         <p:spPr/>
         <p:txBody>
           <a:bodyPr/>
           <a:p>
-            <a:fld id="{92B5A61A-7898-44A6-84A3-336DA7A19E92}" type="slidenum">
+            <a:fld id="{03CE70C5-C4F6-41CC-B005-867989131B86}" type="slidenum">
               <a:t>&lt;#&gt;</a:t>
             </a:fld>
           </a:p>
@@ -710,7 +919,7 @@
 </p:sldLayout>
 </file>
 
-<file path=ppt/slideLayouts/slideLayout7.xml><?xml version="1.0" encoding="utf-8"?>
+<file path=ppt/slideLayouts/slideLayout8.xml><?xml version="1.0" encoding="utf-8"?>
 <p:sldLayout xmlns:a="http://schemas.openxmlformats.org/drawingml/2006/main" xmlns:p="http://schemas.openxmlformats.org/presentationml/2006/main" xmlns:r="http://schemas.openxmlformats.org/officeDocument/2006/relationships" xmlns:p14="http://schemas.microsoft.com/office/powerpoint/2010/main" xmlns:p15="http://schemas.microsoft.com/office/powerpoint/2012/main" xmlns:mc="http://schemas.openxmlformats.org/markup-compatibility/2006" type="tx" preserve="1">
   <p:cSld name="TITLE_AND_BODY">
     <p:spTree>
@@ -729,7 +938,7 @@
       </p:grpSpPr>
       <p:sp>
         <p:nvSpPr>
-          <p:cNvPr id="29" name="PlaceHolder 1"/>
+          <p:cNvPr id="33" name="PlaceHolder 1"/>
           <p:cNvSpPr>
             <a:spLocks noGrp="1"/>
           </p:cNvSpPr>
@@ -770,7 +979,7 @@
       </p:sp>
       <p:sp>
         <p:nvSpPr>
-          <p:cNvPr id="30" name="PlaceHolder 2"/>
+          <p:cNvPr id="34" name="PlaceHolder 2"/>
           <p:cNvSpPr>
             <a:spLocks noGrp="1"/>
           </p:cNvSpPr>
@@ -819,14 +1028,14 @@
             <a:spLocks noGrp="1"/>
           </p:cNvSpPr>
           <p:nvPr>
-            <p:ph type="sldNum" idx="6"/>
+            <p:ph type="sldNum" idx="7"/>
           </p:nvPr>
         </p:nvSpPr>
         <p:spPr/>
         <p:txBody>
           <a:bodyPr/>
           <a:p>
-            <a:fld id="{6BE019F4-EB7A-44BE-9F29-D3C08BF61B54}" type="slidenum">
+            <a:fld id="{5607873C-3B50-4FBD-A5B4-D3DC568A5B67}" type="slidenum">
               <a:t>&lt;#&gt;</a:t>
             </a:fld>
           </a:p>
@@ -837,7 +1046,7 @@
 </p:sldLayout>
 </file>
 
-<file path=ppt/slideLayouts/slideLayout8.xml><?xml version="1.0" encoding="utf-8"?>
+<file path=ppt/slideLayouts/slideLayout9.xml><?xml version="1.0" encoding="utf-8"?>
 <p:sldLayout xmlns:a="http://schemas.openxmlformats.org/drawingml/2006/main" xmlns:p="http://schemas.openxmlformats.org/presentationml/2006/main" xmlns:r="http://schemas.openxmlformats.org/officeDocument/2006/relationships" xmlns:p14="http://schemas.microsoft.com/office/powerpoint/2010/main" xmlns:p15="http://schemas.microsoft.com/office/powerpoint/2012/main" xmlns:mc="http://schemas.openxmlformats.org/markup-compatibility/2006" type="twoObj" preserve="1">
   <p:cSld name="TITLE_AND_TWO_COLUMNS">
     <p:spTree>
@@ -856,7 +1065,7 @@
       </p:grpSpPr>
       <p:sp>
         <p:nvSpPr>
-          <p:cNvPr id="38" name="PlaceHolder 1"/>
+          <p:cNvPr id="42" name="PlaceHolder 1"/>
           <p:cNvSpPr>
             <a:spLocks noGrp="1"/>
           </p:cNvSpPr>
@@ -897,7 +1106,7 @@
       </p:sp>
       <p:sp>
         <p:nvSpPr>
-          <p:cNvPr id="39" name="PlaceHolder 2"/>
+          <p:cNvPr id="43" name="PlaceHolder 2"/>
           <p:cNvSpPr>
             <a:spLocks noGrp="1"/>
           </p:cNvSpPr>
@@ -941,7 +1150,7 @@
       </p:sp>
       <p:sp>
         <p:nvSpPr>
-          <p:cNvPr id="40" name="PlaceHolder 3"/>
+          <p:cNvPr id="44" name="PlaceHolder 3"/>
           <p:cNvSpPr>
             <a:spLocks noGrp="1"/>
           </p:cNvSpPr>
@@ -990,89 +1199,6 @@
             <a:spLocks noGrp="1"/>
           </p:cNvSpPr>
           <p:nvPr>
-            <p:ph type="sldNum" idx="7"/>
-          </p:nvPr>
-        </p:nvSpPr>
-        <p:spPr/>
-        <p:txBody>
-          <a:bodyPr/>
-          <a:p>
-            <a:fld id="{F12E9E16-9C9F-4257-B7DE-0807B6124652}" type="slidenum">
-              <a:t>&lt;#&gt;</a:t>
-            </a:fld>
-          </a:p>
-        </p:txBody>
-      </p:sp>
-    </p:spTree>
-  </p:cSld>
-</p:sldLayout>
-</file>
-
-<file path=ppt/slideLayouts/slideLayout9.xml><?xml version="1.0" encoding="utf-8"?>
-<p:sldLayout xmlns:a="http://schemas.openxmlformats.org/drawingml/2006/main" xmlns:p="http://schemas.openxmlformats.org/presentationml/2006/main" xmlns:r="http://schemas.openxmlformats.org/officeDocument/2006/relationships" xmlns:p14="http://schemas.microsoft.com/office/powerpoint/2010/main" xmlns:p15="http://schemas.microsoft.com/office/powerpoint/2012/main" xmlns:mc="http://schemas.openxmlformats.org/markup-compatibility/2006" type="titleOnly" preserve="1">
-  <p:cSld name="TITLE_ONLY">
-    <p:spTree>
-      <p:nvGrpSpPr>
-        <p:cNvPr id="1" name=""/>
-        <p:cNvGrpSpPr/>
-        <p:nvPr/>
-      </p:nvGrpSpPr>
-      <p:grpSpPr>
-        <a:xfrm>
-          <a:off x="0" y="0"/>
-          <a:ext cx="0" cy="0"/>
-          <a:chOff x="0" y="0"/>
-          <a:chExt cx="0" cy="0"/>
-        </a:xfrm>
-      </p:grpSpPr>
-      <p:sp>
-        <p:nvSpPr>
-          <p:cNvPr id="43" name="PlaceHolder 1"/>
-          <p:cNvSpPr>
-            <a:spLocks noGrp="1"/>
-          </p:cNvSpPr>
-          <p:nvPr>
-            <p:ph type="title"/>
-          </p:nvPr>
-        </p:nvSpPr>
-        <p:spPr>
-          <a:xfrm>
-            <a:off x="457200" y="205200"/>
-            <a:ext cx="8229240" cy="858600"/>
-          </a:xfrm>
-          <a:prstGeom prst="rect">
-            <a:avLst/>
-          </a:prstGeom>
-          <a:noFill/>
-          <a:ln w="0">
-            <a:noFill/>
-          </a:ln>
-        </p:spPr>
-        <p:txBody>
-          <a:bodyPr lIns="0" rIns="0" tIns="0" bIns="0" anchor="ctr">
-            <a:noAutofit/>
-          </a:bodyPr>
-          <a:p>
-            <a:pPr indent="0" algn="ctr">
-              <a:buNone/>
-            </a:pPr>
-            <a:endParaRPr b="0" lang="en-US" sz="4400" strike="noStrike" u="none">
-              <a:solidFill>
-                <a:srgbClr val="000000"/>
-              </a:solidFill>
-              <a:uFillTx/>
-              <a:latin typeface="Arial"/>
-            </a:endParaRPr>
-          </a:p>
-        </p:txBody>
-      </p:sp>
-      <p:sp>
-        <p:nvSpPr>
-          <p:cNvPr id="3" name="PlaceHolder 2"/>
-          <p:cNvSpPr>
-            <a:spLocks noGrp="1"/>
-          </p:cNvSpPr>
-          <p:nvPr>
             <p:ph type="sldNum" idx="8"/>
           </p:nvPr>
         </p:nvSpPr>
@@ -1080,7 +1206,7 @@
         <p:txBody>
           <a:bodyPr/>
           <a:p>
-            <a:fld id="{272E5FF5-35A2-4D68-A878-03546641D85C}" type="slidenum">
+            <a:fld id="{1700317A-BB7B-4FFA-A7B5-36BAFFA9DBEC}" type="slidenum">
               <a:t>&lt;#&gt;</a:t>
             </a:fld>
           </a:p>
@@ -1124,7 +1250,7 @@
         <p:spPr>
           <a:xfrm>
             <a:off x="2477520" y="415440"/>
-            <a:ext cx="6244920" cy="720"/>
+            <a:ext cx="6245280" cy="1080"/>
           </a:xfrm>
           <a:prstGeom prst="straightConnector1">
             <a:avLst/>
@@ -1146,7 +1272,7 @@
         <p:spPr>
           <a:xfrm>
             <a:off x="2477520" y="4739760"/>
-            <a:ext cx="6244920" cy="720"/>
+            <a:ext cx="6245280" cy="1080"/>
           </a:xfrm>
           <a:prstGeom prst="straightConnector1">
             <a:avLst/>
@@ -1168,7 +1294,7 @@
         <p:spPr>
           <a:xfrm>
             <a:off x="425160" y="415440"/>
-            <a:ext cx="183960" cy="720"/>
+            <a:ext cx="184320" cy="1080"/>
           </a:xfrm>
           <a:prstGeom prst="straightConnector1">
             <a:avLst/>
@@ -1245,7 +1371,7 @@
         <p:spPr>
           <a:xfrm>
             <a:off x="8498160" y="4688640"/>
-            <a:ext cx="547920" cy="392760"/>
+            <a:ext cx="547560" cy="392400"/>
           </a:xfrm>
           <a:prstGeom prst="rect">
             <a:avLst/>
@@ -1288,7 +1414,7 @@
                 <a:tab algn="l" pos="0"/>
               </a:tabLst>
             </a:pPr>
-            <a:fld id="{1D9EA763-26E0-4B01-94D3-BE861473C62B}" type="slidenum">
+            <a:fld id="{BA2ABFF6-D5FA-4CBE-AB5A-60C747F4DAE3}" type="slidenum">
               <a:rPr b="0" lang="en" sz="1000" strike="noStrike" u="none">
                 <a:solidFill>
                   <a:schemeClr val="lt1"/>
@@ -1558,6 +1684,138 @@
 </file>
 
 <file path=ppt/slideMasters/slideMaster10.xml><?xml version="1.0" encoding="utf-8"?>
+<p:sldMaster xmlns:a="http://schemas.openxmlformats.org/drawingml/2006/main" xmlns:p="http://schemas.openxmlformats.org/presentationml/2006/main" xmlns:r="http://schemas.openxmlformats.org/officeDocument/2006/relationships" xmlns:p14="http://schemas.microsoft.com/office/powerpoint/2010/main" xmlns:p15="http://schemas.microsoft.com/office/powerpoint/2012/main" xmlns:mc="http://schemas.openxmlformats.org/markup-compatibility/2006">
+  <p:cSld>
+    <p:bg>
+      <p:bgPr>
+        <a:solidFill>
+          <a:schemeClr val="lt1"/>
+        </a:solidFill>
+      </p:bgPr>
+    </p:bg>
+    <p:spTree>
+      <p:nvGrpSpPr>
+        <p:cNvPr id="1" name=""/>
+        <p:cNvGrpSpPr/>
+        <p:nvPr/>
+      </p:nvGrpSpPr>
+      <p:grpSpPr>
+        <a:xfrm>
+          <a:off x="0" y="0"/>
+          <a:ext cx="0" cy="0"/>
+          <a:chOff x="0" y="0"/>
+          <a:chExt cx="0" cy="0"/>
+        </a:xfrm>
+      </p:grpSpPr>
+      <p:cxnSp>
+        <p:nvCxnSpPr>
+          <p:cNvPr id="48" name="Google Shape;40;p7"/>
+          <p:cNvCxnSpPr/>
+          <p:nvPr/>
+        </p:nvCxnSpPr>
+        <p:spPr>
+          <a:xfrm>
+            <a:off x="425160" y="415440"/>
+            <a:ext cx="184320" cy="1080"/>
+          </a:xfrm>
+          <a:prstGeom prst="straightConnector1">
+            <a:avLst/>
+          </a:prstGeom>
+          <a:ln w="19050">
+            <a:solidFill>
+              <a:srgbClr val="000000"/>
+            </a:solidFill>
+            <a:round/>
+          </a:ln>
+        </p:spPr>
+      </p:cxnSp>
+      <p:sp>
+        <p:nvSpPr>
+          <p:cNvPr id="49" name="PlaceHolder 1"/>
+          <p:cNvSpPr>
+            <a:spLocks noGrp="1"/>
+          </p:cNvSpPr>
+          <p:nvPr>
+            <p:ph type="sldNum" idx="10"/>
+          </p:nvPr>
+        </p:nvSpPr>
+        <p:spPr>
+          <a:xfrm>
+            <a:off x="8498160" y="4688640"/>
+            <a:ext cx="547560" cy="392400"/>
+          </a:xfrm>
+          <a:prstGeom prst="rect">
+            <a:avLst/>
+          </a:prstGeom>
+          <a:noFill/>
+          <a:ln w="0">
+            <a:noFill/>
+          </a:ln>
+        </p:spPr>
+        <p:txBody>
+          <a:bodyPr lIns="91440" rIns="91440" tIns="91440" bIns="91440" anchor="ctr">
+            <a:noAutofit/>
+          </a:bodyPr>
+          <a:lstStyle>
+            <a:lvl1pPr indent="0" algn="r">
+              <a:lnSpc>
+                <a:spcPct val="100000"/>
+              </a:lnSpc>
+              <a:buNone/>
+              <a:tabLst>
+                <a:tab algn="l" pos="0"/>
+              </a:tabLst>
+              <a:defRPr b="0" lang="en" sz="1000" strike="noStrike" u="none">
+                <a:solidFill>
+                  <a:schemeClr val="dk2"/>
+                </a:solidFill>
+                <a:uFillTx/>
+                <a:latin typeface="Lato"/>
+                <a:ea typeface="Lato"/>
+              </a:defRPr>
+            </a:lvl1pPr>
+          </a:lstStyle>
+          <a:p>
+            <a:pPr indent="0" algn="r">
+              <a:lnSpc>
+                <a:spcPct val="100000"/>
+              </a:lnSpc>
+              <a:buNone/>
+              <a:tabLst>
+                <a:tab algn="l" pos="0"/>
+              </a:tabLst>
+            </a:pPr>
+            <a:fld id="{DDCC1FE4-0FF8-46BE-B20A-468E8AFBA0C9}" type="slidenum">
+              <a:rPr b="0" lang="en" sz="1000" strike="noStrike" u="none">
+                <a:solidFill>
+                  <a:schemeClr val="dk2"/>
+                </a:solidFill>
+                <a:uFillTx/>
+                <a:latin typeface="Lato"/>
+                <a:ea typeface="Lato"/>
+              </a:rPr>
+              <a:t>&lt;number&gt;</a:t>
+            </a:fld>
+            <a:endParaRPr b="0" lang="en-US" sz="1000" strike="noStrike" u="none">
+              <a:solidFill>
+                <a:srgbClr val="000000"/>
+              </a:solidFill>
+              <a:uFillTx/>
+              <a:latin typeface="Times New Roman"/>
+            </a:endParaRPr>
+          </a:p>
+        </p:txBody>
+      </p:sp>
+    </p:spTree>
+  </p:cSld>
+  <p:clrMap bg1="lt1" tx1="dk1" bg2="dk2" tx2="lt2" accent1="accent1" accent2="accent2" accent3="accent3" accent4="accent4" accent5="accent5" accent6="accent6" hlink="hlink" folHlink="folHlink"/>
+  <p:sldLayoutIdLst>
+    <p:sldLayoutId id="2147483668" r:id="rId2"/>
+  </p:sldLayoutIdLst>
+</p:sldMaster>
+</file>
+
+<file path=ppt/slideMasters/slideMaster11.xml><?xml version="1.0" encoding="utf-8"?>
 <p:sldMaster xmlns:a="http://schemas.openxmlformats.org/drawingml/2006/main" xmlns:p="http://schemas.openxmlformats.org/presentationml/2006/main" xmlns:r="http://schemas.openxmlformats.org/officeDocument/2006/relationships" xmlns:p14="http://schemas.microsoft.com/office/powerpoint/2010/main" xmlns:p15="http://schemas.microsoft.com/office/powerpoint/2012/main" xmlns:mc="http://schemas.openxmlformats.org/markup-compatibility/2006">
   <p:cSld>
     <p:bg>
@@ -1583,14 +1841,14 @@
       </p:grpSpPr>
       <p:cxnSp>
         <p:nvCxnSpPr>
-          <p:cNvPr id="46" name="Google Shape;45;p8"/>
+          <p:cNvPr id="50" name="Google Shape;45;p8"/>
           <p:cNvCxnSpPr/>
           <p:nvPr/>
         </p:nvCxnSpPr>
         <p:spPr>
           <a:xfrm>
             <a:off x="425160" y="415440"/>
-            <a:ext cx="183960" cy="720"/>
+            <a:ext cx="184320" cy="1080"/>
           </a:xfrm>
           <a:prstGeom prst="straightConnector1">
             <a:avLst/>
@@ -1605,18 +1863,18 @@
       </p:cxnSp>
       <p:sp>
         <p:nvSpPr>
-          <p:cNvPr id="47" name="PlaceHolder 1"/>
+          <p:cNvPr id="51" name="PlaceHolder 1"/>
           <p:cNvSpPr>
             <a:spLocks noGrp="1"/>
           </p:cNvSpPr>
           <p:nvPr>
-            <p:ph type="sldNum" idx="10"/>
+            <p:ph type="sldNum" idx="11"/>
           </p:nvPr>
         </p:nvSpPr>
         <p:spPr>
           <a:xfrm>
             <a:off x="8498160" y="4688640"/>
-            <a:ext cx="547920" cy="392760"/>
+            <a:ext cx="547560" cy="392400"/>
           </a:xfrm>
           <a:prstGeom prst="rect">
             <a:avLst/>
@@ -1659,7 +1917,7 @@
                 <a:tab algn="l" pos="0"/>
               </a:tabLst>
             </a:pPr>
-            <a:fld id="{C98BDC20-8C40-4EF1-9655-F10CE2B8D6F6}" type="slidenum">
+            <a:fld id="{974038A9-31B7-4259-916D-531DFA19D90B}" type="slidenum">
               <a:rPr b="0" lang="en" sz="1000" strike="noStrike" u="none">
                 <a:solidFill>
                   <a:schemeClr val="lt1"/>
@@ -1682,7 +1940,7 @@
       </p:sp>
       <p:sp>
         <p:nvSpPr>
-          <p:cNvPr id="48" name="PlaceHolder 2"/>
+          <p:cNvPr id="52" name="PlaceHolder 2"/>
           <p:cNvSpPr>
             <a:spLocks noGrp="1"/>
           </p:cNvSpPr>
@@ -1733,7 +1991,7 @@
       </p:sp>
       <p:sp>
         <p:nvSpPr>
-          <p:cNvPr id="49" name="PlaceHolder 3"/>
+          <p:cNvPr id="53" name="PlaceHolder 3"/>
           <p:cNvSpPr>
             <a:spLocks noGrp="1"/>
           </p:cNvSpPr>
@@ -1966,188 +2224,6 @@
               </a:solidFill>
               <a:uFillTx/>
               <a:latin typeface="Arial"/>
-            </a:endParaRPr>
-          </a:p>
-        </p:txBody>
-      </p:sp>
-    </p:spTree>
-  </p:cSld>
-  <p:clrMap bg1="lt1" tx1="dk1" bg2="dk2" tx2="lt2" accent1="accent1" accent2="accent2" accent3="accent3" accent4="accent4" accent5="accent5" accent6="accent6" hlink="hlink" folHlink="folHlink"/>
-  <p:sldLayoutIdLst>
-    <p:sldLayoutId id="2147483668" r:id="rId2"/>
-  </p:sldLayoutIdLst>
-</p:sldMaster>
-</file>
-
-<file path=ppt/slideMasters/slideMaster11.xml><?xml version="1.0" encoding="utf-8"?>
-<p:sldMaster xmlns:a="http://schemas.openxmlformats.org/drawingml/2006/main" xmlns:p="http://schemas.openxmlformats.org/presentationml/2006/main" xmlns:r="http://schemas.openxmlformats.org/officeDocument/2006/relationships" xmlns:p14="http://schemas.microsoft.com/office/powerpoint/2010/main" xmlns:p15="http://schemas.microsoft.com/office/powerpoint/2012/main" xmlns:mc="http://schemas.openxmlformats.org/markup-compatibility/2006">
-  <p:cSld>
-    <p:bg>
-      <p:bgPr>
-        <a:solidFill>
-          <a:schemeClr val="lt1"/>
-        </a:solidFill>
-      </p:bgPr>
-    </p:bg>
-    <p:spTree>
-      <p:nvGrpSpPr>
-        <p:cNvPr id="1" name=""/>
-        <p:cNvGrpSpPr/>
-        <p:nvPr/>
-      </p:nvGrpSpPr>
-      <p:grpSpPr>
-        <a:xfrm>
-          <a:off x="0" y="0"/>
-          <a:ext cx="0" cy="0"/>
-          <a:chOff x="0" y="0"/>
-          <a:chExt cx="0" cy="0"/>
-        </a:xfrm>
-      </p:grpSpPr>
-      <p:sp>
-        <p:nvSpPr>
-          <p:cNvPr id="50" name="Google Shape;49;p9"/>
-          <p:cNvSpPr/>
-          <p:nvPr/>
-        </p:nvSpPr>
-        <p:spPr>
-          <a:xfrm>
-            <a:off x="4572000" y="0"/>
-            <a:ext cx="4571280" cy="5142960"/>
-          </a:xfrm>
-          <a:prstGeom prst="rect">
-            <a:avLst/>
-          </a:prstGeom>
-          <a:solidFill>
-            <a:schemeClr val="dk1"/>
-          </a:solidFill>
-          <a:ln w="0">
-            <a:noFill/>
-          </a:ln>
-        </p:spPr>
-        <p:style>
-          <a:lnRef idx="0"/>
-          <a:fillRef idx="0"/>
-          <a:effectRef idx="0"/>
-          <a:fontRef idx="minor"/>
-        </p:style>
-        <p:txBody>
-          <a:bodyPr lIns="90000" rIns="90000" tIns="91440" bIns="91440" anchor="ctr">
-            <a:noAutofit/>
-          </a:bodyPr>
-          <a:p>
-            <a:pPr>
-              <a:lnSpc>
-                <a:spcPct val="100000"/>
-              </a:lnSpc>
-              <a:tabLst>
-                <a:tab algn="l" pos="0"/>
-              </a:tabLst>
-            </a:pPr>
-            <a:endParaRPr b="0" lang="en-US" sz="1400" strike="noStrike" u="none">
-              <a:solidFill>
-                <a:srgbClr val="ffffff"/>
-              </a:solidFill>
-              <a:uFillTx/>
-              <a:latin typeface="Arial"/>
-            </a:endParaRPr>
-          </a:p>
-        </p:txBody>
-      </p:sp>
-      <p:cxnSp>
-        <p:nvCxnSpPr>
-          <p:cNvPr id="51" name="Google Shape;50;p9"/>
-          <p:cNvCxnSpPr/>
-          <p:nvPr/>
-        </p:nvCxnSpPr>
-        <p:spPr>
-          <a:xfrm>
-            <a:off x="5029560" y="4495320"/>
-            <a:ext cx="469080" cy="720"/>
-          </a:xfrm>
-          <a:prstGeom prst="straightConnector1">
-            <a:avLst/>
-          </a:prstGeom>
-          <a:ln w="19050">
-            <a:solidFill>
-              <a:srgbClr val="ffffff"/>
-            </a:solidFill>
-            <a:round/>
-          </a:ln>
-        </p:spPr>
-      </p:cxnSp>
-      <p:sp>
-        <p:nvSpPr>
-          <p:cNvPr id="52" name="PlaceHolder 1"/>
-          <p:cNvSpPr>
-            <a:spLocks noGrp="1"/>
-          </p:cNvSpPr>
-          <p:nvPr>
-            <p:ph type="sldNum" idx="11"/>
-          </p:nvPr>
-        </p:nvSpPr>
-        <p:spPr>
-          <a:xfrm>
-            <a:off x="8498160" y="4688640"/>
-            <a:ext cx="547920" cy="392760"/>
-          </a:xfrm>
-          <a:prstGeom prst="rect">
-            <a:avLst/>
-          </a:prstGeom>
-          <a:noFill/>
-          <a:ln w="0">
-            <a:noFill/>
-          </a:ln>
-        </p:spPr>
-        <p:txBody>
-          <a:bodyPr lIns="91440" rIns="91440" tIns="91440" bIns="91440" anchor="ctr">
-            <a:noAutofit/>
-          </a:bodyPr>
-          <a:lstStyle>
-            <a:lvl1pPr indent="0" algn="r">
-              <a:lnSpc>
-                <a:spcPct val="100000"/>
-              </a:lnSpc>
-              <a:buNone/>
-              <a:tabLst>
-                <a:tab algn="l" pos="0"/>
-              </a:tabLst>
-              <a:defRPr b="0" lang="en" sz="1000" strike="noStrike" u="none">
-                <a:solidFill>
-                  <a:schemeClr val="lt1"/>
-                </a:solidFill>
-                <a:uFillTx/>
-                <a:latin typeface="Lato"/>
-                <a:ea typeface="Lato"/>
-              </a:defRPr>
-            </a:lvl1pPr>
-          </a:lstStyle>
-          <a:p>
-            <a:pPr indent="0" algn="r">
-              <a:lnSpc>
-                <a:spcPct val="100000"/>
-              </a:lnSpc>
-              <a:buNone/>
-              <a:tabLst>
-                <a:tab algn="l" pos="0"/>
-              </a:tabLst>
-            </a:pPr>
-            <a:fld id="{10D97330-C76A-4BF1-8D69-9E566170FEED}" type="slidenum">
-              <a:rPr b="0" lang="en" sz="1000" strike="noStrike" u="none">
-                <a:solidFill>
-                  <a:schemeClr val="lt1"/>
-                </a:solidFill>
-                <a:uFillTx/>
-                <a:latin typeface="Lato"/>
-                <a:ea typeface="Lato"/>
-              </a:rPr>
-              <a:t>&lt;number&gt;</a:t>
-            </a:fld>
-            <a:endParaRPr b="0" lang="en-US" sz="1000" strike="noStrike" u="none">
-              <a:solidFill>
-                <a:srgbClr val="000000"/>
-              </a:solidFill>
-              <a:uFillTx/>
-              <a:latin typeface="Times New Roman"/>
             </a:endParaRPr>
           </a:p>
         </p:txBody>
@@ -2185,53 +2261,81 @@
           <a:chExt cx="0" cy="0"/>
         </a:xfrm>
       </p:grpSpPr>
+      <p:sp>
+        <p:nvSpPr>
+          <p:cNvPr id="54" name="Google Shape;49;p9"/>
+          <p:cNvSpPr/>
+          <p:nvPr/>
+        </p:nvSpPr>
+        <p:spPr>
+          <a:xfrm>
+            <a:off x="4572000" y="0"/>
+            <a:ext cx="4570920" cy="5142600"/>
+          </a:xfrm>
+          <a:prstGeom prst="rect">
+            <a:avLst/>
+          </a:prstGeom>
+          <a:solidFill>
+            <a:schemeClr val="dk1"/>
+          </a:solidFill>
+          <a:ln w="0">
+            <a:noFill/>
+          </a:ln>
+        </p:spPr>
+        <p:style>
+          <a:lnRef idx="0"/>
+          <a:fillRef idx="0"/>
+          <a:effectRef idx="0"/>
+          <a:fontRef idx="minor"/>
+        </p:style>
+        <p:txBody>
+          <a:bodyPr lIns="90000" rIns="90000" tIns="91440" bIns="91440" anchor="ctr">
+            <a:noAutofit/>
+          </a:bodyPr>
+          <a:p>
+            <a:pPr>
+              <a:lnSpc>
+                <a:spcPct val="100000"/>
+              </a:lnSpc>
+              <a:tabLst>
+                <a:tab algn="l" pos="0"/>
+              </a:tabLst>
+            </a:pPr>
+            <a:endParaRPr b="0" lang="en-US" sz="1400" strike="noStrike" u="none">
+              <a:solidFill>
+                <a:srgbClr val="ffffff"/>
+              </a:solidFill>
+              <a:uFillTx/>
+              <a:latin typeface="Arial"/>
+            </a:endParaRPr>
+          </a:p>
+        </p:txBody>
+      </p:sp>
       <p:cxnSp>
         <p:nvCxnSpPr>
-          <p:cNvPr id="53" name="Google Shape;56;p10"/>
+          <p:cNvPr id="55" name="Google Shape;50;p9"/>
           <p:cNvCxnSpPr/>
           <p:nvPr/>
         </p:nvCxnSpPr>
         <p:spPr>
           <a:xfrm>
-            <a:off x="425160" y="4739760"/>
-            <a:ext cx="8297280" cy="720"/>
+            <a:off x="5029560" y="4495320"/>
+            <a:ext cx="469440" cy="1080"/>
           </a:xfrm>
           <a:prstGeom prst="straightConnector1">
             <a:avLst/>
           </a:prstGeom>
           <a:ln w="19050">
             <a:solidFill>
-              <a:srgbClr val="000000"/>
+              <a:srgbClr val="ffffff"/>
             </a:solidFill>
             <a:round/>
           </a:ln>
         </p:spPr>
       </p:cxnSp>
-      <p:cxnSp>
-        <p:nvCxnSpPr>
-          <p:cNvPr id="54" name="Google Shape;57;p10"/>
-          <p:cNvCxnSpPr/>
-          <p:nvPr/>
-        </p:nvCxnSpPr>
-        <p:spPr>
-          <a:xfrm>
-            <a:off x="425160" y="415440"/>
-            <a:ext cx="183960" cy="720"/>
-          </a:xfrm>
-          <a:prstGeom prst="straightConnector1">
-            <a:avLst/>
-          </a:prstGeom>
-          <a:ln w="19050">
-            <a:solidFill>
-              <a:srgbClr val="000000"/>
-            </a:solidFill>
-            <a:round/>
-          </a:ln>
-        </p:spPr>
-      </p:cxnSp>
-      <p:sp>
-        <p:nvSpPr>
-          <p:cNvPr id="55" name="PlaceHolder 1"/>
+      <p:sp>
+        <p:nvSpPr>
+          <p:cNvPr id="56" name="PlaceHolder 1"/>
           <p:cNvSpPr>
             <a:spLocks noGrp="1"/>
           </p:cNvSpPr>
@@ -2242,7 +2346,7 @@
         <p:spPr>
           <a:xfrm>
             <a:off x="8498160" y="4688640"/>
-            <a:ext cx="547920" cy="392760"/>
+            <a:ext cx="547560" cy="392400"/>
           </a:xfrm>
           <a:prstGeom prst="rect">
             <a:avLst/>
@@ -2267,7 +2371,7 @@
               </a:tabLst>
               <a:defRPr b="0" lang="en" sz="1000" strike="noStrike" u="none">
                 <a:solidFill>
-                  <a:schemeClr val="dk2"/>
+                  <a:schemeClr val="lt1"/>
                 </a:solidFill>
                 <a:uFillTx/>
                 <a:latin typeface="Lato"/>
@@ -2285,10 +2389,10 @@
                 <a:tab algn="l" pos="0"/>
               </a:tabLst>
             </a:pPr>
-            <a:fld id="{FAFC5338-A311-47C1-AC31-63FA978CE822}" type="slidenum">
+            <a:fld id="{F7C872CF-8D22-4566-A93D-FA0933D9DA41}" type="slidenum">
               <a:rPr b="0" lang="en" sz="1000" strike="noStrike" u="none">
                 <a:solidFill>
-                  <a:schemeClr val="dk2"/>
+                  <a:schemeClr val="lt1"/>
                 </a:solidFill>
                 <a:uFillTx/>
                 <a:latin typeface="Lato"/>
@@ -2311,6 +2415,160 @@
   <p:clrMap bg1="lt1" tx1="dk1" bg2="dk2" tx2="lt2" accent1="accent1" accent2="accent2" accent3="accent3" accent4="accent4" accent5="accent5" accent6="accent6" hlink="hlink" folHlink="folHlink"/>
   <p:sldLayoutIdLst>
     <p:sldLayoutId id="2147483672" r:id="rId2"/>
+  </p:sldLayoutIdLst>
+</p:sldMaster>
+</file>
+
+<file path=ppt/slideMasters/slideMaster13.xml><?xml version="1.0" encoding="utf-8"?>
+<p:sldMaster xmlns:a="http://schemas.openxmlformats.org/drawingml/2006/main" xmlns:p="http://schemas.openxmlformats.org/presentationml/2006/main" xmlns:r="http://schemas.openxmlformats.org/officeDocument/2006/relationships" xmlns:p14="http://schemas.microsoft.com/office/powerpoint/2010/main" xmlns:p15="http://schemas.microsoft.com/office/powerpoint/2012/main" xmlns:mc="http://schemas.openxmlformats.org/markup-compatibility/2006">
+  <p:cSld>
+    <p:bg>
+      <p:bgPr>
+        <a:solidFill>
+          <a:schemeClr val="lt1"/>
+        </a:solidFill>
+      </p:bgPr>
+    </p:bg>
+    <p:spTree>
+      <p:nvGrpSpPr>
+        <p:cNvPr id="1" name=""/>
+        <p:cNvGrpSpPr/>
+        <p:nvPr/>
+      </p:nvGrpSpPr>
+      <p:grpSpPr>
+        <a:xfrm>
+          <a:off x="0" y="0"/>
+          <a:ext cx="0" cy="0"/>
+          <a:chOff x="0" y="0"/>
+          <a:chExt cx="0" cy="0"/>
+        </a:xfrm>
+      </p:grpSpPr>
+      <p:cxnSp>
+        <p:nvCxnSpPr>
+          <p:cNvPr id="57" name="Google Shape;56;p10"/>
+          <p:cNvCxnSpPr/>
+          <p:nvPr/>
+        </p:nvCxnSpPr>
+        <p:spPr>
+          <a:xfrm>
+            <a:off x="425160" y="4739760"/>
+            <a:ext cx="8297640" cy="1080"/>
+          </a:xfrm>
+          <a:prstGeom prst="straightConnector1">
+            <a:avLst/>
+          </a:prstGeom>
+          <a:ln w="19050">
+            <a:solidFill>
+              <a:srgbClr val="000000"/>
+            </a:solidFill>
+            <a:round/>
+          </a:ln>
+        </p:spPr>
+      </p:cxnSp>
+      <p:cxnSp>
+        <p:nvCxnSpPr>
+          <p:cNvPr id="58" name="Google Shape;57;p10"/>
+          <p:cNvCxnSpPr/>
+          <p:nvPr/>
+        </p:nvCxnSpPr>
+        <p:spPr>
+          <a:xfrm>
+            <a:off x="425160" y="415440"/>
+            <a:ext cx="184320" cy="1080"/>
+          </a:xfrm>
+          <a:prstGeom prst="straightConnector1">
+            <a:avLst/>
+          </a:prstGeom>
+          <a:ln w="19050">
+            <a:solidFill>
+              <a:srgbClr val="000000"/>
+            </a:solidFill>
+            <a:round/>
+          </a:ln>
+        </p:spPr>
+      </p:cxnSp>
+      <p:sp>
+        <p:nvSpPr>
+          <p:cNvPr id="59" name="PlaceHolder 1"/>
+          <p:cNvSpPr>
+            <a:spLocks noGrp="1"/>
+          </p:cNvSpPr>
+          <p:nvPr>
+            <p:ph type="sldNum" idx="13"/>
+          </p:nvPr>
+        </p:nvSpPr>
+        <p:spPr>
+          <a:xfrm>
+            <a:off x="8498160" y="4688640"/>
+            <a:ext cx="547560" cy="392400"/>
+          </a:xfrm>
+          <a:prstGeom prst="rect">
+            <a:avLst/>
+          </a:prstGeom>
+          <a:noFill/>
+          <a:ln w="0">
+            <a:noFill/>
+          </a:ln>
+        </p:spPr>
+        <p:txBody>
+          <a:bodyPr lIns="91440" rIns="91440" tIns="91440" bIns="91440" anchor="ctr">
+            <a:noAutofit/>
+          </a:bodyPr>
+          <a:lstStyle>
+            <a:lvl1pPr indent="0" algn="r">
+              <a:lnSpc>
+                <a:spcPct val="100000"/>
+              </a:lnSpc>
+              <a:buNone/>
+              <a:tabLst>
+                <a:tab algn="l" pos="0"/>
+              </a:tabLst>
+              <a:defRPr b="0" lang="en" sz="1000" strike="noStrike" u="none">
+                <a:solidFill>
+                  <a:schemeClr val="dk2"/>
+                </a:solidFill>
+                <a:uFillTx/>
+                <a:latin typeface="Lato"/>
+                <a:ea typeface="Lato"/>
+              </a:defRPr>
+            </a:lvl1pPr>
+          </a:lstStyle>
+          <a:p>
+            <a:pPr indent="0" algn="r">
+              <a:lnSpc>
+                <a:spcPct val="100000"/>
+              </a:lnSpc>
+              <a:buNone/>
+              <a:tabLst>
+                <a:tab algn="l" pos="0"/>
+              </a:tabLst>
+            </a:pPr>
+            <a:fld id="{DA4176A0-0FDC-4277-A1FB-9A88643B1F84}" type="slidenum">
+              <a:rPr b="0" lang="en" sz="1000" strike="noStrike" u="none">
+                <a:solidFill>
+                  <a:schemeClr val="dk2"/>
+                </a:solidFill>
+                <a:uFillTx/>
+                <a:latin typeface="Lato"/>
+                <a:ea typeface="Lato"/>
+              </a:rPr>
+              <a:t>&lt;number&gt;</a:t>
+            </a:fld>
+            <a:endParaRPr b="0" lang="en-US" sz="1000" strike="noStrike" u="none">
+              <a:solidFill>
+                <a:srgbClr val="000000"/>
+              </a:solidFill>
+              <a:uFillTx/>
+              <a:latin typeface="Times New Roman"/>
+            </a:endParaRPr>
+          </a:p>
+        </p:txBody>
+      </p:sp>
+    </p:spTree>
+  </p:cSld>
+  <p:clrMap bg1="lt1" tx1="dk1" bg2="dk2" tx2="lt2" accent1="accent1" accent2="accent2" accent3="accent3" accent4="accent4" accent5="accent5" accent6="accent6" hlink="hlink" folHlink="folHlink"/>
+  <p:sldLayoutIdLst>
+    <p:sldLayoutId id="2147483674" r:id="rId2"/>
   </p:sldLayoutIdLst>
 </p:sldMaster>
 </file>
@@ -2348,7 +2606,7 @@
         <p:spPr>
           <a:xfrm>
             <a:off x="425160" y="4739760"/>
-            <a:ext cx="8297280" cy="720"/>
+            <a:ext cx="8297640" cy="1080"/>
           </a:xfrm>
           <a:prstGeom prst="straightConnector1">
             <a:avLst/>
@@ -2370,7 +2628,7 @@
         <p:spPr>
           <a:xfrm>
             <a:off x="425160" y="415440"/>
-            <a:ext cx="8297280" cy="720"/>
+            <a:ext cx="8297640" cy="1080"/>
           </a:xfrm>
           <a:prstGeom prst="straightConnector1">
             <a:avLst/>
@@ -2396,7 +2654,7 @@
         <p:spPr>
           <a:xfrm>
             <a:off x="8498160" y="4688640"/>
-            <a:ext cx="547920" cy="392760"/>
+            <a:ext cx="547560" cy="392400"/>
           </a:xfrm>
           <a:prstGeom prst="rect">
             <a:avLst/>
@@ -2439,7 +2697,7 @@
                 <a:tab algn="l" pos="0"/>
               </a:tabLst>
             </a:pPr>
-            <a:fld id="{262330FC-1D82-487E-8936-D3E6E7218BD1}" type="slidenum">
+            <a:fld id="{94BBFF76-329E-45B6-A6F0-0294002151C5}" type="slidenum">
               <a:rPr b="0" lang="en" sz="1000" strike="noStrike" u="none">
                 <a:solidFill>
                   <a:schemeClr val="dk2"/>
@@ -2557,7 +2815,7 @@
         <p:spPr>
           <a:xfrm>
             <a:off x="8498160" y="4688640"/>
-            <a:ext cx="547920" cy="392760"/>
+            <a:ext cx="547560" cy="392400"/>
           </a:xfrm>
           <a:prstGeom prst="rect">
             <a:avLst/>
@@ -2600,7 +2858,7 @@
                 <a:tab algn="l" pos="0"/>
               </a:tabLst>
             </a:pPr>
-            <a:fld id="{530075F9-299C-49F0-8192-5B7B3D1ACE15}" type="slidenum">
+            <a:fld id="{645DB57C-B686-4A15-BD7C-0B097B977701}" type="slidenum">
               <a:rPr b="0" lang="en" sz="1000" strike="noStrike" u="none">
                 <a:solidFill>
                   <a:schemeClr val="dk2"/>
@@ -2661,13 +2919,64 @@
             <a:spLocks noGrp="1"/>
           </p:cNvSpPr>
           <p:nvPr>
+            <p:ph type="title"/>
+          </p:nvPr>
+        </p:nvSpPr>
+        <p:spPr>
+          <a:xfrm>
+            <a:off x="457200" y="205200"/>
+            <a:ext cx="8228880" cy="858240"/>
+          </a:xfrm>
+          <a:prstGeom prst="rect">
+            <a:avLst/>
+          </a:prstGeom>
+          <a:noFill/>
+          <a:ln w="0">
+            <a:noFill/>
+          </a:ln>
+        </p:spPr>
+        <p:txBody>
+          <a:bodyPr lIns="0" rIns="0" tIns="0" bIns="0" anchor="ctr">
+            <a:noAutofit/>
+          </a:bodyPr>
+          <a:p>
+            <a:pPr indent="0">
+              <a:buNone/>
+            </a:pPr>
+            <a:r>
+              <a:rPr b="0" lang="en-US" sz="1800" strike="noStrike" u="none">
+                <a:solidFill>
+                  <a:srgbClr val="000000"/>
+                </a:solidFill>
+                <a:uFillTx/>
+                <a:latin typeface="Arial"/>
+              </a:rPr>
+              <a:t>Click to edit the title text format</a:t>
+            </a:r>
+            <a:endParaRPr b="0" lang="en-US" sz="1800" strike="noStrike" u="none">
+              <a:solidFill>
+                <a:srgbClr val="000000"/>
+              </a:solidFill>
+              <a:uFillTx/>
+              <a:latin typeface="Arial"/>
+            </a:endParaRPr>
+          </a:p>
+        </p:txBody>
+      </p:sp>
+      <p:sp>
+        <p:nvSpPr>
+          <p:cNvPr id="16" name="PlaceHolder 2"/>
+          <p:cNvSpPr>
+            <a:spLocks noGrp="1"/>
+          </p:cNvSpPr>
+          <p:nvPr>
             <p:ph type="sldNum" idx="4"/>
           </p:nvPr>
         </p:nvSpPr>
         <p:spPr>
           <a:xfrm>
             <a:off x="8498160" y="4688640"/>
-            <a:ext cx="547920" cy="392760"/>
+            <a:ext cx="547560" cy="392400"/>
           </a:xfrm>
           <a:prstGeom prst="rect">
             <a:avLst/>
@@ -2710,7 +3019,7 @@
                 <a:tab algn="l" pos="0"/>
               </a:tabLst>
             </a:pPr>
-            <a:fld id="{0BD050F3-A504-44E3-A96C-C5F8CD0C0F56}" type="slidenum">
+            <a:fld id="{7716172F-A6CF-4BF8-B883-0575B3CE03B6}" type="slidenum">
               <a:rPr b="0" lang="en" sz="1000" strike="noStrike" u="none">
                 <a:solidFill>
                   <a:schemeClr val="dk2"/>
@@ -2731,9 +3040,119 @@
           </a:p>
         </p:txBody>
       </p:sp>
-      <p:sp>
-        <p:nvSpPr>
-          <p:cNvPr id="16" name="PlaceHolder 2"/>
+    </p:spTree>
+  </p:cSld>
+  <p:clrMap bg1="lt1" tx1="dk1" bg2="dk2" tx2="lt2" accent1="accent1" accent2="accent2" accent3="accent3" accent4="accent4" accent5="accent5" accent6="accent6" hlink="hlink" folHlink="folHlink"/>
+  <p:sldLayoutIdLst>
+    <p:sldLayoutId id="2147483655" r:id="rId2"/>
+  </p:sldLayoutIdLst>
+</p:sldMaster>
+</file>
+
+<file path=ppt/slideMasters/slideMaster5.xml><?xml version="1.0" encoding="utf-8"?>
+<p:sldMaster xmlns:a="http://schemas.openxmlformats.org/drawingml/2006/main" xmlns:p="http://schemas.openxmlformats.org/presentationml/2006/main" xmlns:r="http://schemas.openxmlformats.org/officeDocument/2006/relationships" xmlns:p14="http://schemas.microsoft.com/office/powerpoint/2010/main" xmlns:p15="http://schemas.microsoft.com/office/powerpoint/2012/main" xmlns:mc="http://schemas.openxmlformats.org/markup-compatibility/2006">
+  <p:cSld>
+    <p:bg>
+      <p:bgPr>
+        <a:solidFill>
+          <a:schemeClr val="lt1"/>
+        </a:solidFill>
+      </p:bgPr>
+    </p:bg>
+    <p:spTree>
+      <p:nvGrpSpPr>
+        <p:cNvPr id="1" name=""/>
+        <p:cNvGrpSpPr/>
+        <p:nvPr/>
+      </p:nvGrpSpPr>
+      <p:grpSpPr>
+        <a:xfrm>
+          <a:off x="0" y="0"/>
+          <a:ext cx="0" cy="0"/>
+          <a:chOff x="0" y="0"/>
+          <a:chExt cx="0" cy="0"/>
+        </a:xfrm>
+      </p:grpSpPr>
+      <p:sp>
+        <p:nvSpPr>
+          <p:cNvPr id="19" name="PlaceHolder 1"/>
+          <p:cNvSpPr>
+            <a:spLocks noGrp="1"/>
+          </p:cNvSpPr>
+          <p:nvPr>
+            <p:ph type="sldNum" idx="5"/>
+          </p:nvPr>
+        </p:nvSpPr>
+        <p:spPr>
+          <a:xfrm>
+            <a:off x="8498160" y="4688640"/>
+            <a:ext cx="547560" cy="392400"/>
+          </a:xfrm>
+          <a:prstGeom prst="rect">
+            <a:avLst/>
+          </a:prstGeom>
+          <a:noFill/>
+          <a:ln w="0">
+            <a:noFill/>
+          </a:ln>
+        </p:spPr>
+        <p:txBody>
+          <a:bodyPr lIns="91440" rIns="91440" tIns="91440" bIns="91440" anchor="ctr">
+            <a:noAutofit/>
+          </a:bodyPr>
+          <a:lstStyle>
+            <a:lvl1pPr indent="0" algn="r">
+              <a:lnSpc>
+                <a:spcPct val="100000"/>
+              </a:lnSpc>
+              <a:buNone/>
+              <a:tabLst>
+                <a:tab algn="l" pos="0"/>
+              </a:tabLst>
+              <a:defRPr b="0" lang="en" sz="1000" strike="noStrike" u="none">
+                <a:solidFill>
+                  <a:schemeClr val="dk2"/>
+                </a:solidFill>
+                <a:uFillTx/>
+                <a:latin typeface="Lato"/>
+                <a:ea typeface="Lato"/>
+              </a:defRPr>
+            </a:lvl1pPr>
+          </a:lstStyle>
+          <a:p>
+            <a:pPr indent="0" algn="r">
+              <a:lnSpc>
+                <a:spcPct val="100000"/>
+              </a:lnSpc>
+              <a:buNone/>
+              <a:tabLst>
+                <a:tab algn="l" pos="0"/>
+              </a:tabLst>
+            </a:pPr>
+            <a:fld id="{265E3C5B-2AEA-4A61-B072-E3B95D8BCAE8}" type="slidenum">
+              <a:rPr b="0" lang="en" sz="1000" strike="noStrike" u="none">
+                <a:solidFill>
+                  <a:schemeClr val="dk2"/>
+                </a:solidFill>
+                <a:uFillTx/>
+                <a:latin typeface="Lato"/>
+                <a:ea typeface="Lato"/>
+              </a:rPr>
+              <a:t>1</a:t>
+            </a:fld>
+            <a:endParaRPr b="0" lang="en-US" sz="1000" strike="noStrike" u="none">
+              <a:solidFill>
+                <a:srgbClr val="000000"/>
+              </a:solidFill>
+              <a:uFillTx/>
+              <a:latin typeface="Times New Roman"/>
+            </a:endParaRPr>
+          </a:p>
+        </p:txBody>
+      </p:sp>
+      <p:sp>
+        <p:nvSpPr>
+          <p:cNvPr id="20" name="PlaceHolder 2"/>
           <p:cNvSpPr>
             <a:spLocks noGrp="1"/>
           </p:cNvSpPr>
@@ -2784,7 +3203,7 @@
       </p:sp>
       <p:sp>
         <p:nvSpPr>
-          <p:cNvPr id="17" name="PlaceHolder 3"/>
+          <p:cNvPr id="21" name="PlaceHolder 3"/>
           <p:cNvSpPr>
             <a:spLocks noGrp="1"/>
           </p:cNvSpPr>
@@ -3025,13 +3444,13 @@
   </p:cSld>
   <p:clrMap bg1="lt1" tx1="dk1" bg2="dk2" tx2="lt2" accent1="accent1" accent2="accent2" accent3="accent3" accent4="accent4" accent5="accent5" accent6="accent6" hlink="hlink" folHlink="folHlink"/>
   <p:sldLayoutIdLst>
-    <p:sldLayoutId id="2147483655" r:id="rId2"/>
-    <p:sldLayoutId id="2147483656" r:id="rId3"/>
+    <p:sldLayoutId id="2147483657" r:id="rId2"/>
+    <p:sldLayoutId id="2147483658" r:id="rId3"/>
   </p:sldLayoutIdLst>
 </p:sldMaster>
 </file>
 
-<file path=ppt/slideMasters/slideMaster5.xml><?xml version="1.0" encoding="utf-8"?>
+<file path=ppt/slideMasters/slideMaster6.xml><?xml version="1.0" encoding="utf-8"?>
 <p:sldMaster xmlns:a="http://schemas.openxmlformats.org/drawingml/2006/main" xmlns:p="http://schemas.openxmlformats.org/presentationml/2006/main" xmlns:r="http://schemas.openxmlformats.org/officeDocument/2006/relationships" xmlns:p14="http://schemas.microsoft.com/office/powerpoint/2010/main" xmlns:p15="http://schemas.microsoft.com/office/powerpoint/2012/main" xmlns:mc="http://schemas.openxmlformats.org/markup-compatibility/2006">
   <p:cSld>
     <p:bg>
@@ -3057,14 +3476,14 @@
       </p:grpSpPr>
       <p:cxnSp>
         <p:nvCxnSpPr>
-          <p:cNvPr id="20" name="Google Shape;17;p3"/>
+          <p:cNvPr id="24" name="Google Shape;17;p3"/>
           <p:cNvCxnSpPr/>
           <p:nvPr/>
         </p:nvCxnSpPr>
         <p:spPr>
           <a:xfrm>
             <a:off x="425160" y="415440"/>
-            <a:ext cx="8297280" cy="720"/>
+            <a:ext cx="8297640" cy="1080"/>
           </a:xfrm>
           <a:prstGeom prst="straightConnector1">
             <a:avLst/>
@@ -3079,14 +3498,14 @@
       </p:cxnSp>
       <p:cxnSp>
         <p:nvCxnSpPr>
-          <p:cNvPr id="21" name="Google Shape;18;p3"/>
+          <p:cNvPr id="25" name="Google Shape;18;p3"/>
           <p:cNvCxnSpPr/>
           <p:nvPr/>
         </p:nvCxnSpPr>
         <p:spPr>
           <a:xfrm>
             <a:off x="425160" y="4739760"/>
-            <a:ext cx="8297280" cy="720"/>
+            <a:ext cx="8297640" cy="1080"/>
           </a:xfrm>
           <a:prstGeom prst="straightConnector1">
             <a:avLst/>
@@ -3101,473 +3520,7 @@
       </p:cxnSp>
       <p:sp>
         <p:nvSpPr>
-          <p:cNvPr id="22" name="PlaceHolder 1"/>
-          <p:cNvSpPr>
-            <a:spLocks noGrp="1"/>
-          </p:cNvSpPr>
-          <p:nvPr>
-            <p:ph type="sldNum" idx="5"/>
-          </p:nvPr>
-        </p:nvSpPr>
-        <p:spPr>
-          <a:xfrm>
-            <a:off x="8498160" y="4688640"/>
-            <a:ext cx="547920" cy="392760"/>
-          </a:xfrm>
-          <a:prstGeom prst="rect">
-            <a:avLst/>
-          </a:prstGeom>
-          <a:noFill/>
-          <a:ln w="0">
-            <a:noFill/>
-          </a:ln>
-        </p:spPr>
-        <p:txBody>
-          <a:bodyPr lIns="91440" rIns="91440" tIns="91440" bIns="91440" anchor="ctr">
-            <a:noAutofit/>
-          </a:bodyPr>
-          <a:lstStyle>
-            <a:lvl1pPr indent="0" algn="r">
-              <a:lnSpc>
-                <a:spcPct val="100000"/>
-              </a:lnSpc>
-              <a:buNone/>
-              <a:tabLst>
-                <a:tab algn="l" pos="0"/>
-              </a:tabLst>
-              <a:defRPr b="0" lang="en" sz="1000" strike="noStrike" u="none">
-                <a:solidFill>
-                  <a:schemeClr val="lt1"/>
-                </a:solidFill>
-                <a:uFillTx/>
-                <a:latin typeface="Lato"/>
-                <a:ea typeface="Lato"/>
-              </a:defRPr>
-            </a:lvl1pPr>
-          </a:lstStyle>
-          <a:p>
-            <a:pPr indent="0" algn="r">
-              <a:lnSpc>
-                <a:spcPct val="100000"/>
-              </a:lnSpc>
-              <a:buNone/>
-              <a:tabLst>
-                <a:tab algn="l" pos="0"/>
-              </a:tabLst>
-            </a:pPr>
-            <a:fld id="{762DA0EE-C116-4E1A-88CB-C9937722E32D}" type="slidenum">
-              <a:rPr b="0" lang="en" sz="1000" strike="noStrike" u="none">
-                <a:solidFill>
-                  <a:schemeClr val="lt1"/>
-                </a:solidFill>
-                <a:uFillTx/>
-                <a:latin typeface="Lato"/>
-                <a:ea typeface="Lato"/>
-              </a:rPr>
-              <a:t>1</a:t>
-            </a:fld>
-            <a:endParaRPr b="0" lang="en-US" sz="1000" strike="noStrike" u="none">
-              <a:solidFill>
-                <a:srgbClr val="ffffff"/>
-              </a:solidFill>
-              <a:uFillTx/>
-              <a:latin typeface="Times New Roman"/>
-            </a:endParaRPr>
-          </a:p>
-        </p:txBody>
-      </p:sp>
-    </p:spTree>
-  </p:cSld>
-  <p:clrMap bg1="lt1" tx1="dk1" bg2="dk2" tx2="lt2" accent1="accent1" accent2="accent2" accent3="accent3" accent4="accent4" accent5="accent5" accent6="accent6" hlink="hlink" folHlink="folHlink"/>
-  <p:sldLayoutIdLst>
-    <p:sldLayoutId id="2147483658" r:id="rId2"/>
-  </p:sldLayoutIdLst>
-</p:sldMaster>
-</file>
-
-<file path=ppt/slideMasters/slideMaster6.xml><?xml version="1.0" encoding="utf-8"?>
-<p:sldMaster xmlns:a="http://schemas.openxmlformats.org/drawingml/2006/main" xmlns:p="http://schemas.openxmlformats.org/presentationml/2006/main" xmlns:r="http://schemas.openxmlformats.org/officeDocument/2006/relationships" xmlns:p14="http://schemas.microsoft.com/office/powerpoint/2010/main" xmlns:p15="http://schemas.microsoft.com/office/powerpoint/2012/main" xmlns:mc="http://schemas.openxmlformats.org/markup-compatibility/2006">
-  <p:cSld>
-    <p:bg>
-      <p:bgPr>
-        <a:solidFill>
-          <a:schemeClr val="lt1"/>
-        </a:solidFill>
-      </p:bgPr>
-    </p:bg>
-    <p:spTree>
-      <p:nvGrpSpPr>
-        <p:cNvPr id="1" name=""/>
-        <p:cNvGrpSpPr/>
-        <p:nvPr/>
-      </p:nvGrpSpPr>
-      <p:grpSpPr>
-        <a:xfrm>
-          <a:off x="0" y="0"/>
-          <a:ext cx="0" cy="0"/>
-          <a:chOff x="0" y="0"/>
-          <a:chExt cx="0" cy="0"/>
-        </a:xfrm>
-      </p:grpSpPr>
-      <p:cxnSp>
-        <p:nvCxnSpPr>
-          <p:cNvPr id="23" name="Google Shape;22;p4"/>
-          <p:cNvCxnSpPr/>
-          <p:nvPr/>
-        </p:nvCxnSpPr>
-        <p:spPr>
-          <a:xfrm>
-            <a:off x="2477520" y="415440"/>
-            <a:ext cx="6244920" cy="720"/>
-          </a:xfrm>
-          <a:prstGeom prst="straightConnector1">
-            <a:avLst/>
-          </a:prstGeom>
-          <a:ln w="38100">
-            <a:solidFill>
-              <a:srgbClr val="000000"/>
-            </a:solidFill>
-            <a:round/>
-          </a:ln>
-        </p:spPr>
-      </p:cxnSp>
-      <p:cxnSp>
-        <p:nvCxnSpPr>
-          <p:cNvPr id="24" name="Google Shape;23;p4"/>
-          <p:cNvCxnSpPr/>
-          <p:nvPr/>
-        </p:nvCxnSpPr>
-        <p:spPr>
-          <a:xfrm>
-            <a:off x="2477520" y="4739760"/>
-            <a:ext cx="6244920" cy="720"/>
-          </a:xfrm>
-          <a:prstGeom prst="straightConnector1">
-            <a:avLst/>
-          </a:prstGeom>
-          <a:ln w="19050">
-            <a:solidFill>
-              <a:srgbClr val="000000"/>
-            </a:solidFill>
-            <a:round/>
-          </a:ln>
-        </p:spPr>
-      </p:cxnSp>
-      <p:cxnSp>
-        <p:nvCxnSpPr>
-          <p:cNvPr id="25" name="Google Shape;24;p4"/>
-          <p:cNvCxnSpPr/>
-          <p:nvPr/>
-        </p:nvCxnSpPr>
-        <p:spPr>
-          <a:xfrm>
-            <a:off x="425160" y="415440"/>
-            <a:ext cx="183960" cy="720"/>
-          </a:xfrm>
-          <a:prstGeom prst="straightConnector1">
-            <a:avLst/>
-          </a:prstGeom>
-          <a:ln w="19050">
-            <a:solidFill>
-              <a:srgbClr val="000000"/>
-            </a:solidFill>
-            <a:round/>
-          </a:ln>
-        </p:spPr>
-      </p:cxnSp>
-      <p:sp>
-        <p:nvSpPr>
           <p:cNvPr id="26" name="PlaceHolder 1"/>
-          <p:cNvSpPr>
-            <a:spLocks noGrp="1"/>
-          </p:cNvSpPr>
-          <p:nvPr>
-            <p:ph type="title"/>
-          </p:nvPr>
-        </p:nvSpPr>
-        <p:spPr>
-          <a:xfrm>
-            <a:off x="457200" y="205200"/>
-            <a:ext cx="8228880" cy="858240"/>
-          </a:xfrm>
-          <a:prstGeom prst="rect">
-            <a:avLst/>
-          </a:prstGeom>
-          <a:noFill/>
-          <a:ln w="0">
-            <a:noFill/>
-          </a:ln>
-        </p:spPr>
-        <p:txBody>
-          <a:bodyPr lIns="0" rIns="0" tIns="0" bIns="0" anchor="ctr">
-            <a:noAutofit/>
-          </a:bodyPr>
-          <a:p>
-            <a:pPr indent="0">
-              <a:buNone/>
-            </a:pPr>
-            <a:r>
-              <a:rPr b="0" lang="en-US" sz="1800" strike="noStrike" u="none">
-                <a:solidFill>
-                  <a:srgbClr val="000000"/>
-                </a:solidFill>
-                <a:uFillTx/>
-                <a:latin typeface="Arial"/>
-              </a:rPr>
-              <a:t>Click to edit the title text format</a:t>
-            </a:r>
-            <a:endParaRPr b="0" lang="en-US" sz="1800" strike="noStrike" u="none">
-              <a:solidFill>
-                <a:srgbClr val="000000"/>
-              </a:solidFill>
-              <a:uFillTx/>
-              <a:latin typeface="Arial"/>
-            </a:endParaRPr>
-          </a:p>
-        </p:txBody>
-      </p:sp>
-      <p:sp>
-        <p:nvSpPr>
-          <p:cNvPr id="27" name="PlaceHolder 2"/>
-          <p:cNvSpPr>
-            <a:spLocks noGrp="1"/>
-          </p:cNvSpPr>
-          <p:nvPr>
-            <p:ph type="body"/>
-          </p:nvPr>
-        </p:nvSpPr>
-        <p:spPr>
-          <a:xfrm>
-            <a:off x="457200" y="1203480"/>
-            <a:ext cx="8228880" cy="2982600"/>
-          </a:xfrm>
-          <a:prstGeom prst="rect">
-            <a:avLst/>
-          </a:prstGeom>
-          <a:noFill/>
-          <a:ln w="0">
-            <a:noFill/>
-          </a:ln>
-        </p:spPr>
-        <p:txBody>
-          <a:bodyPr lIns="0" rIns="0" tIns="0" bIns="0" anchor="t">
-            <a:normAutofit/>
-          </a:bodyPr>
-          <a:p>
-            <a:pPr marL="432000" indent="-324000">
-              <a:spcBef>
-                <a:spcPts val="1417"/>
-              </a:spcBef>
-              <a:buClr>
-                <a:srgbClr val="000000"/>
-              </a:buClr>
-              <a:buSzPct val="45000"/>
-              <a:buFont typeface="Wingdings" charset="2"/>
-              <a:buChar char=""/>
-            </a:pPr>
-            <a:r>
-              <a:rPr b="0" lang="en-US" sz="1800" strike="noStrike" u="none">
-                <a:solidFill>
-                  <a:srgbClr val="000000"/>
-                </a:solidFill>
-                <a:uFillTx/>
-                <a:latin typeface="Arial"/>
-              </a:rPr>
-              <a:t>Click to edit the outline text format</a:t>
-            </a:r>
-            <a:endParaRPr b="0" lang="en-US" sz="1800" strike="noStrike" u="none">
-              <a:solidFill>
-                <a:srgbClr val="000000"/>
-              </a:solidFill>
-              <a:uFillTx/>
-              <a:latin typeface="Arial"/>
-            </a:endParaRPr>
-          </a:p>
-          <a:p>
-            <a:pPr lvl="1" marL="864000" indent="-324000">
-              <a:spcBef>
-                <a:spcPts val="1134"/>
-              </a:spcBef>
-              <a:buClr>
-                <a:srgbClr val="000000"/>
-              </a:buClr>
-              <a:buSzPct val="75000"/>
-              <a:buFont typeface="Symbol" charset="2"/>
-              <a:buChar char=""/>
-            </a:pPr>
-            <a:r>
-              <a:rPr b="0" lang="en-US" sz="1800" strike="noStrike" u="none">
-                <a:solidFill>
-                  <a:srgbClr val="000000"/>
-                </a:solidFill>
-                <a:uFillTx/>
-                <a:latin typeface="Arial"/>
-              </a:rPr>
-              <a:t>Second Outline Level</a:t>
-            </a:r>
-            <a:endParaRPr b="0" lang="en-US" sz="1800" strike="noStrike" u="none">
-              <a:solidFill>
-                <a:srgbClr val="000000"/>
-              </a:solidFill>
-              <a:uFillTx/>
-              <a:latin typeface="Arial"/>
-            </a:endParaRPr>
-          </a:p>
-          <a:p>
-            <a:pPr lvl="2" marL="1296000" indent="-288000">
-              <a:spcBef>
-                <a:spcPts val="850"/>
-              </a:spcBef>
-              <a:buClr>
-                <a:srgbClr val="000000"/>
-              </a:buClr>
-              <a:buSzPct val="45000"/>
-              <a:buFont typeface="Wingdings" charset="2"/>
-              <a:buChar char=""/>
-            </a:pPr>
-            <a:r>
-              <a:rPr b="0" lang="en-US" sz="1800" strike="noStrike" u="none">
-                <a:solidFill>
-                  <a:srgbClr val="000000"/>
-                </a:solidFill>
-                <a:uFillTx/>
-                <a:latin typeface="Arial"/>
-              </a:rPr>
-              <a:t>Third Outline Level</a:t>
-            </a:r>
-            <a:endParaRPr b="0" lang="en-US" sz="1800" strike="noStrike" u="none">
-              <a:solidFill>
-                <a:srgbClr val="000000"/>
-              </a:solidFill>
-              <a:uFillTx/>
-              <a:latin typeface="Arial"/>
-            </a:endParaRPr>
-          </a:p>
-          <a:p>
-            <a:pPr lvl="3" marL="1728000" indent="-216000">
-              <a:spcBef>
-                <a:spcPts val="567"/>
-              </a:spcBef>
-              <a:buClr>
-                <a:srgbClr val="000000"/>
-              </a:buClr>
-              <a:buSzPct val="75000"/>
-              <a:buFont typeface="Symbol" charset="2"/>
-              <a:buChar char=""/>
-            </a:pPr>
-            <a:r>
-              <a:rPr b="0" lang="en-US" sz="1800" strike="noStrike" u="none">
-                <a:solidFill>
-                  <a:srgbClr val="000000"/>
-                </a:solidFill>
-                <a:uFillTx/>
-                <a:latin typeface="Arial"/>
-              </a:rPr>
-              <a:t>Fourth Outline Level</a:t>
-            </a:r>
-            <a:endParaRPr b="0" lang="en-US" sz="1800" strike="noStrike" u="none">
-              <a:solidFill>
-                <a:srgbClr val="000000"/>
-              </a:solidFill>
-              <a:uFillTx/>
-              <a:latin typeface="Arial"/>
-            </a:endParaRPr>
-          </a:p>
-          <a:p>
-            <a:pPr lvl="4" marL="2160000" indent="-216000">
-              <a:spcBef>
-                <a:spcPts val="283"/>
-              </a:spcBef>
-              <a:buClr>
-                <a:srgbClr val="000000"/>
-              </a:buClr>
-              <a:buSzPct val="45000"/>
-              <a:buFont typeface="Wingdings" charset="2"/>
-              <a:buChar char=""/>
-            </a:pPr>
-            <a:r>
-              <a:rPr b="0" lang="en-US" sz="1800" strike="noStrike" u="none">
-                <a:solidFill>
-                  <a:srgbClr val="000000"/>
-                </a:solidFill>
-                <a:uFillTx/>
-                <a:latin typeface="Arial"/>
-              </a:rPr>
-              <a:t>Fifth Outline Level</a:t>
-            </a:r>
-            <a:endParaRPr b="0" lang="en-US" sz="1800" strike="noStrike" u="none">
-              <a:solidFill>
-                <a:srgbClr val="000000"/>
-              </a:solidFill>
-              <a:uFillTx/>
-              <a:latin typeface="Arial"/>
-            </a:endParaRPr>
-          </a:p>
-          <a:p>
-            <a:pPr lvl="5" marL="2592000" indent="-216000">
-              <a:spcBef>
-                <a:spcPts val="283"/>
-              </a:spcBef>
-              <a:buClr>
-                <a:srgbClr val="000000"/>
-              </a:buClr>
-              <a:buSzPct val="45000"/>
-              <a:buFont typeface="Wingdings" charset="2"/>
-              <a:buChar char=""/>
-            </a:pPr>
-            <a:r>
-              <a:rPr b="0" lang="en-US" sz="1800" strike="noStrike" u="none">
-                <a:solidFill>
-                  <a:srgbClr val="000000"/>
-                </a:solidFill>
-                <a:uFillTx/>
-                <a:latin typeface="Arial"/>
-              </a:rPr>
-              <a:t>Sixth Outline Level</a:t>
-            </a:r>
-            <a:endParaRPr b="0" lang="en-US" sz="1800" strike="noStrike" u="none">
-              <a:solidFill>
-                <a:srgbClr val="000000"/>
-              </a:solidFill>
-              <a:uFillTx/>
-              <a:latin typeface="Arial"/>
-            </a:endParaRPr>
-          </a:p>
-          <a:p>
-            <a:pPr lvl="6" marL="3024000" indent="-216000">
-              <a:spcBef>
-                <a:spcPts val="283"/>
-              </a:spcBef>
-              <a:buClr>
-                <a:srgbClr val="000000"/>
-              </a:buClr>
-              <a:buSzPct val="45000"/>
-              <a:buFont typeface="Wingdings" charset="2"/>
-              <a:buChar char=""/>
-            </a:pPr>
-            <a:r>
-              <a:rPr b="0" lang="en-US" sz="1800" strike="noStrike" u="none">
-                <a:solidFill>
-                  <a:srgbClr val="000000"/>
-                </a:solidFill>
-                <a:uFillTx/>
-                <a:latin typeface="Arial"/>
-              </a:rPr>
-              <a:t>Seventh Outline Level</a:t>
-            </a:r>
-            <a:endParaRPr b="0" lang="en-US" sz="1800" strike="noStrike" u="none">
-              <a:solidFill>
-                <a:srgbClr val="000000"/>
-              </a:solidFill>
-              <a:uFillTx/>
-              <a:latin typeface="Arial"/>
-            </a:endParaRPr>
-          </a:p>
-        </p:txBody>
-      </p:sp>
-      <p:sp>
-        <p:nvSpPr>
-          <p:cNvPr id="28" name="PlaceHolder 3"/>
           <p:cNvSpPr>
             <a:spLocks noGrp="1"/>
           </p:cNvSpPr>
@@ -3578,7 +3531,7 @@
         <p:spPr>
           <a:xfrm>
             <a:off x="8498160" y="4688640"/>
-            <a:ext cx="547920" cy="392760"/>
+            <a:ext cx="547560" cy="392400"/>
           </a:xfrm>
           <a:prstGeom prst="rect">
             <a:avLst/>
@@ -3603,7 +3556,7 @@
               </a:tabLst>
               <a:defRPr b="0" lang="en" sz="1000" strike="noStrike" u="none">
                 <a:solidFill>
-                  <a:schemeClr val="dk2"/>
+                  <a:schemeClr val="lt1"/>
                 </a:solidFill>
                 <a:uFillTx/>
                 <a:latin typeface="Lato"/>
@@ -3621,20 +3574,20 @@
                 <a:tab algn="l" pos="0"/>
               </a:tabLst>
             </a:pPr>
-            <a:fld id="{A65A9C05-E1C0-4DE7-9A80-C9F47738C935}" type="slidenum">
+            <a:fld id="{9F18A004-E464-42CF-97EE-63090A883B2F}" type="slidenum">
               <a:rPr b="0" lang="en" sz="1000" strike="noStrike" u="none">
                 <a:solidFill>
-                  <a:schemeClr val="dk2"/>
+                  <a:schemeClr val="lt1"/>
                 </a:solidFill>
                 <a:uFillTx/>
                 <a:latin typeface="Lato"/>
                 <a:ea typeface="Lato"/>
               </a:rPr>
-              <a:t>&lt;number&gt;</a:t>
+              <a:t>1</a:t>
             </a:fld>
             <a:endParaRPr b="0" lang="en-US" sz="1000" strike="noStrike" u="none">
               <a:solidFill>
-                <a:srgbClr val="000000"/>
+                <a:srgbClr val="ffffff"/>
               </a:solidFill>
               <a:uFillTx/>
               <a:latin typeface="Times New Roman"/>
@@ -3677,14 +3630,14 @@
       </p:grpSpPr>
       <p:cxnSp>
         <p:nvCxnSpPr>
-          <p:cNvPr id="31" name="Google Shape;29;p5"/>
+          <p:cNvPr id="27" name="Google Shape;22;p4"/>
           <p:cNvCxnSpPr/>
           <p:nvPr/>
         </p:nvCxnSpPr>
         <p:spPr>
           <a:xfrm>
             <a:off x="2477520" y="415440"/>
-            <a:ext cx="6244920" cy="720"/>
+            <a:ext cx="6245280" cy="1080"/>
           </a:xfrm>
           <a:prstGeom prst="straightConnector1">
             <a:avLst/>
@@ -3699,14 +3652,14 @@
       </p:cxnSp>
       <p:cxnSp>
         <p:nvCxnSpPr>
-          <p:cNvPr id="32" name="Google Shape;30;p5"/>
+          <p:cNvPr id="28" name="Google Shape;23;p4"/>
           <p:cNvCxnSpPr/>
           <p:nvPr/>
         </p:nvCxnSpPr>
         <p:spPr>
           <a:xfrm>
             <a:off x="2477520" y="4739760"/>
-            <a:ext cx="6244920" cy="720"/>
+            <a:ext cx="6245280" cy="1080"/>
           </a:xfrm>
           <a:prstGeom prst="straightConnector1">
             <a:avLst/>
@@ -3721,14 +3674,14 @@
       </p:cxnSp>
       <p:cxnSp>
         <p:nvCxnSpPr>
-          <p:cNvPr id="33" name="Google Shape;31;p5"/>
+          <p:cNvPr id="29" name="Google Shape;24;p4"/>
           <p:cNvCxnSpPr/>
           <p:nvPr/>
         </p:nvCxnSpPr>
         <p:spPr>
           <a:xfrm>
             <a:off x="425160" y="415440"/>
-            <a:ext cx="183960" cy="720"/>
+            <a:ext cx="184320" cy="1080"/>
           </a:xfrm>
           <a:prstGeom prst="straightConnector1">
             <a:avLst/>
@@ -3743,7 +3696,7 @@
       </p:cxnSp>
       <p:sp>
         <p:nvSpPr>
-          <p:cNvPr id="34" name="PlaceHolder 1"/>
+          <p:cNvPr id="30" name="PlaceHolder 1"/>
           <p:cNvSpPr>
             <a:spLocks noGrp="1"/>
           </p:cNvSpPr>
@@ -3794,7 +3747,7 @@
       </p:sp>
       <p:sp>
         <p:nvSpPr>
-          <p:cNvPr id="35" name="PlaceHolder 2"/>
+          <p:cNvPr id="31" name="PlaceHolder 2"/>
           <p:cNvSpPr>
             <a:spLocks noGrp="1"/>
           </p:cNvSpPr>
@@ -3805,7 +3758,7 @@
         <p:spPr>
           <a:xfrm>
             <a:off x="457200" y="1203480"/>
-            <a:ext cx="4015440" cy="2982600"/>
+            <a:ext cx="8228880" cy="2982600"/>
           </a:xfrm>
           <a:prstGeom prst="rect">
             <a:avLst/>
@@ -3817,7 +3770,7 @@
         </p:spPr>
         <p:txBody>
           <a:bodyPr lIns="0" rIns="0" tIns="0" bIns="0" anchor="t">
-            <a:normAutofit lnSpcReduction="9999"/>
+            <a:normAutofit/>
           </a:bodyPr>
           <a:p>
             <a:pPr marL="432000" indent="-324000">
@@ -4033,246 +3986,7 @@
       </p:sp>
       <p:sp>
         <p:nvSpPr>
-          <p:cNvPr id="36" name="PlaceHolder 3"/>
-          <p:cNvSpPr>
-            <a:spLocks noGrp="1"/>
-          </p:cNvSpPr>
-          <p:nvPr>
-            <p:ph type="body"/>
-          </p:nvPr>
-        </p:nvSpPr>
-        <p:spPr>
-          <a:xfrm>
-            <a:off x="4674240" y="1203480"/>
-            <a:ext cx="4015440" cy="2982600"/>
-          </a:xfrm>
-          <a:prstGeom prst="rect">
-            <a:avLst/>
-          </a:prstGeom>
-          <a:noFill/>
-          <a:ln w="0">
-            <a:noFill/>
-          </a:ln>
-        </p:spPr>
-        <p:txBody>
-          <a:bodyPr lIns="0" rIns="0" tIns="0" bIns="0" anchor="t">
-            <a:normAutofit lnSpcReduction="9999"/>
-          </a:bodyPr>
-          <a:p>
-            <a:pPr marL="432000" indent="-324000">
-              <a:spcBef>
-                <a:spcPts val="1417"/>
-              </a:spcBef>
-              <a:buClr>
-                <a:srgbClr val="000000"/>
-              </a:buClr>
-              <a:buSzPct val="45000"/>
-              <a:buFont typeface="Wingdings" charset="2"/>
-              <a:buChar char=""/>
-            </a:pPr>
-            <a:r>
-              <a:rPr b="0" lang="en-US" sz="1800" strike="noStrike" u="none">
-                <a:solidFill>
-                  <a:srgbClr val="000000"/>
-                </a:solidFill>
-                <a:uFillTx/>
-                <a:latin typeface="Arial"/>
-              </a:rPr>
-              <a:t>Click to edit the outline text format</a:t>
-            </a:r>
-            <a:endParaRPr b="0" lang="en-US" sz="1800" strike="noStrike" u="none">
-              <a:solidFill>
-                <a:srgbClr val="000000"/>
-              </a:solidFill>
-              <a:uFillTx/>
-              <a:latin typeface="Arial"/>
-            </a:endParaRPr>
-          </a:p>
-          <a:p>
-            <a:pPr lvl="1" marL="864000" indent="-324000">
-              <a:spcBef>
-                <a:spcPts val="1134"/>
-              </a:spcBef>
-              <a:buClr>
-                <a:srgbClr val="000000"/>
-              </a:buClr>
-              <a:buSzPct val="75000"/>
-              <a:buFont typeface="Symbol" charset="2"/>
-              <a:buChar char=""/>
-            </a:pPr>
-            <a:r>
-              <a:rPr b="0" lang="en-US" sz="1800" strike="noStrike" u="none">
-                <a:solidFill>
-                  <a:srgbClr val="000000"/>
-                </a:solidFill>
-                <a:uFillTx/>
-                <a:latin typeface="Arial"/>
-              </a:rPr>
-              <a:t>Second Outline Level</a:t>
-            </a:r>
-            <a:endParaRPr b="0" lang="en-US" sz="1800" strike="noStrike" u="none">
-              <a:solidFill>
-                <a:srgbClr val="000000"/>
-              </a:solidFill>
-              <a:uFillTx/>
-              <a:latin typeface="Arial"/>
-            </a:endParaRPr>
-          </a:p>
-          <a:p>
-            <a:pPr lvl="2" marL="1296000" indent="-288000">
-              <a:spcBef>
-                <a:spcPts val="850"/>
-              </a:spcBef>
-              <a:buClr>
-                <a:srgbClr val="000000"/>
-              </a:buClr>
-              <a:buSzPct val="45000"/>
-              <a:buFont typeface="Wingdings" charset="2"/>
-              <a:buChar char=""/>
-            </a:pPr>
-            <a:r>
-              <a:rPr b="0" lang="en-US" sz="1800" strike="noStrike" u="none">
-                <a:solidFill>
-                  <a:srgbClr val="000000"/>
-                </a:solidFill>
-                <a:uFillTx/>
-                <a:latin typeface="Arial"/>
-              </a:rPr>
-              <a:t>Third Outline Level</a:t>
-            </a:r>
-            <a:endParaRPr b="0" lang="en-US" sz="1800" strike="noStrike" u="none">
-              <a:solidFill>
-                <a:srgbClr val="000000"/>
-              </a:solidFill>
-              <a:uFillTx/>
-              <a:latin typeface="Arial"/>
-            </a:endParaRPr>
-          </a:p>
-          <a:p>
-            <a:pPr lvl="3" marL="1728000" indent="-216000">
-              <a:spcBef>
-                <a:spcPts val="567"/>
-              </a:spcBef>
-              <a:buClr>
-                <a:srgbClr val="000000"/>
-              </a:buClr>
-              <a:buSzPct val="75000"/>
-              <a:buFont typeface="Symbol" charset="2"/>
-              <a:buChar char=""/>
-            </a:pPr>
-            <a:r>
-              <a:rPr b="0" lang="en-US" sz="1800" strike="noStrike" u="none">
-                <a:solidFill>
-                  <a:srgbClr val="000000"/>
-                </a:solidFill>
-                <a:uFillTx/>
-                <a:latin typeface="Arial"/>
-              </a:rPr>
-              <a:t>Fourth Outline Level</a:t>
-            </a:r>
-            <a:endParaRPr b="0" lang="en-US" sz="1800" strike="noStrike" u="none">
-              <a:solidFill>
-                <a:srgbClr val="000000"/>
-              </a:solidFill>
-              <a:uFillTx/>
-              <a:latin typeface="Arial"/>
-            </a:endParaRPr>
-          </a:p>
-          <a:p>
-            <a:pPr lvl="4" marL="2160000" indent="-216000">
-              <a:spcBef>
-                <a:spcPts val="283"/>
-              </a:spcBef>
-              <a:buClr>
-                <a:srgbClr val="000000"/>
-              </a:buClr>
-              <a:buSzPct val="45000"/>
-              <a:buFont typeface="Wingdings" charset="2"/>
-              <a:buChar char=""/>
-            </a:pPr>
-            <a:r>
-              <a:rPr b="0" lang="en-US" sz="1800" strike="noStrike" u="none">
-                <a:solidFill>
-                  <a:srgbClr val="000000"/>
-                </a:solidFill>
-                <a:uFillTx/>
-                <a:latin typeface="Arial"/>
-              </a:rPr>
-              <a:t>Fifth Outline Level</a:t>
-            </a:r>
-            <a:endParaRPr b="0" lang="en-US" sz="1800" strike="noStrike" u="none">
-              <a:solidFill>
-                <a:srgbClr val="000000"/>
-              </a:solidFill>
-              <a:uFillTx/>
-              <a:latin typeface="Arial"/>
-            </a:endParaRPr>
-          </a:p>
-          <a:p>
-            <a:pPr lvl="5" marL="2592000" indent="-216000">
-              <a:spcBef>
-                <a:spcPts val="283"/>
-              </a:spcBef>
-              <a:buClr>
-                <a:srgbClr val="000000"/>
-              </a:buClr>
-              <a:buSzPct val="45000"/>
-              <a:buFont typeface="Wingdings" charset="2"/>
-              <a:buChar char=""/>
-            </a:pPr>
-            <a:r>
-              <a:rPr b="0" lang="en-US" sz="1800" strike="noStrike" u="none">
-                <a:solidFill>
-                  <a:srgbClr val="000000"/>
-                </a:solidFill>
-                <a:uFillTx/>
-                <a:latin typeface="Arial"/>
-              </a:rPr>
-              <a:t>Sixth Outline Level</a:t>
-            </a:r>
-            <a:endParaRPr b="0" lang="en-US" sz="1800" strike="noStrike" u="none">
-              <a:solidFill>
-                <a:srgbClr val="000000"/>
-              </a:solidFill>
-              <a:uFillTx/>
-              <a:latin typeface="Arial"/>
-            </a:endParaRPr>
-          </a:p>
-          <a:p>
-            <a:pPr lvl="6" marL="3024000" indent="-216000">
-              <a:spcBef>
-                <a:spcPts val="283"/>
-              </a:spcBef>
-              <a:buClr>
-                <a:srgbClr val="000000"/>
-              </a:buClr>
-              <a:buSzPct val="45000"/>
-              <a:buFont typeface="Wingdings" charset="2"/>
-              <a:buChar char=""/>
-            </a:pPr>
-            <a:r>
-              <a:rPr b="0" lang="en-US" sz="1800" strike="noStrike" u="none">
-                <a:solidFill>
-                  <a:srgbClr val="000000"/>
-                </a:solidFill>
-                <a:uFillTx/>
-                <a:latin typeface="Arial"/>
-              </a:rPr>
-              <a:t>Seventh Outline Level</a:t>
-            </a:r>
-            <a:endParaRPr b="0" lang="en-US" sz="1800" strike="noStrike" u="none">
-              <a:solidFill>
-                <a:srgbClr val="000000"/>
-              </a:solidFill>
-              <a:uFillTx/>
-              <a:latin typeface="Arial"/>
-            </a:endParaRPr>
-          </a:p>
-        </p:txBody>
-      </p:sp>
-      <p:sp>
-        <p:nvSpPr>
-          <p:cNvPr id="37" name="PlaceHolder 4"/>
+          <p:cNvPr id="32" name="PlaceHolder 3"/>
           <p:cNvSpPr>
             <a:spLocks noGrp="1"/>
           </p:cNvSpPr>
@@ -4283,7 +3997,7 @@
         <p:spPr>
           <a:xfrm>
             <a:off x="8498160" y="4688640"/>
-            <a:ext cx="547920" cy="392760"/>
+            <a:ext cx="547560" cy="392400"/>
           </a:xfrm>
           <a:prstGeom prst="rect">
             <a:avLst/>
@@ -4326,7 +4040,7 @@
                 <a:tab algn="l" pos="0"/>
               </a:tabLst>
             </a:pPr>
-            <a:fld id="{8C90487F-AC2E-4D6B-ADED-E20013FFB4E7}" type="slidenum">
+            <a:fld id="{52B913B6-EE2E-4336-9D2F-C86B0BF75E5E}" type="slidenum">
               <a:rPr b="0" lang="en" sz="1000" strike="noStrike" u="none">
                 <a:solidFill>
                   <a:schemeClr val="dk2"/>
@@ -4380,9 +4094,75 @@
           <a:chExt cx="0" cy="0"/>
         </a:xfrm>
       </p:grpSpPr>
-      <p:sp>
-        <p:nvSpPr>
-          <p:cNvPr id="41" name="PlaceHolder 1"/>
+      <p:cxnSp>
+        <p:nvCxnSpPr>
+          <p:cNvPr id="35" name="Google Shape;29;p5"/>
+          <p:cNvCxnSpPr/>
+          <p:nvPr/>
+        </p:nvCxnSpPr>
+        <p:spPr>
+          <a:xfrm>
+            <a:off x="2477520" y="415440"/>
+            <a:ext cx="6245280" cy="1080"/>
+          </a:xfrm>
+          <a:prstGeom prst="straightConnector1">
+            <a:avLst/>
+          </a:prstGeom>
+          <a:ln w="38100">
+            <a:solidFill>
+              <a:srgbClr val="000000"/>
+            </a:solidFill>
+            <a:round/>
+          </a:ln>
+        </p:spPr>
+      </p:cxnSp>
+      <p:cxnSp>
+        <p:nvCxnSpPr>
+          <p:cNvPr id="36" name="Google Shape;30;p5"/>
+          <p:cNvCxnSpPr/>
+          <p:nvPr/>
+        </p:nvCxnSpPr>
+        <p:spPr>
+          <a:xfrm>
+            <a:off x="2477520" y="4739760"/>
+            <a:ext cx="6245280" cy="1080"/>
+          </a:xfrm>
+          <a:prstGeom prst="straightConnector1">
+            <a:avLst/>
+          </a:prstGeom>
+          <a:ln w="19050">
+            <a:solidFill>
+              <a:srgbClr val="000000"/>
+            </a:solidFill>
+            <a:round/>
+          </a:ln>
+        </p:spPr>
+      </p:cxnSp>
+      <p:cxnSp>
+        <p:nvCxnSpPr>
+          <p:cNvPr id="37" name="Google Shape;31;p5"/>
+          <p:cNvCxnSpPr/>
+          <p:nvPr/>
+        </p:nvCxnSpPr>
+        <p:spPr>
+          <a:xfrm>
+            <a:off x="425160" y="415440"/>
+            <a:ext cx="184320" cy="1080"/>
+          </a:xfrm>
+          <a:prstGeom prst="straightConnector1">
+            <a:avLst/>
+          </a:prstGeom>
+          <a:ln w="19050">
+            <a:solidFill>
+              <a:srgbClr val="000000"/>
+            </a:solidFill>
+            <a:round/>
+          </a:ln>
+        </p:spPr>
+      </p:cxnSp>
+      <p:sp>
+        <p:nvSpPr>
+          <p:cNvPr id="38" name="PlaceHolder 1"/>
           <p:cNvSpPr>
             <a:spLocks noGrp="1"/>
           </p:cNvSpPr>
@@ -4433,7 +4213,485 @@
       </p:sp>
       <p:sp>
         <p:nvSpPr>
-          <p:cNvPr id="42" name="PlaceHolder 2"/>
+          <p:cNvPr id="39" name="PlaceHolder 2"/>
+          <p:cNvSpPr>
+            <a:spLocks noGrp="1"/>
+          </p:cNvSpPr>
+          <p:nvPr>
+            <p:ph type="body"/>
+          </p:nvPr>
+        </p:nvSpPr>
+        <p:spPr>
+          <a:xfrm>
+            <a:off x="457200" y="1203480"/>
+            <a:ext cx="4015440" cy="2982600"/>
+          </a:xfrm>
+          <a:prstGeom prst="rect">
+            <a:avLst/>
+          </a:prstGeom>
+          <a:noFill/>
+          <a:ln w="0">
+            <a:noFill/>
+          </a:ln>
+        </p:spPr>
+        <p:txBody>
+          <a:bodyPr lIns="0" rIns="0" tIns="0" bIns="0" anchor="t">
+            <a:normAutofit lnSpcReduction="9999"/>
+          </a:bodyPr>
+          <a:p>
+            <a:pPr marL="432000" indent="-324000">
+              <a:spcBef>
+                <a:spcPts val="1417"/>
+              </a:spcBef>
+              <a:buClr>
+                <a:srgbClr val="000000"/>
+              </a:buClr>
+              <a:buSzPct val="45000"/>
+              <a:buFont typeface="Wingdings" charset="2"/>
+              <a:buChar char=""/>
+            </a:pPr>
+            <a:r>
+              <a:rPr b="0" lang="en-US" sz="1800" strike="noStrike" u="none">
+                <a:solidFill>
+                  <a:srgbClr val="000000"/>
+                </a:solidFill>
+                <a:uFillTx/>
+                <a:latin typeface="Arial"/>
+              </a:rPr>
+              <a:t>Click to edit the outline text format</a:t>
+            </a:r>
+            <a:endParaRPr b="0" lang="en-US" sz="1800" strike="noStrike" u="none">
+              <a:solidFill>
+                <a:srgbClr val="000000"/>
+              </a:solidFill>
+              <a:uFillTx/>
+              <a:latin typeface="Arial"/>
+            </a:endParaRPr>
+          </a:p>
+          <a:p>
+            <a:pPr lvl="1" marL="864000" indent="-324000">
+              <a:spcBef>
+                <a:spcPts val="1134"/>
+              </a:spcBef>
+              <a:buClr>
+                <a:srgbClr val="000000"/>
+              </a:buClr>
+              <a:buSzPct val="75000"/>
+              <a:buFont typeface="Symbol" charset="2"/>
+              <a:buChar char=""/>
+            </a:pPr>
+            <a:r>
+              <a:rPr b="0" lang="en-US" sz="1800" strike="noStrike" u="none">
+                <a:solidFill>
+                  <a:srgbClr val="000000"/>
+                </a:solidFill>
+                <a:uFillTx/>
+                <a:latin typeface="Arial"/>
+              </a:rPr>
+              <a:t>Second Outline Level</a:t>
+            </a:r>
+            <a:endParaRPr b="0" lang="en-US" sz="1800" strike="noStrike" u="none">
+              <a:solidFill>
+                <a:srgbClr val="000000"/>
+              </a:solidFill>
+              <a:uFillTx/>
+              <a:latin typeface="Arial"/>
+            </a:endParaRPr>
+          </a:p>
+          <a:p>
+            <a:pPr lvl="2" marL="1296000" indent="-288000">
+              <a:spcBef>
+                <a:spcPts val="850"/>
+              </a:spcBef>
+              <a:buClr>
+                <a:srgbClr val="000000"/>
+              </a:buClr>
+              <a:buSzPct val="45000"/>
+              <a:buFont typeface="Wingdings" charset="2"/>
+              <a:buChar char=""/>
+            </a:pPr>
+            <a:r>
+              <a:rPr b="0" lang="en-US" sz="1800" strike="noStrike" u="none">
+                <a:solidFill>
+                  <a:srgbClr val="000000"/>
+                </a:solidFill>
+                <a:uFillTx/>
+                <a:latin typeface="Arial"/>
+              </a:rPr>
+              <a:t>Third Outline Level</a:t>
+            </a:r>
+            <a:endParaRPr b="0" lang="en-US" sz="1800" strike="noStrike" u="none">
+              <a:solidFill>
+                <a:srgbClr val="000000"/>
+              </a:solidFill>
+              <a:uFillTx/>
+              <a:latin typeface="Arial"/>
+            </a:endParaRPr>
+          </a:p>
+          <a:p>
+            <a:pPr lvl="3" marL="1728000" indent="-216000">
+              <a:spcBef>
+                <a:spcPts val="567"/>
+              </a:spcBef>
+              <a:buClr>
+                <a:srgbClr val="000000"/>
+              </a:buClr>
+              <a:buSzPct val="75000"/>
+              <a:buFont typeface="Symbol" charset="2"/>
+              <a:buChar char=""/>
+            </a:pPr>
+            <a:r>
+              <a:rPr b="0" lang="en-US" sz="1800" strike="noStrike" u="none">
+                <a:solidFill>
+                  <a:srgbClr val="000000"/>
+                </a:solidFill>
+                <a:uFillTx/>
+                <a:latin typeface="Arial"/>
+              </a:rPr>
+              <a:t>Fourth Outline Level</a:t>
+            </a:r>
+            <a:endParaRPr b="0" lang="en-US" sz="1800" strike="noStrike" u="none">
+              <a:solidFill>
+                <a:srgbClr val="000000"/>
+              </a:solidFill>
+              <a:uFillTx/>
+              <a:latin typeface="Arial"/>
+            </a:endParaRPr>
+          </a:p>
+          <a:p>
+            <a:pPr lvl="4" marL="2160000" indent="-216000">
+              <a:spcBef>
+                <a:spcPts val="283"/>
+              </a:spcBef>
+              <a:buClr>
+                <a:srgbClr val="000000"/>
+              </a:buClr>
+              <a:buSzPct val="45000"/>
+              <a:buFont typeface="Wingdings" charset="2"/>
+              <a:buChar char=""/>
+            </a:pPr>
+            <a:r>
+              <a:rPr b="0" lang="en-US" sz="1800" strike="noStrike" u="none">
+                <a:solidFill>
+                  <a:srgbClr val="000000"/>
+                </a:solidFill>
+                <a:uFillTx/>
+                <a:latin typeface="Arial"/>
+              </a:rPr>
+              <a:t>Fifth Outline Level</a:t>
+            </a:r>
+            <a:endParaRPr b="0" lang="en-US" sz="1800" strike="noStrike" u="none">
+              <a:solidFill>
+                <a:srgbClr val="000000"/>
+              </a:solidFill>
+              <a:uFillTx/>
+              <a:latin typeface="Arial"/>
+            </a:endParaRPr>
+          </a:p>
+          <a:p>
+            <a:pPr lvl="5" marL="2592000" indent="-216000">
+              <a:spcBef>
+                <a:spcPts val="283"/>
+              </a:spcBef>
+              <a:buClr>
+                <a:srgbClr val="000000"/>
+              </a:buClr>
+              <a:buSzPct val="45000"/>
+              <a:buFont typeface="Wingdings" charset="2"/>
+              <a:buChar char=""/>
+            </a:pPr>
+            <a:r>
+              <a:rPr b="0" lang="en-US" sz="1800" strike="noStrike" u="none">
+                <a:solidFill>
+                  <a:srgbClr val="000000"/>
+                </a:solidFill>
+                <a:uFillTx/>
+                <a:latin typeface="Arial"/>
+              </a:rPr>
+              <a:t>Sixth Outline Level</a:t>
+            </a:r>
+            <a:endParaRPr b="0" lang="en-US" sz="1800" strike="noStrike" u="none">
+              <a:solidFill>
+                <a:srgbClr val="000000"/>
+              </a:solidFill>
+              <a:uFillTx/>
+              <a:latin typeface="Arial"/>
+            </a:endParaRPr>
+          </a:p>
+          <a:p>
+            <a:pPr lvl="6" marL="3024000" indent="-216000">
+              <a:spcBef>
+                <a:spcPts val="283"/>
+              </a:spcBef>
+              <a:buClr>
+                <a:srgbClr val="000000"/>
+              </a:buClr>
+              <a:buSzPct val="45000"/>
+              <a:buFont typeface="Wingdings" charset="2"/>
+              <a:buChar char=""/>
+            </a:pPr>
+            <a:r>
+              <a:rPr b="0" lang="en-US" sz="1800" strike="noStrike" u="none">
+                <a:solidFill>
+                  <a:srgbClr val="000000"/>
+                </a:solidFill>
+                <a:uFillTx/>
+                <a:latin typeface="Arial"/>
+              </a:rPr>
+              <a:t>Seventh Outline Level</a:t>
+            </a:r>
+            <a:endParaRPr b="0" lang="en-US" sz="1800" strike="noStrike" u="none">
+              <a:solidFill>
+                <a:srgbClr val="000000"/>
+              </a:solidFill>
+              <a:uFillTx/>
+              <a:latin typeface="Arial"/>
+            </a:endParaRPr>
+          </a:p>
+        </p:txBody>
+      </p:sp>
+      <p:sp>
+        <p:nvSpPr>
+          <p:cNvPr id="40" name="PlaceHolder 3"/>
+          <p:cNvSpPr>
+            <a:spLocks noGrp="1"/>
+          </p:cNvSpPr>
+          <p:nvPr>
+            <p:ph type="body"/>
+          </p:nvPr>
+        </p:nvSpPr>
+        <p:spPr>
+          <a:xfrm>
+            <a:off x="4674240" y="1203480"/>
+            <a:ext cx="4015440" cy="2982600"/>
+          </a:xfrm>
+          <a:prstGeom prst="rect">
+            <a:avLst/>
+          </a:prstGeom>
+          <a:noFill/>
+          <a:ln w="0">
+            <a:noFill/>
+          </a:ln>
+        </p:spPr>
+        <p:txBody>
+          <a:bodyPr lIns="0" rIns="0" tIns="0" bIns="0" anchor="t">
+            <a:normAutofit lnSpcReduction="9999"/>
+          </a:bodyPr>
+          <a:p>
+            <a:pPr marL="432000" indent="-324000">
+              <a:spcBef>
+                <a:spcPts val="1417"/>
+              </a:spcBef>
+              <a:buClr>
+                <a:srgbClr val="000000"/>
+              </a:buClr>
+              <a:buSzPct val="45000"/>
+              <a:buFont typeface="Wingdings" charset="2"/>
+              <a:buChar char=""/>
+            </a:pPr>
+            <a:r>
+              <a:rPr b="0" lang="en-US" sz="1800" strike="noStrike" u="none">
+                <a:solidFill>
+                  <a:srgbClr val="000000"/>
+                </a:solidFill>
+                <a:uFillTx/>
+                <a:latin typeface="Arial"/>
+              </a:rPr>
+              <a:t>Click to edit the outline text format</a:t>
+            </a:r>
+            <a:endParaRPr b="0" lang="en-US" sz="1800" strike="noStrike" u="none">
+              <a:solidFill>
+                <a:srgbClr val="000000"/>
+              </a:solidFill>
+              <a:uFillTx/>
+              <a:latin typeface="Arial"/>
+            </a:endParaRPr>
+          </a:p>
+          <a:p>
+            <a:pPr lvl="1" marL="864000" indent="-324000">
+              <a:spcBef>
+                <a:spcPts val="1134"/>
+              </a:spcBef>
+              <a:buClr>
+                <a:srgbClr val="000000"/>
+              </a:buClr>
+              <a:buSzPct val="75000"/>
+              <a:buFont typeface="Symbol" charset="2"/>
+              <a:buChar char=""/>
+            </a:pPr>
+            <a:r>
+              <a:rPr b="0" lang="en-US" sz="1800" strike="noStrike" u="none">
+                <a:solidFill>
+                  <a:srgbClr val="000000"/>
+                </a:solidFill>
+                <a:uFillTx/>
+                <a:latin typeface="Arial"/>
+              </a:rPr>
+              <a:t>Second Outline Level</a:t>
+            </a:r>
+            <a:endParaRPr b="0" lang="en-US" sz="1800" strike="noStrike" u="none">
+              <a:solidFill>
+                <a:srgbClr val="000000"/>
+              </a:solidFill>
+              <a:uFillTx/>
+              <a:latin typeface="Arial"/>
+            </a:endParaRPr>
+          </a:p>
+          <a:p>
+            <a:pPr lvl="2" marL="1296000" indent="-288000">
+              <a:spcBef>
+                <a:spcPts val="850"/>
+              </a:spcBef>
+              <a:buClr>
+                <a:srgbClr val="000000"/>
+              </a:buClr>
+              <a:buSzPct val="45000"/>
+              <a:buFont typeface="Wingdings" charset="2"/>
+              <a:buChar char=""/>
+            </a:pPr>
+            <a:r>
+              <a:rPr b="0" lang="en-US" sz="1800" strike="noStrike" u="none">
+                <a:solidFill>
+                  <a:srgbClr val="000000"/>
+                </a:solidFill>
+                <a:uFillTx/>
+                <a:latin typeface="Arial"/>
+              </a:rPr>
+              <a:t>Third Outline Level</a:t>
+            </a:r>
+            <a:endParaRPr b="0" lang="en-US" sz="1800" strike="noStrike" u="none">
+              <a:solidFill>
+                <a:srgbClr val="000000"/>
+              </a:solidFill>
+              <a:uFillTx/>
+              <a:latin typeface="Arial"/>
+            </a:endParaRPr>
+          </a:p>
+          <a:p>
+            <a:pPr lvl="3" marL="1728000" indent="-216000">
+              <a:spcBef>
+                <a:spcPts val="567"/>
+              </a:spcBef>
+              <a:buClr>
+                <a:srgbClr val="000000"/>
+              </a:buClr>
+              <a:buSzPct val="75000"/>
+              <a:buFont typeface="Symbol" charset="2"/>
+              <a:buChar char=""/>
+            </a:pPr>
+            <a:r>
+              <a:rPr b="0" lang="en-US" sz="1800" strike="noStrike" u="none">
+                <a:solidFill>
+                  <a:srgbClr val="000000"/>
+                </a:solidFill>
+                <a:uFillTx/>
+                <a:latin typeface="Arial"/>
+              </a:rPr>
+              <a:t>Fourth Outline Level</a:t>
+            </a:r>
+            <a:endParaRPr b="0" lang="en-US" sz="1800" strike="noStrike" u="none">
+              <a:solidFill>
+                <a:srgbClr val="000000"/>
+              </a:solidFill>
+              <a:uFillTx/>
+              <a:latin typeface="Arial"/>
+            </a:endParaRPr>
+          </a:p>
+          <a:p>
+            <a:pPr lvl="4" marL="2160000" indent="-216000">
+              <a:spcBef>
+                <a:spcPts val="283"/>
+              </a:spcBef>
+              <a:buClr>
+                <a:srgbClr val="000000"/>
+              </a:buClr>
+              <a:buSzPct val="45000"/>
+              <a:buFont typeface="Wingdings" charset="2"/>
+              <a:buChar char=""/>
+            </a:pPr>
+            <a:r>
+              <a:rPr b="0" lang="en-US" sz="1800" strike="noStrike" u="none">
+                <a:solidFill>
+                  <a:srgbClr val="000000"/>
+                </a:solidFill>
+                <a:uFillTx/>
+                <a:latin typeface="Arial"/>
+              </a:rPr>
+              <a:t>Fifth Outline Level</a:t>
+            </a:r>
+            <a:endParaRPr b="0" lang="en-US" sz="1800" strike="noStrike" u="none">
+              <a:solidFill>
+                <a:srgbClr val="000000"/>
+              </a:solidFill>
+              <a:uFillTx/>
+              <a:latin typeface="Arial"/>
+            </a:endParaRPr>
+          </a:p>
+          <a:p>
+            <a:pPr lvl="5" marL="2592000" indent="-216000">
+              <a:spcBef>
+                <a:spcPts val="283"/>
+              </a:spcBef>
+              <a:buClr>
+                <a:srgbClr val="000000"/>
+              </a:buClr>
+              <a:buSzPct val="45000"/>
+              <a:buFont typeface="Wingdings" charset="2"/>
+              <a:buChar char=""/>
+            </a:pPr>
+            <a:r>
+              <a:rPr b="0" lang="en-US" sz="1800" strike="noStrike" u="none">
+                <a:solidFill>
+                  <a:srgbClr val="000000"/>
+                </a:solidFill>
+                <a:uFillTx/>
+                <a:latin typeface="Arial"/>
+              </a:rPr>
+              <a:t>Sixth Outline Level</a:t>
+            </a:r>
+            <a:endParaRPr b="0" lang="en-US" sz="1800" strike="noStrike" u="none">
+              <a:solidFill>
+                <a:srgbClr val="000000"/>
+              </a:solidFill>
+              <a:uFillTx/>
+              <a:latin typeface="Arial"/>
+            </a:endParaRPr>
+          </a:p>
+          <a:p>
+            <a:pPr lvl="6" marL="3024000" indent="-216000">
+              <a:spcBef>
+                <a:spcPts val="283"/>
+              </a:spcBef>
+              <a:buClr>
+                <a:srgbClr val="000000"/>
+              </a:buClr>
+              <a:buSzPct val="45000"/>
+              <a:buFont typeface="Wingdings" charset="2"/>
+              <a:buChar char=""/>
+            </a:pPr>
+            <a:r>
+              <a:rPr b="0" lang="en-US" sz="1800" strike="noStrike" u="none">
+                <a:solidFill>
+                  <a:srgbClr val="000000"/>
+                </a:solidFill>
+                <a:uFillTx/>
+                <a:latin typeface="Arial"/>
+              </a:rPr>
+              <a:t>Seventh Outline Level</a:t>
+            </a:r>
+            <a:endParaRPr b="0" lang="en-US" sz="1800" strike="noStrike" u="none">
+              <a:solidFill>
+                <a:srgbClr val="000000"/>
+              </a:solidFill>
+              <a:uFillTx/>
+              <a:latin typeface="Arial"/>
+            </a:endParaRPr>
+          </a:p>
+        </p:txBody>
+      </p:sp>
+      <p:sp>
+        <p:nvSpPr>
+          <p:cNvPr id="41" name="PlaceHolder 4"/>
           <p:cNvSpPr>
             <a:spLocks noGrp="1"/>
           </p:cNvSpPr>
@@ -4444,7 +4702,7 @@
         <p:spPr>
           <a:xfrm>
             <a:off x="8498160" y="4688640"/>
-            <a:ext cx="547920" cy="392760"/>
+            <a:ext cx="547560" cy="392400"/>
           </a:xfrm>
           <a:prstGeom prst="rect">
             <a:avLst/>
@@ -4487,7 +4745,7 @@
                 <a:tab algn="l" pos="0"/>
               </a:tabLst>
             </a:pPr>
-            <a:fld id="{CAF19995-A972-409A-949E-2C0F66E4EEA3}" type="slidenum">
+            <a:fld id="{A8A8813E-D9C8-4CD8-9BEE-48B3AF677DCB}" type="slidenum">
               <a:rPr b="0" lang="en" sz="1000" strike="noStrike" u="none">
                 <a:solidFill>
                   <a:schemeClr val="dk2"/>
@@ -4541,31 +4799,60 @@
           <a:chExt cx="0" cy="0"/>
         </a:xfrm>
       </p:grpSpPr>
-      <p:cxnSp>
-        <p:nvCxnSpPr>
-          <p:cNvPr id="44" name="Google Shape;40;p7"/>
-          <p:cNvCxnSpPr/>
-          <p:nvPr/>
-        </p:nvCxnSpPr>
+      <p:sp>
+        <p:nvSpPr>
+          <p:cNvPr id="45" name="PlaceHolder 1"/>
+          <p:cNvSpPr>
+            <a:spLocks noGrp="1"/>
+          </p:cNvSpPr>
+          <p:nvPr>
+            <p:ph type="title"/>
+          </p:nvPr>
+        </p:nvSpPr>
         <p:spPr>
           <a:xfrm>
-            <a:off x="425160" y="415440"/>
-            <a:ext cx="183960" cy="720"/>
-          </a:xfrm>
-          <a:prstGeom prst="straightConnector1">
-            <a:avLst/>
-          </a:prstGeom>
-          <a:ln w="19050">
-            <a:solidFill>
-              <a:srgbClr val="000000"/>
-            </a:solidFill>
-            <a:round/>
-          </a:ln>
-        </p:spPr>
-      </p:cxnSp>
-      <p:sp>
-        <p:nvSpPr>
-          <p:cNvPr id="45" name="PlaceHolder 1"/>
+            <a:off x="457200" y="205200"/>
+            <a:ext cx="8228880" cy="858240"/>
+          </a:xfrm>
+          <a:prstGeom prst="rect">
+            <a:avLst/>
+          </a:prstGeom>
+          <a:noFill/>
+          <a:ln w="0">
+            <a:noFill/>
+          </a:ln>
+        </p:spPr>
+        <p:txBody>
+          <a:bodyPr lIns="0" rIns="0" tIns="0" bIns="0" anchor="ctr">
+            <a:noAutofit/>
+          </a:bodyPr>
+          <a:p>
+            <a:pPr indent="0">
+              <a:buNone/>
+            </a:pPr>
+            <a:r>
+              <a:rPr b="0" lang="en-US" sz="1800" strike="noStrike" u="none">
+                <a:solidFill>
+                  <a:srgbClr val="000000"/>
+                </a:solidFill>
+                <a:uFillTx/>
+                <a:latin typeface="Arial"/>
+              </a:rPr>
+              <a:t>Click to edit the title text format</a:t>
+            </a:r>
+            <a:endParaRPr b="0" lang="en-US" sz="1800" strike="noStrike" u="none">
+              <a:solidFill>
+                <a:srgbClr val="000000"/>
+              </a:solidFill>
+              <a:uFillTx/>
+              <a:latin typeface="Arial"/>
+            </a:endParaRPr>
+          </a:p>
+        </p:txBody>
+      </p:sp>
+      <p:sp>
+        <p:nvSpPr>
+          <p:cNvPr id="46" name="PlaceHolder 2"/>
           <p:cNvSpPr>
             <a:spLocks noGrp="1"/>
           </p:cNvSpPr>
@@ -4576,7 +4863,7 @@
         <p:spPr>
           <a:xfrm>
             <a:off x="8498160" y="4688640"/>
-            <a:ext cx="547920" cy="392760"/>
+            <a:ext cx="547560" cy="392400"/>
           </a:xfrm>
           <a:prstGeom prst="rect">
             <a:avLst/>
@@ -4619,7 +4906,7 @@
                 <a:tab algn="l" pos="0"/>
               </a:tabLst>
             </a:pPr>
-            <a:fld id="{021A3782-79A3-4E57-A5C7-895A82A549A4}" type="slidenum">
+            <a:fld id="{FE0F9A27-FFFB-4893-A882-741631E769CE}" type="slidenum">
               <a:rPr b="0" lang="en" sz="1000" strike="noStrike" u="none">
                 <a:solidFill>
                   <a:schemeClr val="dk2"/>
@@ -4668,7 +4955,7 @@
       </p:grpSpPr>
       <p:sp>
         <p:nvSpPr>
-          <p:cNvPr id="56" name="PlaceHolder 1"/>
+          <p:cNvPr id="60" name="PlaceHolder 1"/>
           <p:cNvSpPr>
             <a:spLocks noGrp="1"/>
           </p:cNvSpPr>
@@ -4679,7 +4966,7 @@
         <p:spPr>
           <a:xfrm>
             <a:off x="2371680" y="630360"/>
-            <a:ext cx="6330960" cy="1541160"/>
+            <a:ext cx="6330600" cy="1540800"/>
           </a:xfrm>
           <a:prstGeom prst="rect">
             <a:avLst/>
@@ -4802,7 +5089,7 @@
       </p:sp>
       <p:sp>
         <p:nvSpPr>
-          <p:cNvPr id="57" name="PlaceHolder 2"/>
+          <p:cNvPr id="61" name="PlaceHolder 2"/>
           <p:cNvSpPr>
             <a:spLocks noGrp="1"/>
           </p:cNvSpPr>
@@ -4813,7 +5100,7 @@
         <p:spPr>
           <a:xfrm>
             <a:off x="2390400" y="3238560"/>
-            <a:ext cx="6330960" cy="1240920"/>
+            <a:ext cx="6330600" cy="1240560"/>
           </a:xfrm>
           <a:prstGeom prst="rect">
             <a:avLst/>
@@ -4860,7 +5147,7 @@
       </p:sp>
       <p:sp>
         <p:nvSpPr>
-          <p:cNvPr id="58" name="PlaceHolder 3"/>
+          <p:cNvPr id="62" name="PlaceHolder 3"/>
           <p:cNvSpPr>
             <a:spLocks noGrp="1"/>
           </p:cNvSpPr>
@@ -4871,7 +5158,7 @@
         <p:spPr>
           <a:xfrm>
             <a:off x="2504160" y="4734720"/>
-            <a:ext cx="6217200" cy="408240"/>
+            <a:ext cx="6216840" cy="407880"/>
           </a:xfrm>
           <a:prstGeom prst="rect">
             <a:avLst/>
@@ -4948,7 +5235,7 @@
       </p:grpSpPr>
       <p:sp>
         <p:nvSpPr>
-          <p:cNvPr id="127" name="PlaceHolder 1"/>
+          <p:cNvPr id="131" name="PlaceHolder 1"/>
           <p:cNvSpPr>
             <a:spLocks noGrp="1"/>
           </p:cNvSpPr>
@@ -4959,7 +5246,7 @@
         <p:spPr>
           <a:xfrm>
             <a:off x="535680" y="712080"/>
-            <a:ext cx="5196600" cy="767160"/>
+            <a:ext cx="5196240" cy="766800"/>
           </a:xfrm>
           <a:prstGeom prst="rect">
             <a:avLst/>
@@ -5009,14 +5296,14 @@
       </p:sp>
       <p:sp>
         <p:nvSpPr>
-          <p:cNvPr id="128" name="Google Shape;180;p22"/>
+          <p:cNvPr id="132" name="Google Shape;180;p22"/>
           <p:cNvSpPr/>
           <p:nvPr/>
         </p:nvSpPr>
         <p:spPr>
           <a:xfrm>
             <a:off x="646920" y="224640"/>
-            <a:ext cx="5443560" cy="365400"/>
+            <a:ext cx="5443200" cy="365400"/>
           </a:xfrm>
           <a:prstGeom prst="rect">
             <a:avLst/>
@@ -5071,7 +5358,7 @@
       </p:sp>
       <p:pic>
         <p:nvPicPr>
-          <p:cNvPr id="129" name="Google Shape;181;p22" descr=""/>
+          <p:cNvPr id="133" name="Google Shape;181;p22" descr=""/>
           <p:cNvPicPr/>
           <p:nvPr/>
         </p:nvPicPr>
@@ -5082,7 +5369,7 @@
         <p:spPr>
           <a:xfrm>
             <a:off x="3827520" y="1598400"/>
-            <a:ext cx="5100480" cy="3047400"/>
+            <a:ext cx="5100120" cy="3047040"/>
           </a:xfrm>
           <a:prstGeom prst="rect">
             <a:avLst/>
@@ -5095,7 +5382,7 @@
       </p:pic>
       <p:pic>
         <p:nvPicPr>
-          <p:cNvPr id="130" name="Google Shape;182;p22" descr=""/>
+          <p:cNvPr id="134" name="Google Shape;182;p22" descr=""/>
           <p:cNvPicPr/>
           <p:nvPr/>
         </p:nvPicPr>
@@ -5106,7 +5393,7 @@
         <p:spPr>
           <a:xfrm>
             <a:off x="4289400" y="1888920"/>
-            <a:ext cx="4177080" cy="2466000"/>
+            <a:ext cx="4176720" cy="2465640"/>
           </a:xfrm>
           <a:prstGeom prst="rect">
             <a:avLst/>
@@ -5119,14 +5406,14 @@
       </p:pic>
       <p:sp>
         <p:nvSpPr>
-          <p:cNvPr id="131" name="Google Shape;183;p22"/>
+          <p:cNvPr id="135" name="Google Shape;183;p22"/>
           <p:cNvSpPr/>
           <p:nvPr/>
         </p:nvSpPr>
         <p:spPr>
           <a:xfrm>
             <a:off x="646920" y="1662480"/>
-            <a:ext cx="3026520" cy="1279800"/>
+            <a:ext cx="3026160" cy="1279800"/>
           </a:xfrm>
           <a:prstGeom prst="rect">
             <a:avLst/>
@@ -5208,7 +5495,7 @@
       </p:grpSpPr>
       <p:sp>
         <p:nvSpPr>
-          <p:cNvPr id="132" name="PlaceHolder 1"/>
+          <p:cNvPr id="136" name="PlaceHolder 1"/>
           <p:cNvSpPr>
             <a:spLocks noGrp="1"/>
           </p:cNvSpPr>
@@ -5219,7 +5506,7 @@
         <p:spPr>
           <a:xfrm>
             <a:off x="535680" y="712080"/>
-            <a:ext cx="5196600" cy="767160"/>
+            <a:ext cx="5196240" cy="766800"/>
           </a:xfrm>
           <a:prstGeom prst="rect">
             <a:avLst/>
@@ -5269,14 +5556,14 @@
       </p:sp>
       <p:sp>
         <p:nvSpPr>
-          <p:cNvPr id="133" name="Google Shape;189;p23"/>
+          <p:cNvPr id="137" name="Google Shape;189;p23"/>
           <p:cNvSpPr/>
           <p:nvPr/>
         </p:nvSpPr>
         <p:spPr>
           <a:xfrm>
             <a:off x="646920" y="224640"/>
-            <a:ext cx="5443560" cy="365400"/>
+            <a:ext cx="5443200" cy="365400"/>
           </a:xfrm>
           <a:prstGeom prst="rect">
             <a:avLst/>
@@ -5331,7 +5618,7 @@
       </p:sp>
       <p:pic>
         <p:nvPicPr>
-          <p:cNvPr id="134" name="Google Shape;190;p23" descr=""/>
+          <p:cNvPr id="138" name="Google Shape;190;p23" descr=""/>
           <p:cNvPicPr/>
           <p:nvPr/>
         </p:nvPicPr>
@@ -5342,7 +5629,7 @@
         <p:spPr>
           <a:xfrm>
             <a:off x="1813320" y="3558240"/>
-            <a:ext cx="5516640" cy="943560"/>
+            <a:ext cx="5516280" cy="943200"/>
           </a:xfrm>
           <a:prstGeom prst="rect">
             <a:avLst/>
@@ -5355,14 +5642,14 @@
       </p:pic>
       <p:sp>
         <p:nvSpPr>
-          <p:cNvPr id="135" name="Google Shape;191;p23"/>
+          <p:cNvPr id="139" name="Google Shape;191;p23"/>
           <p:cNvSpPr/>
           <p:nvPr/>
         </p:nvSpPr>
         <p:spPr>
           <a:xfrm>
             <a:off x="646920" y="1662480"/>
-            <a:ext cx="4311360" cy="1005480"/>
+            <a:ext cx="4311000" cy="1005480"/>
           </a:xfrm>
           <a:prstGeom prst="rect">
             <a:avLst/>
@@ -5414,7 +5701,7 @@
       </p:sp>
       <p:pic>
         <p:nvPicPr>
-          <p:cNvPr id="136" name="Google Shape;192;p23" descr=""/>
+          <p:cNvPr id="140" name="Google Shape;192;p23" descr=""/>
           <p:cNvPicPr/>
           <p:nvPr/>
         </p:nvPicPr>
@@ -5425,7 +5712,7 @@
         <p:spPr>
           <a:xfrm>
             <a:off x="2112480" y="3720960"/>
-            <a:ext cx="4918320" cy="618120"/>
+            <a:ext cx="4917960" cy="617760"/>
           </a:xfrm>
           <a:prstGeom prst="rect">
             <a:avLst/>
@@ -5468,7 +5755,7 @@
       </p:grpSpPr>
       <p:sp>
         <p:nvSpPr>
-          <p:cNvPr id="137" name="PlaceHolder 1"/>
+          <p:cNvPr id="141" name="PlaceHolder 1"/>
           <p:cNvSpPr>
             <a:spLocks noGrp="1"/>
           </p:cNvSpPr>
@@ -5479,7 +5766,7 @@
         <p:spPr>
           <a:xfrm>
             <a:off x="535680" y="712080"/>
-            <a:ext cx="5196600" cy="767160"/>
+            <a:ext cx="5196240" cy="766800"/>
           </a:xfrm>
           <a:prstGeom prst="rect">
             <a:avLst/>
@@ -5529,14 +5816,14 @@
       </p:sp>
       <p:sp>
         <p:nvSpPr>
-          <p:cNvPr id="138" name="Google Shape;198;p24"/>
+          <p:cNvPr id="142" name="Google Shape;198;p24"/>
           <p:cNvSpPr/>
           <p:nvPr/>
         </p:nvSpPr>
         <p:spPr>
           <a:xfrm>
             <a:off x="646920" y="224640"/>
-            <a:ext cx="5443560" cy="365400"/>
+            <a:ext cx="5443200" cy="365400"/>
           </a:xfrm>
           <a:prstGeom prst="rect">
             <a:avLst/>
@@ -5591,14 +5878,14 @@
       </p:sp>
       <p:sp>
         <p:nvSpPr>
-          <p:cNvPr id="139" name="Google Shape;199;p24"/>
+          <p:cNvPr id="143" name="Google Shape;199;p24"/>
           <p:cNvSpPr/>
           <p:nvPr/>
         </p:nvSpPr>
         <p:spPr>
           <a:xfrm>
             <a:off x="646920" y="1662480"/>
-            <a:ext cx="4311360" cy="2102760"/>
+            <a:ext cx="4311000" cy="2102760"/>
           </a:xfrm>
           <a:prstGeom prst="rect">
             <a:avLst/>
@@ -5725,7 +6012,7 @@
       </p:grpSpPr>
       <p:sp>
         <p:nvSpPr>
-          <p:cNvPr id="140" name="PlaceHolder 1"/>
+          <p:cNvPr id="144" name="PlaceHolder 1"/>
           <p:cNvSpPr>
             <a:spLocks noGrp="1"/>
           </p:cNvSpPr>
@@ -5736,7 +6023,7 @@
         <p:spPr>
           <a:xfrm>
             <a:off x="535680" y="712080"/>
-            <a:ext cx="5196600" cy="767160"/>
+            <a:ext cx="5196240" cy="766800"/>
           </a:xfrm>
           <a:prstGeom prst="rect">
             <a:avLst/>
@@ -5786,14 +6073,14 @@
       </p:sp>
       <p:sp>
         <p:nvSpPr>
-          <p:cNvPr id="141" name="Google Shape;205;p25"/>
+          <p:cNvPr id="145" name="Google Shape;205;p25"/>
           <p:cNvSpPr/>
           <p:nvPr/>
         </p:nvSpPr>
         <p:spPr>
           <a:xfrm>
             <a:off x="646920" y="224640"/>
-            <a:ext cx="5443560" cy="365400"/>
+            <a:ext cx="5443200" cy="365400"/>
           </a:xfrm>
           <a:prstGeom prst="rect">
             <a:avLst/>
@@ -5848,14 +6135,14 @@
       </p:sp>
       <p:sp>
         <p:nvSpPr>
-          <p:cNvPr id="142" name="Google Shape;206;p25"/>
+          <p:cNvPr id="146" name="Google Shape;206;p25"/>
           <p:cNvSpPr/>
           <p:nvPr/>
         </p:nvSpPr>
         <p:spPr>
           <a:xfrm>
             <a:off x="898560" y="1554120"/>
-            <a:ext cx="2999160" cy="1532880"/>
+            <a:ext cx="2998800" cy="1532880"/>
           </a:xfrm>
           <a:prstGeom prst="rect">
             <a:avLst/>
@@ -6008,7 +6295,7 @@
       </p:grpSpPr>
       <p:sp>
         <p:nvSpPr>
-          <p:cNvPr id="143" name="PlaceHolder 1"/>
+          <p:cNvPr id="147" name="PlaceHolder 1"/>
           <p:cNvSpPr>
             <a:spLocks noGrp="1"/>
           </p:cNvSpPr>
@@ -6019,7 +6306,7 @@
         <p:spPr>
           <a:xfrm>
             <a:off x="535680" y="712080"/>
-            <a:ext cx="5196600" cy="767160"/>
+            <a:ext cx="5196240" cy="766800"/>
           </a:xfrm>
           <a:prstGeom prst="rect">
             <a:avLst/>
@@ -6069,14 +6356,14 @@
       </p:sp>
       <p:sp>
         <p:nvSpPr>
-          <p:cNvPr id="144" name="Google Shape;212;p26"/>
+          <p:cNvPr id="148" name="Google Shape;212;p26"/>
           <p:cNvSpPr/>
           <p:nvPr/>
         </p:nvSpPr>
         <p:spPr>
           <a:xfrm>
             <a:off x="646920" y="224640"/>
-            <a:ext cx="5443560" cy="365400"/>
+            <a:ext cx="5443200" cy="365400"/>
           </a:xfrm>
           <a:prstGeom prst="rect">
             <a:avLst/>
@@ -6131,14 +6418,14 @@
       </p:sp>
       <p:sp>
         <p:nvSpPr>
-          <p:cNvPr id="145" name="Google Shape;213;p26"/>
+          <p:cNvPr id="149" name="Google Shape;213;p26"/>
           <p:cNvSpPr/>
           <p:nvPr/>
         </p:nvSpPr>
         <p:spPr>
           <a:xfrm>
             <a:off x="898560" y="1554120"/>
-            <a:ext cx="4185720" cy="2517840"/>
+            <a:ext cx="4185360" cy="2517840"/>
           </a:xfrm>
           <a:prstGeom prst="rect">
             <a:avLst/>
@@ -6357,7 +6644,7 @@
       </p:grpSpPr>
       <p:sp>
         <p:nvSpPr>
-          <p:cNvPr id="146" name="PlaceHolder 1"/>
+          <p:cNvPr id="150" name="PlaceHolder 1"/>
           <p:cNvSpPr>
             <a:spLocks noGrp="1"/>
           </p:cNvSpPr>
@@ -6368,7 +6655,7 @@
         <p:spPr>
           <a:xfrm>
             <a:off x="535680" y="712080"/>
-            <a:ext cx="5196600" cy="767160"/>
+            <a:ext cx="5196240" cy="766800"/>
           </a:xfrm>
           <a:prstGeom prst="rect">
             <a:avLst/>
@@ -6418,14 +6705,14 @@
       </p:sp>
       <p:sp>
         <p:nvSpPr>
-          <p:cNvPr id="147" name="Google Shape;219;p27"/>
+          <p:cNvPr id="151" name="Google Shape;219;p27"/>
           <p:cNvSpPr/>
           <p:nvPr/>
         </p:nvSpPr>
         <p:spPr>
           <a:xfrm>
             <a:off x="646920" y="224640"/>
-            <a:ext cx="5443560" cy="365400"/>
+            <a:ext cx="5443200" cy="365400"/>
           </a:xfrm>
           <a:prstGeom prst="rect">
             <a:avLst/>
@@ -6480,14 +6767,14 @@
       </p:sp>
       <p:sp>
         <p:nvSpPr>
-          <p:cNvPr id="148" name="Google Shape;220;p27"/>
+          <p:cNvPr id="152" name="Google Shape;220;p27"/>
           <p:cNvSpPr/>
           <p:nvPr/>
         </p:nvSpPr>
         <p:spPr>
           <a:xfrm>
             <a:off x="898560" y="1554120"/>
-            <a:ext cx="6342120" cy="547920"/>
+            <a:ext cx="6341760" cy="547920"/>
           </a:xfrm>
           <a:prstGeom prst="rect">
             <a:avLst/>
@@ -6542,14 +6829,14 @@
       </p:sp>
       <p:sp>
         <p:nvSpPr>
-          <p:cNvPr id="149" name="Google Shape;221;p27"/>
+          <p:cNvPr id="153" name="Google Shape;221;p27"/>
           <p:cNvSpPr/>
           <p:nvPr/>
         </p:nvSpPr>
         <p:spPr>
           <a:xfrm>
             <a:off x="898560" y="2137680"/>
-            <a:ext cx="5695560" cy="2390760"/>
+            <a:ext cx="5695200" cy="2390760"/>
           </a:xfrm>
           <a:prstGeom prst="rect">
             <a:avLst/>
@@ -6742,7 +7029,7 @@
       </p:grpSpPr>
       <p:sp>
         <p:nvSpPr>
-          <p:cNvPr id="150" name="PlaceHolder 1"/>
+          <p:cNvPr id="154" name="PlaceHolder 1"/>
           <p:cNvSpPr>
             <a:spLocks noGrp="1"/>
           </p:cNvSpPr>
@@ -6753,7 +7040,7 @@
         <p:spPr>
           <a:xfrm>
             <a:off x="535680" y="712080"/>
-            <a:ext cx="5196600" cy="767160"/>
+            <a:ext cx="5196240" cy="766800"/>
           </a:xfrm>
           <a:prstGeom prst="rect">
             <a:avLst/>
@@ -6840,7 +7127,7 @@
       </p:grpSpPr>
       <p:pic>
         <p:nvPicPr>
-          <p:cNvPr id="151" name="Google Shape;231;p29" descr=""/>
+          <p:cNvPr id="155" name="Google Shape;231;p29" descr=""/>
           <p:cNvPicPr/>
           <p:nvPr/>
         </p:nvPicPr>
@@ -6851,7 +7138,7 @@
         <p:spPr>
           <a:xfrm>
             <a:off x="2444760" y="162720"/>
-            <a:ext cx="4253760" cy="4817160"/>
+            <a:ext cx="4253400" cy="4816800"/>
           </a:xfrm>
           <a:prstGeom prst="rect">
             <a:avLst/>
@@ -6864,14 +7151,14 @@
       </p:pic>
       <p:sp>
         <p:nvSpPr>
-          <p:cNvPr id="152" name="Google Shape;232;p29"/>
+          <p:cNvPr id="156" name="Google Shape;232;p29"/>
           <p:cNvSpPr/>
           <p:nvPr/>
         </p:nvSpPr>
         <p:spPr>
           <a:xfrm>
             <a:off x="2855520" y="687240"/>
-            <a:ext cx="3432240" cy="761760"/>
+            <a:ext cx="3431880" cy="761400"/>
           </a:xfrm>
           <a:prstGeom prst="rect">
             <a:avLst/>
@@ -6923,14 +7210,14 @@
       </p:sp>
       <p:sp>
         <p:nvSpPr>
-          <p:cNvPr id="153" name="Google Shape;233;p29"/>
+          <p:cNvPr id="157" name="Google Shape;233;p29"/>
           <p:cNvSpPr/>
           <p:nvPr/>
         </p:nvSpPr>
         <p:spPr>
           <a:xfrm>
             <a:off x="2855520" y="1572480"/>
-            <a:ext cx="3306960" cy="1890360"/>
+            <a:ext cx="3306600" cy="1890360"/>
           </a:xfrm>
           <a:prstGeom prst="rect">
             <a:avLst/>
@@ -7064,7 +7351,7 @@
       </p:grpSpPr>
       <p:pic>
         <p:nvPicPr>
-          <p:cNvPr id="154" name="Google Shape;238;p30" descr=""/>
+          <p:cNvPr id="158" name="Google Shape;238;p30" descr=""/>
           <p:cNvPicPr/>
           <p:nvPr/>
         </p:nvPicPr>
@@ -7075,7 +7362,7 @@
         <p:spPr>
           <a:xfrm>
             <a:off x="2444760" y="162720"/>
-            <a:ext cx="4253760" cy="4817160"/>
+            <a:ext cx="4253400" cy="4816800"/>
           </a:xfrm>
           <a:prstGeom prst="rect">
             <a:avLst/>
@@ -7088,14 +7375,14 @@
       </p:pic>
       <p:sp>
         <p:nvSpPr>
-          <p:cNvPr id="155" name="Google Shape;239;p30"/>
+          <p:cNvPr id="159" name="Google Shape;239;p30"/>
           <p:cNvSpPr/>
           <p:nvPr/>
         </p:nvSpPr>
         <p:spPr>
           <a:xfrm>
             <a:off x="2855520" y="687240"/>
-            <a:ext cx="3432240" cy="761760"/>
+            <a:ext cx="3431880" cy="761400"/>
           </a:xfrm>
           <a:prstGeom prst="rect">
             <a:avLst/>
@@ -7147,14 +7434,14 @@
       </p:sp>
       <p:sp>
         <p:nvSpPr>
-          <p:cNvPr id="156" name="Google Shape;240;p30"/>
+          <p:cNvPr id="160" name="Google Shape;240;p30"/>
           <p:cNvSpPr/>
           <p:nvPr/>
         </p:nvSpPr>
         <p:spPr>
           <a:xfrm>
             <a:off x="2855520" y="1572480"/>
-            <a:ext cx="3306960" cy="1036440"/>
+            <a:ext cx="3306600" cy="1036440"/>
           </a:xfrm>
           <a:prstGeom prst="rect">
             <a:avLst/>
@@ -7310,7 +7597,7 @@
       </p:grpSpPr>
       <p:pic>
         <p:nvPicPr>
-          <p:cNvPr id="157" name="Google Shape;245;p31" descr=""/>
+          <p:cNvPr id="161" name="Google Shape;245;p31" descr=""/>
           <p:cNvPicPr/>
           <p:nvPr/>
         </p:nvPicPr>
@@ -7321,7 +7608,7 @@
         <p:spPr>
           <a:xfrm>
             <a:off x="2444760" y="162720"/>
-            <a:ext cx="4253760" cy="4817160"/>
+            <a:ext cx="4253400" cy="4816800"/>
           </a:xfrm>
           <a:prstGeom prst="rect">
             <a:avLst/>
@@ -7334,14 +7621,14 @@
       </p:pic>
       <p:sp>
         <p:nvSpPr>
-          <p:cNvPr id="158" name="Google Shape;246;p31"/>
+          <p:cNvPr id="162" name="Google Shape;246;p31"/>
           <p:cNvSpPr/>
           <p:nvPr/>
         </p:nvSpPr>
         <p:spPr>
           <a:xfrm>
             <a:off x="2855520" y="687240"/>
-            <a:ext cx="3432240" cy="761760"/>
+            <a:ext cx="3431880" cy="761400"/>
           </a:xfrm>
           <a:prstGeom prst="rect">
             <a:avLst/>
@@ -7393,14 +7680,14 @@
       </p:sp>
       <p:sp>
         <p:nvSpPr>
-          <p:cNvPr id="159" name="Google Shape;247;p31"/>
+          <p:cNvPr id="163" name="Google Shape;247;p31"/>
           <p:cNvSpPr/>
           <p:nvPr/>
         </p:nvSpPr>
         <p:spPr>
           <a:xfrm>
             <a:off x="2855520" y="1572480"/>
-            <a:ext cx="3306960" cy="2103840"/>
+            <a:ext cx="3306600" cy="2103840"/>
           </a:xfrm>
           <a:prstGeom prst="rect">
             <a:avLst/>
@@ -7616,7 +7903,7 @@
       </p:grpSpPr>
       <p:sp>
         <p:nvSpPr>
-          <p:cNvPr id="59" name="PlaceHolder 1"/>
+          <p:cNvPr id="63" name="PlaceHolder 1"/>
           <p:cNvSpPr>
             <a:spLocks noGrp="1"/>
           </p:cNvSpPr>
@@ -7627,7 +7914,7 @@
         <p:spPr>
           <a:xfrm>
             <a:off x="535680" y="712080"/>
-            <a:ext cx="5196600" cy="767160"/>
+            <a:ext cx="5196240" cy="766800"/>
           </a:xfrm>
           <a:prstGeom prst="rect">
             <a:avLst/>
@@ -7677,7 +7964,7 @@
       </p:sp>
       <p:pic>
         <p:nvPicPr>
-          <p:cNvPr id="60" name="Google Shape;80;p14" descr=""/>
+          <p:cNvPr id="64" name="Google Shape;80;p14" descr=""/>
           <p:cNvPicPr/>
           <p:nvPr/>
         </p:nvPicPr>
@@ -7688,7 +7975,7 @@
         <p:spPr>
           <a:xfrm>
             <a:off x="6554520" y="1509120"/>
-            <a:ext cx="2094840" cy="3009240"/>
+            <a:ext cx="2094480" cy="3008880"/>
           </a:xfrm>
           <a:prstGeom prst="rect">
             <a:avLst/>
@@ -7701,7 +7988,7 @@
       </p:pic>
       <p:pic>
         <p:nvPicPr>
-          <p:cNvPr id="61" name="Google Shape;81;p14" descr=""/>
+          <p:cNvPr id="65" name="Google Shape;81;p14" descr=""/>
           <p:cNvPicPr/>
           <p:nvPr/>
         </p:nvPicPr>
@@ -7712,7 +7999,7 @@
         <p:spPr>
           <a:xfrm>
             <a:off x="535680" y="1354680"/>
-            <a:ext cx="5868720" cy="1541880"/>
+            <a:ext cx="5868360" cy="1541520"/>
           </a:xfrm>
           <a:prstGeom prst="rect">
             <a:avLst/>
@@ -7762,7 +8049,7 @@
       </p:grpSpPr>
       <p:pic>
         <p:nvPicPr>
-          <p:cNvPr id="160" name="Google Shape;252;p32" descr=""/>
+          <p:cNvPr id="164" name="Google Shape;252;p32" descr=""/>
           <p:cNvPicPr/>
           <p:nvPr/>
         </p:nvPicPr>
@@ -7773,7 +8060,7 @@
         <p:spPr>
           <a:xfrm>
             <a:off x="2444760" y="162720"/>
-            <a:ext cx="4253760" cy="4817160"/>
+            <a:ext cx="4253400" cy="4816800"/>
           </a:xfrm>
           <a:prstGeom prst="rect">
             <a:avLst/>
@@ -7786,14 +8073,14 @@
       </p:pic>
       <p:sp>
         <p:nvSpPr>
-          <p:cNvPr id="161" name="Google Shape;253;p32"/>
+          <p:cNvPr id="165" name="Google Shape;253;p32"/>
           <p:cNvSpPr/>
           <p:nvPr/>
         </p:nvSpPr>
         <p:spPr>
           <a:xfrm>
             <a:off x="2855520" y="687240"/>
-            <a:ext cx="3432240" cy="761760"/>
+            <a:ext cx="3431880" cy="761400"/>
           </a:xfrm>
           <a:prstGeom prst="rect">
             <a:avLst/>
@@ -7845,14 +8132,14 @@
       </p:sp>
       <p:sp>
         <p:nvSpPr>
-          <p:cNvPr id="162" name="Google Shape;254;p32"/>
+          <p:cNvPr id="166" name="Google Shape;254;p32"/>
           <p:cNvSpPr/>
           <p:nvPr/>
         </p:nvSpPr>
         <p:spPr>
           <a:xfrm>
             <a:off x="2855520" y="1572480"/>
-            <a:ext cx="3306960" cy="1249920"/>
+            <a:ext cx="3306600" cy="1249920"/>
           </a:xfrm>
           <a:prstGeom prst="rect">
             <a:avLst/>
@@ -8008,7 +8295,7 @@
       </p:grpSpPr>
       <p:pic>
         <p:nvPicPr>
-          <p:cNvPr id="163" name="Google Shape;259;p33" descr=""/>
+          <p:cNvPr id="167" name="Google Shape;259;p33" descr=""/>
           <p:cNvPicPr/>
           <p:nvPr/>
         </p:nvPicPr>
@@ -8019,7 +8306,7 @@
         <p:spPr>
           <a:xfrm>
             <a:off x="3581280" y="162720"/>
-            <a:ext cx="4253760" cy="4817160"/>
+            <a:ext cx="4253400" cy="4816800"/>
           </a:xfrm>
           <a:prstGeom prst="rect">
             <a:avLst/>
@@ -8032,14 +8319,14 @@
       </p:pic>
       <p:sp>
         <p:nvSpPr>
-          <p:cNvPr id="164" name="Google Shape;260;p33"/>
+          <p:cNvPr id="168" name="Google Shape;260;p33"/>
           <p:cNvSpPr/>
           <p:nvPr/>
         </p:nvSpPr>
         <p:spPr>
           <a:xfrm>
             <a:off x="3992400" y="687240"/>
-            <a:ext cx="3432240" cy="761760"/>
+            <a:ext cx="3431880" cy="761400"/>
           </a:xfrm>
           <a:prstGeom prst="rect">
             <a:avLst/>
@@ -8091,14 +8378,14 @@
       </p:sp>
       <p:sp>
         <p:nvSpPr>
-          <p:cNvPr id="165" name="Google Shape;261;p33"/>
+          <p:cNvPr id="169" name="Google Shape;261;p33"/>
           <p:cNvSpPr/>
           <p:nvPr/>
         </p:nvSpPr>
         <p:spPr>
           <a:xfrm>
             <a:off x="3992400" y="1572480"/>
-            <a:ext cx="3306960" cy="2317320"/>
+            <a:ext cx="3306600" cy="2317320"/>
           </a:xfrm>
           <a:prstGeom prst="rect">
             <a:avLst/>
@@ -8262,7 +8549,7 @@
       </p:sp>
       <p:pic>
         <p:nvPicPr>
-          <p:cNvPr id="166" name="" descr=""/>
+          <p:cNvPr id="170" name="" descr=""/>
           <p:cNvPicPr/>
           <p:nvPr/>
         </p:nvPicPr>
@@ -8273,7 +8560,7 @@
         <p:spPr>
           <a:xfrm>
             <a:off x="1256400" y="1864800"/>
-            <a:ext cx="2324880" cy="1395000"/>
+            <a:ext cx="2324520" cy="1394640"/>
           </a:xfrm>
           <a:prstGeom prst="rect">
             <a:avLst/>
@@ -8286,7 +8573,7 @@
       </p:pic>
       <p:pic>
         <p:nvPicPr>
-          <p:cNvPr id="167" name="" descr=""/>
+          <p:cNvPr id="171" name="" descr=""/>
           <p:cNvPicPr/>
           <p:nvPr/>
         </p:nvPicPr>
@@ -8297,7 +8584,7 @@
         <p:spPr>
           <a:xfrm>
             <a:off x="1256400" y="361800"/>
-            <a:ext cx="2324880" cy="1395000"/>
+            <a:ext cx="2324520" cy="1394640"/>
           </a:xfrm>
           <a:prstGeom prst="rect">
             <a:avLst/>
@@ -8310,7 +8597,7 @@
       </p:pic>
       <p:pic>
         <p:nvPicPr>
-          <p:cNvPr id="168" name="" descr=""/>
+          <p:cNvPr id="172" name="" descr=""/>
           <p:cNvPicPr/>
           <p:nvPr/>
         </p:nvPicPr>
@@ -8321,7 +8608,7 @@
         <p:spPr>
           <a:xfrm>
             <a:off x="1256400" y="3369960"/>
-            <a:ext cx="2324880" cy="1394640"/>
+            <a:ext cx="2324520" cy="1394280"/>
           </a:xfrm>
           <a:prstGeom prst="rect">
             <a:avLst/>
@@ -8369,16 +8656,208 @@
           <a:chExt cx="0" cy="0"/>
         </a:xfrm>
       </p:grpSpPr>
-      <p:sp>
-        <p:nvSpPr>
-          <p:cNvPr id="169" name="Google Shape;279;p35"/>
+      <p:pic>
+        <p:nvPicPr>
+          <p:cNvPr id="173" name="Google Shape;252;p 1" descr=""/>
+          <p:cNvPicPr/>
+          <p:nvPr/>
+        </p:nvPicPr>
+        <p:blipFill>
+          <a:blip r:embed="rId1"/>
+          <a:stretch/>
+        </p:blipFill>
+        <p:spPr>
+          <a:xfrm>
+            <a:off x="685800" y="162720"/>
+            <a:ext cx="8001000" cy="4816800"/>
+          </a:xfrm>
+          <a:prstGeom prst="rect">
+            <a:avLst/>
+          </a:prstGeom>
+          <a:noFill/>
+          <a:ln w="0">
+            <a:noFill/>
+          </a:ln>
+        </p:spPr>
+      </p:pic>
+      <p:sp>
+        <p:nvSpPr>
+          <p:cNvPr id="174" name="Google Shape;253;p 1"/>
           <p:cNvSpPr/>
           <p:nvPr/>
         </p:nvSpPr>
         <p:spPr>
           <a:xfrm>
+            <a:off x="1343520" y="687240"/>
+            <a:ext cx="3431880" cy="761400"/>
+          </a:xfrm>
+          <a:prstGeom prst="rect">
+            <a:avLst/>
+          </a:prstGeom>
+          <a:noFill/>
+          <a:ln w="0">
+            <a:noFill/>
+          </a:ln>
+        </p:spPr>
+        <p:style>
+          <a:lnRef idx="0"/>
+          <a:fillRef idx="0"/>
+          <a:effectRef idx="0"/>
+          <a:fontRef idx="minor"/>
+        </p:style>
+        <p:txBody>
+          <a:bodyPr lIns="90000" rIns="90000" tIns="91440" bIns="91440" anchor="b">
+            <a:noAutofit/>
+          </a:bodyPr>
+          <a:p>
+            <a:pPr>
+              <a:lnSpc>
+                <a:spcPct val="100000"/>
+              </a:lnSpc>
+              <a:tabLst>
+                <a:tab algn="l" pos="0"/>
+              </a:tabLst>
+            </a:pPr>
+            <a:r>
+              <a:rPr b="1" lang="en" sz="3000" strike="noStrike" u="none">
+                <a:solidFill>
+                  <a:schemeClr val="lt2"/>
+                </a:solidFill>
+                <a:uFillTx/>
+                <a:latin typeface="Raleway"/>
+                <a:ea typeface="Raleway"/>
+              </a:rPr>
+              <a:t>Final Results</a:t>
+            </a:r>
+            <a:endParaRPr b="0" lang="en-US" sz="3000" strike="noStrike" u="none">
+              <a:solidFill>
+                <a:srgbClr val="ffffff"/>
+              </a:solidFill>
+              <a:uFillTx/>
+              <a:latin typeface="Arial"/>
+            </a:endParaRPr>
+          </a:p>
+        </p:txBody>
+      </p:sp>
+      <p:sp>
+        <p:nvSpPr>
+          <p:cNvPr id="175" name="Google Shape;254;p 1"/>
+          <p:cNvSpPr/>
+          <p:nvPr/>
+        </p:nvSpPr>
+        <p:spPr>
+          <a:xfrm>
+            <a:off x="2855520" y="1572480"/>
+            <a:ext cx="3306600" cy="396720"/>
+          </a:xfrm>
+          <a:prstGeom prst="rect">
+            <a:avLst/>
+          </a:prstGeom>
+          <a:noFill/>
+          <a:ln w="0">
+            <a:noFill/>
+          </a:ln>
+        </p:spPr>
+        <p:style>
+          <a:lnRef idx="0"/>
+          <a:fillRef idx="0"/>
+          <a:effectRef idx="0"/>
+          <a:fontRef idx="minor"/>
+        </p:style>
+        <p:txBody>
+          <a:bodyPr lIns="90000" rIns="90000" tIns="91440" bIns="91440" anchor="t">
+            <a:spAutoFit/>
+          </a:bodyPr>
+          <a:p>
+            <a:pPr>
+              <a:lnSpc>
+                <a:spcPct val="100000"/>
+              </a:lnSpc>
+              <a:tabLst>
+                <a:tab algn="l" pos="0"/>
+              </a:tabLst>
+            </a:pPr>
+            <a:endParaRPr b="0" lang="en-US" sz="1800" strike="noStrike" u="none">
+              <a:solidFill>
+                <a:srgbClr val="ffffff"/>
+              </a:solidFill>
+              <a:uFillTx/>
+              <a:latin typeface="Arial"/>
+            </a:endParaRPr>
+          </a:p>
+        </p:txBody>
+      </p:sp>
+      <p:pic>
+        <p:nvPicPr>
+          <p:cNvPr id="176" name="" descr=""/>
+          <p:cNvPicPr/>
+          <p:nvPr/>
+        </p:nvPicPr>
+        <p:blipFill>
+          <a:blip r:embed="rId2"/>
+          <a:stretch/>
+        </p:blipFill>
+        <p:spPr>
+          <a:xfrm>
+            <a:off x="1361880" y="1658160"/>
+            <a:ext cx="6639120" cy="1999440"/>
+          </a:xfrm>
+          <a:prstGeom prst="rect">
+            <a:avLst/>
+          </a:prstGeom>
+          <a:noFill/>
+          <a:ln w="0">
+            <a:noFill/>
+          </a:ln>
+        </p:spPr>
+      </p:pic>
+    </p:spTree>
+  </p:cSld>
+  <mc:AlternateContent>
+    <mc:Choice Requires="p14">
+      <p:transition spd="slow" p14:dur="2000"/>
+    </mc:Choice>
+    <mc:Fallback>
+      <p:transition spd="slow"/>
+    </mc:Fallback>
+  </mc:AlternateContent>
+</p:sld>
+</file>
+
+<file path=ppt/slides/slide23.xml><?xml version="1.0" encoding="utf-8"?>
+<p:sld xmlns:a="http://schemas.openxmlformats.org/drawingml/2006/main" xmlns:p="http://schemas.openxmlformats.org/presentationml/2006/main" xmlns:r="http://schemas.openxmlformats.org/officeDocument/2006/relationships" xmlns:p14="http://schemas.microsoft.com/office/powerpoint/2010/main" xmlns:p15="http://schemas.microsoft.com/office/powerpoint/2012/main" xmlns:mc="http://schemas.openxmlformats.org/markup-compatibility/2006">
+  <p:cSld>
+    <p:bg>
+      <p:bgPr>
+        <a:solidFill>
+          <a:schemeClr val="dk1"/>
+        </a:solidFill>
+      </p:bgPr>
+    </p:bg>
+    <p:spTree>
+      <p:nvGrpSpPr>
+        <p:cNvPr id="1" name=""/>
+        <p:cNvGrpSpPr/>
+        <p:nvPr/>
+      </p:nvGrpSpPr>
+      <p:grpSpPr>
+        <a:xfrm>
+          <a:off x="0" y="0"/>
+          <a:ext cx="0" cy="0"/>
+          <a:chOff x="0" y="0"/>
+          <a:chExt cx="0" cy="0"/>
+        </a:xfrm>
+      </p:grpSpPr>
+      <p:sp>
+        <p:nvSpPr>
+          <p:cNvPr id="177" name="Google Shape;279;p35"/>
+          <p:cNvSpPr/>
+          <p:nvPr/>
+        </p:nvSpPr>
+        <p:spPr>
+          <a:xfrm>
             <a:off x="1173240" y="1762200"/>
-            <a:ext cx="3432240" cy="761760"/>
+            <a:ext cx="3431880" cy="761400"/>
           </a:xfrm>
           <a:prstGeom prst="rect">
             <a:avLst/>
@@ -8460,7 +8939,7 @@
       </p:grpSpPr>
       <p:sp>
         <p:nvSpPr>
-          <p:cNvPr id="62" name="PlaceHolder 1"/>
+          <p:cNvPr id="66" name="PlaceHolder 1"/>
           <p:cNvSpPr>
             <a:spLocks noGrp="1"/>
           </p:cNvSpPr>
@@ -8471,7 +8950,7 @@
         <p:spPr>
           <a:xfrm>
             <a:off x="535680" y="712080"/>
-            <a:ext cx="7652520" cy="767160"/>
+            <a:ext cx="7652160" cy="766800"/>
           </a:xfrm>
           <a:prstGeom prst="rect">
             <a:avLst/>
@@ -8521,7 +9000,7 @@
       </p:sp>
       <p:pic>
         <p:nvPicPr>
-          <p:cNvPr id="63" name="Google Shape;87;p15" descr=""/>
+          <p:cNvPr id="67" name="Google Shape;87;p15" descr=""/>
           <p:cNvPicPr/>
           <p:nvPr/>
         </p:nvPicPr>
@@ -8532,7 +9011,7 @@
         <p:spPr>
           <a:xfrm>
             <a:off x="-34920" y="1437480"/>
-            <a:ext cx="2801160" cy="2801160"/>
+            <a:ext cx="2800800" cy="2800800"/>
           </a:xfrm>
           <a:prstGeom prst="rect">
             <a:avLst/>
@@ -8545,14 +9024,14 @@
       </p:pic>
       <p:sp>
         <p:nvSpPr>
-          <p:cNvPr id="64" name="Google Shape;88;p15"/>
+          <p:cNvPr id="68" name="Google Shape;88;p15"/>
           <p:cNvSpPr/>
           <p:nvPr/>
         </p:nvSpPr>
         <p:spPr>
           <a:xfrm>
             <a:off x="3296520" y="1401840"/>
-            <a:ext cx="4818600" cy="1653480"/>
+            <a:ext cx="4818240" cy="1653480"/>
           </a:xfrm>
           <a:prstGeom prst="rect">
             <a:avLst/>
@@ -8726,14 +9205,14 @@
       </p:grpSpPr>
       <p:sp>
         <p:nvSpPr>
-          <p:cNvPr id="65" name="Google Shape;93;p16"/>
+          <p:cNvPr id="69" name="Google Shape;93;p16"/>
           <p:cNvSpPr/>
           <p:nvPr/>
         </p:nvSpPr>
         <p:spPr>
           <a:xfrm rot="16200000">
-            <a:off x="7543080" y="1403640"/>
-            <a:ext cx="1002960" cy="2174400"/>
+            <a:off x="7543080" y="1404000"/>
+            <a:ext cx="1002600" cy="2174040"/>
           </a:xfrm>
           <a:prstGeom prst="flowChartOffpageConnector">
             <a:avLst/>
@@ -8779,7 +9258,7 @@
       </p:sp>
       <p:sp>
         <p:nvSpPr>
-          <p:cNvPr id="66" name="PlaceHolder 1"/>
+          <p:cNvPr id="70" name="PlaceHolder 1"/>
           <p:cNvSpPr>
             <a:spLocks noGrp="1"/>
           </p:cNvSpPr>
@@ -8790,7 +9269,7 @@
         <p:spPr>
           <a:xfrm>
             <a:off x="535680" y="712080"/>
-            <a:ext cx="5196600" cy="767160"/>
+            <a:ext cx="5196240" cy="766800"/>
           </a:xfrm>
           <a:prstGeom prst="rect">
             <a:avLst/>
@@ -8840,14 +9319,14 @@
       </p:sp>
       <p:sp>
         <p:nvSpPr>
-          <p:cNvPr id="67" name="Google Shape;95;p16"/>
+          <p:cNvPr id="71" name="Google Shape;95;p16"/>
           <p:cNvSpPr/>
           <p:nvPr/>
         </p:nvSpPr>
         <p:spPr>
           <a:xfrm rot="16200000">
-            <a:off x="5800680" y="1403640"/>
-            <a:ext cx="1002960" cy="2174400"/>
+            <a:off x="5800680" y="1404000"/>
+            <a:ext cx="1002600" cy="2174040"/>
           </a:xfrm>
           <a:prstGeom prst="flowChartOffpageConnector">
             <a:avLst/>
@@ -8893,14 +9372,14 @@
       </p:sp>
       <p:sp>
         <p:nvSpPr>
-          <p:cNvPr id="68" name="Google Shape;96;p16"/>
+          <p:cNvPr id="72" name="Google Shape;96;p16"/>
           <p:cNvSpPr/>
           <p:nvPr/>
         </p:nvSpPr>
         <p:spPr>
           <a:xfrm rot="16200000">
-            <a:off x="4070160" y="1403640"/>
-            <a:ext cx="1002960" cy="2174400"/>
+            <a:off x="4070160" y="1404000"/>
+            <a:ext cx="1002600" cy="2174040"/>
           </a:xfrm>
           <a:prstGeom prst="flowChartOffpageConnector">
             <a:avLst/>
@@ -8946,14 +9425,14 @@
       </p:sp>
       <p:sp>
         <p:nvSpPr>
-          <p:cNvPr id="69" name="Google Shape;97;p16"/>
+          <p:cNvPr id="73" name="Google Shape;97;p16"/>
           <p:cNvSpPr/>
           <p:nvPr/>
         </p:nvSpPr>
         <p:spPr>
           <a:xfrm rot="16200000">
-            <a:off x="2327760" y="1403640"/>
-            <a:ext cx="1002960" cy="2174400"/>
+            <a:off x="2327760" y="1404000"/>
+            <a:ext cx="1002600" cy="2174040"/>
           </a:xfrm>
           <a:prstGeom prst="flowChartOffpageConnector">
             <a:avLst/>
@@ -8999,14 +9478,14 @@
       </p:sp>
       <p:sp>
         <p:nvSpPr>
-          <p:cNvPr id="70" name="Google Shape;98;p16"/>
+          <p:cNvPr id="74" name="Google Shape;98;p16"/>
           <p:cNvSpPr/>
           <p:nvPr/>
         </p:nvSpPr>
         <p:spPr>
           <a:xfrm rot="16200000">
-            <a:off x="597240" y="1403640"/>
-            <a:ext cx="1002960" cy="2174400"/>
+            <a:off x="597240" y="1404000"/>
+            <a:ext cx="1002600" cy="2174040"/>
           </a:xfrm>
           <a:prstGeom prst="flowChartOffpageConnector">
             <a:avLst/>
@@ -9052,14 +9531,14 @@
       </p:sp>
       <p:sp>
         <p:nvSpPr>
-          <p:cNvPr id="71" name="Google Shape;99;p16"/>
+          <p:cNvPr id="75" name="Google Shape;99;p16"/>
           <p:cNvSpPr/>
           <p:nvPr/>
         </p:nvSpPr>
         <p:spPr>
           <a:xfrm>
             <a:off x="63000" y="2290320"/>
-            <a:ext cx="2999160" cy="396000"/>
+            <a:ext cx="2998800" cy="396000"/>
           </a:xfrm>
           <a:prstGeom prst="rect">
             <a:avLst/>
@@ -9111,14 +9590,14 @@
       </p:sp>
       <p:sp>
         <p:nvSpPr>
-          <p:cNvPr id="72" name="Google Shape;100;p16"/>
+          <p:cNvPr id="76" name="Google Shape;100;p16"/>
           <p:cNvSpPr/>
           <p:nvPr/>
         </p:nvSpPr>
         <p:spPr>
           <a:xfrm>
             <a:off x="2200680" y="2290320"/>
-            <a:ext cx="2999160" cy="396000"/>
+            <a:ext cx="2998800" cy="396000"/>
           </a:xfrm>
           <a:prstGeom prst="rect">
             <a:avLst/>
@@ -9170,14 +9649,14 @@
       </p:sp>
       <p:sp>
         <p:nvSpPr>
-          <p:cNvPr id="73" name="Google Shape;101;p16"/>
+          <p:cNvPr id="77" name="Google Shape;101;p16"/>
           <p:cNvSpPr/>
           <p:nvPr/>
         </p:nvSpPr>
         <p:spPr>
           <a:xfrm>
             <a:off x="3937320" y="2290320"/>
-            <a:ext cx="2999160" cy="396000"/>
+            <a:ext cx="2998800" cy="396000"/>
           </a:xfrm>
           <a:prstGeom prst="rect">
             <a:avLst/>
@@ -9229,14 +9708,14 @@
       </p:sp>
       <p:sp>
         <p:nvSpPr>
-          <p:cNvPr id="74" name="Google Shape;102;p16"/>
+          <p:cNvPr id="78" name="Google Shape;102;p16"/>
           <p:cNvSpPr/>
           <p:nvPr/>
         </p:nvSpPr>
         <p:spPr>
           <a:xfrm>
             <a:off x="5659560" y="2290320"/>
-            <a:ext cx="2999160" cy="396000"/>
+            <a:ext cx="2998800" cy="396000"/>
           </a:xfrm>
           <a:prstGeom prst="rect">
             <a:avLst/>
@@ -9288,14 +9767,14 @@
       </p:sp>
       <p:sp>
         <p:nvSpPr>
-          <p:cNvPr id="75" name="Google Shape;103;p16"/>
+          <p:cNvPr id="79" name="Google Shape;103;p16"/>
           <p:cNvSpPr/>
           <p:nvPr/>
         </p:nvSpPr>
         <p:spPr>
           <a:xfrm>
             <a:off x="7390080" y="2290320"/>
-            <a:ext cx="2999160" cy="396000"/>
+            <a:ext cx="2998800" cy="396000"/>
           </a:xfrm>
           <a:prstGeom prst="rect">
             <a:avLst/>
@@ -9347,14 +9826,14 @@
       </p:sp>
       <p:sp>
         <p:nvSpPr>
-          <p:cNvPr id="76" name="Google Shape;104;p16"/>
+          <p:cNvPr id="80" name="Google Shape;104;p16"/>
           <p:cNvSpPr/>
           <p:nvPr/>
         </p:nvSpPr>
         <p:spPr>
           <a:xfrm>
             <a:off x="610920" y="3675240"/>
-            <a:ext cx="7995960" cy="396000"/>
+            <a:ext cx="7995600" cy="396000"/>
           </a:xfrm>
           <a:prstGeom prst="rect">
             <a:avLst/>
@@ -9436,14 +9915,14 @@
       </p:grpSpPr>
       <p:sp>
         <p:nvSpPr>
-          <p:cNvPr id="77" name="Google Shape;109;p17"/>
+          <p:cNvPr id="81" name="Google Shape;109;p17"/>
           <p:cNvSpPr/>
           <p:nvPr/>
         </p:nvSpPr>
         <p:spPr>
           <a:xfrm rot="16200000">
-            <a:off x="7543080" y="1403640"/>
-            <a:ext cx="1002960" cy="2174400"/>
+            <a:off x="7543080" y="1404000"/>
+            <a:ext cx="1002600" cy="2174040"/>
           </a:xfrm>
           <a:prstGeom prst="flowChartOffpageConnector">
             <a:avLst/>
@@ -9489,7 +9968,7 @@
       </p:sp>
       <p:sp>
         <p:nvSpPr>
-          <p:cNvPr id="78" name="PlaceHolder 1"/>
+          <p:cNvPr id="82" name="PlaceHolder 1"/>
           <p:cNvSpPr>
             <a:spLocks noGrp="1"/>
           </p:cNvSpPr>
@@ -9500,7 +9979,7 @@
         <p:spPr>
           <a:xfrm>
             <a:off x="535680" y="712080"/>
-            <a:ext cx="5196600" cy="767160"/>
+            <a:ext cx="5196240" cy="766800"/>
           </a:xfrm>
           <a:prstGeom prst="rect">
             <a:avLst/>
@@ -9550,14 +10029,14 @@
       </p:sp>
       <p:sp>
         <p:nvSpPr>
-          <p:cNvPr id="79" name="Google Shape;111;p17"/>
+          <p:cNvPr id="83" name="Google Shape;111;p17"/>
           <p:cNvSpPr/>
           <p:nvPr/>
         </p:nvSpPr>
         <p:spPr>
           <a:xfrm rot="16200000">
-            <a:off x="5800680" y="1403640"/>
-            <a:ext cx="1002960" cy="2174400"/>
+            <a:off x="5800680" y="1404000"/>
+            <a:ext cx="1002600" cy="2174040"/>
           </a:xfrm>
           <a:prstGeom prst="flowChartOffpageConnector">
             <a:avLst/>
@@ -9603,14 +10082,14 @@
       </p:sp>
       <p:sp>
         <p:nvSpPr>
-          <p:cNvPr id="80" name="Google Shape;112;p17"/>
+          <p:cNvPr id="84" name="Google Shape;112;p17"/>
           <p:cNvSpPr/>
           <p:nvPr/>
         </p:nvSpPr>
         <p:spPr>
           <a:xfrm rot="16200000">
-            <a:off x="4070160" y="1403640"/>
-            <a:ext cx="1002960" cy="2174400"/>
+            <a:off x="4070160" y="1404000"/>
+            <a:ext cx="1002600" cy="2174040"/>
           </a:xfrm>
           <a:prstGeom prst="flowChartOffpageConnector">
             <a:avLst/>
@@ -9656,14 +10135,14 @@
       </p:sp>
       <p:sp>
         <p:nvSpPr>
-          <p:cNvPr id="81" name="Google Shape;113;p17"/>
+          <p:cNvPr id="85" name="Google Shape;113;p17"/>
           <p:cNvSpPr/>
           <p:nvPr/>
         </p:nvSpPr>
         <p:spPr>
           <a:xfrm rot="16200000">
-            <a:off x="2327760" y="1403640"/>
-            <a:ext cx="1002960" cy="2174400"/>
+            <a:off x="2327760" y="1404000"/>
+            <a:ext cx="1002600" cy="2174040"/>
           </a:xfrm>
           <a:prstGeom prst="flowChartOffpageConnector">
             <a:avLst/>
@@ -9709,14 +10188,14 @@
       </p:sp>
       <p:sp>
         <p:nvSpPr>
-          <p:cNvPr id="82" name="Google Shape;114;p17"/>
+          <p:cNvPr id="86" name="Google Shape;114;p17"/>
           <p:cNvSpPr/>
           <p:nvPr/>
         </p:nvSpPr>
         <p:spPr>
           <a:xfrm rot="16200000">
-            <a:off x="597240" y="1403640"/>
-            <a:ext cx="1002960" cy="2174400"/>
+            <a:off x="597240" y="1404000"/>
+            <a:ext cx="1002600" cy="2174040"/>
           </a:xfrm>
           <a:prstGeom prst="flowChartOffpageConnector">
             <a:avLst/>
@@ -9762,14 +10241,14 @@
       </p:sp>
       <p:sp>
         <p:nvSpPr>
-          <p:cNvPr id="83" name="Google Shape;115;p17"/>
+          <p:cNvPr id="87" name="Google Shape;115;p17"/>
           <p:cNvSpPr/>
           <p:nvPr/>
         </p:nvSpPr>
         <p:spPr>
           <a:xfrm>
             <a:off x="63000" y="2290320"/>
-            <a:ext cx="2999160" cy="396000"/>
+            <a:ext cx="2998800" cy="396000"/>
           </a:xfrm>
           <a:prstGeom prst="rect">
             <a:avLst/>
@@ -9821,14 +10300,14 @@
       </p:sp>
       <p:sp>
         <p:nvSpPr>
-          <p:cNvPr id="84" name="Google Shape;116;p17"/>
+          <p:cNvPr id="88" name="Google Shape;116;p17"/>
           <p:cNvSpPr/>
           <p:nvPr/>
         </p:nvSpPr>
         <p:spPr>
           <a:xfrm>
             <a:off x="2200680" y="2290320"/>
-            <a:ext cx="2999160" cy="396000"/>
+            <a:ext cx="2998800" cy="396000"/>
           </a:xfrm>
           <a:prstGeom prst="rect">
             <a:avLst/>
@@ -9880,14 +10359,14 @@
       </p:sp>
       <p:sp>
         <p:nvSpPr>
-          <p:cNvPr id="85" name="Google Shape;117;p17"/>
+          <p:cNvPr id="89" name="Google Shape;117;p17"/>
           <p:cNvSpPr/>
           <p:nvPr/>
         </p:nvSpPr>
         <p:spPr>
           <a:xfrm>
             <a:off x="3937320" y="2290320"/>
-            <a:ext cx="2999160" cy="396000"/>
+            <a:ext cx="2998800" cy="396000"/>
           </a:xfrm>
           <a:prstGeom prst="rect">
             <a:avLst/>
@@ -9939,14 +10418,14 @@
       </p:sp>
       <p:sp>
         <p:nvSpPr>
-          <p:cNvPr id="86" name="Google Shape;118;p17"/>
+          <p:cNvPr id="90" name="Google Shape;118;p17"/>
           <p:cNvSpPr/>
           <p:nvPr/>
         </p:nvSpPr>
         <p:spPr>
           <a:xfrm>
             <a:off x="5659560" y="2290320"/>
-            <a:ext cx="2999160" cy="396000"/>
+            <a:ext cx="2998800" cy="396000"/>
           </a:xfrm>
           <a:prstGeom prst="rect">
             <a:avLst/>
@@ -9998,14 +10477,14 @@
       </p:sp>
       <p:sp>
         <p:nvSpPr>
-          <p:cNvPr id="87" name="Google Shape;119;p17"/>
+          <p:cNvPr id="91" name="Google Shape;119;p17"/>
           <p:cNvSpPr/>
           <p:nvPr/>
         </p:nvSpPr>
         <p:spPr>
           <a:xfrm>
             <a:off x="7390080" y="2290320"/>
-            <a:ext cx="2999160" cy="396000"/>
+            <a:ext cx="2998800" cy="396000"/>
           </a:xfrm>
           <a:prstGeom prst="rect">
             <a:avLst/>
@@ -10057,14 +10536,14 @@
       </p:sp>
       <p:sp>
         <p:nvSpPr>
-          <p:cNvPr id="88" name="Google Shape;120;p17"/>
+          <p:cNvPr id="92" name="Google Shape;120;p17"/>
           <p:cNvSpPr/>
           <p:nvPr/>
         </p:nvSpPr>
         <p:spPr>
           <a:xfrm>
             <a:off x="610920" y="3370320"/>
-            <a:ext cx="7995960" cy="1463400"/>
+            <a:ext cx="7995600" cy="1463400"/>
           </a:xfrm>
           <a:prstGeom prst="rect">
             <a:avLst/>
@@ -10208,14 +10687,14 @@
       </p:grpSpPr>
       <p:sp>
         <p:nvSpPr>
-          <p:cNvPr id="89" name="Google Shape;125;p18"/>
+          <p:cNvPr id="93" name="Google Shape;125;p18"/>
           <p:cNvSpPr/>
           <p:nvPr/>
         </p:nvSpPr>
         <p:spPr>
           <a:xfrm rot="16200000">
-            <a:off x="7543080" y="1403640"/>
-            <a:ext cx="1002960" cy="2174400"/>
+            <a:off x="7543080" y="1404000"/>
+            <a:ext cx="1002600" cy="2174040"/>
           </a:xfrm>
           <a:prstGeom prst="flowChartOffpageConnector">
             <a:avLst/>
@@ -10261,7 +10740,7 @@
       </p:sp>
       <p:sp>
         <p:nvSpPr>
-          <p:cNvPr id="90" name="PlaceHolder 1"/>
+          <p:cNvPr id="94" name="PlaceHolder 1"/>
           <p:cNvSpPr>
             <a:spLocks noGrp="1"/>
           </p:cNvSpPr>
@@ -10272,7 +10751,7 @@
         <p:spPr>
           <a:xfrm>
             <a:off x="535680" y="712080"/>
-            <a:ext cx="5196600" cy="767160"/>
+            <a:ext cx="5196240" cy="766800"/>
           </a:xfrm>
           <a:prstGeom prst="rect">
             <a:avLst/>
@@ -10322,14 +10801,14 @@
       </p:sp>
       <p:sp>
         <p:nvSpPr>
-          <p:cNvPr id="91" name="Google Shape;127;p18"/>
+          <p:cNvPr id="95" name="Google Shape;127;p18"/>
           <p:cNvSpPr/>
           <p:nvPr/>
         </p:nvSpPr>
         <p:spPr>
           <a:xfrm rot="16200000">
-            <a:off x="5800680" y="1403640"/>
-            <a:ext cx="1002960" cy="2174400"/>
+            <a:off x="5800680" y="1404000"/>
+            <a:ext cx="1002600" cy="2174040"/>
           </a:xfrm>
           <a:prstGeom prst="flowChartOffpageConnector">
             <a:avLst/>
@@ -10375,14 +10854,14 @@
       </p:sp>
       <p:sp>
         <p:nvSpPr>
-          <p:cNvPr id="92" name="Google Shape;128;p18"/>
+          <p:cNvPr id="96" name="Google Shape;128;p18"/>
           <p:cNvSpPr/>
           <p:nvPr/>
         </p:nvSpPr>
         <p:spPr>
           <a:xfrm rot="16200000">
-            <a:off x="4070160" y="1403640"/>
-            <a:ext cx="1002960" cy="2174400"/>
+            <a:off x="4070160" y="1404000"/>
+            <a:ext cx="1002600" cy="2174040"/>
           </a:xfrm>
           <a:prstGeom prst="flowChartOffpageConnector">
             <a:avLst/>
@@ -10428,14 +10907,14 @@
       </p:sp>
       <p:sp>
         <p:nvSpPr>
-          <p:cNvPr id="93" name="Google Shape;129;p18"/>
+          <p:cNvPr id="97" name="Google Shape;129;p18"/>
           <p:cNvSpPr/>
           <p:nvPr/>
         </p:nvSpPr>
         <p:spPr>
           <a:xfrm rot="16200000">
-            <a:off x="2327760" y="1403640"/>
-            <a:ext cx="1002960" cy="2174400"/>
+            <a:off x="2327760" y="1404000"/>
+            <a:ext cx="1002600" cy="2174040"/>
           </a:xfrm>
           <a:prstGeom prst="flowChartOffpageConnector">
             <a:avLst/>
@@ -10481,14 +10960,14 @@
       </p:sp>
       <p:sp>
         <p:nvSpPr>
-          <p:cNvPr id="94" name="Google Shape;130;p18"/>
+          <p:cNvPr id="98" name="Google Shape;130;p18"/>
           <p:cNvSpPr/>
           <p:nvPr/>
         </p:nvSpPr>
         <p:spPr>
           <a:xfrm rot="16200000">
-            <a:off x="597240" y="1403640"/>
-            <a:ext cx="1002960" cy="2174400"/>
+            <a:off x="597240" y="1404000"/>
+            <a:ext cx="1002600" cy="2174040"/>
           </a:xfrm>
           <a:prstGeom prst="flowChartOffpageConnector">
             <a:avLst/>
@@ -10534,14 +11013,14 @@
       </p:sp>
       <p:sp>
         <p:nvSpPr>
-          <p:cNvPr id="95" name="Google Shape;131;p18"/>
+          <p:cNvPr id="99" name="Google Shape;131;p18"/>
           <p:cNvSpPr/>
           <p:nvPr/>
         </p:nvSpPr>
         <p:spPr>
           <a:xfrm>
             <a:off x="63000" y="2290320"/>
-            <a:ext cx="2999160" cy="396000"/>
+            <a:ext cx="2998800" cy="396000"/>
           </a:xfrm>
           <a:prstGeom prst="rect">
             <a:avLst/>
@@ -10593,14 +11072,14 @@
       </p:sp>
       <p:sp>
         <p:nvSpPr>
-          <p:cNvPr id="96" name="Google Shape;132;p18"/>
+          <p:cNvPr id="100" name="Google Shape;132;p18"/>
           <p:cNvSpPr/>
           <p:nvPr/>
         </p:nvSpPr>
         <p:spPr>
           <a:xfrm>
             <a:off x="2200680" y="2290320"/>
-            <a:ext cx="2999160" cy="396000"/>
+            <a:ext cx="2998800" cy="396000"/>
           </a:xfrm>
           <a:prstGeom prst="rect">
             <a:avLst/>
@@ -10652,14 +11131,14 @@
       </p:sp>
       <p:sp>
         <p:nvSpPr>
-          <p:cNvPr id="97" name="Google Shape;133;p18"/>
+          <p:cNvPr id="101" name="Google Shape;133;p18"/>
           <p:cNvSpPr/>
           <p:nvPr/>
         </p:nvSpPr>
         <p:spPr>
           <a:xfrm>
             <a:off x="3937320" y="2290320"/>
-            <a:ext cx="2999160" cy="396000"/>
+            <a:ext cx="2998800" cy="396000"/>
           </a:xfrm>
           <a:prstGeom prst="rect">
             <a:avLst/>
@@ -10711,14 +11190,14 @@
       </p:sp>
       <p:sp>
         <p:nvSpPr>
-          <p:cNvPr id="98" name="Google Shape;134;p18"/>
+          <p:cNvPr id="102" name="Google Shape;134;p18"/>
           <p:cNvSpPr/>
           <p:nvPr/>
         </p:nvSpPr>
         <p:spPr>
           <a:xfrm>
             <a:off x="5659560" y="2290320"/>
-            <a:ext cx="2999160" cy="396000"/>
+            <a:ext cx="2998800" cy="396000"/>
           </a:xfrm>
           <a:prstGeom prst="rect">
             <a:avLst/>
@@ -10770,14 +11249,14 @@
       </p:sp>
       <p:sp>
         <p:nvSpPr>
-          <p:cNvPr id="99" name="Google Shape;135;p18"/>
+          <p:cNvPr id="103" name="Google Shape;135;p18"/>
           <p:cNvSpPr/>
           <p:nvPr/>
         </p:nvSpPr>
         <p:spPr>
           <a:xfrm>
             <a:off x="7390080" y="2290320"/>
-            <a:ext cx="2999160" cy="396000"/>
+            <a:ext cx="2998800" cy="396000"/>
           </a:xfrm>
           <a:prstGeom prst="rect">
             <a:avLst/>
@@ -10829,14 +11308,14 @@
       </p:sp>
       <p:sp>
         <p:nvSpPr>
-          <p:cNvPr id="100" name="Google Shape;136;p18"/>
+          <p:cNvPr id="104" name="Google Shape;136;p18"/>
           <p:cNvSpPr/>
           <p:nvPr/>
         </p:nvSpPr>
         <p:spPr>
           <a:xfrm>
             <a:off x="610920" y="3675240"/>
-            <a:ext cx="7995960" cy="1036440"/>
+            <a:ext cx="7995600" cy="1036440"/>
           </a:xfrm>
           <a:prstGeom prst="rect">
             <a:avLst/>
@@ -10963,14 +11442,14 @@
       </p:grpSpPr>
       <p:sp>
         <p:nvSpPr>
-          <p:cNvPr id="101" name="Google Shape;141;p19"/>
+          <p:cNvPr id="105" name="Google Shape;141;p19"/>
           <p:cNvSpPr/>
           <p:nvPr/>
         </p:nvSpPr>
         <p:spPr>
           <a:xfrm rot="16200000">
-            <a:off x="7543080" y="1403640"/>
-            <a:ext cx="1002960" cy="2174400"/>
+            <a:off x="7543080" y="1404000"/>
+            <a:ext cx="1002600" cy="2174040"/>
           </a:xfrm>
           <a:prstGeom prst="flowChartOffpageConnector">
             <a:avLst/>
@@ -11016,7 +11495,7 @@
       </p:sp>
       <p:sp>
         <p:nvSpPr>
-          <p:cNvPr id="102" name="PlaceHolder 1"/>
+          <p:cNvPr id="106" name="PlaceHolder 1"/>
           <p:cNvSpPr>
             <a:spLocks noGrp="1"/>
           </p:cNvSpPr>
@@ -11027,7 +11506,7 @@
         <p:spPr>
           <a:xfrm>
             <a:off x="535680" y="712080"/>
-            <a:ext cx="5196600" cy="767160"/>
+            <a:ext cx="5196240" cy="766800"/>
           </a:xfrm>
           <a:prstGeom prst="rect">
             <a:avLst/>
@@ -11077,14 +11556,14 @@
       </p:sp>
       <p:sp>
         <p:nvSpPr>
-          <p:cNvPr id="103" name="Google Shape;143;p19"/>
+          <p:cNvPr id="107" name="Google Shape;143;p19"/>
           <p:cNvSpPr/>
           <p:nvPr/>
         </p:nvSpPr>
         <p:spPr>
           <a:xfrm rot="16200000">
-            <a:off x="5800680" y="1403640"/>
-            <a:ext cx="1002960" cy="2174400"/>
+            <a:off x="5800680" y="1404000"/>
+            <a:ext cx="1002600" cy="2174040"/>
           </a:xfrm>
           <a:prstGeom prst="flowChartOffpageConnector">
             <a:avLst/>
@@ -11130,14 +11609,14 @@
       </p:sp>
       <p:sp>
         <p:nvSpPr>
-          <p:cNvPr id="104" name="Google Shape;144;p19"/>
+          <p:cNvPr id="108" name="Google Shape;144;p19"/>
           <p:cNvSpPr/>
           <p:nvPr/>
         </p:nvSpPr>
         <p:spPr>
           <a:xfrm rot="16200000">
-            <a:off x="4070160" y="1403640"/>
-            <a:ext cx="1002960" cy="2174400"/>
+            <a:off x="4070160" y="1404000"/>
+            <a:ext cx="1002600" cy="2174040"/>
           </a:xfrm>
           <a:prstGeom prst="flowChartOffpageConnector">
             <a:avLst/>
@@ -11183,14 +11662,14 @@
       </p:sp>
       <p:sp>
         <p:nvSpPr>
-          <p:cNvPr id="105" name="Google Shape;145;p19"/>
+          <p:cNvPr id="109" name="Google Shape;145;p19"/>
           <p:cNvSpPr/>
           <p:nvPr/>
         </p:nvSpPr>
         <p:spPr>
           <a:xfrm rot="16200000">
-            <a:off x="2327760" y="1403640"/>
-            <a:ext cx="1002960" cy="2174400"/>
+            <a:off x="2327760" y="1404000"/>
+            <a:ext cx="1002600" cy="2174040"/>
           </a:xfrm>
           <a:prstGeom prst="flowChartOffpageConnector">
             <a:avLst/>
@@ -11236,14 +11715,14 @@
       </p:sp>
       <p:sp>
         <p:nvSpPr>
-          <p:cNvPr id="106" name="Google Shape;146;p19"/>
+          <p:cNvPr id="110" name="Google Shape;146;p19"/>
           <p:cNvSpPr/>
           <p:nvPr/>
         </p:nvSpPr>
         <p:spPr>
           <a:xfrm rot="16200000">
-            <a:off x="597240" y="1403640"/>
-            <a:ext cx="1002960" cy="2174400"/>
+            <a:off x="597240" y="1404000"/>
+            <a:ext cx="1002600" cy="2174040"/>
           </a:xfrm>
           <a:prstGeom prst="flowChartOffpageConnector">
             <a:avLst/>
@@ -11289,14 +11768,14 @@
       </p:sp>
       <p:sp>
         <p:nvSpPr>
-          <p:cNvPr id="107" name="Google Shape;147;p19"/>
+          <p:cNvPr id="111" name="Google Shape;147;p19"/>
           <p:cNvSpPr/>
           <p:nvPr/>
         </p:nvSpPr>
         <p:spPr>
           <a:xfrm>
             <a:off x="63000" y="2290320"/>
-            <a:ext cx="2999160" cy="396000"/>
+            <a:ext cx="2998800" cy="396000"/>
           </a:xfrm>
           <a:prstGeom prst="rect">
             <a:avLst/>
@@ -11348,14 +11827,14 @@
       </p:sp>
       <p:sp>
         <p:nvSpPr>
-          <p:cNvPr id="108" name="Google Shape;148;p19"/>
+          <p:cNvPr id="112" name="Google Shape;148;p19"/>
           <p:cNvSpPr/>
           <p:nvPr/>
         </p:nvSpPr>
         <p:spPr>
           <a:xfrm>
             <a:off x="2200680" y="2290320"/>
-            <a:ext cx="2999160" cy="396000"/>
+            <a:ext cx="2998800" cy="396000"/>
           </a:xfrm>
           <a:prstGeom prst="rect">
             <a:avLst/>
@@ -11407,14 +11886,14 @@
       </p:sp>
       <p:sp>
         <p:nvSpPr>
-          <p:cNvPr id="109" name="Google Shape;149;p19"/>
+          <p:cNvPr id="113" name="Google Shape;149;p19"/>
           <p:cNvSpPr/>
           <p:nvPr/>
         </p:nvSpPr>
         <p:spPr>
           <a:xfrm>
             <a:off x="3937320" y="2290320"/>
-            <a:ext cx="2999160" cy="396000"/>
+            <a:ext cx="2998800" cy="396000"/>
           </a:xfrm>
           <a:prstGeom prst="rect">
             <a:avLst/>
@@ -11466,14 +11945,14 @@
       </p:sp>
       <p:sp>
         <p:nvSpPr>
-          <p:cNvPr id="110" name="Google Shape;150;p19"/>
+          <p:cNvPr id="114" name="Google Shape;150;p19"/>
           <p:cNvSpPr/>
           <p:nvPr/>
         </p:nvSpPr>
         <p:spPr>
           <a:xfrm>
             <a:off x="5659560" y="2290320"/>
-            <a:ext cx="2999160" cy="396000"/>
+            <a:ext cx="2998800" cy="396000"/>
           </a:xfrm>
           <a:prstGeom prst="rect">
             <a:avLst/>
@@ -11525,14 +12004,14 @@
       </p:sp>
       <p:sp>
         <p:nvSpPr>
-          <p:cNvPr id="111" name="Google Shape;151;p19"/>
+          <p:cNvPr id="115" name="Google Shape;151;p19"/>
           <p:cNvSpPr/>
           <p:nvPr/>
         </p:nvSpPr>
         <p:spPr>
           <a:xfrm>
             <a:off x="7390080" y="2290320"/>
-            <a:ext cx="2999160" cy="396000"/>
+            <a:ext cx="2998800" cy="396000"/>
           </a:xfrm>
           <a:prstGeom prst="rect">
             <a:avLst/>
@@ -11584,14 +12063,14 @@
       </p:sp>
       <p:sp>
         <p:nvSpPr>
-          <p:cNvPr id="112" name="Google Shape;152;p19"/>
+          <p:cNvPr id="116" name="Google Shape;152;p19"/>
           <p:cNvSpPr/>
           <p:nvPr/>
         </p:nvSpPr>
         <p:spPr>
           <a:xfrm>
             <a:off x="610920" y="3675240"/>
-            <a:ext cx="7995960" cy="609480"/>
+            <a:ext cx="7995600" cy="609480"/>
           </a:xfrm>
           <a:prstGeom prst="rect">
             <a:avLst/>
@@ -11673,14 +12152,14 @@
       </p:grpSpPr>
       <p:sp>
         <p:nvSpPr>
-          <p:cNvPr id="113" name="Google Shape;157;p20"/>
+          <p:cNvPr id="117" name="Google Shape;157;p20"/>
           <p:cNvSpPr/>
           <p:nvPr/>
         </p:nvSpPr>
         <p:spPr>
           <a:xfrm rot="16200000">
-            <a:off x="7543080" y="1403640"/>
-            <a:ext cx="1002960" cy="2174400"/>
+            <a:off x="7543080" y="1404000"/>
+            <a:ext cx="1002600" cy="2174040"/>
           </a:xfrm>
           <a:prstGeom prst="flowChartOffpageConnector">
             <a:avLst/>
@@ -11726,7 +12205,7 @@
       </p:sp>
       <p:sp>
         <p:nvSpPr>
-          <p:cNvPr id="114" name="PlaceHolder 1"/>
+          <p:cNvPr id="118" name="PlaceHolder 1"/>
           <p:cNvSpPr>
             <a:spLocks noGrp="1"/>
           </p:cNvSpPr>
@@ -11737,7 +12216,7 @@
         <p:spPr>
           <a:xfrm>
             <a:off x="535680" y="712080"/>
-            <a:ext cx="5196600" cy="767160"/>
+            <a:ext cx="5196240" cy="766800"/>
           </a:xfrm>
           <a:prstGeom prst="rect">
             <a:avLst/>
@@ -11787,14 +12266,14 @@
       </p:sp>
       <p:sp>
         <p:nvSpPr>
-          <p:cNvPr id="115" name="Google Shape;159;p20"/>
+          <p:cNvPr id="119" name="Google Shape;159;p20"/>
           <p:cNvSpPr/>
           <p:nvPr/>
         </p:nvSpPr>
         <p:spPr>
           <a:xfrm rot="16200000">
-            <a:off x="5800680" y="1403640"/>
-            <a:ext cx="1002960" cy="2174400"/>
+            <a:off x="5800680" y="1404000"/>
+            <a:ext cx="1002600" cy="2174040"/>
           </a:xfrm>
           <a:prstGeom prst="flowChartOffpageConnector">
             <a:avLst/>
@@ -11840,14 +12319,14 @@
       </p:sp>
       <p:sp>
         <p:nvSpPr>
-          <p:cNvPr id="116" name="Google Shape;160;p20"/>
+          <p:cNvPr id="120" name="Google Shape;160;p20"/>
           <p:cNvSpPr/>
           <p:nvPr/>
         </p:nvSpPr>
         <p:spPr>
           <a:xfrm rot="16200000">
-            <a:off x="4070160" y="1403640"/>
-            <a:ext cx="1002960" cy="2174400"/>
+            <a:off x="4070160" y="1404000"/>
+            <a:ext cx="1002600" cy="2174040"/>
           </a:xfrm>
           <a:prstGeom prst="flowChartOffpageConnector">
             <a:avLst/>
@@ -11893,14 +12372,14 @@
       </p:sp>
       <p:sp>
         <p:nvSpPr>
-          <p:cNvPr id="117" name="Google Shape;161;p20"/>
+          <p:cNvPr id="121" name="Google Shape;161;p20"/>
           <p:cNvSpPr/>
           <p:nvPr/>
         </p:nvSpPr>
         <p:spPr>
           <a:xfrm rot="16200000">
-            <a:off x="2327760" y="1403640"/>
-            <a:ext cx="1002960" cy="2174400"/>
+            <a:off x="2327760" y="1404000"/>
+            <a:ext cx="1002600" cy="2174040"/>
           </a:xfrm>
           <a:prstGeom prst="flowChartOffpageConnector">
             <a:avLst/>
@@ -11946,14 +12425,14 @@
       </p:sp>
       <p:sp>
         <p:nvSpPr>
-          <p:cNvPr id="118" name="Google Shape;162;p20"/>
+          <p:cNvPr id="122" name="Google Shape;162;p20"/>
           <p:cNvSpPr/>
           <p:nvPr/>
         </p:nvSpPr>
         <p:spPr>
           <a:xfrm rot="16200000">
-            <a:off x="597240" y="1403640"/>
-            <a:ext cx="1002960" cy="2174400"/>
+            <a:off x="597240" y="1404000"/>
+            <a:ext cx="1002600" cy="2174040"/>
           </a:xfrm>
           <a:prstGeom prst="flowChartOffpageConnector">
             <a:avLst/>
@@ -11999,14 +12478,14 @@
       </p:sp>
       <p:sp>
         <p:nvSpPr>
-          <p:cNvPr id="119" name="Google Shape;163;p20"/>
+          <p:cNvPr id="123" name="Google Shape;163;p20"/>
           <p:cNvSpPr/>
           <p:nvPr/>
         </p:nvSpPr>
         <p:spPr>
           <a:xfrm>
             <a:off x="63000" y="2290320"/>
-            <a:ext cx="2999160" cy="396000"/>
+            <a:ext cx="2998800" cy="396000"/>
           </a:xfrm>
           <a:prstGeom prst="rect">
             <a:avLst/>
@@ -12058,14 +12537,14 @@
       </p:sp>
       <p:sp>
         <p:nvSpPr>
-          <p:cNvPr id="120" name="Google Shape;164;p20"/>
+          <p:cNvPr id="124" name="Google Shape;164;p20"/>
           <p:cNvSpPr/>
           <p:nvPr/>
         </p:nvSpPr>
         <p:spPr>
           <a:xfrm>
             <a:off x="2200680" y="2290320"/>
-            <a:ext cx="2999160" cy="396000"/>
+            <a:ext cx="2998800" cy="396000"/>
           </a:xfrm>
           <a:prstGeom prst="rect">
             <a:avLst/>
@@ -12117,14 +12596,14 @@
       </p:sp>
       <p:sp>
         <p:nvSpPr>
-          <p:cNvPr id="121" name="Google Shape;165;p20"/>
+          <p:cNvPr id="125" name="Google Shape;165;p20"/>
           <p:cNvSpPr/>
           <p:nvPr/>
         </p:nvSpPr>
         <p:spPr>
           <a:xfrm>
             <a:off x="3937320" y="2290320"/>
-            <a:ext cx="2999160" cy="396000"/>
+            <a:ext cx="2998800" cy="396000"/>
           </a:xfrm>
           <a:prstGeom prst="rect">
             <a:avLst/>
@@ -12176,14 +12655,14 @@
       </p:sp>
       <p:sp>
         <p:nvSpPr>
-          <p:cNvPr id="122" name="Google Shape;166;p20"/>
+          <p:cNvPr id="126" name="Google Shape;166;p20"/>
           <p:cNvSpPr/>
           <p:nvPr/>
         </p:nvSpPr>
         <p:spPr>
           <a:xfrm>
             <a:off x="5659560" y="2290320"/>
-            <a:ext cx="2999160" cy="396000"/>
+            <a:ext cx="2998800" cy="396000"/>
           </a:xfrm>
           <a:prstGeom prst="rect">
             <a:avLst/>
@@ -12235,14 +12714,14 @@
       </p:sp>
       <p:sp>
         <p:nvSpPr>
-          <p:cNvPr id="123" name="Google Shape;167;p20"/>
+          <p:cNvPr id="127" name="Google Shape;167;p20"/>
           <p:cNvSpPr/>
           <p:nvPr/>
         </p:nvSpPr>
         <p:spPr>
           <a:xfrm>
             <a:off x="7390080" y="2290320"/>
-            <a:ext cx="2999160" cy="396000"/>
+            <a:ext cx="2998800" cy="396000"/>
           </a:xfrm>
           <a:prstGeom prst="rect">
             <a:avLst/>
@@ -12294,14 +12773,14 @@
       </p:sp>
       <p:sp>
         <p:nvSpPr>
-          <p:cNvPr id="124" name="Google Shape;168;p20"/>
+          <p:cNvPr id="128" name="Google Shape;168;p20"/>
           <p:cNvSpPr/>
           <p:nvPr/>
         </p:nvSpPr>
         <p:spPr>
           <a:xfrm>
             <a:off x="610920" y="3675240"/>
-            <a:ext cx="7995960" cy="822960"/>
+            <a:ext cx="7995600" cy="822960"/>
           </a:xfrm>
           <a:prstGeom prst="rect">
             <a:avLst/>
@@ -12428,7 +12907,7 @@
       </p:grpSpPr>
       <p:sp>
         <p:nvSpPr>
-          <p:cNvPr id="125" name="PlaceHolder 1"/>
+          <p:cNvPr id="129" name="PlaceHolder 1"/>
           <p:cNvSpPr>
             <a:spLocks noGrp="1"/>
           </p:cNvSpPr>
@@ -12439,7 +12918,7 @@
         <p:spPr>
           <a:xfrm>
             <a:off x="282960" y="712080"/>
-            <a:ext cx="8621640" cy="3834720"/>
+            <a:ext cx="8621280" cy="3834360"/>
           </a:xfrm>
           <a:prstGeom prst="rect">
             <a:avLst/>
@@ -12510,14 +12989,14 @@
       </p:sp>
       <p:sp>
         <p:nvSpPr>
-          <p:cNvPr id="126" name="Google Shape;174;p21"/>
+          <p:cNvPr id="130" name="Google Shape;174;p21"/>
           <p:cNvSpPr/>
           <p:nvPr/>
         </p:nvSpPr>
         <p:spPr>
           <a:xfrm>
             <a:off x="404280" y="1877760"/>
-            <a:ext cx="2999160" cy="3010320"/>
+            <a:ext cx="2998800" cy="3010320"/>
           </a:xfrm>
           <a:prstGeom prst="rect">
             <a:avLst/>
@@ -13267,6 +13746,178 @@
 </file>
 
 <file path=ppt/theme/theme12.xml><?xml version="1.0" encoding="utf-8"?>
+<a:theme xmlns:a="http://schemas.openxmlformats.org/drawingml/2006/main" xmlns:r="http://schemas.openxmlformats.org/officeDocument/2006/relationships" name="Swiss">
+  <a:themeElements>
+    <a:clrScheme name="Swiss">
+      <a:dk1>
+        <a:srgbClr val="f46524"/>
+      </a:dk1>
+      <a:lt1>
+        <a:srgbClr val="ffffff"/>
+      </a:lt1>
+      <a:dk2>
+        <a:srgbClr val="000000"/>
+      </a:dk2>
+      <a:lt2>
+        <a:srgbClr val="757575"/>
+      </a:lt2>
+      <a:accent1>
+        <a:srgbClr val="01579b"/>
+      </a:accent1>
+      <a:accent2>
+        <a:srgbClr val="27c7bd"/>
+      </a:accent2>
+      <a:accent3>
+        <a:srgbClr val="0099e8"/>
+      </a:accent3>
+      <a:accent4>
+        <a:srgbClr val="51b9a3"/>
+      </a:accent4>
+      <a:accent5>
+        <a:srgbClr val="fb8c00"/>
+      </a:accent5>
+      <a:accent6>
+        <a:srgbClr val="ffae88"/>
+      </a:accent6>
+      <a:hlink>
+        <a:srgbClr val="0277bd"/>
+      </a:hlink>
+      <a:folHlink>
+        <a:srgbClr val="0277bd"/>
+      </a:folHlink>
+    </a:clrScheme>
+    <a:fontScheme name="Office">
+      <a:majorFont>
+        <a:latin typeface="Arial" pitchFamily="0" charset="1"/>
+        <a:ea typeface=""/>
+        <a:cs typeface=""/>
+      </a:majorFont>
+      <a:minorFont>
+        <a:latin typeface="Arial" pitchFamily="0" charset="1"/>
+        <a:ea typeface=""/>
+        <a:cs typeface=""/>
+      </a:minorFont>
+    </a:fontScheme>
+    <a:fmtScheme>
+      <a:fillStyleLst>
+        <a:solidFill>
+          <a:schemeClr val="phClr"/>
+        </a:solidFill>
+        <a:gradFill>
+          <a:gsLst>
+            <a:gs pos="0">
+              <a:schemeClr val="phClr">
+                <a:tint val="50000"/>
+              </a:schemeClr>
+            </a:gs>
+            <a:gs pos="35000">
+              <a:schemeClr val="phClr">
+                <a:tint val="37000"/>
+              </a:schemeClr>
+            </a:gs>
+            <a:gs pos="100000">
+              <a:schemeClr val="phClr">
+                <a:tint val="15000"/>
+              </a:schemeClr>
+            </a:gs>
+          </a:gsLst>
+          <a:lin ang="16200000" scaled="1"/>
+          <a:tileRect l="0" t="0" r="0" b="0"/>
+        </a:gradFill>
+        <a:gradFill>
+          <a:gsLst>
+            <a:gs pos="0">
+              <a:schemeClr val="phClr">
+                <a:tint val="100000"/>
+                <a:shade val="100000"/>
+              </a:schemeClr>
+            </a:gs>
+            <a:gs pos="100000">
+              <a:schemeClr val="phClr">
+                <a:tint val="50000"/>
+                <a:shade val="100000"/>
+              </a:schemeClr>
+            </a:gs>
+          </a:gsLst>
+          <a:lin ang="16200000" scaled="0"/>
+          <a:tileRect l="0" t="0" r="0" b="0"/>
+        </a:gradFill>
+      </a:fillStyleLst>
+      <a:lnStyleLst>
+        <a:ln w="9525" cap="flat" cmpd="sng" algn="ctr">
+          <a:prstDash val="solid"/>
+        </a:ln>
+        <a:ln w="25400" cap="flat" cmpd="sng" algn="ctr">
+          <a:prstDash val="solid"/>
+        </a:ln>
+        <a:ln w="38100" cap="flat" cmpd="sng" algn="ctr">
+          <a:prstDash val="solid"/>
+        </a:ln>
+      </a:lnStyleLst>
+      <a:effectStyleLst>
+        <a:effectStyle>
+          <a:effectLst/>
+        </a:effectStyle>
+        <a:effectStyle>
+          <a:effectLst/>
+        </a:effectStyle>
+        <a:effectStyle>
+          <a:effectLst/>
+        </a:effectStyle>
+      </a:effectStyleLst>
+      <a:bgFillStyleLst>
+        <a:solidFill>
+          <a:schemeClr val="phClr"/>
+        </a:solidFill>
+        <a:gradFill>
+          <a:gsLst>
+            <a:gs pos="0">
+              <a:schemeClr val="phClr">
+                <a:tint val="40000"/>
+              </a:schemeClr>
+            </a:gs>
+            <a:gs pos="40000">
+              <a:schemeClr val="phClr">
+                <a:tint val="45000"/>
+                <a:shade val="99000"/>
+              </a:schemeClr>
+            </a:gs>
+            <a:gs pos="100000">
+              <a:schemeClr val="phClr">
+                <a:shade val="20000"/>
+              </a:schemeClr>
+            </a:gs>
+          </a:gsLst>
+          <a:path path="circle">
+            <a:fillToRect l="50000" t="-80000" r="50000" b="180000"/>
+          </a:path>
+          <a:tileRect l="0" t="0" r="0" b="0"/>
+        </a:gradFill>
+        <a:gradFill>
+          <a:gsLst>
+            <a:gs pos="0">
+              <a:schemeClr val="phClr">
+                <a:tint val="80000"/>
+              </a:schemeClr>
+            </a:gs>
+            <a:gs pos="100000">
+              <a:schemeClr val="phClr">
+                <a:shade val="30000"/>
+              </a:schemeClr>
+            </a:gs>
+          </a:gsLst>
+          <a:path path="circle">
+            <a:fillToRect l="50000" t="50000" r="50000" b="50000"/>
+          </a:path>
+          <a:tileRect l="0" t="0" r="0" b="0"/>
+        </a:gradFill>
+      </a:bgFillStyleLst>
+    </a:fmtScheme>
+  </a:themeElements>
+</a:theme>
+</file>
+
+<file path=ppt/theme/theme13.xml><?xml version="1.0" encoding="utf-8"?>
 <a:theme xmlns:a="http://schemas.openxmlformats.org/drawingml/2006/main" xmlns:r="http://schemas.openxmlformats.org/officeDocument/2006/relationships" name="Swiss">
   <a:themeElements>
     <a:clrScheme name="Swiss">
